--- a/RxJava.pptx
+++ b/RxJava.pptx
@@ -5,10 +5,10 @@
     <p:sldMasterId id="2147483648" r:id="rId1"/>
   </p:sldMasterIdLst>
   <p:notesMasterIdLst>
-    <p:notesMasterId r:id="rId16"/>
+    <p:notesMasterId r:id="rId23"/>
   </p:notesMasterIdLst>
   <p:handoutMasterIdLst>
-    <p:handoutMasterId r:id="rId17"/>
+    <p:handoutMasterId r:id="rId24"/>
   </p:handoutMasterIdLst>
   <p:sldIdLst>
     <p:sldId id="256" r:id="rId2"/>
@@ -24,7 +24,14 @@
     <p:sldId id="293" r:id="rId12"/>
     <p:sldId id="294" r:id="rId13"/>
     <p:sldId id="295" r:id="rId14"/>
-    <p:sldId id="296" r:id="rId15"/>
+    <p:sldId id="298" r:id="rId15"/>
+    <p:sldId id="299" r:id="rId16"/>
+    <p:sldId id="300" r:id="rId17"/>
+    <p:sldId id="301" r:id="rId18"/>
+    <p:sldId id="302" r:id="rId19"/>
+    <p:sldId id="303" r:id="rId20"/>
+    <p:sldId id="304" r:id="rId21"/>
+    <p:sldId id="305" r:id="rId22"/>
   </p:sldIdLst>
   <p:sldSz cx="9144000" cy="6858000" type="screen4x3"/>
   <p:notesSz cx="6858000" cy="9144000"/>
@@ -208,7 +215,7 @@
           <a:p>
             <a:fld id="{E87B8893-9EC3-4FF4-9868-4D88AB5F357C}" type="datetimeFigureOut">
               <a:rPr lang="ko-KR" altLang="en-US" smtClean="0"/>
-              <a:t>2019-04-16</a:t>
+              <a:t>2019-04-17</a:t>
             </a:fld>
             <a:endParaRPr lang="ko-KR" altLang="en-US" dirty="0"/>
           </a:p>
@@ -374,7 +381,7 @@
           <a:p>
             <a:fld id="{86C0F721-6F5E-43E8-8FD0-BB6D07CDA4CD}" type="datetimeFigureOut">
               <a:rPr lang="ko-KR" altLang="en-US" smtClean="0"/>
-              <a:t>2019-04-16</a:t>
+              <a:t>2019-04-17</a:t>
             </a:fld>
             <a:endParaRPr lang="ko-KR" altLang="en-US" dirty="0"/>
           </a:p>
@@ -3958,21 +3965,7 @@
                 <a:latin typeface="+mj-ea"/>
                 <a:cs typeface="산돌고딕 L" panose="02030504000101010101" pitchFamily="18" charset="-127"/>
               </a:rPr>
-              <a:t>3</a:t>
-            </a:r>
-            <a:r>
-              <a:rPr lang="en-US" altLang="ko-KR" sz="2000" dirty="0" smtClean="0">
-                <a:latin typeface="+mj-ea"/>
-                <a:cs typeface="산돌고딕 L" panose="02030504000101010101" pitchFamily="18" charset="-127"/>
-              </a:rPr>
-              <a:t>. </a:t>
-            </a:r>
-            <a:r>
-              <a:rPr lang="en-US" altLang="ko-KR" sz="2000" dirty="0" smtClean="0">
-                <a:latin typeface="+mj-ea"/>
-                <a:cs typeface="산돌고딕 L" panose="02030504000101010101" pitchFamily="18" charset="-127"/>
-              </a:rPr>
-              <a:t>Creating Observables</a:t>
+              <a:t>3. Creating Observables</a:t>
             </a:r>
             <a:endParaRPr lang="ko-KR" altLang="ko-KR" dirty="0"/>
           </a:p>
@@ -4314,21 +4307,7 @@
                 <a:latin typeface="+mj-ea"/>
                 <a:cs typeface="산돌고딕 L" panose="02030504000101010101" pitchFamily="18" charset="-127"/>
               </a:rPr>
-              <a:t>3</a:t>
-            </a:r>
-            <a:r>
-              <a:rPr lang="en-US" altLang="ko-KR" sz="2000" dirty="0" smtClean="0">
-                <a:latin typeface="+mj-ea"/>
-                <a:cs typeface="산돌고딕 L" panose="02030504000101010101" pitchFamily="18" charset="-127"/>
-              </a:rPr>
-              <a:t>. </a:t>
-            </a:r>
-            <a:r>
-              <a:rPr lang="en-US" altLang="ko-KR" sz="2000" dirty="0" smtClean="0">
-                <a:latin typeface="+mj-ea"/>
-                <a:cs typeface="산돌고딕 L" panose="02030504000101010101" pitchFamily="18" charset="-127"/>
-              </a:rPr>
-              <a:t>Creating Observables</a:t>
+              <a:t>3. Creating Observables</a:t>
             </a:r>
             <a:endParaRPr lang="ko-KR" altLang="ko-KR" dirty="0"/>
           </a:p>
@@ -4645,21 +4624,7 @@
                 <a:latin typeface="+mj-ea"/>
                 <a:cs typeface="산돌고딕 L" panose="02030504000101010101" pitchFamily="18" charset="-127"/>
               </a:rPr>
-              <a:t>3</a:t>
-            </a:r>
-            <a:r>
-              <a:rPr lang="en-US" altLang="ko-KR" sz="2000" dirty="0" smtClean="0">
-                <a:latin typeface="+mj-ea"/>
-                <a:cs typeface="산돌고딕 L" panose="02030504000101010101" pitchFamily="18" charset="-127"/>
-              </a:rPr>
-              <a:t>. </a:t>
-            </a:r>
-            <a:r>
-              <a:rPr lang="en-US" altLang="ko-KR" sz="2000" dirty="0" smtClean="0">
-                <a:latin typeface="+mj-ea"/>
-                <a:cs typeface="산돌고딕 L" panose="02030504000101010101" pitchFamily="18" charset="-127"/>
-              </a:rPr>
-              <a:t>Creating Observables</a:t>
+              <a:t>3. Creating Observables</a:t>
             </a:r>
             <a:endParaRPr lang="ko-KR" altLang="ko-KR" dirty="0"/>
           </a:p>
@@ -5010,25 +4975,39 @@
           <a:p>
             <a:pPr lvl="0"/>
             <a:r>
+              <a:rPr lang="en-US" altLang="ko-KR" sz="2000" dirty="0">
+                <a:latin typeface="+mj-ea"/>
+                <a:cs typeface="산돌고딕 L" panose="02030504000101010101" pitchFamily="18" charset="-127"/>
+              </a:rPr>
+              <a:t>4</a:t>
+            </a:r>
+            <a:r>
               <a:rPr lang="en-US" altLang="ko-KR" sz="2000" dirty="0" smtClean="0">
                 <a:latin typeface="+mj-ea"/>
                 <a:cs typeface="산돌고딕 L" panose="02030504000101010101" pitchFamily="18" charset="-127"/>
               </a:rPr>
-              <a:t>3</a:t>
+              <a:t>. </a:t>
             </a:r>
             <a:r>
               <a:rPr lang="en-US" altLang="ko-KR" sz="2000" dirty="0" smtClean="0">
                 <a:latin typeface="+mj-ea"/>
                 <a:cs typeface="산돌고딕 L" panose="02030504000101010101" pitchFamily="18" charset="-127"/>
               </a:rPr>
-              <a:t>. </a:t>
+              <a:t>Transforming</a:t>
             </a:r>
             <a:r>
               <a:rPr lang="en-US" altLang="ko-KR" sz="2000" dirty="0" smtClean="0">
                 <a:latin typeface="+mj-ea"/>
                 <a:cs typeface="산돌고딕 L" panose="02030504000101010101" pitchFamily="18" charset="-127"/>
               </a:rPr>
-              <a:t>Creating Observables</a:t>
+              <a:t> </a:t>
+            </a:r>
+            <a:r>
+              <a:rPr lang="en-US" altLang="ko-KR" sz="2000" dirty="0" smtClean="0">
+                <a:latin typeface="+mj-ea"/>
+                <a:cs typeface="산돌고딕 L" panose="02030504000101010101" pitchFamily="18" charset="-127"/>
+              </a:rPr>
+              <a:t>Observables</a:t>
             </a:r>
             <a:endParaRPr lang="ko-KR" altLang="ko-KR" dirty="0"/>
           </a:p>
@@ -5064,7 +5043,13 @@
               <a:rPr lang="en-US" altLang="ko-KR" sz="1200" dirty="0" smtClean="0">
                 <a:latin typeface="+mn-ea"/>
               </a:rPr>
-              <a:t>3.2 () </a:t>
+              <a:t>4</a:t>
+            </a:r>
+            <a:r>
+              <a:rPr lang="en-US" altLang="ko-KR" sz="1200" dirty="0" smtClean="0">
+                <a:latin typeface="+mn-ea"/>
+              </a:rPr>
+              <a:t>.1 map() </a:t>
             </a:r>
             <a:r>
               <a:rPr lang="ko-KR" altLang="en-US" sz="1200" dirty="0" smtClean="0">
@@ -5084,12 +5069,280 @@
               <a:buFont typeface="Arial" pitchFamily="34" charset="0"/>
               <a:buChar char="•"/>
             </a:pPr>
+            <a:r>
+              <a:rPr lang="ko-KR" altLang="en-US" sz="1200" dirty="0" smtClean="0">
+                <a:latin typeface="+mn-ea"/>
+              </a:rPr>
+              <a:t>입력 값을 어떤 함수에 넣어서 원하는 값으로 변환하는 함수</a:t>
+            </a:r>
             <a:endParaRPr lang="en-US" altLang="ko-KR" sz="1200" dirty="0" smtClean="0">
               <a:latin typeface="+mn-ea"/>
             </a:endParaRPr>
           </a:p>
         </p:txBody>
       </p:sp>
+      <p:sp>
+        <p:nvSpPr>
+          <p:cNvPr id="2" name="AutoShape 4" descr="rxjava map marble diagramì ëí ì´ë¯¸ì§ ê²ìê²°ê³¼"/>
+          <p:cNvSpPr>
+            <a:spLocks noChangeAspect="1" noChangeArrowheads="1"/>
+          </p:cNvSpPr>
+          <p:nvPr/>
+        </p:nvSpPr>
+        <p:spPr bwMode="auto">
+          <a:xfrm>
+            <a:off x="168275" y="-144463"/>
+            <a:ext cx="304800" cy="304801"/>
+          </a:xfrm>
+          <a:prstGeom prst="rect">
+            <a:avLst/>
+          </a:prstGeom>
+          <a:noFill/>
+          <a:extLst>
+            <a:ext uri="{909E8E84-426E-40DD-AFC4-6F175D3DCCD1}">
+              <a14:hiddenFill xmlns:a14="http://schemas.microsoft.com/office/drawing/2010/main">
+                <a:solidFill>
+                  <a:srgbClr val="FFFFFF"/>
+                </a:solidFill>
+              </a14:hiddenFill>
+            </a:ext>
+          </a:extLst>
+        </p:spPr>
+        <p:txBody>
+          <a:bodyPr vert="horz" wrap="square" lIns="91440" tIns="45720" rIns="91440" bIns="45720" numCol="1" anchor="t" anchorCtr="0" compatLnSpc="1">
+            <a:prstTxWarp prst="textNoShape">
+              <a:avLst/>
+            </a:prstTxWarp>
+          </a:bodyPr>
+          <a:lstStyle/>
+          <a:p>
+            <a:endParaRPr lang="ko-KR" altLang="en-US"/>
+          </a:p>
+        </p:txBody>
+      </p:sp>
+      <p:sp>
+        <p:nvSpPr>
+          <p:cNvPr id="3" name="AutoShape 6" descr="rxjava map marble diagramì ëí ì´ë¯¸ì§ ê²ìê²°ê³¼"/>
+          <p:cNvSpPr>
+            <a:spLocks noChangeAspect="1" noChangeArrowheads="1"/>
+          </p:cNvSpPr>
+          <p:nvPr/>
+        </p:nvSpPr>
+        <p:spPr bwMode="auto">
+          <a:xfrm>
+            <a:off x="320675" y="7937"/>
+            <a:ext cx="304800" cy="304801"/>
+          </a:xfrm>
+          <a:prstGeom prst="rect">
+            <a:avLst/>
+          </a:prstGeom>
+          <a:noFill/>
+          <a:extLst>
+            <a:ext uri="{909E8E84-426E-40DD-AFC4-6F175D3DCCD1}">
+              <a14:hiddenFill xmlns:a14="http://schemas.microsoft.com/office/drawing/2010/main">
+                <a:solidFill>
+                  <a:srgbClr val="FFFFFF"/>
+                </a:solidFill>
+              </a14:hiddenFill>
+            </a:ext>
+          </a:extLst>
+        </p:spPr>
+        <p:txBody>
+          <a:bodyPr vert="horz" wrap="square" lIns="91440" tIns="45720" rIns="91440" bIns="45720" numCol="1" anchor="t" anchorCtr="0" compatLnSpc="1">
+            <a:prstTxWarp prst="textNoShape">
+              <a:avLst/>
+            </a:prstTxWarp>
+          </a:bodyPr>
+          <a:lstStyle/>
+          <a:p>
+            <a:endParaRPr lang="ko-KR" altLang="en-US"/>
+          </a:p>
+        </p:txBody>
+      </p:sp>
+      <p:pic>
+        <p:nvPicPr>
+          <p:cNvPr id="1032" name="Picture 8" descr="rxjava map marble diagramì ëí ì´ë¯¸ì§ ê²ìê²°ê³¼"/>
+          <p:cNvPicPr>
+            <a:picLocks noChangeAspect="1" noChangeArrowheads="1"/>
+          </p:cNvPicPr>
+          <p:nvPr/>
+        </p:nvPicPr>
+        <p:blipFill>
+          <a:blip r:embed="rId2" cstate="print">
+            <a:extLst>
+              <a:ext uri="{28A0092B-C50C-407E-A947-70E740481C1C}">
+                <a14:useLocalDpi xmlns:a14="http://schemas.microsoft.com/office/drawing/2010/main" val="0"/>
+              </a:ext>
+            </a:extLst>
+          </a:blip>
+          <a:srcRect/>
+          <a:stretch>
+            <a:fillRect/>
+          </a:stretch>
+        </p:blipFill>
+        <p:spPr bwMode="auto">
+          <a:xfrm>
+            <a:off x="2595121" y="1911574"/>
+            <a:ext cx="3953758" cy="1884214"/>
+          </a:xfrm>
+          <a:prstGeom prst="rect">
+            <a:avLst/>
+          </a:prstGeom>
+          <a:noFill/>
+          <a:extLst>
+            <a:ext uri="{909E8E84-426E-40DD-AFC4-6F175D3DCCD1}">
+              <a14:hiddenFill xmlns:a14="http://schemas.microsoft.com/office/drawing/2010/main">
+                <a:solidFill>
+                  <a:srgbClr val="FFFFFF"/>
+                </a:solidFill>
+              </a14:hiddenFill>
+            </a:ext>
+          </a:extLst>
+        </p:spPr>
+      </p:pic>
+      <p:grpSp>
+        <p:nvGrpSpPr>
+          <p:cNvPr id="4" name="그룹 3"/>
+          <p:cNvGrpSpPr/>
+          <p:nvPr/>
+        </p:nvGrpSpPr>
+        <p:grpSpPr>
+          <a:xfrm>
+            <a:off x="2086859" y="4111723"/>
+            <a:ext cx="4970282" cy="1624817"/>
+            <a:chOff x="825854" y="4111724"/>
+            <a:chExt cx="4079149" cy="1333500"/>
+          </a:xfrm>
+        </p:grpSpPr>
+        <p:pic>
+          <p:nvPicPr>
+            <p:cNvPr id="1026" name="Picture 2"/>
+            <p:cNvPicPr>
+              <a:picLocks noChangeAspect="1" noChangeArrowheads="1"/>
+            </p:cNvPicPr>
+            <p:nvPr/>
+          </p:nvPicPr>
+          <p:blipFill>
+            <a:blip r:embed="rId3">
+              <a:extLst>
+                <a:ext uri="{28A0092B-C50C-407E-A947-70E740481C1C}">
+                  <a14:useLocalDpi xmlns:a14="http://schemas.microsoft.com/office/drawing/2010/main" val="0"/>
+                </a:ext>
+              </a:extLst>
+            </a:blip>
+            <a:srcRect/>
+            <a:stretch>
+              <a:fillRect/>
+            </a:stretch>
+          </p:blipFill>
+          <p:spPr bwMode="auto">
+            <a:xfrm>
+              <a:off x="825854" y="4111724"/>
+              <a:ext cx="2495550" cy="1333500"/>
+            </a:xfrm>
+            <a:prstGeom prst="rect">
+              <a:avLst/>
+            </a:prstGeom>
+            <a:noFill/>
+            <a:ln>
+              <a:noFill/>
+            </a:ln>
+            <a:effectLst/>
+            <a:extLst>
+              <a:ext uri="{909E8E84-426E-40DD-AFC4-6F175D3DCCD1}">
+                <a14:hiddenFill xmlns:a14="http://schemas.microsoft.com/office/drawing/2010/main">
+                  <a:solidFill>
+                    <a:schemeClr val="accent1"/>
+                  </a:solidFill>
+                </a14:hiddenFill>
+              </a:ext>
+              <a:ext uri="{91240B29-F687-4F45-9708-019B960494DF}">
+                <a14:hiddenLine xmlns:a14="http://schemas.microsoft.com/office/drawing/2010/main" w="9525">
+                  <a:solidFill>
+                    <a:schemeClr val="tx1"/>
+                  </a:solidFill>
+                  <a:miter lim="800000"/>
+                  <a:headEnd/>
+                  <a:tailEnd/>
+                </a14:hiddenLine>
+              </a:ext>
+              <a:ext uri="{AF507438-7753-43E0-B8FC-AC1667EBCBE1}">
+                <a14:hiddenEffects xmlns:a14="http://schemas.microsoft.com/office/drawing/2010/main">
+                  <a:effectLst>
+                    <a:outerShdw dist="35921" dir="2700000" algn="ctr" rotWithShape="0">
+                      <a:schemeClr val="bg2"/>
+                    </a:outerShdw>
+                  </a:effectLst>
+                </a14:hiddenEffects>
+              </a:ext>
+            </a:extLst>
+          </p:spPr>
+        </p:pic>
+        <p:pic>
+          <p:nvPicPr>
+            <p:cNvPr id="1033" name="Picture 9"/>
+            <p:cNvPicPr>
+              <a:picLocks noChangeAspect="1" noChangeArrowheads="1"/>
+            </p:cNvPicPr>
+            <p:nvPr/>
+          </p:nvPicPr>
+          <p:blipFill>
+            <a:blip r:embed="rId4">
+              <a:extLst>
+                <a:ext uri="{28A0092B-C50C-407E-A947-70E740481C1C}">
+                  <a14:useLocalDpi xmlns:a14="http://schemas.microsoft.com/office/drawing/2010/main" val="0"/>
+                </a:ext>
+              </a:extLst>
+            </a:blip>
+            <a:srcRect/>
+            <a:stretch>
+              <a:fillRect/>
+            </a:stretch>
+          </p:blipFill>
+          <p:spPr bwMode="auto">
+            <a:xfrm>
+              <a:off x="3923928" y="4111724"/>
+              <a:ext cx="981075" cy="1085850"/>
+            </a:xfrm>
+            <a:prstGeom prst="rect">
+              <a:avLst/>
+            </a:prstGeom>
+            <a:noFill/>
+            <a:ln>
+              <a:noFill/>
+            </a:ln>
+            <a:effectLst/>
+            <a:extLst>
+              <a:ext uri="{909E8E84-426E-40DD-AFC4-6F175D3DCCD1}">
+                <a14:hiddenFill xmlns:a14="http://schemas.microsoft.com/office/drawing/2010/main">
+                  <a:solidFill>
+                    <a:schemeClr val="accent1"/>
+                  </a:solidFill>
+                </a14:hiddenFill>
+              </a:ext>
+              <a:ext uri="{91240B29-F687-4F45-9708-019B960494DF}">
+                <a14:hiddenLine xmlns:a14="http://schemas.microsoft.com/office/drawing/2010/main" w="9525">
+                  <a:solidFill>
+                    <a:schemeClr val="tx1"/>
+                  </a:solidFill>
+                  <a:miter lim="800000"/>
+                  <a:headEnd/>
+                  <a:tailEnd/>
+                </a14:hiddenLine>
+              </a:ext>
+              <a:ext uri="{AF507438-7753-43E0-B8FC-AC1667EBCBE1}">
+                <a14:hiddenEffects xmlns:a14="http://schemas.microsoft.com/office/drawing/2010/main">
+                  <a:effectLst>
+                    <a:outerShdw dist="35921" dir="2700000" algn="ctr" rotWithShape="0">
+                      <a:schemeClr val="bg2"/>
+                    </a:outerShdw>
+                  </a:effectLst>
+                </a14:hiddenEffects>
+              </a:ext>
+            </a:extLst>
+          </p:spPr>
+        </p:pic>
+      </p:grpSp>
     </p:spTree>
     <p:extLst>
       <p:ext uri="{BB962C8B-B14F-4D97-AF65-F5344CB8AC3E}">
@@ -5159,25 +5412,482 @@
           <a:p>
             <a:pPr lvl="0"/>
             <a:r>
+              <a:rPr lang="en-US" altLang="ko-KR" sz="2000" dirty="0">
+                <a:latin typeface="+mj-ea"/>
+                <a:cs typeface="산돌고딕 L" panose="02030504000101010101" pitchFamily="18" charset="-127"/>
+              </a:rPr>
+              <a:t>4</a:t>
+            </a:r>
+            <a:r>
               <a:rPr lang="en-US" altLang="ko-KR" sz="2000" dirty="0" smtClean="0">
                 <a:latin typeface="+mj-ea"/>
                 <a:cs typeface="산돌고딕 L" panose="02030504000101010101" pitchFamily="18" charset="-127"/>
               </a:rPr>
-              <a:t>3</a:t>
+              <a:t>. </a:t>
             </a:r>
             <a:r>
               <a:rPr lang="en-US" altLang="ko-KR" sz="2000" dirty="0" smtClean="0">
                 <a:latin typeface="+mj-ea"/>
                 <a:cs typeface="산돌고딕 L" panose="02030504000101010101" pitchFamily="18" charset="-127"/>
               </a:rPr>
-              <a:t>. </a:t>
+              <a:t>Transforming</a:t>
             </a:r>
             <a:r>
               <a:rPr lang="en-US" altLang="ko-KR" sz="2000" dirty="0" smtClean="0">
                 <a:latin typeface="+mj-ea"/>
                 <a:cs typeface="산돌고딕 L" panose="02030504000101010101" pitchFamily="18" charset="-127"/>
               </a:rPr>
-              <a:t>Creating Observables</a:t>
+              <a:t> </a:t>
+            </a:r>
+            <a:r>
+              <a:rPr lang="en-US" altLang="ko-KR" sz="2000" dirty="0" smtClean="0">
+                <a:latin typeface="+mj-ea"/>
+                <a:cs typeface="산돌고딕 L" panose="02030504000101010101" pitchFamily="18" charset="-127"/>
+              </a:rPr>
+              <a:t>Observables</a:t>
+            </a:r>
+            <a:endParaRPr lang="ko-KR" altLang="ko-KR" dirty="0"/>
+          </a:p>
+        </p:txBody>
+      </p:sp>
+      <p:sp>
+        <p:nvSpPr>
+          <p:cNvPr id="82" name="직사각형 81"/>
+          <p:cNvSpPr/>
+          <p:nvPr/>
+        </p:nvSpPr>
+        <p:spPr>
+          <a:xfrm>
+            <a:off x="723121" y="836712"/>
+            <a:ext cx="7488416" cy="923330"/>
+          </a:xfrm>
+          <a:prstGeom prst="rect">
+            <a:avLst/>
+          </a:prstGeom>
+        </p:spPr>
+        <p:txBody>
+          <a:bodyPr wrap="square">
+            <a:spAutoFit/>
+          </a:bodyPr>
+          <a:lstStyle/>
+          <a:p>
+            <a:pPr marL="0" lvl="1">
+              <a:lnSpc>
+                <a:spcPct val="150000"/>
+              </a:lnSpc>
+            </a:pPr>
+            <a:r>
+              <a:rPr lang="en-US" altLang="ko-KR" sz="1200" dirty="0" smtClean="0">
+                <a:latin typeface="+mn-ea"/>
+              </a:rPr>
+              <a:t>4</a:t>
+            </a:r>
+            <a:r>
+              <a:rPr lang="en-US" altLang="ko-KR" sz="1200" dirty="0" smtClean="0">
+                <a:latin typeface="+mn-ea"/>
+              </a:rPr>
+              <a:t>.2 </a:t>
+            </a:r>
+            <a:r>
+              <a:rPr lang="en-US" altLang="ko-KR" sz="1200" dirty="0" err="1" smtClean="0">
+                <a:latin typeface="+mn-ea"/>
+              </a:rPr>
+              <a:t>flatMap</a:t>
+            </a:r>
+            <a:r>
+              <a:rPr lang="en-US" altLang="ko-KR" sz="1200" dirty="0" smtClean="0">
+                <a:latin typeface="+mn-ea"/>
+              </a:rPr>
+              <a:t>() </a:t>
+            </a:r>
+            <a:r>
+              <a:rPr lang="ko-KR" altLang="en-US" sz="1200" dirty="0" smtClean="0">
+                <a:latin typeface="+mn-ea"/>
+              </a:rPr>
+              <a:t>함수</a:t>
+            </a:r>
+            <a:endParaRPr lang="ko-KR" altLang="ko-KR" sz="1200" dirty="0" smtClean="0">
+              <a:latin typeface="+mn-ea"/>
+            </a:endParaRPr>
+          </a:p>
+          <a:p>
+            <a:pPr marL="171450" lvl="0" indent="-171450">
+              <a:lnSpc>
+                <a:spcPct val="150000"/>
+              </a:lnSpc>
+              <a:buFont typeface="Arial" pitchFamily="34" charset="0"/>
+              <a:buChar char="•"/>
+            </a:pPr>
+            <a:r>
+              <a:rPr lang="en-US" altLang="ko-KR" sz="1200" dirty="0" smtClean="0">
+                <a:latin typeface="+mn-ea"/>
+              </a:rPr>
+              <a:t>Map</a:t>
+            </a:r>
+            <a:r>
+              <a:rPr lang="ko-KR" altLang="en-US" sz="1200" dirty="0" smtClean="0">
+                <a:latin typeface="+mn-ea"/>
+              </a:rPr>
+              <a:t>과 동일하지만 결과가 </a:t>
+            </a:r>
+            <a:r>
+              <a:rPr lang="en-US" altLang="ko-KR" sz="1200" dirty="0" smtClean="0">
+                <a:latin typeface="+mn-ea"/>
+              </a:rPr>
+              <a:t>observable</a:t>
+            </a:r>
+            <a:r>
+              <a:rPr lang="ko-KR" altLang="en-US" sz="1200" dirty="0" smtClean="0">
+                <a:latin typeface="+mn-ea"/>
+              </a:rPr>
+              <a:t>로 반환</a:t>
+            </a:r>
+            <a:endParaRPr lang="en-US" altLang="ko-KR" sz="1200" dirty="0" smtClean="0">
+              <a:latin typeface="+mn-ea"/>
+            </a:endParaRPr>
+          </a:p>
+          <a:p>
+            <a:pPr marL="171450" lvl="0" indent="-171450">
+              <a:lnSpc>
+                <a:spcPct val="150000"/>
+              </a:lnSpc>
+              <a:buFont typeface="Arial" pitchFamily="34" charset="0"/>
+              <a:buChar char="•"/>
+            </a:pPr>
+            <a:r>
+              <a:rPr lang="en-US" altLang="ko-KR" sz="1200" dirty="0" smtClean="0">
+                <a:latin typeface="+mn-ea"/>
+              </a:rPr>
+              <a:t>Map() </a:t>
+            </a:r>
+            <a:r>
+              <a:rPr lang="ko-KR" altLang="en-US" sz="1200" dirty="0" smtClean="0">
+                <a:latin typeface="+mn-ea"/>
+              </a:rPr>
+              <a:t>함수가 일대일 함수라면 </a:t>
+            </a:r>
+            <a:r>
+              <a:rPr lang="en-US" altLang="ko-KR" sz="1200" dirty="0" err="1" smtClean="0">
+                <a:latin typeface="+mn-ea"/>
+              </a:rPr>
+              <a:t>flatMap</a:t>
+            </a:r>
+            <a:r>
+              <a:rPr lang="en-US" altLang="ko-KR" sz="1200" dirty="0" smtClean="0">
+                <a:latin typeface="+mn-ea"/>
+              </a:rPr>
+              <a:t>() </a:t>
+            </a:r>
+            <a:r>
+              <a:rPr lang="ko-KR" altLang="en-US" sz="1200" dirty="0" smtClean="0">
+                <a:latin typeface="+mn-ea"/>
+              </a:rPr>
+              <a:t>함수는 일대다 혹은 일대일 </a:t>
+            </a:r>
+            <a:r>
+              <a:rPr lang="en-US" altLang="ko-KR" sz="1200" dirty="0" smtClean="0">
+                <a:latin typeface="+mn-ea"/>
+              </a:rPr>
+              <a:t>Observable </a:t>
+            </a:r>
+            <a:r>
+              <a:rPr lang="ko-KR" altLang="en-US" sz="1200" dirty="0" smtClean="0">
+                <a:latin typeface="+mn-ea"/>
+              </a:rPr>
+              <a:t>함수</a:t>
+            </a:r>
+            <a:endParaRPr lang="en-US" altLang="ko-KR" sz="1200" dirty="0" smtClean="0">
+              <a:latin typeface="+mn-ea"/>
+            </a:endParaRPr>
+          </a:p>
+        </p:txBody>
+      </p:sp>
+      <p:pic>
+        <p:nvPicPr>
+          <p:cNvPr id="2052" name="Picture 4" descr="rxjava map marble diagramì ëí ì´ë¯¸ì§ ê²ìê²°ê³¼"/>
+          <p:cNvPicPr>
+            <a:picLocks noChangeAspect="1" noChangeArrowheads="1"/>
+          </p:cNvPicPr>
+          <p:nvPr/>
+        </p:nvPicPr>
+        <p:blipFill>
+          <a:blip r:embed="rId2" cstate="print">
+            <a:extLst>
+              <a:ext uri="{28A0092B-C50C-407E-A947-70E740481C1C}">
+                <a14:useLocalDpi xmlns:a14="http://schemas.microsoft.com/office/drawing/2010/main" val="0"/>
+              </a:ext>
+            </a:extLst>
+          </a:blip>
+          <a:srcRect/>
+          <a:stretch>
+            <a:fillRect/>
+          </a:stretch>
+        </p:blipFill>
+        <p:spPr bwMode="auto">
+          <a:xfrm>
+            <a:off x="2663701" y="2014718"/>
+            <a:ext cx="3816598" cy="1848666"/>
+          </a:xfrm>
+          <a:prstGeom prst="rect">
+            <a:avLst/>
+          </a:prstGeom>
+          <a:noFill/>
+          <a:extLst>
+            <a:ext uri="{909E8E84-426E-40DD-AFC4-6F175D3DCCD1}">
+              <a14:hiddenFill xmlns:a14="http://schemas.microsoft.com/office/drawing/2010/main">
+                <a:solidFill>
+                  <a:srgbClr val="FFFFFF"/>
+                </a:solidFill>
+              </a14:hiddenFill>
+            </a:ext>
+          </a:extLst>
+        </p:spPr>
+      </p:pic>
+      <p:grpSp>
+        <p:nvGrpSpPr>
+          <p:cNvPr id="2" name="그룹 1"/>
+          <p:cNvGrpSpPr/>
+          <p:nvPr/>
+        </p:nvGrpSpPr>
+        <p:grpSpPr>
+          <a:xfrm>
+            <a:off x="1287743" y="4287048"/>
+            <a:ext cx="6568515" cy="1662232"/>
+            <a:chOff x="1331640" y="3855000"/>
+            <a:chExt cx="5420047" cy="1371600"/>
+          </a:xfrm>
+        </p:grpSpPr>
+        <p:pic>
+          <p:nvPicPr>
+            <p:cNvPr id="2053" name="Picture 5"/>
+            <p:cNvPicPr>
+              <a:picLocks noChangeAspect="1" noChangeArrowheads="1"/>
+            </p:cNvPicPr>
+            <p:nvPr/>
+          </p:nvPicPr>
+          <p:blipFill>
+            <a:blip r:embed="rId3">
+              <a:extLst>
+                <a:ext uri="{28A0092B-C50C-407E-A947-70E740481C1C}">
+                  <a14:useLocalDpi xmlns:a14="http://schemas.microsoft.com/office/drawing/2010/main" val="0"/>
+                </a:ext>
+              </a:extLst>
+            </a:blip>
+            <a:srcRect/>
+            <a:stretch>
+              <a:fillRect/>
+            </a:stretch>
+          </p:blipFill>
+          <p:spPr bwMode="auto">
+            <a:xfrm>
+              <a:off x="1331640" y="3855000"/>
+              <a:ext cx="4048125" cy="1371600"/>
+            </a:xfrm>
+            <a:prstGeom prst="rect">
+              <a:avLst/>
+            </a:prstGeom>
+            <a:noFill/>
+            <a:ln>
+              <a:noFill/>
+            </a:ln>
+            <a:effectLst/>
+            <a:extLst>
+              <a:ext uri="{909E8E84-426E-40DD-AFC4-6F175D3DCCD1}">
+                <a14:hiddenFill xmlns:a14="http://schemas.microsoft.com/office/drawing/2010/main">
+                  <a:solidFill>
+                    <a:schemeClr val="accent1"/>
+                  </a:solidFill>
+                </a14:hiddenFill>
+              </a:ext>
+              <a:ext uri="{91240B29-F687-4F45-9708-019B960494DF}">
+                <a14:hiddenLine xmlns:a14="http://schemas.microsoft.com/office/drawing/2010/main" w="9525">
+                  <a:solidFill>
+                    <a:schemeClr val="tx1"/>
+                  </a:solidFill>
+                  <a:miter lim="800000"/>
+                  <a:headEnd/>
+                  <a:tailEnd/>
+                </a14:hiddenLine>
+              </a:ext>
+              <a:ext uri="{AF507438-7753-43E0-B8FC-AC1667EBCBE1}">
+                <a14:hiddenEffects xmlns:a14="http://schemas.microsoft.com/office/drawing/2010/main">
+                  <a:effectLst>
+                    <a:outerShdw dist="35921" dir="2700000" algn="ctr" rotWithShape="0">
+                      <a:schemeClr val="bg2"/>
+                    </a:outerShdw>
+                  </a:effectLst>
+                </a14:hiddenEffects>
+              </a:ext>
+            </a:extLst>
+          </p:spPr>
+        </p:pic>
+        <p:pic>
+          <p:nvPicPr>
+            <p:cNvPr id="2054" name="Picture 6"/>
+            <p:cNvPicPr>
+              <a:picLocks noChangeAspect="1" noChangeArrowheads="1"/>
+            </p:cNvPicPr>
+            <p:nvPr/>
+          </p:nvPicPr>
+          <p:blipFill>
+            <a:blip r:embed="rId4">
+              <a:extLst>
+                <a:ext uri="{28A0092B-C50C-407E-A947-70E740481C1C}">
+                  <a14:useLocalDpi xmlns:a14="http://schemas.microsoft.com/office/drawing/2010/main" val="0"/>
+                </a:ext>
+              </a:extLst>
+            </a:blip>
+            <a:srcRect/>
+            <a:stretch>
+              <a:fillRect/>
+            </a:stretch>
+          </p:blipFill>
+          <p:spPr bwMode="auto">
+            <a:xfrm>
+              <a:off x="5580112" y="3855000"/>
+              <a:ext cx="1171575" cy="1295400"/>
+            </a:xfrm>
+            <a:prstGeom prst="rect">
+              <a:avLst/>
+            </a:prstGeom>
+            <a:noFill/>
+            <a:ln>
+              <a:noFill/>
+            </a:ln>
+            <a:effectLst/>
+            <a:extLst>
+              <a:ext uri="{909E8E84-426E-40DD-AFC4-6F175D3DCCD1}">
+                <a14:hiddenFill xmlns:a14="http://schemas.microsoft.com/office/drawing/2010/main">
+                  <a:solidFill>
+                    <a:schemeClr val="accent1"/>
+                  </a:solidFill>
+                </a14:hiddenFill>
+              </a:ext>
+              <a:ext uri="{91240B29-F687-4F45-9708-019B960494DF}">
+                <a14:hiddenLine xmlns:a14="http://schemas.microsoft.com/office/drawing/2010/main" w="9525">
+                  <a:solidFill>
+                    <a:schemeClr val="tx1"/>
+                  </a:solidFill>
+                  <a:miter lim="800000"/>
+                  <a:headEnd/>
+                  <a:tailEnd/>
+                </a14:hiddenLine>
+              </a:ext>
+              <a:ext uri="{AF507438-7753-43E0-B8FC-AC1667EBCBE1}">
+                <a14:hiddenEffects xmlns:a14="http://schemas.microsoft.com/office/drawing/2010/main">
+                  <a:effectLst>
+                    <a:outerShdw dist="35921" dir="2700000" algn="ctr" rotWithShape="0">
+                      <a:schemeClr val="bg2"/>
+                    </a:outerShdw>
+                  </a:effectLst>
+                </a14:hiddenEffects>
+              </a:ext>
+            </a:extLst>
+          </p:spPr>
+        </p:pic>
+      </p:grpSp>
+    </p:spTree>
+    <p:extLst>
+      <p:ext uri="{BB962C8B-B14F-4D97-AF65-F5344CB8AC3E}">
+        <p14:creationId xmlns:p14="http://schemas.microsoft.com/office/powerpoint/2010/main" val="1100753252"/>
+      </p:ext>
+    </p:extLst>
+  </p:cSld>
+  <p:clrMapOvr>
+    <a:masterClrMapping/>
+  </p:clrMapOvr>
+  <p:timing>
+    <p:tnLst>
+      <p:par>
+        <p:cTn id="1" dur="indefinite" restart="never" nodeType="tmRoot"/>
+      </p:par>
+    </p:tnLst>
+  </p:timing>
+</p:sld>
+</file>
+
+<file path=ppt/slides/slide15.xml><?xml version="1.0" encoding="utf-8"?>
+<p:sld xmlns:a="http://schemas.openxmlformats.org/drawingml/2006/main" xmlns:r="http://schemas.openxmlformats.org/officeDocument/2006/relationships" xmlns:p="http://schemas.openxmlformats.org/presentationml/2006/main">
+  <p:cSld>
+    <p:spTree>
+      <p:nvGrpSpPr>
+        <p:cNvPr id="1" name=""/>
+        <p:cNvGrpSpPr/>
+        <p:nvPr/>
+      </p:nvGrpSpPr>
+      <p:grpSpPr>
+        <a:xfrm>
+          <a:off x="0" y="0"/>
+          <a:ext cx="0" cy="0"/>
+          <a:chOff x="0" y="0"/>
+          <a:chExt cx="0" cy="0"/>
+        </a:xfrm>
+      </p:grpSpPr>
+      <p:sp>
+        <p:nvSpPr>
+          <p:cNvPr id="17" name="직사각형 16"/>
+          <p:cNvSpPr>
+            <a:spLocks noChangeArrowheads="1"/>
+          </p:cNvSpPr>
+          <p:nvPr/>
+        </p:nvSpPr>
+        <p:spPr bwMode="auto">
+          <a:xfrm>
+            <a:off x="287750" y="326668"/>
+            <a:ext cx="8359159" cy="307777"/>
+          </a:xfrm>
+          <a:prstGeom prst="rect">
+            <a:avLst/>
+          </a:prstGeom>
+        </p:spPr>
+        <p:txBody>
+          <a:bodyPr wrap="square" lIns="0" tIns="0" rIns="0" bIns="0" anchor="ctr">
+            <a:spAutoFit/>
+            <a:scene3d>
+              <a:camera prst="orthographicFront"/>
+              <a:lightRig rig="threePt" dir="t"/>
+            </a:scene3d>
+            <a:sp3d>
+              <a:bevelT w="0"/>
+            </a:sp3d>
+          </a:bodyPr>
+          <a:lstStyle/>
+          <a:p>
+            <a:pPr lvl="0"/>
+            <a:r>
+              <a:rPr lang="en-US" altLang="ko-KR" sz="2000" dirty="0">
+                <a:latin typeface="+mj-ea"/>
+                <a:cs typeface="산돌고딕 L" panose="02030504000101010101" pitchFamily="18" charset="-127"/>
+              </a:rPr>
+              <a:t>4</a:t>
+            </a:r>
+            <a:r>
+              <a:rPr lang="en-US" altLang="ko-KR" sz="2000" dirty="0" smtClean="0">
+                <a:latin typeface="+mj-ea"/>
+                <a:cs typeface="산돌고딕 L" panose="02030504000101010101" pitchFamily="18" charset="-127"/>
+              </a:rPr>
+              <a:t>. </a:t>
+            </a:r>
+            <a:r>
+              <a:rPr lang="en-US" altLang="ko-KR" sz="2000" dirty="0" smtClean="0">
+                <a:latin typeface="+mj-ea"/>
+                <a:cs typeface="산돌고딕 L" panose="02030504000101010101" pitchFamily="18" charset="-127"/>
+              </a:rPr>
+              <a:t>Transforming</a:t>
+            </a:r>
+            <a:r>
+              <a:rPr lang="en-US" altLang="ko-KR" sz="2000" dirty="0" smtClean="0">
+                <a:latin typeface="+mj-ea"/>
+                <a:cs typeface="산돌고딕 L" panose="02030504000101010101" pitchFamily="18" charset="-127"/>
+              </a:rPr>
+              <a:t> </a:t>
+            </a:r>
+            <a:r>
+              <a:rPr lang="en-US" altLang="ko-KR" sz="2000" dirty="0" smtClean="0">
+                <a:latin typeface="+mj-ea"/>
+                <a:cs typeface="산돌고딕 L" panose="02030504000101010101" pitchFamily="18" charset="-127"/>
+              </a:rPr>
+              <a:t>Observables</a:t>
             </a:r>
             <a:endParaRPr lang="ko-KR" altLang="ko-KR" dirty="0"/>
           </a:p>
@@ -5213,7 +5923,31 @@
               <a:rPr lang="en-US" altLang="ko-KR" sz="1200" dirty="0" smtClean="0">
                 <a:latin typeface="+mn-ea"/>
               </a:rPr>
-              <a:t>3.2 () </a:t>
+              <a:t>4</a:t>
+            </a:r>
+            <a:r>
+              <a:rPr lang="en-US" altLang="ko-KR" sz="1200" dirty="0" smtClean="0">
+                <a:latin typeface="+mn-ea"/>
+              </a:rPr>
+              <a:t>.3 </a:t>
+            </a:r>
+            <a:r>
+              <a:rPr lang="en-US" altLang="ko-KR" sz="1200" dirty="0" err="1" smtClean="0">
+                <a:latin typeface="+mn-ea"/>
+              </a:rPr>
+              <a:t>concat</a:t>
+            </a:r>
+            <a:r>
+              <a:rPr lang="en-US" altLang="ko-KR" sz="1200" dirty="0" err="1" smtClean="0">
+                <a:latin typeface="+mn-ea"/>
+              </a:rPr>
+              <a:t>Map</a:t>
+            </a:r>
+            <a:r>
+              <a:rPr lang="en-US" altLang="ko-KR" sz="1200" dirty="0" smtClean="0">
+                <a:latin typeface="+mn-ea"/>
+              </a:rPr>
+              <a:t>() </a:t>
             </a:r>
             <a:r>
               <a:rPr lang="ko-KR" altLang="en-US" sz="1200" dirty="0" smtClean="0">
@@ -5233,16 +5967,1659 @@
               <a:buFont typeface="Arial" pitchFamily="34" charset="0"/>
               <a:buChar char="•"/>
             </a:pPr>
+            <a:r>
+              <a:rPr lang="en-US" altLang="ko-KR" sz="1200" dirty="0" err="1" smtClean="0">
+                <a:latin typeface="+mn-ea"/>
+              </a:rPr>
+              <a:t>flatMap</a:t>
+            </a:r>
+            <a:r>
+              <a:rPr lang="en-US" altLang="ko-KR" sz="1200" dirty="0" smtClean="0">
+                <a:latin typeface="+mn-ea"/>
+              </a:rPr>
+              <a:t>() </a:t>
+            </a:r>
+            <a:r>
+              <a:rPr lang="ko-KR" altLang="en-US" sz="1200" dirty="0" smtClean="0">
+                <a:latin typeface="+mn-ea"/>
+              </a:rPr>
+              <a:t>함수와 유사하지만 데이터의 순서를 보장하는 함수</a:t>
+            </a:r>
             <a:endParaRPr lang="en-US" altLang="ko-KR" sz="1200" dirty="0" smtClean="0">
               <a:latin typeface="+mn-ea"/>
             </a:endParaRPr>
           </a:p>
         </p:txBody>
       </p:sp>
+      <p:sp>
+        <p:nvSpPr>
+          <p:cNvPr id="2" name="AutoShape 2" descr="rxjava concatmap marble diagramì ëí ì´ë¯¸ì§ ê²ìê²°ê³¼"/>
+          <p:cNvSpPr>
+            <a:spLocks noChangeAspect="1" noChangeArrowheads="1"/>
+          </p:cNvSpPr>
+          <p:nvPr/>
+        </p:nvSpPr>
+        <p:spPr bwMode="auto">
+          <a:xfrm>
+            <a:off x="168275" y="-144463"/>
+            <a:ext cx="304800" cy="304801"/>
+          </a:xfrm>
+          <a:prstGeom prst="rect">
+            <a:avLst/>
+          </a:prstGeom>
+          <a:noFill/>
+          <a:extLst>
+            <a:ext uri="{909E8E84-426E-40DD-AFC4-6F175D3DCCD1}">
+              <a14:hiddenFill xmlns:a14="http://schemas.microsoft.com/office/drawing/2010/main">
+                <a:solidFill>
+                  <a:srgbClr val="FFFFFF"/>
+                </a:solidFill>
+              </a14:hiddenFill>
+            </a:ext>
+          </a:extLst>
+        </p:spPr>
+        <p:txBody>
+          <a:bodyPr vert="horz" wrap="square" lIns="91440" tIns="45720" rIns="91440" bIns="45720" numCol="1" anchor="t" anchorCtr="0" compatLnSpc="1">
+            <a:prstTxWarp prst="textNoShape">
+              <a:avLst/>
+            </a:prstTxWarp>
+          </a:bodyPr>
+          <a:lstStyle/>
+          <a:p>
+            <a:endParaRPr lang="ko-KR" altLang="en-US"/>
+          </a:p>
+        </p:txBody>
+      </p:sp>
+      <p:sp>
+        <p:nvSpPr>
+          <p:cNvPr id="3" name="AutoShape 4" descr="rxjava concatmap marble diagramì ëí ì´ë¯¸ì§ ê²ìê²°ê³¼"/>
+          <p:cNvSpPr>
+            <a:spLocks noChangeAspect="1" noChangeArrowheads="1"/>
+          </p:cNvSpPr>
+          <p:nvPr/>
+        </p:nvSpPr>
+        <p:spPr bwMode="auto">
+          <a:xfrm>
+            <a:off x="320675" y="7937"/>
+            <a:ext cx="304800" cy="304801"/>
+          </a:xfrm>
+          <a:prstGeom prst="rect">
+            <a:avLst/>
+          </a:prstGeom>
+          <a:noFill/>
+          <a:extLst>
+            <a:ext uri="{909E8E84-426E-40DD-AFC4-6F175D3DCCD1}">
+              <a14:hiddenFill xmlns:a14="http://schemas.microsoft.com/office/drawing/2010/main">
+                <a:solidFill>
+                  <a:srgbClr val="FFFFFF"/>
+                </a:solidFill>
+              </a14:hiddenFill>
+            </a:ext>
+          </a:extLst>
+        </p:spPr>
+        <p:txBody>
+          <a:bodyPr vert="horz" wrap="square" lIns="91440" tIns="45720" rIns="91440" bIns="45720" numCol="1" anchor="t" anchorCtr="0" compatLnSpc="1">
+            <a:prstTxWarp prst="textNoShape">
+              <a:avLst/>
+            </a:prstTxWarp>
+          </a:bodyPr>
+          <a:lstStyle/>
+          <a:p>
+            <a:endParaRPr lang="ko-KR" altLang="en-US"/>
+          </a:p>
+        </p:txBody>
+      </p:sp>
+      <p:sp>
+        <p:nvSpPr>
+          <p:cNvPr id="4" name="AutoShape 6" descr="rxjava concatmap marble diagramì ëí ì´ë¯¸ì§ ê²ìê²°ê³¼"/>
+          <p:cNvSpPr>
+            <a:spLocks noChangeAspect="1" noChangeArrowheads="1"/>
+          </p:cNvSpPr>
+          <p:nvPr/>
+        </p:nvSpPr>
+        <p:spPr bwMode="auto">
+          <a:xfrm>
+            <a:off x="473075" y="160337"/>
+            <a:ext cx="304800" cy="304801"/>
+          </a:xfrm>
+          <a:prstGeom prst="rect">
+            <a:avLst/>
+          </a:prstGeom>
+          <a:noFill/>
+          <a:extLst>
+            <a:ext uri="{909E8E84-426E-40DD-AFC4-6F175D3DCCD1}">
+              <a14:hiddenFill xmlns:a14="http://schemas.microsoft.com/office/drawing/2010/main">
+                <a:solidFill>
+                  <a:srgbClr val="FFFFFF"/>
+                </a:solidFill>
+              </a14:hiddenFill>
+            </a:ext>
+          </a:extLst>
+        </p:spPr>
+        <p:txBody>
+          <a:bodyPr vert="horz" wrap="square" lIns="91440" tIns="45720" rIns="91440" bIns="45720" numCol="1" anchor="t" anchorCtr="0" compatLnSpc="1">
+            <a:prstTxWarp prst="textNoShape">
+              <a:avLst/>
+            </a:prstTxWarp>
+          </a:bodyPr>
+          <a:lstStyle/>
+          <a:p>
+            <a:endParaRPr lang="ko-KR" altLang="en-US"/>
+          </a:p>
+        </p:txBody>
+      </p:sp>
+      <p:sp>
+        <p:nvSpPr>
+          <p:cNvPr id="5" name="AutoShape 8" descr="rxjava concatmap marble diagramì ëí ì´ë¯¸ì§ ê²ìê²°ê³¼"/>
+          <p:cNvSpPr>
+            <a:spLocks noChangeAspect="1" noChangeArrowheads="1"/>
+          </p:cNvSpPr>
+          <p:nvPr/>
+        </p:nvSpPr>
+        <p:spPr bwMode="auto">
+          <a:xfrm>
+            <a:off x="625475" y="312737"/>
+            <a:ext cx="304800" cy="304801"/>
+          </a:xfrm>
+          <a:prstGeom prst="rect">
+            <a:avLst/>
+          </a:prstGeom>
+          <a:noFill/>
+          <a:extLst>
+            <a:ext uri="{909E8E84-426E-40DD-AFC4-6F175D3DCCD1}">
+              <a14:hiddenFill xmlns:a14="http://schemas.microsoft.com/office/drawing/2010/main">
+                <a:solidFill>
+                  <a:srgbClr val="FFFFFF"/>
+                </a:solidFill>
+              </a14:hiddenFill>
+            </a:ext>
+          </a:extLst>
+        </p:spPr>
+        <p:txBody>
+          <a:bodyPr vert="horz" wrap="square" lIns="91440" tIns="45720" rIns="91440" bIns="45720" numCol="1" anchor="t" anchorCtr="0" compatLnSpc="1">
+            <a:prstTxWarp prst="textNoShape">
+              <a:avLst/>
+            </a:prstTxWarp>
+          </a:bodyPr>
+          <a:lstStyle/>
+          <a:p>
+            <a:endParaRPr lang="ko-KR" altLang="en-US"/>
+          </a:p>
+        </p:txBody>
+      </p:sp>
+      <p:sp>
+        <p:nvSpPr>
+          <p:cNvPr id="6" name="AutoShape 10" descr="rxjava concatmap marble diagramì ëí ì´ë¯¸ì§ ê²ìê²°ê³¼"/>
+          <p:cNvSpPr>
+            <a:spLocks noChangeAspect="1" noChangeArrowheads="1"/>
+          </p:cNvSpPr>
+          <p:nvPr/>
+        </p:nvSpPr>
+        <p:spPr bwMode="auto">
+          <a:xfrm>
+            <a:off x="777875" y="465137"/>
+            <a:ext cx="304800" cy="304801"/>
+          </a:xfrm>
+          <a:prstGeom prst="rect">
+            <a:avLst/>
+          </a:prstGeom>
+          <a:noFill/>
+          <a:extLst>
+            <a:ext uri="{909E8E84-426E-40DD-AFC4-6F175D3DCCD1}">
+              <a14:hiddenFill xmlns:a14="http://schemas.microsoft.com/office/drawing/2010/main">
+                <a:solidFill>
+                  <a:srgbClr val="FFFFFF"/>
+                </a:solidFill>
+              </a14:hiddenFill>
+            </a:ext>
+          </a:extLst>
+        </p:spPr>
+        <p:txBody>
+          <a:bodyPr vert="horz" wrap="square" lIns="91440" tIns="45720" rIns="91440" bIns="45720" numCol="1" anchor="t" anchorCtr="0" compatLnSpc="1">
+            <a:prstTxWarp prst="textNoShape">
+              <a:avLst/>
+            </a:prstTxWarp>
+          </a:bodyPr>
+          <a:lstStyle/>
+          <a:p>
+            <a:endParaRPr lang="ko-KR" altLang="en-US"/>
+          </a:p>
+        </p:txBody>
+      </p:sp>
+      <p:pic>
+        <p:nvPicPr>
+          <p:cNvPr id="3083" name="Picture 11"/>
+          <p:cNvPicPr>
+            <a:picLocks noChangeAspect="1" noChangeArrowheads="1"/>
+          </p:cNvPicPr>
+          <p:nvPr/>
+        </p:nvPicPr>
+        <p:blipFill rotWithShape="1">
+          <a:blip r:embed="rId2">
+            <a:extLst>
+              <a:ext uri="{28A0092B-C50C-407E-A947-70E740481C1C}">
+                <a14:useLocalDpi xmlns:a14="http://schemas.microsoft.com/office/drawing/2010/main" val="0"/>
+              </a:ext>
+            </a:extLst>
+          </a:blip>
+          <a:srcRect l="7356"/>
+          <a:stretch/>
+        </p:blipFill>
+        <p:spPr bwMode="auto">
+          <a:xfrm>
+            <a:off x="2416289" y="1988840"/>
+            <a:ext cx="4102080" cy="3339382"/>
+          </a:xfrm>
+          <a:prstGeom prst="rect">
+            <a:avLst/>
+          </a:prstGeom>
+          <a:noFill/>
+          <a:ln>
+            <a:noFill/>
+          </a:ln>
+          <a:effectLst/>
+          <a:extLst>
+            <a:ext uri="{909E8E84-426E-40DD-AFC4-6F175D3DCCD1}">
+              <a14:hiddenFill xmlns:a14="http://schemas.microsoft.com/office/drawing/2010/main">
+                <a:solidFill>
+                  <a:schemeClr val="accent1"/>
+                </a:solidFill>
+              </a14:hiddenFill>
+            </a:ext>
+            <a:ext uri="{91240B29-F687-4F45-9708-019B960494DF}">
+              <a14:hiddenLine xmlns:a14="http://schemas.microsoft.com/office/drawing/2010/main" w="9525">
+                <a:solidFill>
+                  <a:schemeClr val="tx1"/>
+                </a:solidFill>
+                <a:miter lim="800000"/>
+                <a:headEnd/>
+                <a:tailEnd/>
+              </a14:hiddenLine>
+            </a:ext>
+            <a:ext uri="{AF507438-7753-43E0-B8FC-AC1667EBCBE1}">
+              <a14:hiddenEffects xmlns:a14="http://schemas.microsoft.com/office/drawing/2010/main">
+                <a:effectLst>
+                  <a:outerShdw dist="35921" dir="2700000" algn="ctr" rotWithShape="0">
+                    <a:schemeClr val="bg2"/>
+                  </a:outerShdw>
+                </a:effectLst>
+              </a14:hiddenEffects>
+            </a:ext>
+          </a:extLst>
+        </p:spPr>
+      </p:pic>
     </p:spTree>
     <p:extLst>
       <p:ext uri="{BB962C8B-B14F-4D97-AF65-F5344CB8AC3E}">
-        <p14:creationId xmlns:p14="http://schemas.microsoft.com/office/powerpoint/2010/main" val="1867155533"/>
+        <p14:creationId xmlns:p14="http://schemas.microsoft.com/office/powerpoint/2010/main" val="1100753252"/>
+      </p:ext>
+    </p:extLst>
+  </p:cSld>
+  <p:clrMapOvr>
+    <a:masterClrMapping/>
+  </p:clrMapOvr>
+  <p:timing>
+    <p:tnLst>
+      <p:par>
+        <p:cTn id="1" dur="indefinite" restart="never" nodeType="tmRoot"/>
+      </p:par>
+    </p:tnLst>
+  </p:timing>
+</p:sld>
+</file>
+
+<file path=ppt/slides/slide16.xml><?xml version="1.0" encoding="utf-8"?>
+<p:sld xmlns:a="http://schemas.openxmlformats.org/drawingml/2006/main" xmlns:r="http://schemas.openxmlformats.org/officeDocument/2006/relationships" xmlns:p="http://schemas.openxmlformats.org/presentationml/2006/main">
+  <p:cSld>
+    <p:spTree>
+      <p:nvGrpSpPr>
+        <p:cNvPr id="1" name=""/>
+        <p:cNvGrpSpPr/>
+        <p:nvPr/>
+      </p:nvGrpSpPr>
+      <p:grpSpPr>
+        <a:xfrm>
+          <a:off x="0" y="0"/>
+          <a:ext cx="0" cy="0"/>
+          <a:chOff x="0" y="0"/>
+          <a:chExt cx="0" cy="0"/>
+        </a:xfrm>
+      </p:grpSpPr>
+      <p:sp>
+        <p:nvSpPr>
+          <p:cNvPr id="17" name="직사각형 16"/>
+          <p:cNvSpPr>
+            <a:spLocks noChangeArrowheads="1"/>
+          </p:cNvSpPr>
+          <p:nvPr/>
+        </p:nvSpPr>
+        <p:spPr bwMode="auto">
+          <a:xfrm>
+            <a:off x="287750" y="326668"/>
+            <a:ext cx="8359159" cy="307777"/>
+          </a:xfrm>
+          <a:prstGeom prst="rect">
+            <a:avLst/>
+          </a:prstGeom>
+        </p:spPr>
+        <p:txBody>
+          <a:bodyPr wrap="square" lIns="0" tIns="0" rIns="0" bIns="0" anchor="ctr">
+            <a:spAutoFit/>
+            <a:scene3d>
+              <a:camera prst="orthographicFront"/>
+              <a:lightRig rig="threePt" dir="t"/>
+            </a:scene3d>
+            <a:sp3d>
+              <a:bevelT w="0"/>
+            </a:sp3d>
+          </a:bodyPr>
+          <a:lstStyle/>
+          <a:p>
+            <a:pPr lvl="0"/>
+            <a:r>
+              <a:rPr lang="en-US" altLang="ko-KR" sz="2000" dirty="0">
+                <a:latin typeface="+mj-ea"/>
+                <a:cs typeface="산돌고딕 L" panose="02030504000101010101" pitchFamily="18" charset="-127"/>
+              </a:rPr>
+              <a:t>4</a:t>
+            </a:r>
+            <a:r>
+              <a:rPr lang="en-US" altLang="ko-KR" sz="2000" dirty="0" smtClean="0">
+                <a:latin typeface="+mj-ea"/>
+                <a:cs typeface="산돌고딕 L" panose="02030504000101010101" pitchFamily="18" charset="-127"/>
+              </a:rPr>
+              <a:t>. </a:t>
+            </a:r>
+            <a:r>
+              <a:rPr lang="en-US" altLang="ko-KR" sz="2000" dirty="0" smtClean="0">
+                <a:latin typeface="+mj-ea"/>
+                <a:cs typeface="산돌고딕 L" panose="02030504000101010101" pitchFamily="18" charset="-127"/>
+              </a:rPr>
+              <a:t>Transforming</a:t>
+            </a:r>
+            <a:r>
+              <a:rPr lang="en-US" altLang="ko-KR" sz="2000" dirty="0" smtClean="0">
+                <a:latin typeface="+mj-ea"/>
+                <a:cs typeface="산돌고딕 L" panose="02030504000101010101" pitchFamily="18" charset="-127"/>
+              </a:rPr>
+              <a:t> </a:t>
+            </a:r>
+            <a:r>
+              <a:rPr lang="en-US" altLang="ko-KR" sz="2000" dirty="0" smtClean="0">
+                <a:latin typeface="+mj-ea"/>
+                <a:cs typeface="산돌고딕 L" panose="02030504000101010101" pitchFamily="18" charset="-127"/>
+              </a:rPr>
+              <a:t>Observables</a:t>
+            </a:r>
+            <a:endParaRPr lang="ko-KR" altLang="ko-KR" dirty="0"/>
+          </a:p>
+        </p:txBody>
+      </p:sp>
+      <p:grpSp>
+        <p:nvGrpSpPr>
+          <p:cNvPr id="5" name="그룹 4"/>
+          <p:cNvGrpSpPr/>
+          <p:nvPr/>
+        </p:nvGrpSpPr>
+        <p:grpSpPr>
+          <a:xfrm>
+            <a:off x="1331640" y="1195164"/>
+            <a:ext cx="6631587" cy="4610100"/>
+            <a:chOff x="827584" y="1002804"/>
+            <a:chExt cx="6631587" cy="4610100"/>
+          </a:xfrm>
+        </p:grpSpPr>
+        <p:pic>
+          <p:nvPicPr>
+            <p:cNvPr id="4105" name="Picture 9"/>
+            <p:cNvPicPr>
+              <a:picLocks noChangeAspect="1" noChangeArrowheads="1"/>
+            </p:cNvPicPr>
+            <p:nvPr/>
+          </p:nvPicPr>
+          <p:blipFill>
+            <a:blip r:embed="rId2">
+              <a:extLst>
+                <a:ext uri="{28A0092B-C50C-407E-A947-70E740481C1C}">
+                  <a14:useLocalDpi xmlns:a14="http://schemas.microsoft.com/office/drawing/2010/main" val="0"/>
+                </a:ext>
+              </a:extLst>
+            </a:blip>
+            <a:srcRect/>
+            <a:stretch>
+              <a:fillRect/>
+            </a:stretch>
+          </p:blipFill>
+          <p:spPr bwMode="auto">
+            <a:xfrm>
+              <a:off x="827584" y="1002804"/>
+              <a:ext cx="3876675" cy="4610100"/>
+            </a:xfrm>
+            <a:prstGeom prst="rect">
+              <a:avLst/>
+            </a:prstGeom>
+            <a:noFill/>
+            <a:ln>
+              <a:noFill/>
+            </a:ln>
+            <a:effectLst/>
+            <a:extLst>
+              <a:ext uri="{909E8E84-426E-40DD-AFC4-6F175D3DCCD1}">
+                <a14:hiddenFill xmlns:a14="http://schemas.microsoft.com/office/drawing/2010/main">
+                  <a:solidFill>
+                    <a:schemeClr val="accent1"/>
+                  </a:solidFill>
+                </a14:hiddenFill>
+              </a:ext>
+              <a:ext uri="{91240B29-F687-4F45-9708-019B960494DF}">
+                <a14:hiddenLine xmlns:a14="http://schemas.microsoft.com/office/drawing/2010/main" w="9525">
+                  <a:solidFill>
+                    <a:schemeClr val="tx1"/>
+                  </a:solidFill>
+                  <a:miter lim="800000"/>
+                  <a:headEnd/>
+                  <a:tailEnd/>
+                </a14:hiddenLine>
+              </a:ext>
+              <a:ext uri="{AF507438-7753-43E0-B8FC-AC1667EBCBE1}">
+                <a14:hiddenEffects xmlns:a14="http://schemas.microsoft.com/office/drawing/2010/main">
+                  <a:effectLst>
+                    <a:outerShdw dist="35921" dir="2700000" algn="ctr" rotWithShape="0">
+                      <a:schemeClr val="bg2"/>
+                    </a:outerShdw>
+                  </a:effectLst>
+                </a14:hiddenEffects>
+              </a:ext>
+            </a:extLst>
+          </p:spPr>
+        </p:pic>
+        <p:pic>
+          <p:nvPicPr>
+            <p:cNvPr id="12" name="Picture 3"/>
+            <p:cNvPicPr>
+              <a:picLocks noChangeAspect="1" noChangeArrowheads="1"/>
+            </p:cNvPicPr>
+            <p:nvPr/>
+          </p:nvPicPr>
+          <p:blipFill>
+            <a:blip r:embed="rId3">
+              <a:extLst>
+                <a:ext uri="{28A0092B-C50C-407E-A947-70E740481C1C}">
+                  <a14:useLocalDpi xmlns:a14="http://schemas.microsoft.com/office/drawing/2010/main" val="0"/>
+                </a:ext>
+              </a:extLst>
+            </a:blip>
+            <a:srcRect/>
+            <a:stretch>
+              <a:fillRect/>
+            </a:stretch>
+          </p:blipFill>
+          <p:spPr bwMode="auto">
+            <a:xfrm>
+              <a:off x="4814287" y="1034008"/>
+              <a:ext cx="2644884" cy="1677244"/>
+            </a:xfrm>
+            <a:prstGeom prst="rect">
+              <a:avLst/>
+            </a:prstGeom>
+            <a:noFill/>
+            <a:ln>
+              <a:noFill/>
+            </a:ln>
+            <a:effectLst/>
+            <a:extLst>
+              <a:ext uri="{909E8E84-426E-40DD-AFC4-6F175D3DCCD1}">
+                <a14:hiddenFill xmlns:a14="http://schemas.microsoft.com/office/drawing/2010/main">
+                  <a:solidFill>
+                    <a:schemeClr val="accent1"/>
+                  </a:solidFill>
+                </a14:hiddenFill>
+              </a:ext>
+              <a:ext uri="{91240B29-F687-4F45-9708-019B960494DF}">
+                <a14:hiddenLine xmlns:a14="http://schemas.microsoft.com/office/drawing/2010/main" w="9525">
+                  <a:solidFill>
+                    <a:schemeClr val="tx1"/>
+                  </a:solidFill>
+                  <a:miter lim="800000"/>
+                  <a:headEnd/>
+                  <a:tailEnd/>
+                </a14:hiddenLine>
+              </a:ext>
+              <a:ext uri="{AF507438-7753-43E0-B8FC-AC1667EBCBE1}">
+                <a14:hiddenEffects xmlns:a14="http://schemas.microsoft.com/office/drawing/2010/main">
+                  <a:effectLst>
+                    <a:outerShdw dist="35921" dir="2700000" algn="ctr" rotWithShape="0">
+                      <a:schemeClr val="bg2"/>
+                    </a:outerShdw>
+                  </a:effectLst>
+                </a14:hiddenEffects>
+              </a:ext>
+            </a:extLst>
+          </p:spPr>
+        </p:pic>
+        <p:pic>
+          <p:nvPicPr>
+            <p:cNvPr id="13" name="Picture 4"/>
+            <p:cNvPicPr>
+              <a:picLocks noChangeAspect="1" noChangeArrowheads="1"/>
+            </p:cNvPicPr>
+            <p:nvPr/>
+          </p:nvPicPr>
+          <p:blipFill>
+            <a:blip r:embed="rId4">
+              <a:extLst>
+                <a:ext uri="{28A0092B-C50C-407E-A947-70E740481C1C}">
+                  <a14:useLocalDpi xmlns:a14="http://schemas.microsoft.com/office/drawing/2010/main" val="0"/>
+                </a:ext>
+              </a:extLst>
+            </a:blip>
+            <a:srcRect/>
+            <a:stretch>
+              <a:fillRect/>
+            </a:stretch>
+          </p:blipFill>
+          <p:spPr bwMode="auto">
+            <a:xfrm>
+              <a:off x="4808978" y="3158058"/>
+              <a:ext cx="1903028" cy="1677244"/>
+            </a:xfrm>
+            <a:prstGeom prst="rect">
+              <a:avLst/>
+            </a:prstGeom>
+            <a:noFill/>
+            <a:ln>
+              <a:noFill/>
+            </a:ln>
+            <a:effectLst/>
+            <a:extLst>
+              <a:ext uri="{909E8E84-426E-40DD-AFC4-6F175D3DCCD1}">
+                <a14:hiddenFill xmlns:a14="http://schemas.microsoft.com/office/drawing/2010/main">
+                  <a:solidFill>
+                    <a:schemeClr val="accent1"/>
+                  </a:solidFill>
+                </a14:hiddenFill>
+              </a:ext>
+              <a:ext uri="{91240B29-F687-4F45-9708-019B960494DF}">
+                <a14:hiddenLine xmlns:a14="http://schemas.microsoft.com/office/drawing/2010/main" w="9525">
+                  <a:solidFill>
+                    <a:schemeClr val="tx1"/>
+                  </a:solidFill>
+                  <a:miter lim="800000"/>
+                  <a:headEnd/>
+                  <a:tailEnd/>
+                </a14:hiddenLine>
+              </a:ext>
+              <a:ext uri="{AF507438-7753-43E0-B8FC-AC1667EBCBE1}">
+                <a14:hiddenEffects xmlns:a14="http://schemas.microsoft.com/office/drawing/2010/main">
+                  <a:effectLst>
+                    <a:outerShdw dist="35921" dir="2700000" algn="ctr" rotWithShape="0">
+                      <a:schemeClr val="bg2"/>
+                    </a:outerShdw>
+                  </a:effectLst>
+                </a14:hiddenEffects>
+              </a:ext>
+            </a:extLst>
+          </p:spPr>
+        </p:pic>
+      </p:grpSp>
+    </p:spTree>
+    <p:extLst>
+      <p:ext uri="{BB962C8B-B14F-4D97-AF65-F5344CB8AC3E}">
+        <p14:creationId xmlns:p14="http://schemas.microsoft.com/office/powerpoint/2010/main" val="1100753252"/>
+      </p:ext>
+    </p:extLst>
+  </p:cSld>
+  <p:clrMapOvr>
+    <a:masterClrMapping/>
+  </p:clrMapOvr>
+  <p:timing>
+    <p:tnLst>
+      <p:par>
+        <p:cTn id="1" dur="indefinite" restart="never" nodeType="tmRoot"/>
+      </p:par>
+    </p:tnLst>
+  </p:timing>
+</p:sld>
+</file>
+
+<file path=ppt/slides/slide17.xml><?xml version="1.0" encoding="utf-8"?>
+<p:sld xmlns:a="http://schemas.openxmlformats.org/drawingml/2006/main" xmlns:r="http://schemas.openxmlformats.org/officeDocument/2006/relationships" xmlns:p="http://schemas.openxmlformats.org/presentationml/2006/main">
+  <p:cSld>
+    <p:spTree>
+      <p:nvGrpSpPr>
+        <p:cNvPr id="1" name=""/>
+        <p:cNvGrpSpPr/>
+        <p:nvPr/>
+      </p:nvGrpSpPr>
+      <p:grpSpPr>
+        <a:xfrm>
+          <a:off x="0" y="0"/>
+          <a:ext cx="0" cy="0"/>
+          <a:chOff x="0" y="0"/>
+          <a:chExt cx="0" cy="0"/>
+        </a:xfrm>
+      </p:grpSpPr>
+      <p:sp>
+        <p:nvSpPr>
+          <p:cNvPr id="17" name="직사각형 16"/>
+          <p:cNvSpPr>
+            <a:spLocks noChangeArrowheads="1"/>
+          </p:cNvSpPr>
+          <p:nvPr/>
+        </p:nvSpPr>
+        <p:spPr bwMode="auto">
+          <a:xfrm>
+            <a:off x="287750" y="326668"/>
+            <a:ext cx="8359159" cy="307777"/>
+          </a:xfrm>
+          <a:prstGeom prst="rect">
+            <a:avLst/>
+          </a:prstGeom>
+        </p:spPr>
+        <p:txBody>
+          <a:bodyPr wrap="square" lIns="0" tIns="0" rIns="0" bIns="0" anchor="ctr">
+            <a:spAutoFit/>
+            <a:scene3d>
+              <a:camera prst="orthographicFront"/>
+              <a:lightRig rig="threePt" dir="t"/>
+            </a:scene3d>
+            <a:sp3d>
+              <a:bevelT w="0"/>
+            </a:sp3d>
+          </a:bodyPr>
+          <a:lstStyle/>
+          <a:p>
+            <a:pPr lvl="0"/>
+            <a:r>
+              <a:rPr lang="en-US" altLang="ko-KR" sz="2000" dirty="0">
+                <a:latin typeface="+mj-ea"/>
+                <a:cs typeface="산돌고딕 L" panose="02030504000101010101" pitchFamily="18" charset="-127"/>
+              </a:rPr>
+              <a:t>4</a:t>
+            </a:r>
+            <a:r>
+              <a:rPr lang="en-US" altLang="ko-KR" sz="2000" dirty="0" smtClean="0">
+                <a:latin typeface="+mj-ea"/>
+                <a:cs typeface="산돌고딕 L" panose="02030504000101010101" pitchFamily="18" charset="-127"/>
+              </a:rPr>
+              <a:t>. </a:t>
+            </a:r>
+            <a:r>
+              <a:rPr lang="en-US" altLang="ko-KR" sz="2000" dirty="0" smtClean="0">
+                <a:latin typeface="+mj-ea"/>
+                <a:cs typeface="산돌고딕 L" panose="02030504000101010101" pitchFamily="18" charset="-127"/>
+              </a:rPr>
+              <a:t>Transforming</a:t>
+            </a:r>
+            <a:r>
+              <a:rPr lang="en-US" altLang="ko-KR" sz="2000" dirty="0" smtClean="0">
+                <a:latin typeface="+mj-ea"/>
+                <a:cs typeface="산돌고딕 L" panose="02030504000101010101" pitchFamily="18" charset="-127"/>
+              </a:rPr>
+              <a:t> </a:t>
+            </a:r>
+            <a:r>
+              <a:rPr lang="en-US" altLang="ko-KR" sz="2000" dirty="0" smtClean="0">
+                <a:latin typeface="+mj-ea"/>
+                <a:cs typeface="산돌고딕 L" panose="02030504000101010101" pitchFamily="18" charset="-127"/>
+              </a:rPr>
+              <a:t>Observables</a:t>
+            </a:r>
+            <a:endParaRPr lang="ko-KR" altLang="ko-KR" dirty="0"/>
+          </a:p>
+        </p:txBody>
+      </p:sp>
+      <p:sp>
+        <p:nvSpPr>
+          <p:cNvPr id="82" name="직사각형 81"/>
+          <p:cNvSpPr/>
+          <p:nvPr/>
+        </p:nvSpPr>
+        <p:spPr>
+          <a:xfrm>
+            <a:off x="723121" y="836712"/>
+            <a:ext cx="7488416" cy="923330"/>
+          </a:xfrm>
+          <a:prstGeom prst="rect">
+            <a:avLst/>
+          </a:prstGeom>
+        </p:spPr>
+        <p:txBody>
+          <a:bodyPr wrap="square">
+            <a:spAutoFit/>
+          </a:bodyPr>
+          <a:lstStyle/>
+          <a:p>
+            <a:pPr marL="0" lvl="1">
+              <a:lnSpc>
+                <a:spcPct val="150000"/>
+              </a:lnSpc>
+            </a:pPr>
+            <a:r>
+              <a:rPr lang="en-US" altLang="ko-KR" sz="1200" dirty="0" smtClean="0">
+                <a:latin typeface="+mn-ea"/>
+              </a:rPr>
+              <a:t>4</a:t>
+            </a:r>
+            <a:r>
+              <a:rPr lang="en-US" altLang="ko-KR" sz="1200" dirty="0" smtClean="0">
+                <a:latin typeface="+mn-ea"/>
+              </a:rPr>
+              <a:t>.4 </a:t>
+            </a:r>
+            <a:r>
+              <a:rPr lang="en-US" altLang="ko-KR" sz="1200" dirty="0" err="1" smtClean="0">
+                <a:latin typeface="+mn-ea"/>
+              </a:rPr>
+              <a:t>switchMap</a:t>
+            </a:r>
+            <a:r>
+              <a:rPr lang="en-US" altLang="ko-KR" sz="1200" dirty="0" smtClean="0">
+                <a:latin typeface="+mn-ea"/>
+              </a:rPr>
+              <a:t>() </a:t>
+            </a:r>
+            <a:r>
+              <a:rPr lang="ko-KR" altLang="en-US" sz="1200" dirty="0" smtClean="0">
+                <a:latin typeface="+mn-ea"/>
+              </a:rPr>
+              <a:t>함수</a:t>
+            </a:r>
+            <a:endParaRPr lang="ko-KR" altLang="ko-KR" sz="1200" dirty="0" smtClean="0">
+              <a:latin typeface="+mn-ea"/>
+            </a:endParaRPr>
+          </a:p>
+          <a:p>
+            <a:pPr marL="171450" lvl="0" indent="-171450">
+              <a:lnSpc>
+                <a:spcPct val="150000"/>
+              </a:lnSpc>
+              <a:buFont typeface="Arial" pitchFamily="34" charset="0"/>
+              <a:buChar char="•"/>
+            </a:pPr>
+            <a:r>
+              <a:rPr lang="ko-KR" altLang="en-US" sz="1200" dirty="0" smtClean="0">
+                <a:latin typeface="+mn-ea"/>
+              </a:rPr>
+              <a:t>여러 개의</a:t>
+            </a:r>
+            <a:r>
+              <a:rPr lang="en-US" altLang="ko-KR" sz="1200" dirty="0" smtClean="0">
+                <a:latin typeface="+mn-ea"/>
+              </a:rPr>
+              <a:t> </a:t>
+            </a:r>
+            <a:r>
+              <a:rPr lang="ko-KR" altLang="en-US" sz="1200" dirty="0" smtClean="0">
+                <a:latin typeface="+mn-ea"/>
+              </a:rPr>
+              <a:t>값이 발행되었을 때 마지막에 들어온 값만 처리하고 싶을 때 사용하는 함수</a:t>
+            </a:r>
+            <a:endParaRPr lang="en-US" altLang="ko-KR" sz="1200" dirty="0" smtClean="0">
+              <a:latin typeface="+mn-ea"/>
+            </a:endParaRPr>
+          </a:p>
+          <a:p>
+            <a:pPr marL="171450" lvl="0" indent="-171450">
+              <a:lnSpc>
+                <a:spcPct val="150000"/>
+              </a:lnSpc>
+              <a:buFont typeface="Arial" pitchFamily="34" charset="0"/>
+              <a:buChar char="•"/>
+            </a:pPr>
+            <a:r>
+              <a:rPr lang="ko-KR" altLang="en-US" sz="1200" dirty="0" smtClean="0">
+                <a:latin typeface="+mn-ea"/>
+              </a:rPr>
+              <a:t>중간에 끊기더라도 마지막 데이터의 처리를 보장 </a:t>
+            </a:r>
+            <a:endParaRPr lang="en-US" altLang="ko-KR" sz="1200" dirty="0" smtClean="0">
+              <a:latin typeface="+mn-ea"/>
+            </a:endParaRPr>
+          </a:p>
+        </p:txBody>
+      </p:sp>
+      <p:pic>
+        <p:nvPicPr>
+          <p:cNvPr id="5122" name="Picture 2" descr="rxjava switchmap marble diagramì ëí ì´ë¯¸ì§ ê²ìê²°ê³¼"/>
+          <p:cNvPicPr>
+            <a:picLocks noChangeAspect="1" noChangeArrowheads="1"/>
+          </p:cNvPicPr>
+          <p:nvPr/>
+        </p:nvPicPr>
+        <p:blipFill>
+          <a:blip r:embed="rId2">
+            <a:extLst>
+              <a:ext uri="{28A0092B-C50C-407E-A947-70E740481C1C}">
+                <a14:useLocalDpi xmlns:a14="http://schemas.microsoft.com/office/drawing/2010/main" val="0"/>
+              </a:ext>
+            </a:extLst>
+          </a:blip>
+          <a:srcRect/>
+          <a:stretch>
+            <a:fillRect/>
+          </a:stretch>
+        </p:blipFill>
+        <p:spPr bwMode="auto">
+          <a:xfrm>
+            <a:off x="1455611" y="2180690"/>
+            <a:ext cx="6232778" cy="3408550"/>
+          </a:xfrm>
+          <a:prstGeom prst="rect">
+            <a:avLst/>
+          </a:prstGeom>
+          <a:noFill/>
+          <a:extLst>
+            <a:ext uri="{909E8E84-426E-40DD-AFC4-6F175D3DCCD1}">
+              <a14:hiddenFill xmlns:a14="http://schemas.microsoft.com/office/drawing/2010/main">
+                <a:solidFill>
+                  <a:srgbClr val="FFFFFF"/>
+                </a:solidFill>
+              </a14:hiddenFill>
+            </a:ext>
+          </a:extLst>
+        </p:spPr>
+      </p:pic>
+    </p:spTree>
+    <p:extLst>
+      <p:ext uri="{BB962C8B-B14F-4D97-AF65-F5344CB8AC3E}">
+        <p14:creationId xmlns:p14="http://schemas.microsoft.com/office/powerpoint/2010/main" val="1100753252"/>
+      </p:ext>
+    </p:extLst>
+  </p:cSld>
+  <p:clrMapOvr>
+    <a:masterClrMapping/>
+  </p:clrMapOvr>
+  <p:timing>
+    <p:tnLst>
+      <p:par>
+        <p:cTn id="1" dur="indefinite" restart="never" nodeType="tmRoot"/>
+      </p:par>
+    </p:tnLst>
+  </p:timing>
+</p:sld>
+</file>
+
+<file path=ppt/slides/slide18.xml><?xml version="1.0" encoding="utf-8"?>
+<p:sld xmlns:a="http://schemas.openxmlformats.org/drawingml/2006/main" xmlns:r="http://schemas.openxmlformats.org/officeDocument/2006/relationships" xmlns:p="http://schemas.openxmlformats.org/presentationml/2006/main">
+  <p:cSld>
+    <p:spTree>
+      <p:nvGrpSpPr>
+        <p:cNvPr id="1" name=""/>
+        <p:cNvGrpSpPr/>
+        <p:nvPr/>
+      </p:nvGrpSpPr>
+      <p:grpSpPr>
+        <a:xfrm>
+          <a:off x="0" y="0"/>
+          <a:ext cx="0" cy="0"/>
+          <a:chOff x="0" y="0"/>
+          <a:chExt cx="0" cy="0"/>
+        </a:xfrm>
+      </p:grpSpPr>
+      <p:sp>
+        <p:nvSpPr>
+          <p:cNvPr id="17" name="직사각형 16"/>
+          <p:cNvSpPr>
+            <a:spLocks noChangeArrowheads="1"/>
+          </p:cNvSpPr>
+          <p:nvPr/>
+        </p:nvSpPr>
+        <p:spPr bwMode="auto">
+          <a:xfrm>
+            <a:off x="287750" y="326668"/>
+            <a:ext cx="8359159" cy="307777"/>
+          </a:xfrm>
+          <a:prstGeom prst="rect">
+            <a:avLst/>
+          </a:prstGeom>
+        </p:spPr>
+        <p:txBody>
+          <a:bodyPr wrap="square" lIns="0" tIns="0" rIns="0" bIns="0" anchor="ctr">
+            <a:spAutoFit/>
+            <a:scene3d>
+              <a:camera prst="orthographicFront"/>
+              <a:lightRig rig="threePt" dir="t"/>
+            </a:scene3d>
+            <a:sp3d>
+              <a:bevelT w="0"/>
+            </a:sp3d>
+          </a:bodyPr>
+          <a:lstStyle/>
+          <a:p>
+            <a:pPr lvl="0"/>
+            <a:r>
+              <a:rPr lang="en-US" altLang="ko-KR" sz="2000" dirty="0">
+                <a:latin typeface="+mj-ea"/>
+                <a:cs typeface="산돌고딕 L" panose="02030504000101010101" pitchFamily="18" charset="-127"/>
+              </a:rPr>
+              <a:t>4</a:t>
+            </a:r>
+            <a:r>
+              <a:rPr lang="en-US" altLang="ko-KR" sz="2000" dirty="0" smtClean="0">
+                <a:latin typeface="+mj-ea"/>
+                <a:cs typeface="산돌고딕 L" panose="02030504000101010101" pitchFamily="18" charset="-127"/>
+              </a:rPr>
+              <a:t>. </a:t>
+            </a:r>
+            <a:r>
+              <a:rPr lang="en-US" altLang="ko-KR" sz="2000" dirty="0" smtClean="0">
+                <a:latin typeface="+mj-ea"/>
+                <a:cs typeface="산돌고딕 L" panose="02030504000101010101" pitchFamily="18" charset="-127"/>
+              </a:rPr>
+              <a:t>Transforming</a:t>
+            </a:r>
+            <a:r>
+              <a:rPr lang="en-US" altLang="ko-KR" sz="2000" dirty="0" smtClean="0">
+                <a:latin typeface="+mj-ea"/>
+                <a:cs typeface="산돌고딕 L" panose="02030504000101010101" pitchFamily="18" charset="-127"/>
+              </a:rPr>
+              <a:t> </a:t>
+            </a:r>
+            <a:r>
+              <a:rPr lang="en-US" altLang="ko-KR" sz="2000" dirty="0" smtClean="0">
+                <a:latin typeface="+mj-ea"/>
+                <a:cs typeface="산돌고딕 L" panose="02030504000101010101" pitchFamily="18" charset="-127"/>
+              </a:rPr>
+              <a:t>Observables</a:t>
+            </a:r>
+            <a:endParaRPr lang="ko-KR" altLang="ko-KR" dirty="0"/>
+          </a:p>
+        </p:txBody>
+      </p:sp>
+      <p:grpSp>
+        <p:nvGrpSpPr>
+          <p:cNvPr id="2" name="그룹 1"/>
+          <p:cNvGrpSpPr/>
+          <p:nvPr/>
+        </p:nvGrpSpPr>
+        <p:grpSpPr>
+          <a:xfrm>
+            <a:off x="1177883" y="908720"/>
+            <a:ext cx="6788235" cy="5524500"/>
+            <a:chOff x="612651" y="908720"/>
+            <a:chExt cx="6788235" cy="5524500"/>
+          </a:xfrm>
+        </p:grpSpPr>
+        <p:pic>
+          <p:nvPicPr>
+            <p:cNvPr id="6146" name="Picture 2"/>
+            <p:cNvPicPr>
+              <a:picLocks noChangeAspect="1" noChangeArrowheads="1"/>
+            </p:cNvPicPr>
+            <p:nvPr/>
+          </p:nvPicPr>
+          <p:blipFill>
+            <a:blip r:embed="rId2">
+              <a:extLst>
+                <a:ext uri="{28A0092B-C50C-407E-A947-70E740481C1C}">
+                  <a14:useLocalDpi xmlns:a14="http://schemas.microsoft.com/office/drawing/2010/main" val="0"/>
+                </a:ext>
+              </a:extLst>
+            </a:blip>
+            <a:srcRect/>
+            <a:stretch>
+              <a:fillRect/>
+            </a:stretch>
+          </p:blipFill>
+          <p:spPr bwMode="auto">
+            <a:xfrm>
+              <a:off x="612651" y="908720"/>
+              <a:ext cx="3924300" cy="5524500"/>
+            </a:xfrm>
+            <a:prstGeom prst="rect">
+              <a:avLst/>
+            </a:prstGeom>
+            <a:noFill/>
+            <a:ln>
+              <a:noFill/>
+            </a:ln>
+            <a:effectLst/>
+            <a:extLst>
+              <a:ext uri="{909E8E84-426E-40DD-AFC4-6F175D3DCCD1}">
+                <a14:hiddenFill xmlns:a14="http://schemas.microsoft.com/office/drawing/2010/main">
+                  <a:solidFill>
+                    <a:schemeClr val="accent1"/>
+                  </a:solidFill>
+                </a14:hiddenFill>
+              </a:ext>
+              <a:ext uri="{91240B29-F687-4F45-9708-019B960494DF}">
+                <a14:hiddenLine xmlns:a14="http://schemas.microsoft.com/office/drawing/2010/main" w="9525">
+                  <a:solidFill>
+                    <a:schemeClr val="tx1"/>
+                  </a:solidFill>
+                  <a:miter lim="800000"/>
+                  <a:headEnd/>
+                  <a:tailEnd/>
+                </a14:hiddenLine>
+              </a:ext>
+              <a:ext uri="{AF507438-7753-43E0-B8FC-AC1667EBCBE1}">
+                <a14:hiddenEffects xmlns:a14="http://schemas.microsoft.com/office/drawing/2010/main">
+                  <a:effectLst>
+                    <a:outerShdw dist="35921" dir="2700000" algn="ctr" rotWithShape="0">
+                      <a:schemeClr val="bg2"/>
+                    </a:outerShdw>
+                  </a:effectLst>
+                </a14:hiddenEffects>
+              </a:ext>
+            </a:extLst>
+          </p:spPr>
+        </p:pic>
+        <p:pic>
+          <p:nvPicPr>
+            <p:cNvPr id="6149" name="Picture 5"/>
+            <p:cNvPicPr>
+              <a:picLocks noChangeAspect="1" noChangeArrowheads="1"/>
+            </p:cNvPicPr>
+            <p:nvPr/>
+          </p:nvPicPr>
+          <p:blipFill>
+            <a:blip r:embed="rId3">
+              <a:extLst>
+                <a:ext uri="{28A0092B-C50C-407E-A947-70E740481C1C}">
+                  <a14:useLocalDpi xmlns:a14="http://schemas.microsoft.com/office/drawing/2010/main" val="0"/>
+                </a:ext>
+              </a:extLst>
+            </a:blip>
+            <a:srcRect/>
+            <a:stretch>
+              <a:fillRect/>
+            </a:stretch>
+          </p:blipFill>
+          <p:spPr bwMode="auto">
+            <a:xfrm>
+              <a:off x="4860032" y="3933055"/>
+              <a:ext cx="1800200" cy="390901"/>
+            </a:xfrm>
+            <a:prstGeom prst="rect">
+              <a:avLst/>
+            </a:prstGeom>
+            <a:noFill/>
+            <a:ln>
+              <a:noFill/>
+            </a:ln>
+            <a:effectLst/>
+            <a:extLst>
+              <a:ext uri="{909E8E84-426E-40DD-AFC4-6F175D3DCCD1}">
+                <a14:hiddenFill xmlns:a14="http://schemas.microsoft.com/office/drawing/2010/main">
+                  <a:solidFill>
+                    <a:schemeClr val="accent1"/>
+                  </a:solidFill>
+                </a14:hiddenFill>
+              </a:ext>
+              <a:ext uri="{91240B29-F687-4F45-9708-019B960494DF}">
+                <a14:hiddenLine xmlns:a14="http://schemas.microsoft.com/office/drawing/2010/main" w="9525">
+                  <a:solidFill>
+                    <a:schemeClr val="tx1"/>
+                  </a:solidFill>
+                  <a:miter lim="800000"/>
+                  <a:headEnd/>
+                  <a:tailEnd/>
+                </a14:hiddenLine>
+              </a:ext>
+              <a:ext uri="{AF507438-7753-43E0-B8FC-AC1667EBCBE1}">
+                <a14:hiddenEffects xmlns:a14="http://schemas.microsoft.com/office/drawing/2010/main">
+                  <a:effectLst>
+                    <a:outerShdw dist="35921" dir="2700000" algn="ctr" rotWithShape="0">
+                      <a:schemeClr val="bg2"/>
+                    </a:outerShdw>
+                  </a:effectLst>
+                </a14:hiddenEffects>
+              </a:ext>
+            </a:extLst>
+          </p:spPr>
+        </p:pic>
+        <p:pic>
+          <p:nvPicPr>
+            <p:cNvPr id="6150" name="Picture 6"/>
+            <p:cNvPicPr>
+              <a:picLocks noChangeAspect="1" noChangeArrowheads="1"/>
+            </p:cNvPicPr>
+            <p:nvPr/>
+          </p:nvPicPr>
+          <p:blipFill>
+            <a:blip r:embed="rId4">
+              <a:extLst>
+                <a:ext uri="{28A0092B-C50C-407E-A947-70E740481C1C}">
+                  <a14:useLocalDpi xmlns:a14="http://schemas.microsoft.com/office/drawing/2010/main" val="0"/>
+                </a:ext>
+              </a:extLst>
+            </a:blip>
+            <a:srcRect/>
+            <a:stretch>
+              <a:fillRect/>
+            </a:stretch>
+          </p:blipFill>
+          <p:spPr bwMode="auto">
+            <a:xfrm>
+              <a:off x="4860032" y="908720"/>
+              <a:ext cx="2540854" cy="1368152"/>
+            </a:xfrm>
+            <a:prstGeom prst="rect">
+              <a:avLst/>
+            </a:prstGeom>
+            <a:noFill/>
+            <a:ln>
+              <a:noFill/>
+            </a:ln>
+            <a:effectLst/>
+            <a:extLst>
+              <a:ext uri="{909E8E84-426E-40DD-AFC4-6F175D3DCCD1}">
+                <a14:hiddenFill xmlns:a14="http://schemas.microsoft.com/office/drawing/2010/main">
+                  <a:solidFill>
+                    <a:schemeClr val="accent1"/>
+                  </a:solidFill>
+                </a14:hiddenFill>
+              </a:ext>
+              <a:ext uri="{91240B29-F687-4F45-9708-019B960494DF}">
+                <a14:hiddenLine xmlns:a14="http://schemas.microsoft.com/office/drawing/2010/main" w="9525">
+                  <a:solidFill>
+                    <a:schemeClr val="tx1"/>
+                  </a:solidFill>
+                  <a:miter lim="800000"/>
+                  <a:headEnd/>
+                  <a:tailEnd/>
+                </a14:hiddenLine>
+              </a:ext>
+              <a:ext uri="{AF507438-7753-43E0-B8FC-AC1667EBCBE1}">
+                <a14:hiddenEffects xmlns:a14="http://schemas.microsoft.com/office/drawing/2010/main">
+                  <a:effectLst>
+                    <a:outerShdw dist="35921" dir="2700000" algn="ctr" rotWithShape="0">
+                      <a:schemeClr val="bg2"/>
+                    </a:outerShdw>
+                  </a:effectLst>
+                </a14:hiddenEffects>
+              </a:ext>
+            </a:extLst>
+          </p:spPr>
+        </p:pic>
+      </p:grpSp>
+    </p:spTree>
+    <p:extLst>
+      <p:ext uri="{BB962C8B-B14F-4D97-AF65-F5344CB8AC3E}">
+        <p14:creationId xmlns:p14="http://schemas.microsoft.com/office/powerpoint/2010/main" val="1100753252"/>
+      </p:ext>
+    </p:extLst>
+  </p:cSld>
+  <p:clrMapOvr>
+    <a:masterClrMapping/>
+  </p:clrMapOvr>
+  <p:timing>
+    <p:tnLst>
+      <p:par>
+        <p:cTn id="1" dur="indefinite" restart="never" nodeType="tmRoot"/>
+      </p:par>
+    </p:tnLst>
+  </p:timing>
+</p:sld>
+</file>
+
+<file path=ppt/slides/slide19.xml><?xml version="1.0" encoding="utf-8"?>
+<p:sld xmlns:a="http://schemas.openxmlformats.org/drawingml/2006/main" xmlns:r="http://schemas.openxmlformats.org/officeDocument/2006/relationships" xmlns:p="http://schemas.openxmlformats.org/presentationml/2006/main">
+  <p:cSld>
+    <p:spTree>
+      <p:nvGrpSpPr>
+        <p:cNvPr id="1" name=""/>
+        <p:cNvGrpSpPr/>
+        <p:nvPr/>
+      </p:nvGrpSpPr>
+      <p:grpSpPr>
+        <a:xfrm>
+          <a:off x="0" y="0"/>
+          <a:ext cx="0" cy="0"/>
+          <a:chOff x="0" y="0"/>
+          <a:chExt cx="0" cy="0"/>
+        </a:xfrm>
+      </p:grpSpPr>
+      <p:sp>
+        <p:nvSpPr>
+          <p:cNvPr id="17" name="직사각형 16"/>
+          <p:cNvSpPr>
+            <a:spLocks noChangeArrowheads="1"/>
+          </p:cNvSpPr>
+          <p:nvPr/>
+        </p:nvSpPr>
+        <p:spPr bwMode="auto">
+          <a:xfrm>
+            <a:off x="287750" y="326668"/>
+            <a:ext cx="8359159" cy="307777"/>
+          </a:xfrm>
+          <a:prstGeom prst="rect">
+            <a:avLst/>
+          </a:prstGeom>
+        </p:spPr>
+        <p:txBody>
+          <a:bodyPr wrap="square" lIns="0" tIns="0" rIns="0" bIns="0" anchor="ctr">
+            <a:spAutoFit/>
+            <a:scene3d>
+              <a:camera prst="orthographicFront"/>
+              <a:lightRig rig="threePt" dir="t"/>
+            </a:scene3d>
+            <a:sp3d>
+              <a:bevelT w="0"/>
+            </a:sp3d>
+          </a:bodyPr>
+          <a:lstStyle/>
+          <a:p>
+            <a:pPr lvl="0"/>
+            <a:r>
+              <a:rPr lang="en-US" altLang="ko-KR" sz="2000" dirty="0">
+                <a:latin typeface="+mj-ea"/>
+                <a:cs typeface="산돌고딕 L" panose="02030504000101010101" pitchFamily="18" charset="-127"/>
+              </a:rPr>
+              <a:t>4</a:t>
+            </a:r>
+            <a:r>
+              <a:rPr lang="en-US" altLang="ko-KR" sz="2000" dirty="0" smtClean="0">
+                <a:latin typeface="+mj-ea"/>
+                <a:cs typeface="산돌고딕 L" panose="02030504000101010101" pitchFamily="18" charset="-127"/>
+              </a:rPr>
+              <a:t>. </a:t>
+            </a:r>
+            <a:r>
+              <a:rPr lang="en-US" altLang="ko-KR" sz="2000" dirty="0" smtClean="0">
+                <a:latin typeface="+mj-ea"/>
+                <a:cs typeface="산돌고딕 L" panose="02030504000101010101" pitchFamily="18" charset="-127"/>
+              </a:rPr>
+              <a:t>Transforming</a:t>
+            </a:r>
+            <a:r>
+              <a:rPr lang="en-US" altLang="ko-KR" sz="2000" dirty="0" smtClean="0">
+                <a:latin typeface="+mj-ea"/>
+                <a:cs typeface="산돌고딕 L" panose="02030504000101010101" pitchFamily="18" charset="-127"/>
+              </a:rPr>
+              <a:t> </a:t>
+            </a:r>
+            <a:r>
+              <a:rPr lang="en-US" altLang="ko-KR" sz="2000" dirty="0" smtClean="0">
+                <a:latin typeface="+mj-ea"/>
+                <a:cs typeface="산돌고딕 L" panose="02030504000101010101" pitchFamily="18" charset="-127"/>
+              </a:rPr>
+              <a:t>Observables</a:t>
+            </a:r>
+            <a:endParaRPr lang="ko-KR" altLang="ko-KR" dirty="0"/>
+          </a:p>
+        </p:txBody>
+      </p:sp>
+      <p:sp>
+        <p:nvSpPr>
+          <p:cNvPr id="82" name="직사각형 81"/>
+          <p:cNvSpPr/>
+          <p:nvPr/>
+        </p:nvSpPr>
+        <p:spPr>
+          <a:xfrm>
+            <a:off x="723121" y="836712"/>
+            <a:ext cx="7488416" cy="1200329"/>
+          </a:xfrm>
+          <a:prstGeom prst="rect">
+            <a:avLst/>
+          </a:prstGeom>
+        </p:spPr>
+        <p:txBody>
+          <a:bodyPr wrap="square">
+            <a:spAutoFit/>
+          </a:bodyPr>
+          <a:lstStyle/>
+          <a:p>
+            <a:pPr marL="0" lvl="1">
+              <a:lnSpc>
+                <a:spcPct val="150000"/>
+              </a:lnSpc>
+            </a:pPr>
+            <a:r>
+              <a:rPr lang="en-US" altLang="ko-KR" sz="1200" dirty="0" smtClean="0">
+                <a:latin typeface="+mn-ea"/>
+              </a:rPr>
+              <a:t>4</a:t>
+            </a:r>
+            <a:r>
+              <a:rPr lang="en-US" altLang="ko-KR" sz="1200" dirty="0" smtClean="0">
+                <a:latin typeface="+mn-ea"/>
+              </a:rPr>
+              <a:t>.5 </a:t>
+            </a:r>
+            <a:r>
+              <a:rPr lang="en-US" altLang="ko-KR" sz="1200" dirty="0" smtClean="0">
+                <a:latin typeface="+mn-ea"/>
+              </a:rPr>
+              <a:t>scan</a:t>
+            </a:r>
+            <a:r>
+              <a:rPr lang="en-US" altLang="ko-KR" sz="1200" dirty="0" smtClean="0">
+                <a:latin typeface="+mn-ea"/>
+              </a:rPr>
+              <a:t>() </a:t>
+            </a:r>
+            <a:r>
+              <a:rPr lang="ko-KR" altLang="en-US" sz="1200" dirty="0" smtClean="0">
+                <a:latin typeface="+mn-ea"/>
+              </a:rPr>
+              <a:t>함수</a:t>
+            </a:r>
+            <a:endParaRPr lang="ko-KR" altLang="ko-KR" sz="1200" dirty="0" smtClean="0">
+              <a:latin typeface="+mn-ea"/>
+            </a:endParaRPr>
+          </a:p>
+          <a:p>
+            <a:pPr marL="171450" lvl="0" indent="-171450">
+              <a:lnSpc>
+                <a:spcPct val="150000"/>
+              </a:lnSpc>
+              <a:buFont typeface="Arial" pitchFamily="34" charset="0"/>
+              <a:buChar char="•"/>
+            </a:pPr>
+            <a:r>
+              <a:rPr lang="ko-KR" altLang="en-US" sz="1200" dirty="0" smtClean="0">
+                <a:latin typeface="+mn-ea"/>
+              </a:rPr>
+              <a:t>발행한</a:t>
+            </a:r>
+            <a:r>
+              <a:rPr lang="en-US" altLang="ko-KR" sz="1200" dirty="0" smtClean="0">
+                <a:latin typeface="+mn-ea"/>
+              </a:rPr>
+              <a:t> </a:t>
+            </a:r>
+            <a:r>
+              <a:rPr lang="ko-KR" altLang="en-US" sz="1200" dirty="0" smtClean="0">
+                <a:latin typeface="+mn-ea"/>
+              </a:rPr>
+              <a:t>데이터를 모두 사용하여 최종 결과 데이터를 합성할 때 활용</a:t>
+            </a:r>
+            <a:endParaRPr lang="en-US" altLang="ko-KR" sz="1200" dirty="0" smtClean="0">
+              <a:latin typeface="+mn-ea"/>
+            </a:endParaRPr>
+          </a:p>
+          <a:p>
+            <a:pPr marL="171450" lvl="0" indent="-171450">
+              <a:lnSpc>
+                <a:spcPct val="150000"/>
+              </a:lnSpc>
+              <a:buFont typeface="Arial" pitchFamily="34" charset="0"/>
+              <a:buChar char="•"/>
+            </a:pPr>
+            <a:r>
+              <a:rPr lang="ko-KR" altLang="en-US" sz="1200" dirty="0" smtClean="0">
+                <a:latin typeface="+mn-ea"/>
+              </a:rPr>
+              <a:t>입력 값에 맞는 중간 결과 및 최종 결과를 구독자에게 발행</a:t>
+            </a:r>
+            <a:endParaRPr lang="en-US" altLang="ko-KR" sz="1200" dirty="0" smtClean="0">
+              <a:latin typeface="+mn-ea"/>
+            </a:endParaRPr>
+          </a:p>
+          <a:p>
+            <a:pPr marL="171450" lvl="0" indent="-171450">
+              <a:lnSpc>
+                <a:spcPct val="150000"/>
+              </a:lnSpc>
+              <a:buFont typeface="Arial" pitchFamily="34" charset="0"/>
+              <a:buChar char="•"/>
+            </a:pPr>
+            <a:r>
+              <a:rPr lang="en-US" altLang="ko-KR" sz="1200" dirty="0" smtClean="0">
+                <a:latin typeface="+mn-ea"/>
+              </a:rPr>
+              <a:t>reduce() </a:t>
+            </a:r>
+            <a:r>
+              <a:rPr lang="ko-KR" altLang="en-US" sz="1200" dirty="0" smtClean="0">
+                <a:latin typeface="+mn-ea"/>
+              </a:rPr>
+              <a:t>함수와 달리 </a:t>
+            </a:r>
+            <a:r>
+              <a:rPr lang="en-US" altLang="ko-KR" sz="1200" dirty="0" smtClean="0">
+                <a:latin typeface="+mn-ea"/>
+              </a:rPr>
+              <a:t>Observable</a:t>
+            </a:r>
+            <a:r>
+              <a:rPr lang="ko-KR" altLang="en-US" sz="1200" dirty="0">
+                <a:latin typeface="+mn-ea"/>
+              </a:rPr>
+              <a:t> </a:t>
+            </a:r>
+            <a:r>
+              <a:rPr lang="ko-KR" altLang="en-US" sz="1200" dirty="0" smtClean="0">
+                <a:latin typeface="+mn-ea"/>
+              </a:rPr>
+              <a:t>클래스로 정의</a:t>
+            </a:r>
+            <a:endParaRPr lang="en-US" altLang="ko-KR" sz="1200" dirty="0" smtClean="0">
+              <a:latin typeface="+mn-ea"/>
+            </a:endParaRPr>
+          </a:p>
+        </p:txBody>
+      </p:sp>
+      <p:sp>
+        <p:nvSpPr>
+          <p:cNvPr id="2" name="AutoShape 4" descr="rxjava scan marble diagramì ëí ì´ë¯¸ì§ ê²ìê²°ê³¼"/>
+          <p:cNvSpPr>
+            <a:spLocks noChangeAspect="1" noChangeArrowheads="1"/>
+          </p:cNvSpPr>
+          <p:nvPr/>
+        </p:nvSpPr>
+        <p:spPr bwMode="auto">
+          <a:xfrm>
+            <a:off x="168275" y="-144463"/>
+            <a:ext cx="304800" cy="304801"/>
+          </a:xfrm>
+          <a:prstGeom prst="rect">
+            <a:avLst/>
+          </a:prstGeom>
+          <a:noFill/>
+          <a:extLst>
+            <a:ext uri="{909E8E84-426E-40DD-AFC4-6F175D3DCCD1}">
+              <a14:hiddenFill xmlns:a14="http://schemas.microsoft.com/office/drawing/2010/main">
+                <a:solidFill>
+                  <a:srgbClr val="FFFFFF"/>
+                </a:solidFill>
+              </a14:hiddenFill>
+            </a:ext>
+          </a:extLst>
+        </p:spPr>
+        <p:txBody>
+          <a:bodyPr vert="horz" wrap="square" lIns="91440" tIns="45720" rIns="91440" bIns="45720" numCol="1" anchor="t" anchorCtr="0" compatLnSpc="1">
+            <a:prstTxWarp prst="textNoShape">
+              <a:avLst/>
+            </a:prstTxWarp>
+          </a:bodyPr>
+          <a:lstStyle/>
+          <a:p>
+            <a:endParaRPr lang="ko-KR" altLang="en-US"/>
+          </a:p>
+        </p:txBody>
+      </p:sp>
+      <p:pic>
+        <p:nvPicPr>
+          <p:cNvPr id="7174" name="Picture 6" descr="rxjava scan marble diagramì ëí ì´ë¯¸ì§ ê²ìê²°ê³¼"/>
+          <p:cNvPicPr>
+            <a:picLocks noChangeAspect="1" noChangeArrowheads="1"/>
+          </p:cNvPicPr>
+          <p:nvPr/>
+        </p:nvPicPr>
+        <p:blipFill>
+          <a:blip r:embed="rId2" cstate="print">
+            <a:extLst>
+              <a:ext uri="{28A0092B-C50C-407E-A947-70E740481C1C}">
+                <a14:useLocalDpi xmlns:a14="http://schemas.microsoft.com/office/drawing/2010/main" val="0"/>
+              </a:ext>
+            </a:extLst>
+          </a:blip>
+          <a:srcRect/>
+          <a:stretch>
+            <a:fillRect/>
+          </a:stretch>
+        </p:blipFill>
+        <p:spPr bwMode="auto">
+          <a:xfrm>
+            <a:off x="2483768" y="2288082"/>
+            <a:ext cx="3433962" cy="1716982"/>
+          </a:xfrm>
+          <a:prstGeom prst="rect">
+            <a:avLst/>
+          </a:prstGeom>
+          <a:noFill/>
+          <a:extLst>
+            <a:ext uri="{909E8E84-426E-40DD-AFC4-6F175D3DCCD1}">
+              <a14:hiddenFill xmlns:a14="http://schemas.microsoft.com/office/drawing/2010/main">
+                <a:solidFill>
+                  <a:srgbClr val="FFFFFF"/>
+                </a:solidFill>
+              </a14:hiddenFill>
+            </a:ext>
+          </a:extLst>
+        </p:spPr>
+      </p:pic>
+      <p:grpSp>
+        <p:nvGrpSpPr>
+          <p:cNvPr id="3" name="그룹 2"/>
+          <p:cNvGrpSpPr/>
+          <p:nvPr/>
+        </p:nvGrpSpPr>
+        <p:grpSpPr>
+          <a:xfrm>
+            <a:off x="1349564" y="4178299"/>
+            <a:ext cx="6444873" cy="1429744"/>
+            <a:chOff x="439309" y="4178299"/>
+            <a:chExt cx="6444873" cy="1429744"/>
+          </a:xfrm>
+        </p:grpSpPr>
+        <p:pic>
+          <p:nvPicPr>
+            <p:cNvPr id="7175" name="Picture 7"/>
+            <p:cNvPicPr>
+              <a:picLocks noChangeAspect="1" noChangeArrowheads="1"/>
+            </p:cNvPicPr>
+            <p:nvPr/>
+          </p:nvPicPr>
+          <p:blipFill>
+            <a:blip r:embed="rId3">
+              <a:extLst>
+                <a:ext uri="{28A0092B-C50C-407E-A947-70E740481C1C}">
+                  <a14:useLocalDpi xmlns:a14="http://schemas.microsoft.com/office/drawing/2010/main" val="0"/>
+                </a:ext>
+              </a:extLst>
+            </a:blip>
+            <a:srcRect/>
+            <a:stretch>
+              <a:fillRect/>
+            </a:stretch>
+          </p:blipFill>
+          <p:spPr bwMode="auto">
+            <a:xfrm>
+              <a:off x="439309" y="4178299"/>
+              <a:ext cx="4493482" cy="1429744"/>
+            </a:xfrm>
+            <a:prstGeom prst="rect">
+              <a:avLst/>
+            </a:prstGeom>
+            <a:noFill/>
+            <a:ln>
+              <a:noFill/>
+            </a:ln>
+            <a:effectLst/>
+            <a:extLst>
+              <a:ext uri="{909E8E84-426E-40DD-AFC4-6F175D3DCCD1}">
+                <a14:hiddenFill xmlns:a14="http://schemas.microsoft.com/office/drawing/2010/main">
+                  <a:solidFill>
+                    <a:schemeClr val="accent1"/>
+                  </a:solidFill>
+                </a14:hiddenFill>
+              </a:ext>
+              <a:ext uri="{91240B29-F687-4F45-9708-019B960494DF}">
+                <a14:hiddenLine xmlns:a14="http://schemas.microsoft.com/office/drawing/2010/main" w="9525">
+                  <a:solidFill>
+                    <a:schemeClr val="tx1"/>
+                  </a:solidFill>
+                  <a:miter lim="800000"/>
+                  <a:headEnd/>
+                  <a:tailEnd/>
+                </a14:hiddenLine>
+              </a:ext>
+              <a:ext uri="{AF507438-7753-43E0-B8FC-AC1667EBCBE1}">
+                <a14:hiddenEffects xmlns:a14="http://schemas.microsoft.com/office/drawing/2010/main">
+                  <a:effectLst>
+                    <a:outerShdw dist="35921" dir="2700000" algn="ctr" rotWithShape="0">
+                      <a:schemeClr val="bg2"/>
+                    </a:outerShdw>
+                  </a:effectLst>
+                </a14:hiddenEffects>
+              </a:ext>
+            </a:extLst>
+          </p:spPr>
+        </p:pic>
+        <p:pic>
+          <p:nvPicPr>
+            <p:cNvPr id="7176" name="Picture 8"/>
+            <p:cNvPicPr>
+              <a:picLocks noChangeAspect="1" noChangeArrowheads="1"/>
+            </p:cNvPicPr>
+            <p:nvPr/>
+          </p:nvPicPr>
+          <p:blipFill>
+            <a:blip r:embed="rId4">
+              <a:extLst>
+                <a:ext uri="{28A0092B-C50C-407E-A947-70E740481C1C}">
+                  <a14:useLocalDpi xmlns:a14="http://schemas.microsoft.com/office/drawing/2010/main" val="0"/>
+                </a:ext>
+              </a:extLst>
+            </a:blip>
+            <a:srcRect/>
+            <a:stretch>
+              <a:fillRect/>
+            </a:stretch>
+          </p:blipFill>
+          <p:spPr bwMode="auto">
+            <a:xfrm>
+              <a:off x="5148064" y="4188321"/>
+              <a:ext cx="1736118" cy="1304926"/>
+            </a:xfrm>
+            <a:prstGeom prst="rect">
+              <a:avLst/>
+            </a:prstGeom>
+            <a:noFill/>
+            <a:ln>
+              <a:noFill/>
+            </a:ln>
+            <a:effectLst/>
+            <a:extLst>
+              <a:ext uri="{909E8E84-426E-40DD-AFC4-6F175D3DCCD1}">
+                <a14:hiddenFill xmlns:a14="http://schemas.microsoft.com/office/drawing/2010/main">
+                  <a:solidFill>
+                    <a:schemeClr val="accent1"/>
+                  </a:solidFill>
+                </a14:hiddenFill>
+              </a:ext>
+              <a:ext uri="{91240B29-F687-4F45-9708-019B960494DF}">
+                <a14:hiddenLine xmlns:a14="http://schemas.microsoft.com/office/drawing/2010/main" w="9525">
+                  <a:solidFill>
+                    <a:schemeClr val="tx1"/>
+                  </a:solidFill>
+                  <a:miter lim="800000"/>
+                  <a:headEnd/>
+                  <a:tailEnd/>
+                </a14:hiddenLine>
+              </a:ext>
+              <a:ext uri="{AF507438-7753-43E0-B8FC-AC1667EBCBE1}">
+                <a14:hiddenEffects xmlns:a14="http://schemas.microsoft.com/office/drawing/2010/main">
+                  <a:effectLst>
+                    <a:outerShdw dist="35921" dir="2700000" algn="ctr" rotWithShape="0">
+                      <a:schemeClr val="bg2"/>
+                    </a:outerShdw>
+                  </a:effectLst>
+                </a14:hiddenEffects>
+              </a:ext>
+            </a:extLst>
+          </p:spPr>
+        </p:pic>
+      </p:grpSp>
+    </p:spTree>
+    <p:extLst>
+      <p:ext uri="{BB962C8B-B14F-4D97-AF65-F5344CB8AC3E}">
+        <p14:creationId xmlns:p14="http://schemas.microsoft.com/office/powerpoint/2010/main" val="1100753252"/>
       </p:ext>
     </p:extLst>
   </p:cSld>
@@ -5627,6 +8004,499 @@
 </p:sld>
 </file>
 
+<file path=ppt/slides/slide20.xml><?xml version="1.0" encoding="utf-8"?>
+<p:sld xmlns:a="http://schemas.openxmlformats.org/drawingml/2006/main" xmlns:r="http://schemas.openxmlformats.org/officeDocument/2006/relationships" xmlns:p="http://schemas.openxmlformats.org/presentationml/2006/main">
+  <p:cSld>
+    <p:spTree>
+      <p:nvGrpSpPr>
+        <p:cNvPr id="1" name=""/>
+        <p:cNvGrpSpPr/>
+        <p:nvPr/>
+      </p:nvGrpSpPr>
+      <p:grpSpPr>
+        <a:xfrm>
+          <a:off x="0" y="0"/>
+          <a:ext cx="0" cy="0"/>
+          <a:chOff x="0" y="0"/>
+          <a:chExt cx="0" cy="0"/>
+        </a:xfrm>
+      </p:grpSpPr>
+      <p:sp>
+        <p:nvSpPr>
+          <p:cNvPr id="17" name="직사각형 16"/>
+          <p:cNvSpPr>
+            <a:spLocks noChangeArrowheads="1"/>
+          </p:cNvSpPr>
+          <p:nvPr/>
+        </p:nvSpPr>
+        <p:spPr bwMode="auto">
+          <a:xfrm>
+            <a:off x="287750" y="326668"/>
+            <a:ext cx="8359159" cy="307777"/>
+          </a:xfrm>
+          <a:prstGeom prst="rect">
+            <a:avLst/>
+          </a:prstGeom>
+        </p:spPr>
+        <p:txBody>
+          <a:bodyPr wrap="square" lIns="0" tIns="0" rIns="0" bIns="0" anchor="ctr">
+            <a:spAutoFit/>
+            <a:scene3d>
+              <a:camera prst="orthographicFront"/>
+              <a:lightRig rig="threePt" dir="t"/>
+            </a:scene3d>
+            <a:sp3d>
+              <a:bevelT w="0"/>
+            </a:sp3d>
+          </a:bodyPr>
+          <a:lstStyle/>
+          <a:p>
+            <a:r>
+              <a:rPr lang="en-US" altLang="ko-KR" sz="2000" dirty="0" smtClean="0">
+                <a:latin typeface="+mj-ea"/>
+                <a:cs typeface="산돌고딕 L" panose="02030504000101010101" pitchFamily="18" charset="-127"/>
+              </a:rPr>
+              <a:t>5. </a:t>
+            </a:r>
+            <a:r>
+              <a:rPr lang="en-US" altLang="ko-KR" sz="2000" dirty="0"/>
+              <a:t>Filtering Observables</a:t>
+            </a:r>
+          </a:p>
+        </p:txBody>
+      </p:sp>
+      <p:sp>
+        <p:nvSpPr>
+          <p:cNvPr id="82" name="직사각형 81"/>
+          <p:cNvSpPr/>
+          <p:nvPr/>
+        </p:nvSpPr>
+        <p:spPr>
+          <a:xfrm>
+            <a:off x="723121" y="836712"/>
+            <a:ext cx="7488416" cy="610616"/>
+          </a:xfrm>
+          <a:prstGeom prst="rect">
+            <a:avLst/>
+          </a:prstGeom>
+        </p:spPr>
+        <p:txBody>
+          <a:bodyPr wrap="square">
+            <a:spAutoFit/>
+          </a:bodyPr>
+          <a:lstStyle/>
+          <a:p>
+            <a:pPr marL="171450" lvl="0" indent="-171450">
+              <a:lnSpc>
+                <a:spcPct val="150000"/>
+              </a:lnSpc>
+              <a:buFont typeface="Arial" pitchFamily="34" charset="0"/>
+              <a:buChar char="•"/>
+            </a:pPr>
+            <a:r>
+              <a:rPr lang="en-US" altLang="ko-KR" sz="1200" dirty="0" smtClean="0">
+                <a:latin typeface="+mn-ea"/>
+              </a:rPr>
+              <a:t>Observable</a:t>
+            </a:r>
+            <a:r>
+              <a:rPr lang="ko-KR" altLang="en-US" sz="1200" dirty="0" smtClean="0">
+                <a:latin typeface="+mn-ea"/>
+              </a:rPr>
+              <a:t>에서 원하는 데이터만 걸러내는 연산자</a:t>
+            </a:r>
+            <a:endParaRPr lang="en-US" altLang="ko-KR" sz="1200" dirty="0" smtClean="0">
+              <a:latin typeface="+mn-ea"/>
+            </a:endParaRPr>
+          </a:p>
+          <a:p>
+            <a:pPr marL="171450" lvl="0" indent="-171450">
+              <a:lnSpc>
+                <a:spcPct val="150000"/>
+              </a:lnSpc>
+              <a:buFont typeface="Arial" pitchFamily="34" charset="0"/>
+              <a:buChar char="•"/>
+            </a:pPr>
+            <a:r>
+              <a:rPr lang="ko-KR" altLang="en-US" sz="1200" dirty="0" smtClean="0">
+                <a:latin typeface="+mn-ea"/>
+              </a:rPr>
+              <a:t>대부분 함수 이름만 봐도 기능을 유추할 수 있는 직관적인 함수</a:t>
+            </a:r>
+            <a:endParaRPr lang="en-US" altLang="ko-KR" sz="1200" dirty="0" smtClean="0">
+              <a:latin typeface="+mn-ea"/>
+            </a:endParaRPr>
+          </a:p>
+        </p:txBody>
+      </p:sp>
+      <p:pic>
+        <p:nvPicPr>
+          <p:cNvPr id="8194" name="Picture 2"/>
+          <p:cNvPicPr>
+            <a:picLocks noChangeAspect="1" noChangeArrowheads="1"/>
+          </p:cNvPicPr>
+          <p:nvPr/>
+        </p:nvPicPr>
+        <p:blipFill rotWithShape="1">
+          <a:blip r:embed="rId2">
+            <a:extLst>
+              <a:ext uri="{28A0092B-C50C-407E-A947-70E740481C1C}">
+                <a14:useLocalDpi xmlns:a14="http://schemas.microsoft.com/office/drawing/2010/main" val="0"/>
+              </a:ext>
+            </a:extLst>
+          </a:blip>
+          <a:srcRect b="68740"/>
+          <a:stretch/>
+        </p:blipFill>
+        <p:spPr bwMode="auto">
+          <a:xfrm>
+            <a:off x="5148064" y="1843286"/>
+            <a:ext cx="1933575" cy="1164223"/>
+          </a:xfrm>
+          <a:prstGeom prst="rect">
+            <a:avLst/>
+          </a:prstGeom>
+          <a:noFill/>
+          <a:ln>
+            <a:noFill/>
+          </a:ln>
+          <a:effectLst/>
+          <a:extLst>
+            <a:ext uri="{909E8E84-426E-40DD-AFC4-6F175D3DCCD1}">
+              <a14:hiddenFill xmlns:a14="http://schemas.microsoft.com/office/drawing/2010/main">
+                <a:solidFill>
+                  <a:schemeClr val="accent1"/>
+                </a:solidFill>
+              </a14:hiddenFill>
+            </a:ext>
+            <a:ext uri="{91240B29-F687-4F45-9708-019B960494DF}">
+              <a14:hiddenLine xmlns:a14="http://schemas.microsoft.com/office/drawing/2010/main" w="9525">
+                <a:solidFill>
+                  <a:schemeClr val="tx1"/>
+                </a:solidFill>
+                <a:miter lim="800000"/>
+                <a:headEnd/>
+                <a:tailEnd/>
+              </a14:hiddenLine>
+            </a:ext>
+            <a:ext uri="{AF507438-7753-43E0-B8FC-AC1667EBCBE1}">
+              <a14:hiddenEffects xmlns:a14="http://schemas.microsoft.com/office/drawing/2010/main">
+                <a:effectLst>
+                  <a:outerShdw dist="35921" dir="2700000" algn="ctr" rotWithShape="0">
+                    <a:schemeClr val="bg2"/>
+                  </a:outerShdw>
+                </a:effectLst>
+              </a14:hiddenEffects>
+            </a:ext>
+          </a:extLst>
+        </p:spPr>
+      </p:pic>
+      <p:pic>
+        <p:nvPicPr>
+          <p:cNvPr id="8195" name="Picture 3"/>
+          <p:cNvPicPr>
+            <a:picLocks noChangeAspect="1" noChangeArrowheads="1"/>
+          </p:cNvPicPr>
+          <p:nvPr/>
+        </p:nvPicPr>
+        <p:blipFill>
+          <a:blip r:embed="rId3">
+            <a:extLst>
+              <a:ext uri="{28A0092B-C50C-407E-A947-70E740481C1C}">
+                <a14:useLocalDpi xmlns:a14="http://schemas.microsoft.com/office/drawing/2010/main" val="0"/>
+              </a:ext>
+            </a:extLst>
+          </a:blip>
+          <a:srcRect/>
+          <a:stretch>
+            <a:fillRect/>
+          </a:stretch>
+        </p:blipFill>
+        <p:spPr bwMode="auto">
+          <a:xfrm>
+            <a:off x="827584" y="1843286"/>
+            <a:ext cx="3343275" cy="3200400"/>
+          </a:xfrm>
+          <a:prstGeom prst="rect">
+            <a:avLst/>
+          </a:prstGeom>
+          <a:noFill/>
+          <a:ln>
+            <a:noFill/>
+          </a:ln>
+          <a:effectLst/>
+          <a:extLst>
+            <a:ext uri="{909E8E84-426E-40DD-AFC4-6F175D3DCCD1}">
+              <a14:hiddenFill xmlns:a14="http://schemas.microsoft.com/office/drawing/2010/main">
+                <a:solidFill>
+                  <a:schemeClr val="accent1"/>
+                </a:solidFill>
+              </a14:hiddenFill>
+            </a:ext>
+            <a:ext uri="{91240B29-F687-4F45-9708-019B960494DF}">
+              <a14:hiddenLine xmlns:a14="http://schemas.microsoft.com/office/drawing/2010/main" w="9525">
+                <a:solidFill>
+                  <a:schemeClr val="tx1"/>
+                </a:solidFill>
+                <a:miter lim="800000"/>
+                <a:headEnd/>
+                <a:tailEnd/>
+              </a14:hiddenLine>
+            </a:ext>
+            <a:ext uri="{AF507438-7753-43E0-B8FC-AC1667EBCBE1}">
+              <a14:hiddenEffects xmlns:a14="http://schemas.microsoft.com/office/drawing/2010/main">
+                <a:effectLst>
+                  <a:outerShdw dist="35921" dir="2700000" algn="ctr" rotWithShape="0">
+                    <a:schemeClr val="bg2"/>
+                  </a:outerShdw>
+                </a:effectLst>
+              </a14:hiddenEffects>
+            </a:ext>
+          </a:extLst>
+        </p:spPr>
+      </p:pic>
+    </p:spTree>
+    <p:extLst>
+      <p:ext uri="{BB962C8B-B14F-4D97-AF65-F5344CB8AC3E}">
+        <p14:creationId xmlns:p14="http://schemas.microsoft.com/office/powerpoint/2010/main" val="1100753252"/>
+      </p:ext>
+    </p:extLst>
+  </p:cSld>
+  <p:clrMapOvr>
+    <a:masterClrMapping/>
+  </p:clrMapOvr>
+  <p:timing>
+    <p:tnLst>
+      <p:par>
+        <p:cTn id="1" dur="indefinite" restart="never" nodeType="tmRoot"/>
+      </p:par>
+    </p:tnLst>
+  </p:timing>
+</p:sld>
+</file>
+
+<file path=ppt/slides/slide21.xml><?xml version="1.0" encoding="utf-8"?>
+<p:sld xmlns:a="http://schemas.openxmlformats.org/drawingml/2006/main" xmlns:r="http://schemas.openxmlformats.org/officeDocument/2006/relationships" xmlns:p="http://schemas.openxmlformats.org/presentationml/2006/main">
+  <p:cSld>
+    <p:spTree>
+      <p:nvGrpSpPr>
+        <p:cNvPr id="1" name=""/>
+        <p:cNvGrpSpPr/>
+        <p:nvPr/>
+      </p:nvGrpSpPr>
+      <p:grpSpPr>
+        <a:xfrm>
+          <a:off x="0" y="0"/>
+          <a:ext cx="0" cy="0"/>
+          <a:chOff x="0" y="0"/>
+          <a:chExt cx="0" cy="0"/>
+        </a:xfrm>
+      </p:grpSpPr>
+      <p:sp>
+        <p:nvSpPr>
+          <p:cNvPr id="17" name="직사각형 16"/>
+          <p:cNvSpPr>
+            <a:spLocks noChangeArrowheads="1"/>
+          </p:cNvSpPr>
+          <p:nvPr/>
+        </p:nvSpPr>
+        <p:spPr bwMode="auto">
+          <a:xfrm>
+            <a:off x="287750" y="326668"/>
+            <a:ext cx="8359159" cy="307777"/>
+          </a:xfrm>
+          <a:prstGeom prst="rect">
+            <a:avLst/>
+          </a:prstGeom>
+        </p:spPr>
+        <p:txBody>
+          <a:bodyPr wrap="square" lIns="0" tIns="0" rIns="0" bIns="0" anchor="ctr">
+            <a:spAutoFit/>
+            <a:scene3d>
+              <a:camera prst="orthographicFront"/>
+              <a:lightRig rig="threePt" dir="t"/>
+            </a:scene3d>
+            <a:sp3d>
+              <a:bevelT w="0"/>
+            </a:sp3d>
+          </a:bodyPr>
+          <a:lstStyle/>
+          <a:p>
+            <a:r>
+              <a:rPr lang="en-US" altLang="ko-KR" sz="2000" dirty="0" smtClean="0">
+                <a:latin typeface="+mj-ea"/>
+                <a:cs typeface="산돌고딕 L" panose="02030504000101010101" pitchFamily="18" charset="-127"/>
+              </a:rPr>
+              <a:t>5. </a:t>
+            </a:r>
+            <a:r>
+              <a:rPr lang="en-US" altLang="ko-KR" sz="2000" dirty="0"/>
+              <a:t>Filtering Observables</a:t>
+            </a:r>
+          </a:p>
+        </p:txBody>
+      </p:sp>
+      <p:grpSp>
+        <p:nvGrpSpPr>
+          <p:cNvPr id="2" name="그룹 1"/>
+          <p:cNvGrpSpPr/>
+          <p:nvPr/>
+        </p:nvGrpSpPr>
+        <p:grpSpPr>
+          <a:xfrm>
+            <a:off x="1676338" y="1340768"/>
+            <a:ext cx="5791324" cy="4438650"/>
+            <a:chOff x="611560" y="1340768"/>
+            <a:chExt cx="5791324" cy="4438650"/>
+          </a:xfrm>
+        </p:grpSpPr>
+        <p:pic>
+          <p:nvPicPr>
+            <p:cNvPr id="4" name="Picture 2"/>
+            <p:cNvPicPr>
+              <a:picLocks noChangeAspect="1" noChangeArrowheads="1"/>
+            </p:cNvPicPr>
+            <p:nvPr/>
+          </p:nvPicPr>
+          <p:blipFill rotWithShape="1">
+            <a:blip r:embed="rId2">
+              <a:extLst>
+                <a:ext uri="{28A0092B-C50C-407E-A947-70E740481C1C}">
+                  <a14:useLocalDpi xmlns:a14="http://schemas.microsoft.com/office/drawing/2010/main" val="0"/>
+                </a:ext>
+              </a:extLst>
+            </a:blip>
+            <a:srcRect t="30767"/>
+            <a:stretch/>
+          </p:blipFill>
+          <p:spPr bwMode="auto">
+            <a:xfrm>
+              <a:off x="4283968" y="1340768"/>
+              <a:ext cx="2118916" cy="2825570"/>
+            </a:xfrm>
+            <a:prstGeom prst="rect">
+              <a:avLst/>
+            </a:prstGeom>
+            <a:noFill/>
+            <a:ln>
+              <a:noFill/>
+            </a:ln>
+            <a:effectLst/>
+            <a:extLst>
+              <a:ext uri="{909E8E84-426E-40DD-AFC4-6F175D3DCCD1}">
+                <a14:hiddenFill xmlns:a14="http://schemas.microsoft.com/office/drawing/2010/main">
+                  <a:solidFill>
+                    <a:schemeClr val="accent1"/>
+                  </a:solidFill>
+                </a14:hiddenFill>
+              </a:ext>
+              <a:ext uri="{91240B29-F687-4F45-9708-019B960494DF}">
+                <a14:hiddenLine xmlns:a14="http://schemas.microsoft.com/office/drawing/2010/main" w="9525">
+                  <a:solidFill>
+                    <a:schemeClr val="tx1"/>
+                  </a:solidFill>
+                  <a:miter lim="800000"/>
+                  <a:headEnd/>
+                  <a:tailEnd/>
+                </a14:hiddenLine>
+              </a:ext>
+              <a:ext uri="{AF507438-7753-43E0-B8FC-AC1667EBCBE1}">
+                <a14:hiddenEffects xmlns:a14="http://schemas.microsoft.com/office/drawing/2010/main">
+                  <a:effectLst>
+                    <a:outerShdw dist="35921" dir="2700000" algn="ctr" rotWithShape="0">
+                      <a:schemeClr val="bg2"/>
+                    </a:outerShdw>
+                  </a:effectLst>
+                </a14:hiddenEffects>
+              </a:ext>
+            </a:extLst>
+          </p:spPr>
+        </p:pic>
+        <p:pic>
+          <p:nvPicPr>
+            <p:cNvPr id="9218" name="Picture 2"/>
+            <p:cNvPicPr>
+              <a:picLocks noChangeAspect="1" noChangeArrowheads="1"/>
+            </p:cNvPicPr>
+            <p:nvPr/>
+          </p:nvPicPr>
+          <p:blipFill>
+            <a:blip r:embed="rId3">
+              <a:extLst>
+                <a:ext uri="{28A0092B-C50C-407E-A947-70E740481C1C}">
+                  <a14:useLocalDpi xmlns:a14="http://schemas.microsoft.com/office/drawing/2010/main" val="0"/>
+                </a:ext>
+              </a:extLst>
+            </a:blip>
+            <a:srcRect/>
+            <a:stretch>
+              <a:fillRect/>
+            </a:stretch>
+          </p:blipFill>
+          <p:spPr bwMode="auto">
+            <a:xfrm>
+              <a:off x="611560" y="1340768"/>
+              <a:ext cx="3381375" cy="4438650"/>
+            </a:xfrm>
+            <a:prstGeom prst="rect">
+              <a:avLst/>
+            </a:prstGeom>
+            <a:noFill/>
+            <a:ln>
+              <a:noFill/>
+            </a:ln>
+            <a:effectLst/>
+            <a:extLst>
+              <a:ext uri="{909E8E84-426E-40DD-AFC4-6F175D3DCCD1}">
+                <a14:hiddenFill xmlns:a14="http://schemas.microsoft.com/office/drawing/2010/main">
+                  <a:solidFill>
+                    <a:schemeClr val="accent1"/>
+                  </a:solidFill>
+                </a14:hiddenFill>
+              </a:ext>
+              <a:ext uri="{91240B29-F687-4F45-9708-019B960494DF}">
+                <a14:hiddenLine xmlns:a14="http://schemas.microsoft.com/office/drawing/2010/main" w="9525">
+                  <a:solidFill>
+                    <a:schemeClr val="tx1"/>
+                  </a:solidFill>
+                  <a:miter lim="800000"/>
+                  <a:headEnd/>
+                  <a:tailEnd/>
+                </a14:hiddenLine>
+              </a:ext>
+              <a:ext uri="{AF507438-7753-43E0-B8FC-AC1667EBCBE1}">
+                <a14:hiddenEffects xmlns:a14="http://schemas.microsoft.com/office/drawing/2010/main">
+                  <a:effectLst>
+                    <a:outerShdw dist="35921" dir="2700000" algn="ctr" rotWithShape="0">
+                      <a:schemeClr val="bg2"/>
+                    </a:outerShdw>
+                  </a:effectLst>
+                </a14:hiddenEffects>
+              </a:ext>
+            </a:extLst>
+          </p:spPr>
+        </p:pic>
+      </p:grpSp>
+    </p:spTree>
+    <p:extLst>
+      <p:ext uri="{BB962C8B-B14F-4D97-AF65-F5344CB8AC3E}">
+        <p14:creationId xmlns:p14="http://schemas.microsoft.com/office/powerpoint/2010/main" val="450346602"/>
+      </p:ext>
+    </p:extLst>
+  </p:cSld>
+  <p:clrMapOvr>
+    <a:masterClrMapping/>
+  </p:clrMapOvr>
+  <p:timing>
+    <p:tnLst>
+      <p:par>
+        <p:cTn id="1" dur="indefinite" restart="never" nodeType="tmRoot"/>
+      </p:par>
+    </p:tnLst>
+  </p:timing>
+</p:sld>
+</file>
+
 <file path=ppt/slides/slide3.xml><?xml version="1.0" encoding="utf-8"?>
 <p:sld xmlns:a="http://schemas.openxmlformats.org/drawingml/2006/main" xmlns:r="http://schemas.openxmlformats.org/officeDocument/2006/relationships" xmlns:p="http://schemas.openxmlformats.org/presentationml/2006/main">
   <p:cSld>
@@ -5687,14 +8557,7 @@
                 <a:latin typeface="+mj-ea"/>
                 <a:cs typeface="산돌고딕 L" panose="02030504000101010101" pitchFamily="18" charset="-127"/>
               </a:rPr>
-              <a:t>. </a:t>
-            </a:r>
-            <a:r>
-              <a:rPr lang="en-US" altLang="ko-KR" sz="2000" dirty="0" smtClean="0">
-                <a:latin typeface="+mj-ea"/>
-                <a:cs typeface="산돌고딕 L" panose="02030504000101010101" pitchFamily="18" charset="-127"/>
-              </a:rPr>
-              <a:t>Observable </a:t>
+              <a:t>. Observable </a:t>
             </a:r>
             <a:r>
               <a:rPr lang="ko-KR" altLang="en-US" sz="2000" dirty="0" smtClean="0">
@@ -6195,14 +9058,7 @@
                 <a:latin typeface="+mj-ea"/>
                 <a:cs typeface="산돌고딕 L" panose="02030504000101010101" pitchFamily="18" charset="-127"/>
               </a:rPr>
-              <a:t>. </a:t>
-            </a:r>
-            <a:r>
-              <a:rPr lang="en-US" altLang="ko-KR" sz="2000" dirty="0" smtClean="0">
-                <a:latin typeface="+mj-ea"/>
-                <a:cs typeface="산돌고딕 L" panose="02030504000101010101" pitchFamily="18" charset="-127"/>
-              </a:rPr>
-              <a:t>Observable </a:t>
+              <a:t>. Observable </a:t>
             </a:r>
             <a:r>
               <a:rPr lang="ko-KR" altLang="en-US" sz="2000" dirty="0" smtClean="0">
@@ -6854,21 +9710,7 @@
                 <a:latin typeface="+mj-ea"/>
                 <a:cs typeface="산돌고딕 L" panose="02030504000101010101" pitchFamily="18" charset="-127"/>
               </a:rPr>
-              <a:t>3</a:t>
-            </a:r>
-            <a:r>
-              <a:rPr lang="en-US" altLang="ko-KR" sz="2000" dirty="0" smtClean="0">
-                <a:latin typeface="+mj-ea"/>
-                <a:cs typeface="산돌고딕 L" panose="02030504000101010101" pitchFamily="18" charset="-127"/>
-              </a:rPr>
-              <a:t>. </a:t>
-            </a:r>
-            <a:r>
-              <a:rPr lang="en-US" altLang="ko-KR" sz="2000" dirty="0" smtClean="0">
-                <a:latin typeface="+mj-ea"/>
-                <a:cs typeface="산돌고딕 L" panose="02030504000101010101" pitchFamily="18" charset="-127"/>
-              </a:rPr>
-              <a:t>Creating Observables</a:t>
+              <a:t>3. Creating Observables</a:t>
             </a:r>
             <a:endParaRPr lang="ko-KR" altLang="ko-KR" dirty="0"/>
           </a:p>
@@ -7258,21 +10100,7 @@
                 <a:latin typeface="+mj-ea"/>
                 <a:cs typeface="산돌고딕 L" panose="02030504000101010101" pitchFamily="18" charset="-127"/>
               </a:rPr>
-              <a:t>3</a:t>
-            </a:r>
-            <a:r>
-              <a:rPr lang="en-US" altLang="ko-KR" sz="2000" dirty="0" smtClean="0">
-                <a:latin typeface="+mj-ea"/>
-                <a:cs typeface="산돌고딕 L" panose="02030504000101010101" pitchFamily="18" charset="-127"/>
-              </a:rPr>
-              <a:t>. </a:t>
-            </a:r>
-            <a:r>
-              <a:rPr lang="en-US" altLang="ko-KR" sz="2000" dirty="0" smtClean="0">
-                <a:latin typeface="+mj-ea"/>
-                <a:cs typeface="산돌고딕 L" panose="02030504000101010101" pitchFamily="18" charset="-127"/>
-              </a:rPr>
-              <a:t>Creating Observables</a:t>
+              <a:t>3. Creating Observables</a:t>
             </a:r>
             <a:endParaRPr lang="ko-KR" altLang="ko-KR" dirty="0"/>
           </a:p>
@@ -7672,21 +10500,7 @@
                 <a:latin typeface="+mj-ea"/>
                 <a:cs typeface="산돌고딕 L" panose="02030504000101010101" pitchFamily="18" charset="-127"/>
               </a:rPr>
-              <a:t>3</a:t>
-            </a:r>
-            <a:r>
-              <a:rPr lang="en-US" altLang="ko-KR" sz="2000" dirty="0" smtClean="0">
-                <a:latin typeface="+mj-ea"/>
-                <a:cs typeface="산돌고딕 L" panose="02030504000101010101" pitchFamily="18" charset="-127"/>
-              </a:rPr>
-              <a:t>. </a:t>
-            </a:r>
-            <a:r>
-              <a:rPr lang="en-US" altLang="ko-KR" sz="2000" dirty="0" smtClean="0">
-                <a:latin typeface="+mj-ea"/>
-                <a:cs typeface="산돌고딕 L" panose="02030504000101010101" pitchFamily="18" charset="-127"/>
-              </a:rPr>
-              <a:t>Creating Observables</a:t>
+              <a:t>3. Creating Observables</a:t>
             </a:r>
             <a:endParaRPr lang="ko-KR" altLang="ko-KR" dirty="0"/>
           </a:p>
@@ -8112,21 +10926,7 @@
                 <a:latin typeface="+mj-ea"/>
                 <a:cs typeface="산돌고딕 L" panose="02030504000101010101" pitchFamily="18" charset="-127"/>
               </a:rPr>
-              <a:t>3</a:t>
-            </a:r>
-            <a:r>
-              <a:rPr lang="en-US" altLang="ko-KR" sz="2000" dirty="0" smtClean="0">
-                <a:latin typeface="+mj-ea"/>
-                <a:cs typeface="산돌고딕 L" panose="02030504000101010101" pitchFamily="18" charset="-127"/>
-              </a:rPr>
-              <a:t>. </a:t>
-            </a:r>
-            <a:r>
-              <a:rPr lang="en-US" altLang="ko-KR" sz="2000" dirty="0" smtClean="0">
-                <a:latin typeface="+mj-ea"/>
-                <a:cs typeface="산돌고딕 L" panose="02030504000101010101" pitchFamily="18" charset="-127"/>
-              </a:rPr>
-              <a:t>Creating Observables</a:t>
+              <a:t>3. Creating Observables</a:t>
             </a:r>
             <a:endParaRPr lang="ko-KR" altLang="ko-KR" dirty="0"/>
           </a:p>
@@ -8444,21 +11244,7 @@
                 <a:latin typeface="+mj-ea"/>
                 <a:cs typeface="산돌고딕 L" panose="02030504000101010101" pitchFamily="18" charset="-127"/>
               </a:rPr>
-              <a:t>3</a:t>
-            </a:r>
-            <a:r>
-              <a:rPr lang="en-US" altLang="ko-KR" sz="2000" dirty="0" smtClean="0">
-                <a:latin typeface="+mj-ea"/>
-                <a:cs typeface="산돌고딕 L" panose="02030504000101010101" pitchFamily="18" charset="-127"/>
-              </a:rPr>
-              <a:t>. </a:t>
-            </a:r>
-            <a:r>
-              <a:rPr lang="en-US" altLang="ko-KR" sz="2000" dirty="0" smtClean="0">
-                <a:latin typeface="+mj-ea"/>
-                <a:cs typeface="산돌고딕 L" panose="02030504000101010101" pitchFamily="18" charset="-127"/>
-              </a:rPr>
-              <a:t>Creating Observables</a:t>
+              <a:t>3. Creating Observables</a:t>
             </a:r>
             <a:endParaRPr lang="ko-KR" altLang="ko-KR" dirty="0"/>
           </a:p>

--- a/RxJava.pptx
+++ b/RxJava.pptx
@@ -5,10 +5,10 @@
     <p:sldMasterId id="2147483648" r:id="rId1"/>
   </p:sldMasterIdLst>
   <p:notesMasterIdLst>
-    <p:notesMasterId r:id="rId23"/>
+    <p:notesMasterId r:id="rId34"/>
   </p:notesMasterIdLst>
   <p:handoutMasterIdLst>
-    <p:handoutMasterId r:id="rId24"/>
+    <p:handoutMasterId r:id="rId35"/>
   </p:handoutMasterIdLst>
   <p:sldIdLst>
     <p:sldId id="256" r:id="rId2"/>
@@ -32,6 +32,17 @@
     <p:sldId id="303" r:id="rId20"/>
     <p:sldId id="304" r:id="rId21"/>
     <p:sldId id="305" r:id="rId22"/>
+    <p:sldId id="306" r:id="rId23"/>
+    <p:sldId id="307" r:id="rId24"/>
+    <p:sldId id="310" r:id="rId25"/>
+    <p:sldId id="311" r:id="rId26"/>
+    <p:sldId id="308" r:id="rId27"/>
+    <p:sldId id="309" r:id="rId28"/>
+    <p:sldId id="312" r:id="rId29"/>
+    <p:sldId id="313" r:id="rId30"/>
+    <p:sldId id="314" r:id="rId31"/>
+    <p:sldId id="315" r:id="rId32"/>
+    <p:sldId id="316" r:id="rId33"/>
   </p:sldIdLst>
   <p:sldSz cx="9144000" cy="6858000" type="screen4x3"/>
   <p:notesSz cx="6858000" cy="9144000"/>
@@ -215,7 +226,7 @@
           <a:p>
             <a:fld id="{E87B8893-9EC3-4FF4-9868-4D88AB5F357C}" type="datetimeFigureOut">
               <a:rPr lang="ko-KR" altLang="en-US" smtClean="0"/>
-              <a:t>2019-04-17</a:t>
+              <a:t>2019-05-02</a:t>
             </a:fld>
             <a:endParaRPr lang="ko-KR" altLang="en-US" dirty="0"/>
           </a:p>
@@ -381,7 +392,7 @@
           <a:p>
             <a:fld id="{86C0F721-6F5E-43E8-8FD0-BB6D07CDA4CD}" type="datetimeFigureOut">
               <a:rPr lang="ko-KR" altLang="en-US" smtClean="0"/>
-              <a:t>2019-04-17</a:t>
+              <a:t>2019-05-02</a:t>
             </a:fld>
             <a:endParaRPr lang="ko-KR" altLang="en-US" dirty="0"/>
           </a:p>
@@ -1250,9 +1261,8 @@
     <p:bg>
       <p:bgPr>
         <a:solidFill>
-          <a:schemeClr val="bg1">
-            <a:lumMod val="95000"/>
-            <a:alpha val="50000"/>
+          <a:schemeClr val="tx1">
+            <a:alpha val="83000"/>
           </a:schemeClr>
         </a:solidFill>
         <a:effectLst/>
@@ -1274,54 +1284,6 @@
       </p:grpSpPr>
       <p:sp>
         <p:nvSpPr>
-          <p:cNvPr id="8" name="직사각형 7"/>
-          <p:cNvSpPr/>
-          <p:nvPr userDrawn="1"/>
-        </p:nvSpPr>
-        <p:spPr>
-          <a:xfrm>
-            <a:off x="0" y="-1"/>
-            <a:ext cx="9144000" cy="705835"/>
-          </a:xfrm>
-          <a:prstGeom prst="rect">
-            <a:avLst/>
-          </a:prstGeom>
-          <a:solidFill>
-            <a:schemeClr val="bg1">
-              <a:lumMod val="95000"/>
-            </a:schemeClr>
-          </a:solidFill>
-          <a:ln>
-            <a:noFill/>
-          </a:ln>
-        </p:spPr>
-        <p:style>
-          <a:lnRef idx="2">
-            <a:schemeClr val="accent1">
-              <a:shade val="50000"/>
-            </a:schemeClr>
-          </a:lnRef>
-          <a:fillRef idx="1">
-            <a:schemeClr val="accent1"/>
-          </a:fillRef>
-          <a:effectRef idx="0">
-            <a:schemeClr val="accent1"/>
-          </a:effectRef>
-          <a:fontRef idx="minor">
-            <a:schemeClr val="lt1"/>
-          </a:fontRef>
-        </p:style>
-        <p:txBody>
-          <a:bodyPr rtlCol="0" anchor="ctr"/>
-          <a:lstStyle/>
-          <a:p>
-            <a:pPr algn="ctr"/>
-            <a:endParaRPr lang="ko-KR" altLang="en-US" dirty="0"/>
-          </a:p>
-        </p:txBody>
-      </p:sp>
-      <p:sp>
-        <p:nvSpPr>
           <p:cNvPr id="7" name="직사각형 6"/>
           <p:cNvSpPr/>
           <p:nvPr userDrawn="1"/>
@@ -1342,19 +1304,43 @@
           <a:lstStyle/>
           <a:p>
             <a:fld id="{CAB3E991-FC84-4148-A69A-210349800736}" type="slidenum">
-              <a:rPr lang="ko-KR" altLang="en-US" sz="1000" smtClean="0"/>
+              <a:rPr lang="ko-KR" altLang="en-US" sz="1000" smtClean="0">
+                <a:solidFill>
+                  <a:schemeClr val="bg1"/>
+                </a:solidFill>
+              </a:rPr>
               <a:pPr/>
               <a:t>‹#›</a:t>
             </a:fld>
             <a:r>
-              <a:rPr lang="ko-KR" altLang="en-US" sz="1000" dirty="0" smtClean="0"/>
+              <a:rPr lang="ko-KR" altLang="en-US" sz="1000" dirty="0" smtClean="0">
+                <a:solidFill>
+                  <a:schemeClr val="bg1"/>
+                </a:solidFill>
+              </a:rPr>
               <a:t> </a:t>
             </a:r>
             <a:r>
-              <a:rPr lang="en-US" altLang="ko-KR" sz="1000" dirty="0" smtClean="0"/>
-              <a:t>/ 9</a:t>
-            </a:r>
-            <a:endParaRPr lang="ko-KR" altLang="en-US" sz="1000" dirty="0"/>
+              <a:rPr lang="en-US" altLang="ko-KR" sz="1000" dirty="0" smtClean="0">
+                <a:solidFill>
+                  <a:schemeClr val="bg1"/>
+                </a:solidFill>
+              </a:rPr>
+              <a:t>/ </a:t>
+            </a:r>
+            <a:r>
+              <a:rPr lang="en-US" altLang="ko-KR" sz="1000" dirty="0" smtClean="0">
+                <a:solidFill>
+                  <a:schemeClr val="bg1"/>
+                </a:solidFill>
+              </a:rPr>
+              <a:t>30</a:t>
+            </a:r>
+            <a:endParaRPr lang="ko-KR" altLang="en-US" sz="1000" dirty="0">
+              <a:solidFill>
+                <a:schemeClr val="bg1"/>
+              </a:solidFill>
+            </a:endParaRPr>
           </a:p>
         </p:txBody>
       </p:sp>
@@ -3775,6 +3761,16 @@
 <file path=ppt/slides/slide1.xml><?xml version="1.0" encoding="utf-8"?>
 <p:sld xmlns:a="http://schemas.openxmlformats.org/drawingml/2006/main" xmlns:r="http://schemas.openxmlformats.org/officeDocument/2006/relationships" xmlns:p="http://schemas.openxmlformats.org/presentationml/2006/main">
   <p:cSld>
+    <p:bg>
+      <p:bgPr>
+        <a:solidFill>
+          <a:schemeClr val="tx1">
+            <a:alpha val="83000"/>
+          </a:schemeClr>
+        </a:solidFill>
+        <a:effectLst/>
+      </p:bgPr>
+    </p:bg>
     <p:spTree>
       <p:nvGrpSpPr>
         <p:cNvPr id="1" name=""/>
@@ -3852,18 +3848,14 @@
             <a:r>
               <a:rPr lang="en-US" altLang="ko-KR" sz="4000" b="1" dirty="0" err="1" smtClean="0">
                 <a:solidFill>
-                  <a:schemeClr val="bg2">
-                    <a:lumMod val="25000"/>
-                  </a:schemeClr>
+                  <a:schemeClr val="bg1"/>
                 </a:solidFill>
               </a:rPr>
               <a:t>RxJava</a:t>
             </a:r>
             <a:endParaRPr lang="ko-KR" altLang="en-US" sz="4000" b="1" dirty="0">
               <a:solidFill>
-                <a:schemeClr val="bg2">
-                  <a:lumMod val="25000"/>
-                </a:schemeClr>
+                <a:schemeClr val="bg1"/>
               </a:solidFill>
             </a:endParaRPr>
           </a:p>
@@ -3962,12 +3954,19 @@
             <a:pPr lvl="0"/>
             <a:r>
               <a:rPr lang="en-US" altLang="ko-KR" sz="2000" dirty="0" smtClean="0">
+                <a:solidFill>
+                  <a:schemeClr val="bg1"/>
+                </a:solidFill>
                 <a:latin typeface="+mj-ea"/>
                 <a:cs typeface="산돌고딕 L" panose="02030504000101010101" pitchFamily="18" charset="-127"/>
               </a:rPr>
               <a:t>3. Creating Observables</a:t>
             </a:r>
-            <a:endParaRPr lang="ko-KR" altLang="ko-KR" dirty="0"/>
+            <a:endParaRPr lang="ko-KR" altLang="ko-KR" dirty="0">
+              <a:solidFill>
+                <a:schemeClr val="bg1"/>
+              </a:solidFill>
+            </a:endParaRPr>
           </a:p>
         </p:txBody>
       </p:sp>
@@ -3999,29 +3998,44 @@
             </a:pPr>
             <a:r>
               <a:rPr lang="en-US" altLang="ko-KR" sz="1200" dirty="0" smtClean="0">
+                <a:solidFill>
+                  <a:schemeClr val="bg1"/>
+                </a:solidFill>
                 <a:latin typeface="+mn-ea"/>
               </a:rPr>
               <a:t>3.6 </a:t>
             </a:r>
             <a:r>
               <a:rPr lang="en-US" altLang="ko-KR" sz="1200" dirty="0" err="1" smtClean="0">
+                <a:solidFill>
+                  <a:schemeClr val="bg1"/>
+                </a:solidFill>
                 <a:latin typeface="+mn-ea"/>
               </a:rPr>
               <a:t>intervalRange</a:t>
             </a:r>
             <a:r>
               <a:rPr lang="en-US" altLang="ko-KR" sz="1200" dirty="0" smtClean="0">
+                <a:solidFill>
+                  <a:schemeClr val="bg1"/>
+                </a:solidFill>
                 <a:latin typeface="+mn-ea"/>
               </a:rPr>
               <a:t>() </a:t>
             </a:r>
             <a:r>
               <a:rPr lang="ko-KR" altLang="en-US" sz="1200" dirty="0" smtClean="0">
+                <a:solidFill>
+                  <a:schemeClr val="bg1"/>
+                </a:solidFill>
                 <a:latin typeface="+mn-ea"/>
               </a:rPr>
               <a:t>함수</a:t>
             </a:r>
             <a:endParaRPr lang="ko-KR" altLang="ko-KR" sz="1200" dirty="0" smtClean="0">
+              <a:solidFill>
+                <a:schemeClr val="bg1"/>
+              </a:solidFill>
               <a:latin typeface="+mn-ea"/>
             </a:endParaRPr>
           </a:p>
@@ -4035,47 +4049,71 @@
             </a:pPr>
             <a:r>
               <a:rPr lang="en-US" altLang="ko-KR" sz="1200" dirty="0" smtClean="0">
+                <a:solidFill>
+                  <a:schemeClr val="bg1"/>
+                </a:solidFill>
                 <a:latin typeface="+mn-ea"/>
               </a:rPr>
               <a:t>Interval() </a:t>
             </a:r>
             <a:r>
               <a:rPr lang="ko-KR" altLang="en-US" sz="1200" dirty="0" smtClean="0">
+                <a:solidFill>
+                  <a:schemeClr val="bg1"/>
+                </a:solidFill>
                 <a:latin typeface="+mn-ea"/>
               </a:rPr>
               <a:t>함수처럼 일정한 시간 간격으로 값을 출력하지만 </a:t>
             </a:r>
             <a:r>
               <a:rPr lang="en-US" altLang="ko-KR" sz="1200" dirty="0" smtClean="0">
+                <a:solidFill>
+                  <a:schemeClr val="bg1"/>
+                </a:solidFill>
                 <a:latin typeface="+mn-ea"/>
               </a:rPr>
               <a:t>range() </a:t>
             </a:r>
             <a:r>
               <a:rPr lang="ko-KR" altLang="en-US" sz="1200" dirty="0" smtClean="0">
+                <a:solidFill>
+                  <a:schemeClr val="bg1"/>
+                </a:solidFill>
                 <a:latin typeface="+mn-ea"/>
               </a:rPr>
               <a:t>함수처럼 제한된 수의 데이터만 발행한 뒤에 </a:t>
             </a:r>
             <a:r>
               <a:rPr lang="en-US" altLang="ko-KR" sz="1200" dirty="0" err="1" smtClean="0">
+                <a:solidFill>
+                  <a:schemeClr val="bg1"/>
+                </a:solidFill>
                 <a:latin typeface="+mn-ea"/>
               </a:rPr>
               <a:t>onComplete</a:t>
             </a:r>
             <a:r>
               <a:rPr lang="en-US" altLang="ko-KR" sz="1200" dirty="0" smtClean="0">
+                <a:solidFill>
+                  <a:schemeClr val="bg1"/>
+                </a:solidFill>
                 <a:latin typeface="+mn-ea"/>
               </a:rPr>
               <a:t> </a:t>
             </a:r>
             <a:r>
               <a:rPr lang="ko-KR" altLang="en-US" sz="1200" dirty="0" smtClean="0">
+                <a:solidFill>
+                  <a:schemeClr val="bg1"/>
+                </a:solidFill>
                 <a:latin typeface="+mn-ea"/>
               </a:rPr>
               <a:t>이벤트 발생</a:t>
             </a:r>
             <a:endParaRPr lang="en-US" altLang="ko-KR" sz="1200" dirty="0" smtClean="0">
+              <a:solidFill>
+                <a:schemeClr val="bg1"/>
+              </a:solidFill>
               <a:latin typeface="+mn-ea"/>
             </a:endParaRPr>
           </a:p>
@@ -4089,41 +4127,62 @@
             </a:pPr>
             <a:r>
               <a:rPr lang="ko-KR" altLang="en-US" sz="1200" dirty="0" err="1" smtClean="0">
+                <a:solidFill>
+                  <a:schemeClr val="bg1"/>
+                </a:solidFill>
                 <a:latin typeface="+mn-ea"/>
               </a:rPr>
               <a:t>리턴은</a:t>
             </a:r>
             <a:r>
               <a:rPr lang="ko-KR" altLang="en-US" sz="1200" dirty="0" smtClean="0">
+                <a:solidFill>
+                  <a:schemeClr val="bg1"/>
+                </a:solidFill>
                 <a:latin typeface="+mn-ea"/>
               </a:rPr>
               <a:t> </a:t>
             </a:r>
             <a:r>
               <a:rPr lang="en-US" altLang="ko-KR" sz="1200" dirty="0" smtClean="0">
+                <a:solidFill>
+                  <a:schemeClr val="bg1"/>
+                </a:solidFill>
                 <a:latin typeface="+mn-ea"/>
               </a:rPr>
               <a:t>interval()</a:t>
             </a:r>
             <a:r>
               <a:rPr lang="ko-KR" altLang="en-US" sz="1200" dirty="0" smtClean="0">
+                <a:solidFill>
+                  <a:schemeClr val="bg1"/>
+                </a:solidFill>
                 <a:latin typeface="+mn-ea"/>
               </a:rPr>
               <a:t>과 동일하게 </a:t>
             </a:r>
             <a:r>
               <a:rPr lang="en-US" altLang="ko-KR" sz="1200" dirty="0" smtClean="0">
+                <a:solidFill>
+                  <a:schemeClr val="bg1"/>
+                </a:solidFill>
                 <a:latin typeface="+mn-ea"/>
               </a:rPr>
               <a:t>Long </a:t>
             </a:r>
             <a:r>
               <a:rPr lang="ko-KR" altLang="en-US" sz="1200" dirty="0" smtClean="0">
+                <a:solidFill>
+                  <a:schemeClr val="bg1"/>
+                </a:solidFill>
                 <a:latin typeface="+mn-ea"/>
               </a:rPr>
               <a:t>타입</a:t>
             </a:r>
             <a:endParaRPr lang="en-US" altLang="ko-KR" sz="1200" dirty="0" smtClean="0">
+              <a:solidFill>
+                <a:schemeClr val="bg1"/>
+              </a:solidFill>
               <a:latin typeface="+mn-ea"/>
             </a:endParaRPr>
           </a:p>
@@ -4304,12 +4363,19 @@
             <a:pPr lvl="0"/>
             <a:r>
               <a:rPr lang="en-US" altLang="ko-KR" sz="2000" dirty="0" smtClean="0">
+                <a:solidFill>
+                  <a:schemeClr val="bg1"/>
+                </a:solidFill>
                 <a:latin typeface="+mj-ea"/>
                 <a:cs typeface="산돌고딕 L" panose="02030504000101010101" pitchFamily="18" charset="-127"/>
               </a:rPr>
               <a:t>3. Creating Observables</a:t>
             </a:r>
-            <a:endParaRPr lang="ko-KR" altLang="ko-KR" dirty="0"/>
+            <a:endParaRPr lang="ko-KR" altLang="ko-KR" dirty="0">
+              <a:solidFill>
+                <a:schemeClr val="bg1"/>
+              </a:solidFill>
+            </a:endParaRPr>
           </a:p>
         </p:txBody>
       </p:sp>
@@ -4341,17 +4407,26 @@
             </a:pPr>
             <a:r>
               <a:rPr lang="en-US" altLang="ko-KR" sz="1200" dirty="0" smtClean="0">
+                <a:solidFill>
+                  <a:schemeClr val="bg1"/>
+                </a:solidFill>
                 <a:latin typeface="+mn-ea"/>
               </a:rPr>
               <a:t>3.7 defer() </a:t>
             </a:r>
             <a:r>
               <a:rPr lang="ko-KR" altLang="en-US" sz="1200" dirty="0" smtClean="0">
+                <a:solidFill>
+                  <a:schemeClr val="bg1"/>
+                </a:solidFill>
                 <a:latin typeface="+mn-ea"/>
               </a:rPr>
               <a:t>함수</a:t>
             </a:r>
             <a:endParaRPr lang="ko-KR" altLang="ko-KR" sz="1200" dirty="0" smtClean="0">
+              <a:solidFill>
+                <a:schemeClr val="bg1"/>
+              </a:solidFill>
               <a:latin typeface="+mn-ea"/>
             </a:endParaRPr>
           </a:p>
@@ -4365,23 +4440,35 @@
             </a:pPr>
             <a:r>
               <a:rPr lang="ko-KR" altLang="en-US" sz="1200" dirty="0" smtClean="0">
+                <a:solidFill>
+                  <a:schemeClr val="bg1"/>
+                </a:solidFill>
                 <a:latin typeface="+mn-ea"/>
               </a:rPr>
               <a:t>데이터의 생성을 구독자가 </a:t>
             </a:r>
             <a:r>
               <a:rPr lang="en-US" altLang="ko-KR" sz="1200" dirty="0" smtClean="0">
+                <a:solidFill>
+                  <a:schemeClr val="bg1"/>
+                </a:solidFill>
                 <a:latin typeface="+mn-ea"/>
               </a:rPr>
               <a:t>subscribe() </a:t>
             </a:r>
             <a:r>
               <a:rPr lang="ko-KR" altLang="en-US" sz="1200" dirty="0" smtClean="0">
+                <a:solidFill>
+                  <a:schemeClr val="bg1"/>
+                </a:solidFill>
                 <a:latin typeface="+mn-ea"/>
               </a:rPr>
               <a:t>함수를 호출할 때까지 미룰 수 있는 방식</a:t>
             </a:r>
             <a:endParaRPr lang="en-US" altLang="ko-KR" sz="1200" dirty="0" smtClean="0">
+              <a:solidFill>
+                <a:schemeClr val="bg1"/>
+              </a:solidFill>
               <a:latin typeface="+mn-ea"/>
             </a:endParaRPr>
           </a:p>
@@ -4395,12 +4482,18 @@
             </a:pPr>
             <a:r>
               <a:rPr lang="ko-KR" altLang="en-US" sz="1200" dirty="0" smtClean="0">
+                <a:solidFill>
+                  <a:schemeClr val="bg1"/>
+                </a:solidFill>
                 <a:latin typeface="+mn-ea"/>
               </a:rPr>
               <a:t>구독할 때까지 미뤄지기 때문에 최신의 데이터를 얻을 수 있는 장점이 있다</a:t>
             </a:r>
             <a:r>
               <a:rPr lang="en-US" altLang="ko-KR" sz="1200" dirty="0" smtClean="0">
+                <a:solidFill>
+                  <a:schemeClr val="bg1"/>
+                </a:solidFill>
                 <a:latin typeface="+mn-ea"/>
               </a:rPr>
               <a:t>.</a:t>
@@ -4621,12 +4714,19 @@
             <a:pPr lvl="0"/>
             <a:r>
               <a:rPr lang="en-US" altLang="ko-KR" sz="2000" dirty="0" smtClean="0">
+                <a:solidFill>
+                  <a:schemeClr val="bg1"/>
+                </a:solidFill>
                 <a:latin typeface="+mj-ea"/>
                 <a:cs typeface="산돌고딕 L" panose="02030504000101010101" pitchFamily="18" charset="-127"/>
               </a:rPr>
               <a:t>3. Creating Observables</a:t>
             </a:r>
-            <a:endParaRPr lang="ko-KR" altLang="ko-KR" dirty="0"/>
+            <a:endParaRPr lang="ko-KR" altLang="ko-KR" dirty="0">
+              <a:solidFill>
+                <a:schemeClr val="bg1"/>
+              </a:solidFill>
+            </a:endParaRPr>
           </a:p>
         </p:txBody>
       </p:sp>
@@ -4658,17 +4758,26 @@
             </a:pPr>
             <a:r>
               <a:rPr lang="en-US" altLang="ko-KR" sz="1200" dirty="0" smtClean="0">
+                <a:solidFill>
+                  <a:schemeClr val="bg1"/>
+                </a:solidFill>
                 <a:latin typeface="+mn-ea"/>
               </a:rPr>
               <a:t>3.8 repeat() </a:t>
             </a:r>
             <a:r>
               <a:rPr lang="ko-KR" altLang="en-US" sz="1200" dirty="0" smtClean="0">
+                <a:solidFill>
+                  <a:schemeClr val="bg1"/>
+                </a:solidFill>
                 <a:latin typeface="+mn-ea"/>
               </a:rPr>
               <a:t>함수</a:t>
             </a:r>
             <a:endParaRPr lang="ko-KR" altLang="ko-KR" sz="1200" dirty="0" smtClean="0">
+              <a:solidFill>
+                <a:schemeClr val="bg1"/>
+              </a:solidFill>
               <a:latin typeface="+mn-ea"/>
             </a:endParaRPr>
           </a:p>
@@ -4682,11 +4791,17 @@
             </a:pPr>
             <a:r>
               <a:rPr lang="ko-KR" altLang="en-US" sz="1200" dirty="0" smtClean="0">
+                <a:solidFill>
+                  <a:schemeClr val="bg1"/>
+                </a:solidFill>
                 <a:latin typeface="+mn-ea"/>
               </a:rPr>
               <a:t>반복 실행을 하는 함수 </a:t>
             </a:r>
             <a:endParaRPr lang="en-US" altLang="ko-KR" sz="1200" dirty="0">
+              <a:solidFill>
+                <a:schemeClr val="bg1"/>
+              </a:solidFill>
               <a:latin typeface="+mn-ea"/>
             </a:endParaRPr>
           </a:p>
@@ -4700,23 +4815,35 @@
             </a:pPr>
             <a:r>
               <a:rPr lang="ko-KR" altLang="en-US" sz="1200" dirty="0" smtClean="0">
+                <a:solidFill>
+                  <a:schemeClr val="bg1"/>
+                </a:solidFill>
                 <a:latin typeface="+mn-ea"/>
               </a:rPr>
               <a:t>서버와 통신할 때</a:t>
             </a:r>
             <a:r>
               <a:rPr lang="en-US" altLang="ko-KR" sz="1200" dirty="0" smtClean="0">
+                <a:solidFill>
+                  <a:schemeClr val="bg1"/>
+                </a:solidFill>
                 <a:latin typeface="+mn-ea"/>
               </a:rPr>
               <a:t>, </a:t>
             </a:r>
             <a:r>
               <a:rPr lang="ko-KR" altLang="en-US" sz="1200" dirty="0" smtClean="0">
+                <a:solidFill>
+                  <a:schemeClr val="bg1"/>
+                </a:solidFill>
                 <a:latin typeface="+mn-ea"/>
               </a:rPr>
               <a:t>서버가 잘 살아있는지 확인하는데 활용</a:t>
             </a:r>
             <a:endParaRPr lang="en-US" altLang="ko-KR" sz="1200" dirty="0" smtClean="0">
+              <a:solidFill>
+                <a:schemeClr val="bg1"/>
+              </a:solidFill>
               <a:latin typeface="+mn-ea"/>
             </a:endParaRPr>
           </a:p>
@@ -4976,6 +5103,9 @@
             <a:pPr lvl="0"/>
             <a:r>
               <a:rPr lang="en-US" altLang="ko-KR" sz="2000" dirty="0">
+                <a:solidFill>
+                  <a:schemeClr val="bg1"/>
+                </a:solidFill>
                 <a:latin typeface="+mj-ea"/>
                 <a:cs typeface="산돌고딕 L" panose="02030504000101010101" pitchFamily="18" charset="-127"/>
               </a:rPr>
@@ -4983,33 +5113,19 @@
             </a:r>
             <a:r>
               <a:rPr lang="en-US" altLang="ko-KR" sz="2000" dirty="0" smtClean="0">
+                <a:solidFill>
+                  <a:schemeClr val="bg1"/>
+                </a:solidFill>
                 <a:latin typeface="+mj-ea"/>
                 <a:cs typeface="산돌고딕 L" panose="02030504000101010101" pitchFamily="18" charset="-127"/>
               </a:rPr>
-              <a:t>. </a:t>
-            </a:r>
-            <a:r>
-              <a:rPr lang="en-US" altLang="ko-KR" sz="2000" dirty="0" smtClean="0">
-                <a:latin typeface="+mj-ea"/>
-                <a:cs typeface="산돌고딕 L" panose="02030504000101010101" pitchFamily="18" charset="-127"/>
-              </a:rPr>
-              <a:t>Transforming</a:t>
-            </a:r>
-            <a:r>
-              <a:rPr lang="en-US" altLang="ko-KR" sz="2000" dirty="0" smtClean="0">
-                <a:latin typeface="+mj-ea"/>
-                <a:cs typeface="산돌고딕 L" panose="02030504000101010101" pitchFamily="18" charset="-127"/>
-              </a:rPr>
-              <a:t> </a:t>
-            </a:r>
-            <a:r>
-              <a:rPr lang="en-US" altLang="ko-KR" sz="2000" dirty="0" smtClean="0">
-                <a:latin typeface="+mj-ea"/>
-                <a:cs typeface="산돌고딕 L" panose="02030504000101010101" pitchFamily="18" charset="-127"/>
-              </a:rPr>
-              <a:t>Observables</a:t>
-            </a:r>
-            <a:endParaRPr lang="ko-KR" altLang="ko-KR" dirty="0"/>
+              <a:t>. Transforming Observables</a:t>
+            </a:r>
+            <a:endParaRPr lang="ko-KR" altLang="ko-KR" dirty="0">
+              <a:solidFill>
+                <a:schemeClr val="bg1"/>
+              </a:solidFill>
+            </a:endParaRPr>
           </a:p>
         </p:txBody>
       </p:sp>
@@ -5041,23 +5157,26 @@
             </a:pPr>
             <a:r>
               <a:rPr lang="en-US" altLang="ko-KR" sz="1200" dirty="0" smtClean="0">
-                <a:latin typeface="+mn-ea"/>
-              </a:rPr>
-              <a:t>4</a:t>
-            </a:r>
-            <a:r>
-              <a:rPr lang="en-US" altLang="ko-KR" sz="1200" dirty="0" smtClean="0">
-                <a:latin typeface="+mn-ea"/>
-              </a:rPr>
-              <a:t>.1 map() </a:t>
+                <a:solidFill>
+                  <a:schemeClr val="bg1"/>
+                </a:solidFill>
+                <a:latin typeface="+mn-ea"/>
+              </a:rPr>
+              <a:t>4.1 map() </a:t>
             </a:r>
             <a:r>
               <a:rPr lang="ko-KR" altLang="en-US" sz="1200" dirty="0" smtClean="0">
+                <a:solidFill>
+                  <a:schemeClr val="bg1"/>
+                </a:solidFill>
                 <a:latin typeface="+mn-ea"/>
               </a:rPr>
               <a:t>함수</a:t>
             </a:r>
             <a:endParaRPr lang="ko-KR" altLang="ko-KR" sz="1200" dirty="0" smtClean="0">
+              <a:solidFill>
+                <a:schemeClr val="bg1"/>
+              </a:solidFill>
               <a:latin typeface="+mn-ea"/>
             </a:endParaRPr>
           </a:p>
@@ -5071,11 +5190,17 @@
             </a:pPr>
             <a:r>
               <a:rPr lang="ko-KR" altLang="en-US" sz="1200" dirty="0" smtClean="0">
+                <a:solidFill>
+                  <a:schemeClr val="bg1"/>
+                </a:solidFill>
                 <a:latin typeface="+mn-ea"/>
               </a:rPr>
               <a:t>입력 값을 어떤 함수에 넣어서 원하는 값으로 변환하는 함수</a:t>
             </a:r>
             <a:endParaRPr lang="en-US" altLang="ko-KR" sz="1200" dirty="0" smtClean="0">
+              <a:solidFill>
+                <a:schemeClr val="bg1"/>
+              </a:solidFill>
               <a:latin typeface="+mn-ea"/>
             </a:endParaRPr>
           </a:p>
@@ -5116,7 +5241,11 @@
           </a:bodyPr>
           <a:lstStyle/>
           <a:p>
-            <a:endParaRPr lang="ko-KR" altLang="en-US"/>
+            <a:endParaRPr lang="ko-KR" altLang="en-US">
+              <a:solidFill>
+                <a:schemeClr val="bg1"/>
+              </a:solidFill>
+            </a:endParaRPr>
           </a:p>
         </p:txBody>
       </p:sp>
@@ -5155,7 +5284,11 @@
           </a:bodyPr>
           <a:lstStyle/>
           <a:p>
-            <a:endParaRPr lang="ko-KR" altLang="en-US"/>
+            <a:endParaRPr lang="ko-KR" altLang="en-US">
+              <a:solidFill>
+                <a:schemeClr val="bg1"/>
+              </a:solidFill>
+            </a:endParaRPr>
           </a:p>
         </p:txBody>
       </p:sp>
@@ -5413,6 +5546,9 @@
             <a:pPr lvl="0"/>
             <a:r>
               <a:rPr lang="en-US" altLang="ko-KR" sz="2000" dirty="0">
+                <a:solidFill>
+                  <a:schemeClr val="bg1"/>
+                </a:solidFill>
                 <a:latin typeface="+mj-ea"/>
                 <a:cs typeface="산돌고딕 L" panose="02030504000101010101" pitchFamily="18" charset="-127"/>
               </a:rPr>
@@ -5420,33 +5556,19 @@
             </a:r>
             <a:r>
               <a:rPr lang="en-US" altLang="ko-KR" sz="2000" dirty="0" smtClean="0">
+                <a:solidFill>
+                  <a:schemeClr val="bg1"/>
+                </a:solidFill>
                 <a:latin typeface="+mj-ea"/>
                 <a:cs typeface="산돌고딕 L" panose="02030504000101010101" pitchFamily="18" charset="-127"/>
               </a:rPr>
-              <a:t>. </a:t>
-            </a:r>
-            <a:r>
-              <a:rPr lang="en-US" altLang="ko-KR" sz="2000" dirty="0" smtClean="0">
-                <a:latin typeface="+mj-ea"/>
-                <a:cs typeface="산돌고딕 L" panose="02030504000101010101" pitchFamily="18" charset="-127"/>
-              </a:rPr>
-              <a:t>Transforming</a:t>
-            </a:r>
-            <a:r>
-              <a:rPr lang="en-US" altLang="ko-KR" sz="2000" dirty="0" smtClean="0">
-                <a:latin typeface="+mj-ea"/>
-                <a:cs typeface="산돌고딕 L" panose="02030504000101010101" pitchFamily="18" charset="-127"/>
-              </a:rPr>
-              <a:t> </a:t>
-            </a:r>
-            <a:r>
-              <a:rPr lang="en-US" altLang="ko-KR" sz="2000" dirty="0" smtClean="0">
-                <a:latin typeface="+mj-ea"/>
-                <a:cs typeface="산돌고딕 L" panose="02030504000101010101" pitchFamily="18" charset="-127"/>
-              </a:rPr>
-              <a:t>Observables</a:t>
-            </a:r>
-            <a:endParaRPr lang="ko-KR" altLang="ko-KR" dirty="0"/>
+              <a:t>. Transforming Observables</a:t>
+            </a:r>
+            <a:endParaRPr lang="ko-KR" altLang="ko-KR" dirty="0">
+              <a:solidFill>
+                <a:schemeClr val="bg1"/>
+              </a:solidFill>
+            </a:endParaRPr>
           </a:p>
         </p:txBody>
       </p:sp>
@@ -5478,35 +5600,44 @@
             </a:pPr>
             <a:r>
               <a:rPr lang="en-US" altLang="ko-KR" sz="1200" dirty="0" smtClean="0">
-                <a:latin typeface="+mn-ea"/>
-              </a:rPr>
-              <a:t>4</a:t>
+                <a:solidFill>
+                  <a:schemeClr val="bg1"/>
+                </a:solidFill>
+                <a:latin typeface="+mn-ea"/>
+              </a:rPr>
+              <a:t>4.2 </a:t>
+            </a:r>
+            <a:r>
+              <a:rPr lang="en-US" altLang="ko-KR" sz="1200" dirty="0" err="1" smtClean="0">
+                <a:solidFill>
+                  <a:schemeClr val="bg1"/>
+                </a:solidFill>
+                <a:latin typeface="+mn-ea"/>
+              </a:rPr>
+              <a:t>flatMap</a:t>
             </a:r>
             <a:r>
               <a:rPr lang="en-US" altLang="ko-KR" sz="1200" dirty="0" smtClean="0">
-                <a:latin typeface="+mn-ea"/>
-              </a:rPr>
-              <a:t>.2 </a:t>
-            </a:r>
-            <a:r>
-              <a:rPr lang="en-US" altLang="ko-KR" sz="1200" dirty="0" err="1" smtClean="0">
-                <a:latin typeface="+mn-ea"/>
-              </a:rPr>
-              <a:t>flatMap</a:t>
-            </a:r>
-            <a:r>
-              <a:rPr lang="en-US" altLang="ko-KR" sz="1200" dirty="0" smtClean="0">
+                <a:solidFill>
+                  <a:schemeClr val="bg1"/>
+                </a:solidFill>
                 <a:latin typeface="+mn-ea"/>
               </a:rPr>
               <a:t>() </a:t>
             </a:r>
             <a:r>
               <a:rPr lang="ko-KR" altLang="en-US" sz="1200" dirty="0" smtClean="0">
+                <a:solidFill>
+                  <a:schemeClr val="bg1"/>
+                </a:solidFill>
                 <a:latin typeface="+mn-ea"/>
               </a:rPr>
               <a:t>함수</a:t>
             </a:r>
             <a:endParaRPr lang="ko-KR" altLang="ko-KR" sz="1200" dirty="0" smtClean="0">
+              <a:solidFill>
+                <a:schemeClr val="bg1"/>
+              </a:solidFill>
               <a:latin typeface="+mn-ea"/>
             </a:endParaRPr>
           </a:p>
@@ -5520,29 +5651,44 @@
             </a:pPr>
             <a:r>
               <a:rPr lang="en-US" altLang="ko-KR" sz="1200" dirty="0" smtClean="0">
+                <a:solidFill>
+                  <a:schemeClr val="bg1"/>
+                </a:solidFill>
                 <a:latin typeface="+mn-ea"/>
               </a:rPr>
               <a:t>Map</a:t>
             </a:r>
             <a:r>
               <a:rPr lang="ko-KR" altLang="en-US" sz="1200" dirty="0" smtClean="0">
+                <a:solidFill>
+                  <a:schemeClr val="bg1"/>
+                </a:solidFill>
                 <a:latin typeface="+mn-ea"/>
               </a:rPr>
               <a:t>과 동일하지만 결과가 </a:t>
             </a:r>
             <a:r>
               <a:rPr lang="en-US" altLang="ko-KR" sz="1200" dirty="0" smtClean="0">
+                <a:solidFill>
+                  <a:schemeClr val="bg1"/>
+                </a:solidFill>
                 <a:latin typeface="+mn-ea"/>
               </a:rPr>
               <a:t>observable</a:t>
             </a:r>
             <a:r>
               <a:rPr lang="ko-KR" altLang="en-US" sz="1200" dirty="0" smtClean="0">
+                <a:solidFill>
+                  <a:schemeClr val="bg1"/>
+                </a:solidFill>
                 <a:latin typeface="+mn-ea"/>
               </a:rPr>
               <a:t>로 반환</a:t>
             </a:r>
             <a:endParaRPr lang="en-US" altLang="ko-KR" sz="1200" dirty="0" smtClean="0">
+              <a:solidFill>
+                <a:schemeClr val="bg1"/>
+              </a:solidFill>
               <a:latin typeface="+mn-ea"/>
             </a:endParaRPr>
           </a:p>
@@ -5556,47 +5702,71 @@
             </a:pPr>
             <a:r>
               <a:rPr lang="en-US" altLang="ko-KR" sz="1200" dirty="0" smtClean="0">
+                <a:solidFill>
+                  <a:schemeClr val="bg1"/>
+                </a:solidFill>
                 <a:latin typeface="+mn-ea"/>
               </a:rPr>
               <a:t>Map() </a:t>
             </a:r>
             <a:r>
               <a:rPr lang="ko-KR" altLang="en-US" sz="1200" dirty="0" smtClean="0">
+                <a:solidFill>
+                  <a:schemeClr val="bg1"/>
+                </a:solidFill>
                 <a:latin typeface="+mn-ea"/>
               </a:rPr>
               <a:t>함수가 일대일 함수라면 </a:t>
             </a:r>
             <a:r>
               <a:rPr lang="en-US" altLang="ko-KR" sz="1200" dirty="0" err="1" smtClean="0">
+                <a:solidFill>
+                  <a:schemeClr val="bg1"/>
+                </a:solidFill>
                 <a:latin typeface="+mn-ea"/>
               </a:rPr>
               <a:t>flatMap</a:t>
             </a:r>
             <a:r>
               <a:rPr lang="en-US" altLang="ko-KR" sz="1200" dirty="0" smtClean="0">
+                <a:solidFill>
+                  <a:schemeClr val="bg1"/>
+                </a:solidFill>
                 <a:latin typeface="+mn-ea"/>
               </a:rPr>
               <a:t>() </a:t>
             </a:r>
             <a:r>
               <a:rPr lang="ko-KR" altLang="en-US" sz="1200" dirty="0" smtClean="0">
+                <a:solidFill>
+                  <a:schemeClr val="bg1"/>
+                </a:solidFill>
                 <a:latin typeface="+mn-ea"/>
               </a:rPr>
               <a:t>함수는 일대다 혹은 일대일 </a:t>
             </a:r>
             <a:r>
               <a:rPr lang="en-US" altLang="ko-KR" sz="1200" dirty="0" smtClean="0">
+                <a:solidFill>
+                  <a:schemeClr val="bg1"/>
+                </a:solidFill>
                 <a:latin typeface="+mn-ea"/>
               </a:rPr>
               <a:t>Observable </a:t>
             </a:r>
             <a:r>
               <a:rPr lang="ko-KR" altLang="en-US" sz="1200" dirty="0" smtClean="0">
+                <a:solidFill>
+                  <a:schemeClr val="bg1"/>
+                </a:solidFill>
                 <a:latin typeface="+mn-ea"/>
               </a:rPr>
               <a:t>함수</a:t>
             </a:r>
             <a:endParaRPr lang="en-US" altLang="ko-KR" sz="1200" dirty="0" smtClean="0">
+              <a:solidFill>
+                <a:schemeClr val="bg1"/>
+              </a:solidFill>
               <a:latin typeface="+mn-ea"/>
             </a:endParaRPr>
           </a:p>
@@ -5856,6 +6026,9 @@
             <a:pPr lvl="0"/>
             <a:r>
               <a:rPr lang="en-US" altLang="ko-KR" sz="2000" dirty="0">
+                <a:solidFill>
+                  <a:schemeClr val="bg1"/>
+                </a:solidFill>
                 <a:latin typeface="+mj-ea"/>
                 <a:cs typeface="산돌고딕 L" panose="02030504000101010101" pitchFamily="18" charset="-127"/>
               </a:rPr>
@@ -5863,33 +6036,19 @@
             </a:r>
             <a:r>
               <a:rPr lang="en-US" altLang="ko-KR" sz="2000" dirty="0" smtClean="0">
+                <a:solidFill>
+                  <a:schemeClr val="bg1"/>
+                </a:solidFill>
                 <a:latin typeface="+mj-ea"/>
                 <a:cs typeface="산돌고딕 L" panose="02030504000101010101" pitchFamily="18" charset="-127"/>
               </a:rPr>
-              <a:t>. </a:t>
-            </a:r>
-            <a:r>
-              <a:rPr lang="en-US" altLang="ko-KR" sz="2000" dirty="0" smtClean="0">
-                <a:latin typeface="+mj-ea"/>
-                <a:cs typeface="산돌고딕 L" panose="02030504000101010101" pitchFamily="18" charset="-127"/>
-              </a:rPr>
-              <a:t>Transforming</a:t>
-            </a:r>
-            <a:r>
-              <a:rPr lang="en-US" altLang="ko-KR" sz="2000" dirty="0" smtClean="0">
-                <a:latin typeface="+mj-ea"/>
-                <a:cs typeface="산돌고딕 L" panose="02030504000101010101" pitchFamily="18" charset="-127"/>
-              </a:rPr>
-              <a:t> </a:t>
-            </a:r>
-            <a:r>
-              <a:rPr lang="en-US" altLang="ko-KR" sz="2000" dirty="0" smtClean="0">
-                <a:latin typeface="+mj-ea"/>
-                <a:cs typeface="산돌고딕 L" panose="02030504000101010101" pitchFamily="18" charset="-127"/>
-              </a:rPr>
-              <a:t>Observables</a:t>
-            </a:r>
-            <a:endParaRPr lang="ko-KR" altLang="ko-KR" dirty="0"/>
+              <a:t>. Transforming Observables</a:t>
+            </a:r>
+            <a:endParaRPr lang="ko-KR" altLang="ko-KR" dirty="0">
+              <a:solidFill>
+                <a:schemeClr val="bg1"/>
+              </a:solidFill>
+            </a:endParaRPr>
           </a:p>
         </p:txBody>
       </p:sp>
@@ -5921,41 +6080,44 @@
             </a:pPr>
             <a:r>
               <a:rPr lang="en-US" altLang="ko-KR" sz="1200" dirty="0" smtClean="0">
-                <a:latin typeface="+mn-ea"/>
-              </a:rPr>
-              <a:t>4</a:t>
+                <a:solidFill>
+                  <a:schemeClr val="bg1"/>
+                </a:solidFill>
+                <a:latin typeface="+mn-ea"/>
+              </a:rPr>
+              <a:t>4.3 </a:t>
+            </a:r>
+            <a:r>
+              <a:rPr lang="en-US" altLang="ko-KR" sz="1200" dirty="0" err="1" smtClean="0">
+                <a:solidFill>
+                  <a:schemeClr val="bg1"/>
+                </a:solidFill>
+                <a:latin typeface="+mn-ea"/>
+              </a:rPr>
+              <a:t>concatMap</a:t>
             </a:r>
             <a:r>
               <a:rPr lang="en-US" altLang="ko-KR" sz="1200" dirty="0" smtClean="0">
-                <a:latin typeface="+mn-ea"/>
-              </a:rPr>
-              <a:t>.3 </a:t>
-            </a:r>
-            <a:r>
-              <a:rPr lang="en-US" altLang="ko-KR" sz="1200" dirty="0" err="1" smtClean="0">
-                <a:latin typeface="+mn-ea"/>
-              </a:rPr>
-              <a:t>concat</a:t>
-            </a:r>
-            <a:r>
-              <a:rPr lang="en-US" altLang="ko-KR" sz="1200" dirty="0" err="1" smtClean="0">
-                <a:latin typeface="+mn-ea"/>
-              </a:rPr>
-              <a:t>Map</a:t>
-            </a:r>
-            <a:r>
-              <a:rPr lang="en-US" altLang="ko-KR" sz="1200" dirty="0" smtClean="0">
+                <a:solidFill>
+                  <a:schemeClr val="bg1"/>
+                </a:solidFill>
                 <a:latin typeface="+mn-ea"/>
               </a:rPr>
               <a:t>() </a:t>
             </a:r>
             <a:r>
               <a:rPr lang="ko-KR" altLang="en-US" sz="1200" dirty="0" smtClean="0">
+                <a:solidFill>
+                  <a:schemeClr val="bg1"/>
+                </a:solidFill>
                 <a:latin typeface="+mn-ea"/>
               </a:rPr>
               <a:t>함수</a:t>
             </a:r>
             <a:endParaRPr lang="ko-KR" altLang="ko-KR" sz="1200" dirty="0" smtClean="0">
+              <a:solidFill>
+                <a:schemeClr val="bg1"/>
+              </a:solidFill>
               <a:latin typeface="+mn-ea"/>
             </a:endParaRPr>
           </a:p>
@@ -5969,220 +6131,37 @@
             </a:pPr>
             <a:r>
               <a:rPr lang="en-US" altLang="ko-KR" sz="1200" dirty="0" err="1" smtClean="0">
+                <a:solidFill>
+                  <a:schemeClr val="bg1"/>
+                </a:solidFill>
                 <a:latin typeface="+mn-ea"/>
               </a:rPr>
               <a:t>flatMap</a:t>
             </a:r>
             <a:r>
               <a:rPr lang="en-US" altLang="ko-KR" sz="1200" dirty="0" smtClean="0">
+                <a:solidFill>
+                  <a:schemeClr val="bg1"/>
+                </a:solidFill>
                 <a:latin typeface="+mn-ea"/>
               </a:rPr>
               <a:t>() </a:t>
             </a:r>
             <a:r>
               <a:rPr lang="ko-KR" altLang="en-US" sz="1200" dirty="0" smtClean="0">
+                <a:solidFill>
+                  <a:schemeClr val="bg1"/>
+                </a:solidFill>
                 <a:latin typeface="+mn-ea"/>
               </a:rPr>
               <a:t>함수와 유사하지만 데이터의 순서를 보장하는 함수</a:t>
             </a:r>
             <a:endParaRPr lang="en-US" altLang="ko-KR" sz="1200" dirty="0" smtClean="0">
+              <a:solidFill>
+                <a:schemeClr val="bg1"/>
+              </a:solidFill>
               <a:latin typeface="+mn-ea"/>
             </a:endParaRPr>
-          </a:p>
-        </p:txBody>
-      </p:sp>
-      <p:sp>
-        <p:nvSpPr>
-          <p:cNvPr id="2" name="AutoShape 2" descr="rxjava concatmap marble diagramì ëí ì´ë¯¸ì§ ê²ìê²°ê³¼"/>
-          <p:cNvSpPr>
-            <a:spLocks noChangeAspect="1" noChangeArrowheads="1"/>
-          </p:cNvSpPr>
-          <p:nvPr/>
-        </p:nvSpPr>
-        <p:spPr bwMode="auto">
-          <a:xfrm>
-            <a:off x="168275" y="-144463"/>
-            <a:ext cx="304800" cy="304801"/>
-          </a:xfrm>
-          <a:prstGeom prst="rect">
-            <a:avLst/>
-          </a:prstGeom>
-          <a:noFill/>
-          <a:extLst>
-            <a:ext uri="{909E8E84-426E-40DD-AFC4-6F175D3DCCD1}">
-              <a14:hiddenFill xmlns:a14="http://schemas.microsoft.com/office/drawing/2010/main">
-                <a:solidFill>
-                  <a:srgbClr val="FFFFFF"/>
-                </a:solidFill>
-              </a14:hiddenFill>
-            </a:ext>
-          </a:extLst>
-        </p:spPr>
-        <p:txBody>
-          <a:bodyPr vert="horz" wrap="square" lIns="91440" tIns="45720" rIns="91440" bIns="45720" numCol="1" anchor="t" anchorCtr="0" compatLnSpc="1">
-            <a:prstTxWarp prst="textNoShape">
-              <a:avLst/>
-            </a:prstTxWarp>
-          </a:bodyPr>
-          <a:lstStyle/>
-          <a:p>
-            <a:endParaRPr lang="ko-KR" altLang="en-US"/>
-          </a:p>
-        </p:txBody>
-      </p:sp>
-      <p:sp>
-        <p:nvSpPr>
-          <p:cNvPr id="3" name="AutoShape 4" descr="rxjava concatmap marble diagramì ëí ì´ë¯¸ì§ ê²ìê²°ê³¼"/>
-          <p:cNvSpPr>
-            <a:spLocks noChangeAspect="1" noChangeArrowheads="1"/>
-          </p:cNvSpPr>
-          <p:nvPr/>
-        </p:nvSpPr>
-        <p:spPr bwMode="auto">
-          <a:xfrm>
-            <a:off x="320675" y="7937"/>
-            <a:ext cx="304800" cy="304801"/>
-          </a:xfrm>
-          <a:prstGeom prst="rect">
-            <a:avLst/>
-          </a:prstGeom>
-          <a:noFill/>
-          <a:extLst>
-            <a:ext uri="{909E8E84-426E-40DD-AFC4-6F175D3DCCD1}">
-              <a14:hiddenFill xmlns:a14="http://schemas.microsoft.com/office/drawing/2010/main">
-                <a:solidFill>
-                  <a:srgbClr val="FFFFFF"/>
-                </a:solidFill>
-              </a14:hiddenFill>
-            </a:ext>
-          </a:extLst>
-        </p:spPr>
-        <p:txBody>
-          <a:bodyPr vert="horz" wrap="square" lIns="91440" tIns="45720" rIns="91440" bIns="45720" numCol="1" anchor="t" anchorCtr="0" compatLnSpc="1">
-            <a:prstTxWarp prst="textNoShape">
-              <a:avLst/>
-            </a:prstTxWarp>
-          </a:bodyPr>
-          <a:lstStyle/>
-          <a:p>
-            <a:endParaRPr lang="ko-KR" altLang="en-US"/>
-          </a:p>
-        </p:txBody>
-      </p:sp>
-      <p:sp>
-        <p:nvSpPr>
-          <p:cNvPr id="4" name="AutoShape 6" descr="rxjava concatmap marble diagramì ëí ì´ë¯¸ì§ ê²ìê²°ê³¼"/>
-          <p:cNvSpPr>
-            <a:spLocks noChangeAspect="1" noChangeArrowheads="1"/>
-          </p:cNvSpPr>
-          <p:nvPr/>
-        </p:nvSpPr>
-        <p:spPr bwMode="auto">
-          <a:xfrm>
-            <a:off x="473075" y="160337"/>
-            <a:ext cx="304800" cy="304801"/>
-          </a:xfrm>
-          <a:prstGeom prst="rect">
-            <a:avLst/>
-          </a:prstGeom>
-          <a:noFill/>
-          <a:extLst>
-            <a:ext uri="{909E8E84-426E-40DD-AFC4-6F175D3DCCD1}">
-              <a14:hiddenFill xmlns:a14="http://schemas.microsoft.com/office/drawing/2010/main">
-                <a:solidFill>
-                  <a:srgbClr val="FFFFFF"/>
-                </a:solidFill>
-              </a14:hiddenFill>
-            </a:ext>
-          </a:extLst>
-        </p:spPr>
-        <p:txBody>
-          <a:bodyPr vert="horz" wrap="square" lIns="91440" tIns="45720" rIns="91440" bIns="45720" numCol="1" anchor="t" anchorCtr="0" compatLnSpc="1">
-            <a:prstTxWarp prst="textNoShape">
-              <a:avLst/>
-            </a:prstTxWarp>
-          </a:bodyPr>
-          <a:lstStyle/>
-          <a:p>
-            <a:endParaRPr lang="ko-KR" altLang="en-US"/>
-          </a:p>
-        </p:txBody>
-      </p:sp>
-      <p:sp>
-        <p:nvSpPr>
-          <p:cNvPr id="5" name="AutoShape 8" descr="rxjava concatmap marble diagramì ëí ì´ë¯¸ì§ ê²ìê²°ê³¼"/>
-          <p:cNvSpPr>
-            <a:spLocks noChangeAspect="1" noChangeArrowheads="1"/>
-          </p:cNvSpPr>
-          <p:nvPr/>
-        </p:nvSpPr>
-        <p:spPr bwMode="auto">
-          <a:xfrm>
-            <a:off x="625475" y="312737"/>
-            <a:ext cx="304800" cy="304801"/>
-          </a:xfrm>
-          <a:prstGeom prst="rect">
-            <a:avLst/>
-          </a:prstGeom>
-          <a:noFill/>
-          <a:extLst>
-            <a:ext uri="{909E8E84-426E-40DD-AFC4-6F175D3DCCD1}">
-              <a14:hiddenFill xmlns:a14="http://schemas.microsoft.com/office/drawing/2010/main">
-                <a:solidFill>
-                  <a:srgbClr val="FFFFFF"/>
-                </a:solidFill>
-              </a14:hiddenFill>
-            </a:ext>
-          </a:extLst>
-        </p:spPr>
-        <p:txBody>
-          <a:bodyPr vert="horz" wrap="square" lIns="91440" tIns="45720" rIns="91440" bIns="45720" numCol="1" anchor="t" anchorCtr="0" compatLnSpc="1">
-            <a:prstTxWarp prst="textNoShape">
-              <a:avLst/>
-            </a:prstTxWarp>
-          </a:bodyPr>
-          <a:lstStyle/>
-          <a:p>
-            <a:endParaRPr lang="ko-KR" altLang="en-US"/>
-          </a:p>
-        </p:txBody>
-      </p:sp>
-      <p:sp>
-        <p:nvSpPr>
-          <p:cNvPr id="6" name="AutoShape 10" descr="rxjava concatmap marble diagramì ëí ì´ë¯¸ì§ ê²ìê²°ê³¼"/>
-          <p:cNvSpPr>
-            <a:spLocks noChangeAspect="1" noChangeArrowheads="1"/>
-          </p:cNvSpPr>
-          <p:nvPr/>
-        </p:nvSpPr>
-        <p:spPr bwMode="auto">
-          <a:xfrm>
-            <a:off x="777875" y="465137"/>
-            <a:ext cx="304800" cy="304801"/>
-          </a:xfrm>
-          <a:prstGeom prst="rect">
-            <a:avLst/>
-          </a:prstGeom>
-          <a:noFill/>
-          <a:extLst>
-            <a:ext uri="{909E8E84-426E-40DD-AFC4-6F175D3DCCD1}">
-              <a14:hiddenFill xmlns:a14="http://schemas.microsoft.com/office/drawing/2010/main">
-                <a:solidFill>
-                  <a:srgbClr val="FFFFFF"/>
-                </a:solidFill>
-              </a14:hiddenFill>
-            </a:ext>
-          </a:extLst>
-        </p:spPr>
-        <p:txBody>
-          <a:bodyPr vert="horz" wrap="square" lIns="91440" tIns="45720" rIns="91440" bIns="45720" numCol="1" anchor="t" anchorCtr="0" compatLnSpc="1">
-            <a:prstTxWarp prst="textNoShape">
-              <a:avLst/>
-            </a:prstTxWarp>
-          </a:bodyPr>
-          <a:lstStyle/>
-          <a:p>
-            <a:endParaRPr lang="ko-KR" altLang="en-US"/>
           </a:p>
         </p:txBody>
       </p:sp>
@@ -6318,6 +6297,9 @@
             <a:pPr lvl="0"/>
             <a:r>
               <a:rPr lang="en-US" altLang="ko-KR" sz="2000" dirty="0">
+                <a:solidFill>
+                  <a:schemeClr val="bg1"/>
+                </a:solidFill>
                 <a:latin typeface="+mj-ea"/>
                 <a:cs typeface="산돌고딕 L" panose="02030504000101010101" pitchFamily="18" charset="-127"/>
               </a:rPr>
@@ -6325,33 +6307,19 @@
             </a:r>
             <a:r>
               <a:rPr lang="en-US" altLang="ko-KR" sz="2000" dirty="0" smtClean="0">
+                <a:solidFill>
+                  <a:schemeClr val="bg1"/>
+                </a:solidFill>
                 <a:latin typeface="+mj-ea"/>
                 <a:cs typeface="산돌고딕 L" panose="02030504000101010101" pitchFamily="18" charset="-127"/>
               </a:rPr>
-              <a:t>. </a:t>
-            </a:r>
-            <a:r>
-              <a:rPr lang="en-US" altLang="ko-KR" sz="2000" dirty="0" smtClean="0">
-                <a:latin typeface="+mj-ea"/>
-                <a:cs typeface="산돌고딕 L" panose="02030504000101010101" pitchFamily="18" charset="-127"/>
-              </a:rPr>
-              <a:t>Transforming</a:t>
-            </a:r>
-            <a:r>
-              <a:rPr lang="en-US" altLang="ko-KR" sz="2000" dirty="0" smtClean="0">
-                <a:latin typeface="+mj-ea"/>
-                <a:cs typeface="산돌고딕 L" panose="02030504000101010101" pitchFamily="18" charset="-127"/>
-              </a:rPr>
-              <a:t> </a:t>
-            </a:r>
-            <a:r>
-              <a:rPr lang="en-US" altLang="ko-KR" sz="2000" dirty="0" smtClean="0">
-                <a:latin typeface="+mj-ea"/>
-                <a:cs typeface="산돌고딕 L" panose="02030504000101010101" pitchFamily="18" charset="-127"/>
-              </a:rPr>
-              <a:t>Observables</a:t>
-            </a:r>
-            <a:endParaRPr lang="ko-KR" altLang="ko-KR" dirty="0"/>
+              <a:t>. Transforming Observables</a:t>
+            </a:r>
+            <a:endParaRPr lang="ko-KR" altLang="ko-KR" dirty="0">
+              <a:solidFill>
+                <a:schemeClr val="bg1"/>
+              </a:solidFill>
+            </a:endParaRPr>
           </a:p>
         </p:txBody>
       </p:sp>
@@ -6632,6 +6600,9 @@
             <a:pPr lvl="0"/>
             <a:r>
               <a:rPr lang="en-US" altLang="ko-KR" sz="2000" dirty="0">
+                <a:solidFill>
+                  <a:schemeClr val="bg1"/>
+                </a:solidFill>
                 <a:latin typeface="+mj-ea"/>
                 <a:cs typeface="산돌고딕 L" panose="02030504000101010101" pitchFamily="18" charset="-127"/>
               </a:rPr>
@@ -6639,33 +6610,19 @@
             </a:r>
             <a:r>
               <a:rPr lang="en-US" altLang="ko-KR" sz="2000" dirty="0" smtClean="0">
+                <a:solidFill>
+                  <a:schemeClr val="bg1"/>
+                </a:solidFill>
                 <a:latin typeface="+mj-ea"/>
                 <a:cs typeface="산돌고딕 L" panose="02030504000101010101" pitchFamily="18" charset="-127"/>
               </a:rPr>
-              <a:t>. </a:t>
-            </a:r>
-            <a:r>
-              <a:rPr lang="en-US" altLang="ko-KR" sz="2000" dirty="0" smtClean="0">
-                <a:latin typeface="+mj-ea"/>
-                <a:cs typeface="산돌고딕 L" panose="02030504000101010101" pitchFamily="18" charset="-127"/>
-              </a:rPr>
-              <a:t>Transforming</a:t>
-            </a:r>
-            <a:r>
-              <a:rPr lang="en-US" altLang="ko-KR" sz="2000" dirty="0" smtClean="0">
-                <a:latin typeface="+mj-ea"/>
-                <a:cs typeface="산돌고딕 L" panose="02030504000101010101" pitchFamily="18" charset="-127"/>
-              </a:rPr>
-              <a:t> </a:t>
-            </a:r>
-            <a:r>
-              <a:rPr lang="en-US" altLang="ko-KR" sz="2000" dirty="0" smtClean="0">
-                <a:latin typeface="+mj-ea"/>
-                <a:cs typeface="산돌고딕 L" panose="02030504000101010101" pitchFamily="18" charset="-127"/>
-              </a:rPr>
-              <a:t>Observables</a:t>
-            </a:r>
-            <a:endParaRPr lang="ko-KR" altLang="ko-KR" dirty="0"/>
+              <a:t>. Transforming Observables</a:t>
+            </a:r>
+            <a:endParaRPr lang="ko-KR" altLang="ko-KR" dirty="0">
+              <a:solidFill>
+                <a:schemeClr val="bg1"/>
+              </a:solidFill>
+            </a:endParaRPr>
           </a:p>
         </p:txBody>
       </p:sp>
@@ -6697,35 +6654,44 @@
             </a:pPr>
             <a:r>
               <a:rPr lang="en-US" altLang="ko-KR" sz="1200" dirty="0" smtClean="0">
-                <a:latin typeface="+mn-ea"/>
-              </a:rPr>
-              <a:t>4</a:t>
+                <a:solidFill>
+                  <a:schemeClr val="bg1"/>
+                </a:solidFill>
+                <a:latin typeface="+mn-ea"/>
+              </a:rPr>
+              <a:t>4.4 </a:t>
+            </a:r>
+            <a:r>
+              <a:rPr lang="en-US" altLang="ko-KR" sz="1200" dirty="0" err="1" smtClean="0">
+                <a:solidFill>
+                  <a:schemeClr val="bg1"/>
+                </a:solidFill>
+                <a:latin typeface="+mn-ea"/>
+              </a:rPr>
+              <a:t>switchMap</a:t>
             </a:r>
             <a:r>
               <a:rPr lang="en-US" altLang="ko-KR" sz="1200" dirty="0" smtClean="0">
-                <a:latin typeface="+mn-ea"/>
-              </a:rPr>
-              <a:t>.4 </a:t>
-            </a:r>
-            <a:r>
-              <a:rPr lang="en-US" altLang="ko-KR" sz="1200" dirty="0" err="1" smtClean="0">
-                <a:latin typeface="+mn-ea"/>
-              </a:rPr>
-              <a:t>switchMap</a:t>
-            </a:r>
-            <a:r>
-              <a:rPr lang="en-US" altLang="ko-KR" sz="1200" dirty="0" smtClean="0">
+                <a:solidFill>
+                  <a:schemeClr val="bg1"/>
+                </a:solidFill>
                 <a:latin typeface="+mn-ea"/>
               </a:rPr>
               <a:t>() </a:t>
             </a:r>
             <a:r>
               <a:rPr lang="ko-KR" altLang="en-US" sz="1200" dirty="0" smtClean="0">
+                <a:solidFill>
+                  <a:schemeClr val="bg1"/>
+                </a:solidFill>
                 <a:latin typeface="+mn-ea"/>
               </a:rPr>
               <a:t>함수</a:t>
             </a:r>
             <a:endParaRPr lang="ko-KR" altLang="ko-KR" sz="1200" dirty="0" smtClean="0">
+              <a:solidFill>
+                <a:schemeClr val="bg1"/>
+              </a:solidFill>
               <a:latin typeface="+mn-ea"/>
             </a:endParaRPr>
           </a:p>
@@ -6739,23 +6705,35 @@
             </a:pPr>
             <a:r>
               <a:rPr lang="ko-KR" altLang="en-US" sz="1200" dirty="0" smtClean="0">
+                <a:solidFill>
+                  <a:schemeClr val="bg1"/>
+                </a:solidFill>
                 <a:latin typeface="+mn-ea"/>
               </a:rPr>
               <a:t>여러 개의</a:t>
             </a:r>
             <a:r>
               <a:rPr lang="en-US" altLang="ko-KR" sz="1200" dirty="0" smtClean="0">
+                <a:solidFill>
+                  <a:schemeClr val="bg1"/>
+                </a:solidFill>
                 <a:latin typeface="+mn-ea"/>
               </a:rPr>
               <a:t> </a:t>
             </a:r>
             <a:r>
               <a:rPr lang="ko-KR" altLang="en-US" sz="1200" dirty="0" smtClean="0">
+                <a:solidFill>
+                  <a:schemeClr val="bg1"/>
+                </a:solidFill>
                 <a:latin typeface="+mn-ea"/>
               </a:rPr>
               <a:t>값이 발행되었을 때 마지막에 들어온 값만 처리하고 싶을 때 사용하는 함수</a:t>
             </a:r>
             <a:endParaRPr lang="en-US" altLang="ko-KR" sz="1200" dirty="0" smtClean="0">
+              <a:solidFill>
+                <a:schemeClr val="bg1"/>
+              </a:solidFill>
               <a:latin typeface="+mn-ea"/>
             </a:endParaRPr>
           </a:p>
@@ -6769,11 +6747,17 @@
             </a:pPr>
             <a:r>
               <a:rPr lang="ko-KR" altLang="en-US" sz="1200" dirty="0" smtClean="0">
+                <a:solidFill>
+                  <a:schemeClr val="bg1"/>
+                </a:solidFill>
                 <a:latin typeface="+mn-ea"/>
               </a:rPr>
               <a:t>중간에 끊기더라도 마지막 데이터의 처리를 보장 </a:t>
             </a:r>
             <a:endParaRPr lang="en-US" altLang="ko-KR" sz="1200" dirty="0" smtClean="0">
+              <a:solidFill>
+                <a:schemeClr val="bg1"/>
+              </a:solidFill>
               <a:latin typeface="+mn-ea"/>
             </a:endParaRPr>
           </a:p>
@@ -6890,6 +6874,9 @@
             <a:pPr lvl="0"/>
             <a:r>
               <a:rPr lang="en-US" altLang="ko-KR" sz="2000" dirty="0">
+                <a:solidFill>
+                  <a:schemeClr val="bg1"/>
+                </a:solidFill>
                 <a:latin typeface="+mj-ea"/>
                 <a:cs typeface="산돌고딕 L" panose="02030504000101010101" pitchFamily="18" charset="-127"/>
               </a:rPr>
@@ -6897,33 +6884,19 @@
             </a:r>
             <a:r>
               <a:rPr lang="en-US" altLang="ko-KR" sz="2000" dirty="0" smtClean="0">
+                <a:solidFill>
+                  <a:schemeClr val="bg1"/>
+                </a:solidFill>
                 <a:latin typeface="+mj-ea"/>
                 <a:cs typeface="산돌고딕 L" panose="02030504000101010101" pitchFamily="18" charset="-127"/>
               </a:rPr>
-              <a:t>. </a:t>
-            </a:r>
-            <a:r>
-              <a:rPr lang="en-US" altLang="ko-KR" sz="2000" dirty="0" smtClean="0">
-                <a:latin typeface="+mj-ea"/>
-                <a:cs typeface="산돌고딕 L" panose="02030504000101010101" pitchFamily="18" charset="-127"/>
-              </a:rPr>
-              <a:t>Transforming</a:t>
-            </a:r>
-            <a:r>
-              <a:rPr lang="en-US" altLang="ko-KR" sz="2000" dirty="0" smtClean="0">
-                <a:latin typeface="+mj-ea"/>
-                <a:cs typeface="산돌고딕 L" panose="02030504000101010101" pitchFamily="18" charset="-127"/>
-              </a:rPr>
-              <a:t> </a:t>
-            </a:r>
-            <a:r>
-              <a:rPr lang="en-US" altLang="ko-KR" sz="2000" dirty="0" smtClean="0">
-                <a:latin typeface="+mj-ea"/>
-                <a:cs typeface="산돌고딕 L" panose="02030504000101010101" pitchFamily="18" charset="-127"/>
-              </a:rPr>
-              <a:t>Observables</a:t>
-            </a:r>
-            <a:endParaRPr lang="ko-KR" altLang="ko-KR" dirty="0"/>
+              <a:t>. Transforming Observables</a:t>
+            </a:r>
+            <a:endParaRPr lang="ko-KR" altLang="ko-KR" dirty="0">
+              <a:solidFill>
+                <a:schemeClr val="bg1"/>
+              </a:solidFill>
+            </a:endParaRPr>
           </a:p>
         </p:txBody>
       </p:sp>
@@ -7204,6 +7177,9 @@
             <a:pPr lvl="0"/>
             <a:r>
               <a:rPr lang="en-US" altLang="ko-KR" sz="2000" dirty="0">
+                <a:solidFill>
+                  <a:schemeClr val="bg1"/>
+                </a:solidFill>
                 <a:latin typeface="+mj-ea"/>
                 <a:cs typeface="산돌고딕 L" panose="02030504000101010101" pitchFamily="18" charset="-127"/>
               </a:rPr>
@@ -7211,33 +7187,19 @@
             </a:r>
             <a:r>
               <a:rPr lang="en-US" altLang="ko-KR" sz="2000" dirty="0" smtClean="0">
+                <a:solidFill>
+                  <a:schemeClr val="bg1"/>
+                </a:solidFill>
                 <a:latin typeface="+mj-ea"/>
                 <a:cs typeface="산돌고딕 L" panose="02030504000101010101" pitchFamily="18" charset="-127"/>
               </a:rPr>
-              <a:t>. </a:t>
-            </a:r>
-            <a:r>
-              <a:rPr lang="en-US" altLang="ko-KR" sz="2000" dirty="0" smtClean="0">
-                <a:latin typeface="+mj-ea"/>
-                <a:cs typeface="산돌고딕 L" panose="02030504000101010101" pitchFamily="18" charset="-127"/>
-              </a:rPr>
-              <a:t>Transforming</a:t>
-            </a:r>
-            <a:r>
-              <a:rPr lang="en-US" altLang="ko-KR" sz="2000" dirty="0" smtClean="0">
-                <a:latin typeface="+mj-ea"/>
-                <a:cs typeface="산돌고딕 L" panose="02030504000101010101" pitchFamily="18" charset="-127"/>
-              </a:rPr>
-              <a:t> </a:t>
-            </a:r>
-            <a:r>
-              <a:rPr lang="en-US" altLang="ko-KR" sz="2000" dirty="0" smtClean="0">
-                <a:latin typeface="+mj-ea"/>
-                <a:cs typeface="산돌고딕 L" panose="02030504000101010101" pitchFamily="18" charset="-127"/>
-              </a:rPr>
-              <a:t>Observables</a:t>
-            </a:r>
-            <a:endParaRPr lang="ko-KR" altLang="ko-KR" dirty="0"/>
+              <a:t>. Transforming Observables</a:t>
+            </a:r>
+            <a:endParaRPr lang="ko-KR" altLang="ko-KR" dirty="0">
+              <a:solidFill>
+                <a:schemeClr val="bg1"/>
+              </a:solidFill>
+            </a:endParaRPr>
           </a:p>
         </p:txBody>
       </p:sp>
@@ -7269,35 +7231,26 @@
             </a:pPr>
             <a:r>
               <a:rPr lang="en-US" altLang="ko-KR" sz="1200" dirty="0" smtClean="0">
-                <a:latin typeface="+mn-ea"/>
-              </a:rPr>
-              <a:t>4</a:t>
-            </a:r>
-            <a:r>
-              <a:rPr lang="en-US" altLang="ko-KR" sz="1200" dirty="0" smtClean="0">
-                <a:latin typeface="+mn-ea"/>
-              </a:rPr>
-              <a:t>.5 </a:t>
-            </a:r>
-            <a:r>
-              <a:rPr lang="en-US" altLang="ko-KR" sz="1200" dirty="0" smtClean="0">
-                <a:latin typeface="+mn-ea"/>
-              </a:rPr>
-              <a:t>scan</a:t>
-            </a:r>
-            <a:r>
-              <a:rPr lang="en-US" altLang="ko-KR" sz="1200" dirty="0" smtClean="0">
-                <a:latin typeface="+mn-ea"/>
-              </a:rPr>
-              <a:t>() </a:t>
+                <a:solidFill>
+                  <a:schemeClr val="bg1"/>
+                </a:solidFill>
+                <a:latin typeface="+mn-ea"/>
+              </a:rPr>
+              <a:t>4.5 scan() </a:t>
             </a:r>
             <a:r>
               <a:rPr lang="ko-KR" altLang="en-US" sz="1200" dirty="0" smtClean="0">
+                <a:solidFill>
+                  <a:schemeClr val="bg1"/>
+                </a:solidFill>
                 <a:latin typeface="+mn-ea"/>
               </a:rPr>
               <a:t>함수</a:t>
             </a:r>
             <a:endParaRPr lang="ko-KR" altLang="ko-KR" sz="1200" dirty="0" smtClean="0">
+              <a:solidFill>
+                <a:schemeClr val="bg1"/>
+              </a:solidFill>
               <a:latin typeface="+mn-ea"/>
             </a:endParaRPr>
           </a:p>
@@ -7311,23 +7264,35 @@
             </a:pPr>
             <a:r>
               <a:rPr lang="ko-KR" altLang="en-US" sz="1200" dirty="0" smtClean="0">
+                <a:solidFill>
+                  <a:schemeClr val="bg1"/>
+                </a:solidFill>
                 <a:latin typeface="+mn-ea"/>
               </a:rPr>
               <a:t>발행한</a:t>
             </a:r>
             <a:r>
               <a:rPr lang="en-US" altLang="ko-KR" sz="1200" dirty="0" smtClean="0">
+                <a:solidFill>
+                  <a:schemeClr val="bg1"/>
+                </a:solidFill>
                 <a:latin typeface="+mn-ea"/>
               </a:rPr>
               <a:t> </a:t>
             </a:r>
             <a:r>
               <a:rPr lang="ko-KR" altLang="en-US" sz="1200" dirty="0" smtClean="0">
+                <a:solidFill>
+                  <a:schemeClr val="bg1"/>
+                </a:solidFill>
                 <a:latin typeface="+mn-ea"/>
               </a:rPr>
               <a:t>데이터를 모두 사용하여 최종 결과 데이터를 합성할 때 활용</a:t>
             </a:r>
             <a:endParaRPr lang="en-US" altLang="ko-KR" sz="1200" dirty="0" smtClean="0">
+              <a:solidFill>
+                <a:schemeClr val="bg1"/>
+              </a:solidFill>
               <a:latin typeface="+mn-ea"/>
             </a:endParaRPr>
           </a:p>
@@ -7341,11 +7306,17 @@
             </a:pPr>
             <a:r>
               <a:rPr lang="ko-KR" altLang="en-US" sz="1200" dirty="0" smtClean="0">
+                <a:solidFill>
+                  <a:schemeClr val="bg1"/>
+                </a:solidFill>
                 <a:latin typeface="+mn-ea"/>
               </a:rPr>
               <a:t>입력 값에 맞는 중간 결과 및 최종 결과를 구독자에게 발행</a:t>
             </a:r>
             <a:endParaRPr lang="en-US" altLang="ko-KR" sz="1200" dirty="0" smtClean="0">
+              <a:solidFill>
+                <a:schemeClr val="bg1"/>
+              </a:solidFill>
               <a:latin typeface="+mn-ea"/>
             </a:endParaRPr>
           </a:p>
@@ -7359,35 +7330,53 @@
             </a:pPr>
             <a:r>
               <a:rPr lang="en-US" altLang="ko-KR" sz="1200" dirty="0" smtClean="0">
+                <a:solidFill>
+                  <a:schemeClr val="bg1"/>
+                </a:solidFill>
                 <a:latin typeface="+mn-ea"/>
               </a:rPr>
               <a:t>reduce() </a:t>
             </a:r>
             <a:r>
               <a:rPr lang="ko-KR" altLang="en-US" sz="1200" dirty="0" smtClean="0">
+                <a:solidFill>
+                  <a:schemeClr val="bg1"/>
+                </a:solidFill>
                 <a:latin typeface="+mn-ea"/>
               </a:rPr>
               <a:t>함수와 달리 </a:t>
             </a:r>
             <a:r>
               <a:rPr lang="en-US" altLang="ko-KR" sz="1200" dirty="0" smtClean="0">
+                <a:solidFill>
+                  <a:schemeClr val="bg1"/>
+                </a:solidFill>
                 <a:latin typeface="+mn-ea"/>
               </a:rPr>
               <a:t>Observable</a:t>
             </a:r>
             <a:r>
               <a:rPr lang="ko-KR" altLang="en-US" sz="1200" dirty="0">
+                <a:solidFill>
+                  <a:schemeClr val="bg1"/>
+                </a:solidFill>
                 <a:latin typeface="+mn-ea"/>
               </a:rPr>
               <a:t> </a:t>
             </a:r>
             <a:r>
               <a:rPr lang="ko-KR" altLang="en-US" sz="1200" dirty="0" smtClean="0">
+                <a:solidFill>
+                  <a:schemeClr val="bg1"/>
+                </a:solidFill>
                 <a:latin typeface="+mn-ea"/>
               </a:rPr>
               <a:t>클래스로 정의</a:t>
             </a:r>
             <a:endParaRPr lang="en-US" altLang="ko-KR" sz="1200" dirty="0" smtClean="0">
+              <a:solidFill>
+                <a:schemeClr val="bg1"/>
+              </a:solidFill>
               <a:latin typeface="+mn-ea"/>
             </a:endParaRPr>
           </a:p>
@@ -7428,7 +7417,11 @@
           </a:bodyPr>
           <a:lstStyle/>
           <a:p>
-            <a:endParaRPr lang="ko-KR" altLang="en-US"/>
+            <a:endParaRPr lang="ko-KR" altLang="en-US">
+              <a:solidFill>
+                <a:schemeClr val="bg1"/>
+              </a:solidFill>
+            </a:endParaRPr>
           </a:p>
         </p:txBody>
       </p:sp>
@@ -7686,24 +7679,43 @@
             <a:pPr lvl="0"/>
             <a:r>
               <a:rPr lang="en-US" altLang="ko-KR" sz="2000" dirty="0" smtClean="0">
+                <a:solidFill>
+                  <a:schemeClr val="bg1"/>
+                </a:solidFill>
                 <a:latin typeface="+mj-ea"/>
                 <a:cs typeface="산돌고딕 L" panose="02030504000101010101" pitchFamily="18" charset="-127"/>
               </a:rPr>
               <a:t>1. </a:t>
             </a:r>
             <a:r>
-              <a:rPr lang="en-US" altLang="ko-KR" dirty="0"/>
+              <a:rPr lang="en-US" altLang="ko-KR" dirty="0">
+                <a:solidFill>
+                  <a:schemeClr val="bg1"/>
+                </a:solidFill>
+              </a:rPr>
               <a:t>Rx </a:t>
             </a:r>
             <a:r>
-              <a:rPr lang="en-US" altLang="ko-KR" dirty="0" smtClean="0"/>
+              <a:rPr lang="en-US" altLang="ko-KR" dirty="0" smtClean="0">
+                <a:solidFill>
+                  <a:schemeClr val="bg1"/>
+                </a:solidFill>
+              </a:rPr>
               <a:t>java </a:t>
             </a:r>
             <a:r>
-              <a:rPr lang="ko-KR" altLang="en-US" dirty="0" smtClean="0"/>
+              <a:rPr lang="ko-KR" altLang="en-US" dirty="0" smtClean="0">
+                <a:solidFill>
+                  <a:schemeClr val="bg1"/>
+                </a:solidFill>
+              </a:rPr>
               <a:t>정의</a:t>
             </a:r>
-            <a:endParaRPr lang="ko-KR" altLang="ko-KR" dirty="0"/>
+            <a:endParaRPr lang="ko-KR" altLang="ko-KR" dirty="0">
+              <a:solidFill>
+                <a:schemeClr val="bg1"/>
+              </a:solidFill>
+            </a:endParaRPr>
           </a:p>
         </p:txBody>
       </p:sp>
@@ -7735,17 +7747,26 @@
             </a:pPr>
             <a:r>
               <a:rPr lang="en-US" altLang="ko-KR" sz="1200" dirty="0" smtClean="0">
+                <a:solidFill>
+                  <a:schemeClr val="bg1"/>
+                </a:solidFill>
                 <a:latin typeface="+mn-ea"/>
               </a:rPr>
               <a:t>1.1 Java</a:t>
             </a:r>
             <a:r>
               <a:rPr lang="ko-KR" altLang="en-US" sz="1200" dirty="0" smtClean="0">
+                <a:solidFill>
+                  <a:schemeClr val="bg1"/>
+                </a:solidFill>
                 <a:latin typeface="+mn-ea"/>
               </a:rPr>
               <a:t>의 문제점</a:t>
             </a:r>
             <a:endParaRPr lang="en-US" altLang="ko-KR" sz="1200" dirty="0" smtClean="0">
+              <a:solidFill>
+                <a:schemeClr val="bg1"/>
+              </a:solidFill>
               <a:latin typeface="+mn-ea"/>
             </a:endParaRPr>
           </a:p>
@@ -7759,12 +7780,18 @@
             </a:pPr>
             <a:r>
               <a:rPr lang="ko-KR" altLang="ko-KR" sz="1200" dirty="0" smtClean="0">
+                <a:solidFill>
+                  <a:schemeClr val="bg1"/>
+                </a:solidFill>
                 <a:latin typeface="+mn-ea"/>
               </a:rPr>
               <a:t>자바가 </a:t>
             </a:r>
             <a:r>
               <a:rPr lang="ko-KR" altLang="ko-KR" sz="1200" dirty="0">
+                <a:solidFill>
+                  <a:schemeClr val="bg1"/>
+                </a:solidFill>
                 <a:latin typeface="+mn-ea"/>
               </a:rPr>
               <a:t>동시성 처리를 하는데 번거로움이 있다</a:t>
@@ -7780,12 +7807,18 @@
             </a:pPr>
             <a:r>
               <a:rPr lang="ko-KR" altLang="ko-KR" sz="1200" dirty="0" err="1">
+                <a:solidFill>
+                  <a:schemeClr val="bg1"/>
+                </a:solidFill>
                 <a:latin typeface="+mn-ea"/>
               </a:rPr>
               <a:t>비동기</a:t>
             </a:r>
             <a:r>
               <a:rPr lang="ko-KR" altLang="ko-KR" sz="1200" dirty="0">
+                <a:solidFill>
+                  <a:schemeClr val="bg1"/>
+                </a:solidFill>
                 <a:latin typeface="+mn-ea"/>
               </a:rPr>
               <a:t> 흐름을 조합할 방법이 거의 없었다</a:t>
@@ -7801,47 +7834,71 @@
             </a:pPr>
             <a:r>
               <a:rPr lang="ko-KR" altLang="ko-KR" sz="1200" dirty="0" err="1">
+                <a:solidFill>
+                  <a:schemeClr val="bg1"/>
+                </a:solidFill>
                 <a:latin typeface="+mn-ea"/>
               </a:rPr>
               <a:t>콜백</a:t>
             </a:r>
             <a:r>
               <a:rPr lang="ko-KR" altLang="ko-KR" sz="1200" dirty="0">
+                <a:solidFill>
+                  <a:schemeClr val="bg1"/>
+                </a:solidFill>
                 <a:latin typeface="+mn-ea"/>
               </a:rPr>
               <a:t> 지옥이 코드의 </a:t>
             </a:r>
             <a:r>
               <a:rPr lang="ko-KR" altLang="ko-KR" sz="1200" dirty="0" err="1">
+                <a:solidFill>
+                  <a:schemeClr val="bg1"/>
+                </a:solidFill>
                 <a:latin typeface="+mn-ea"/>
               </a:rPr>
               <a:t>가독성을</a:t>
             </a:r>
             <a:r>
               <a:rPr lang="ko-KR" altLang="ko-KR" sz="1200" dirty="0">
+                <a:solidFill>
+                  <a:schemeClr val="bg1"/>
+                </a:solidFill>
                 <a:latin typeface="+mn-ea"/>
               </a:rPr>
               <a:t> 악화시키고</a:t>
             </a:r>
             <a:r>
               <a:rPr lang="en-US" altLang="ko-KR" sz="1200" dirty="0">
+                <a:solidFill>
+                  <a:schemeClr val="bg1"/>
+                </a:solidFill>
                 <a:latin typeface="+mn-ea"/>
               </a:rPr>
               <a:t>, </a:t>
             </a:r>
             <a:r>
               <a:rPr lang="ko-KR" altLang="ko-KR" sz="1200" dirty="0">
+                <a:solidFill>
+                  <a:schemeClr val="bg1"/>
+                </a:solidFill>
                 <a:latin typeface="+mn-ea"/>
               </a:rPr>
               <a:t>디버깅을 어렵게 만든다</a:t>
             </a:r>
             <a:r>
               <a:rPr lang="en-US" altLang="ko-KR" sz="1200" dirty="0">
+                <a:solidFill>
+                  <a:schemeClr val="bg1"/>
+                </a:solidFill>
                 <a:latin typeface="+mn-ea"/>
               </a:rPr>
               <a:t>.</a:t>
             </a:r>
             <a:endParaRPr lang="ko-KR" altLang="ko-KR" sz="1200" dirty="0">
+              <a:solidFill>
+                <a:schemeClr val="bg1"/>
+              </a:solidFill>
               <a:latin typeface="+mn-ea"/>
             </a:endParaRPr>
           </a:p>
@@ -7852,6 +7909,9 @@
               </a:lnSpc>
             </a:pPr>
             <a:endParaRPr lang="en-US" altLang="ko-KR" sz="1200" dirty="0" smtClean="0">
+              <a:solidFill>
+                <a:schemeClr val="bg1"/>
+              </a:solidFill>
               <a:latin typeface="+mn-ea"/>
             </a:endParaRPr>
           </a:p>
@@ -7863,29 +7923,44 @@
             </a:pPr>
             <a:r>
               <a:rPr lang="en-US" altLang="ko-KR" sz="1200" dirty="0" smtClean="0">
+                <a:solidFill>
+                  <a:schemeClr val="bg1"/>
+                </a:solidFill>
                 <a:latin typeface="+mn-ea"/>
               </a:rPr>
               <a:t>1.2 </a:t>
             </a:r>
             <a:r>
               <a:rPr lang="en-US" altLang="ko-KR" sz="1200" dirty="0" err="1" smtClean="0">
+                <a:solidFill>
+                  <a:schemeClr val="bg1"/>
+                </a:solidFill>
                 <a:latin typeface="+mn-ea"/>
               </a:rPr>
               <a:t>RxJava</a:t>
             </a:r>
             <a:r>
               <a:rPr lang="en-US" altLang="ko-KR" sz="1200" dirty="0" smtClean="0">
+                <a:solidFill>
+                  <a:schemeClr val="bg1"/>
+                </a:solidFill>
                 <a:latin typeface="+mn-ea"/>
               </a:rPr>
               <a:t> </a:t>
             </a:r>
             <a:r>
               <a:rPr lang="ko-KR" altLang="en-US" sz="1200" dirty="0" smtClean="0">
+                <a:solidFill>
+                  <a:schemeClr val="bg1"/>
+                </a:solidFill>
                 <a:latin typeface="+mn-ea"/>
               </a:rPr>
               <a:t>정의</a:t>
             </a:r>
             <a:endParaRPr lang="en-US" altLang="ko-KR" sz="1200" dirty="0" smtClean="0">
+              <a:solidFill>
+                <a:schemeClr val="bg1"/>
+              </a:solidFill>
               <a:latin typeface="+mn-ea"/>
             </a:endParaRPr>
           </a:p>
@@ -7899,6 +7974,9 @@
             </a:pPr>
             <a:r>
               <a:rPr lang="ko-KR" altLang="ko-KR" sz="1200" dirty="0">
+                <a:solidFill>
+                  <a:schemeClr val="bg1"/>
+                </a:solidFill>
                 <a:latin typeface="+mn-ea"/>
               </a:rPr>
               <a:t>데이터 흐름과 전달에 관한 프로그래밍 패러다임</a:t>
@@ -7914,6 +7992,9 @@
             </a:pPr>
             <a:r>
               <a:rPr lang="ko-KR" altLang="ko-KR" sz="1200" dirty="0">
+                <a:solidFill>
+                  <a:schemeClr val="bg1"/>
+                </a:solidFill>
                 <a:latin typeface="+mn-ea"/>
               </a:rPr>
               <a:t>데이터 흐름을 먼저 정의하고 데이터가 변경되었을 때 연관되는 함수나 수식이 업데이트되는 방식</a:t>
@@ -7929,17 +8010,26 @@
             </a:pPr>
             <a:r>
               <a:rPr lang="ko-KR" altLang="ko-KR" sz="1200" dirty="0">
+                <a:solidFill>
+                  <a:schemeClr val="bg1"/>
+                </a:solidFill>
                 <a:latin typeface="+mn-ea"/>
               </a:rPr>
               <a:t>프로그램이 주도하는 것이 아니라 환경이 변하면 이벤트를 받아 </a:t>
             </a:r>
             <a:r>
               <a:rPr lang="ko-KR" altLang="ko-KR" sz="1200" dirty="0" smtClean="0">
+                <a:solidFill>
+                  <a:schemeClr val="bg1"/>
+                </a:solidFill>
                 <a:latin typeface="+mn-ea"/>
               </a:rPr>
               <a:t>동작</a:t>
             </a:r>
             <a:endParaRPr lang="ko-KR" altLang="ko-KR" sz="1200" dirty="0">
+              <a:solidFill>
+                <a:schemeClr val="bg1"/>
+              </a:solidFill>
               <a:latin typeface="+mn-ea"/>
             </a:endParaRPr>
           </a:p>
@@ -8053,13 +8143,20 @@
           <a:p>
             <a:r>
               <a:rPr lang="en-US" altLang="ko-KR" sz="2000" dirty="0" smtClean="0">
+                <a:solidFill>
+                  <a:schemeClr val="bg1"/>
+                </a:solidFill>
                 <a:latin typeface="+mj-ea"/>
                 <a:cs typeface="산돌고딕 L" panose="02030504000101010101" pitchFamily="18" charset="-127"/>
               </a:rPr>
               <a:t>5. </a:t>
             </a:r>
             <a:r>
-              <a:rPr lang="en-US" altLang="ko-KR" sz="2000" dirty="0"/>
+              <a:rPr lang="en-US" altLang="ko-KR" sz="2000" dirty="0">
+                <a:solidFill>
+                  <a:schemeClr val="bg1"/>
+                </a:solidFill>
+              </a:rPr>
               <a:t>Filtering Observables</a:t>
             </a:r>
           </a:p>
@@ -8074,7 +8171,7 @@
         <p:spPr>
           <a:xfrm>
             <a:off x="723121" y="836712"/>
-            <a:ext cx="7488416" cy="610616"/>
+            <a:ext cx="7488416" cy="646331"/>
           </a:xfrm>
           <a:prstGeom prst="rect">
             <a:avLst/>
@@ -8095,17 +8192,26 @@
             </a:pPr>
             <a:r>
               <a:rPr lang="en-US" altLang="ko-KR" sz="1200" dirty="0" smtClean="0">
+                <a:solidFill>
+                  <a:schemeClr val="bg1"/>
+                </a:solidFill>
                 <a:latin typeface="+mn-ea"/>
               </a:rPr>
               <a:t>Observable</a:t>
             </a:r>
             <a:r>
               <a:rPr lang="ko-KR" altLang="en-US" sz="1200" dirty="0" smtClean="0">
+                <a:solidFill>
+                  <a:schemeClr val="bg1"/>
+                </a:solidFill>
                 <a:latin typeface="+mn-ea"/>
               </a:rPr>
               <a:t>에서 원하는 데이터만 걸러내는 연산자</a:t>
             </a:r>
             <a:endParaRPr lang="en-US" altLang="ko-KR" sz="1200" dirty="0" smtClean="0">
+              <a:solidFill>
+                <a:schemeClr val="bg1"/>
+              </a:solidFill>
               <a:latin typeface="+mn-ea"/>
             </a:endParaRPr>
           </a:p>
@@ -8119,11 +8225,17 @@
             </a:pPr>
             <a:r>
               <a:rPr lang="ko-KR" altLang="en-US" sz="1200" dirty="0" smtClean="0">
+                <a:solidFill>
+                  <a:schemeClr val="bg1"/>
+                </a:solidFill>
                 <a:latin typeface="+mn-ea"/>
               </a:rPr>
               <a:t>대부분 함수 이름만 봐도 기능을 유추할 수 있는 직관적인 함수</a:t>
             </a:r>
             <a:endParaRPr lang="en-US" altLang="ko-KR" sz="1200" dirty="0" smtClean="0">
+              <a:solidFill>
+                <a:schemeClr val="bg1"/>
+              </a:solidFill>
               <a:latin typeface="+mn-ea"/>
             </a:endParaRPr>
           </a:p>
@@ -8324,13 +8436,20 @@
           <a:p>
             <a:r>
               <a:rPr lang="en-US" altLang="ko-KR" sz="2000" dirty="0" smtClean="0">
+                <a:solidFill>
+                  <a:schemeClr val="bg1"/>
+                </a:solidFill>
                 <a:latin typeface="+mj-ea"/>
                 <a:cs typeface="산돌고딕 L" panose="02030504000101010101" pitchFamily="18" charset="-127"/>
               </a:rPr>
               <a:t>5. </a:t>
             </a:r>
             <a:r>
-              <a:rPr lang="en-US" altLang="ko-KR" sz="2000" dirty="0"/>
+              <a:rPr lang="en-US" altLang="ko-KR" sz="2000" dirty="0">
+                <a:solidFill>
+                  <a:schemeClr val="bg1"/>
+                </a:solidFill>
+              </a:rPr>
               <a:t>Filtering Observables</a:t>
             </a:r>
           </a:p>
@@ -8497,6 +8616,2377 @@
 </p:sld>
 </file>
 
+<file path=ppt/slides/slide22.xml><?xml version="1.0" encoding="utf-8"?>
+<p:sld xmlns:a="http://schemas.openxmlformats.org/drawingml/2006/main" xmlns:r="http://schemas.openxmlformats.org/officeDocument/2006/relationships" xmlns:p="http://schemas.openxmlformats.org/presentationml/2006/main">
+  <p:cSld>
+    <p:spTree>
+      <p:nvGrpSpPr>
+        <p:cNvPr id="1" name=""/>
+        <p:cNvGrpSpPr/>
+        <p:nvPr/>
+      </p:nvGrpSpPr>
+      <p:grpSpPr>
+        <a:xfrm>
+          <a:off x="0" y="0"/>
+          <a:ext cx="0" cy="0"/>
+          <a:chOff x="0" y="0"/>
+          <a:chExt cx="0" cy="0"/>
+        </a:xfrm>
+      </p:grpSpPr>
+      <p:sp>
+        <p:nvSpPr>
+          <p:cNvPr id="17" name="직사각형 16"/>
+          <p:cNvSpPr>
+            <a:spLocks noChangeArrowheads="1"/>
+          </p:cNvSpPr>
+          <p:nvPr/>
+        </p:nvSpPr>
+        <p:spPr bwMode="auto">
+          <a:xfrm>
+            <a:off x="287750" y="326668"/>
+            <a:ext cx="8359159" cy="307777"/>
+          </a:xfrm>
+          <a:prstGeom prst="rect">
+            <a:avLst/>
+          </a:prstGeom>
+        </p:spPr>
+        <p:txBody>
+          <a:bodyPr wrap="square" lIns="0" tIns="0" rIns="0" bIns="0" anchor="ctr">
+            <a:spAutoFit/>
+            <a:scene3d>
+              <a:camera prst="orthographicFront"/>
+              <a:lightRig rig="threePt" dir="t"/>
+            </a:scene3d>
+            <a:sp3d>
+              <a:bevelT w="0"/>
+            </a:sp3d>
+          </a:bodyPr>
+          <a:lstStyle/>
+          <a:p>
+            <a:pPr lvl="0"/>
+            <a:r>
+              <a:rPr lang="en-US" altLang="ko-KR" sz="2000" dirty="0">
+                <a:solidFill>
+                  <a:schemeClr val="bg1"/>
+                </a:solidFill>
+                <a:latin typeface="+mj-ea"/>
+                <a:cs typeface="산돌고딕 L" panose="02030504000101010101" pitchFamily="18" charset="-127"/>
+              </a:rPr>
+              <a:t>6</a:t>
+            </a:r>
+            <a:r>
+              <a:rPr lang="en-US" altLang="ko-KR" sz="2000" dirty="0" smtClean="0">
+                <a:solidFill>
+                  <a:schemeClr val="bg1"/>
+                </a:solidFill>
+                <a:latin typeface="+mj-ea"/>
+                <a:cs typeface="산돌고딕 L" panose="02030504000101010101" pitchFamily="18" charset="-127"/>
+              </a:rPr>
+              <a:t>. </a:t>
+            </a:r>
+            <a:r>
+              <a:rPr lang="en-US" altLang="ko-KR" dirty="0" smtClean="0">
+                <a:solidFill>
+                  <a:schemeClr val="bg1"/>
+                </a:solidFill>
+              </a:rPr>
+              <a:t>Combining Observables</a:t>
+            </a:r>
+            <a:endParaRPr lang="ko-KR" altLang="ko-KR" dirty="0">
+              <a:solidFill>
+                <a:schemeClr val="bg1"/>
+              </a:solidFill>
+            </a:endParaRPr>
+          </a:p>
+        </p:txBody>
+      </p:sp>
+      <p:sp>
+        <p:nvSpPr>
+          <p:cNvPr id="82" name="직사각형 81"/>
+          <p:cNvSpPr/>
+          <p:nvPr/>
+        </p:nvSpPr>
+        <p:spPr>
+          <a:xfrm>
+            <a:off x="723121" y="836712"/>
+            <a:ext cx="7488416" cy="923330"/>
+          </a:xfrm>
+          <a:prstGeom prst="rect">
+            <a:avLst/>
+          </a:prstGeom>
+        </p:spPr>
+        <p:txBody>
+          <a:bodyPr wrap="square">
+            <a:spAutoFit/>
+          </a:bodyPr>
+          <a:lstStyle/>
+          <a:p>
+            <a:pPr marL="0" lvl="1">
+              <a:lnSpc>
+                <a:spcPct val="150000"/>
+              </a:lnSpc>
+            </a:pPr>
+            <a:r>
+              <a:rPr lang="en-US" altLang="ko-KR" sz="1200" dirty="0" smtClean="0">
+                <a:solidFill>
+                  <a:schemeClr val="bg1"/>
+                </a:solidFill>
+                <a:latin typeface="+mn-ea"/>
+              </a:rPr>
+              <a:t>6</a:t>
+            </a:r>
+            <a:r>
+              <a:rPr lang="en-US" altLang="ko-KR" sz="1200" dirty="0" smtClean="0">
+                <a:solidFill>
+                  <a:schemeClr val="bg1"/>
+                </a:solidFill>
+                <a:latin typeface="+mn-ea"/>
+              </a:rPr>
+              <a:t>.1 </a:t>
+            </a:r>
+            <a:r>
+              <a:rPr lang="en-US" altLang="ko-KR" sz="1200" dirty="0" smtClean="0">
+                <a:solidFill>
+                  <a:schemeClr val="bg1"/>
+                </a:solidFill>
+                <a:latin typeface="+mn-ea"/>
+              </a:rPr>
+              <a:t>zip</a:t>
+            </a:r>
+            <a:r>
+              <a:rPr lang="en-US" altLang="ko-KR" sz="1200" dirty="0" smtClean="0">
+                <a:solidFill>
+                  <a:schemeClr val="bg1"/>
+                </a:solidFill>
+                <a:latin typeface="+mn-ea"/>
+              </a:rPr>
+              <a:t>() </a:t>
+            </a:r>
+            <a:r>
+              <a:rPr lang="ko-KR" altLang="en-US" sz="1200" dirty="0" smtClean="0">
+                <a:solidFill>
+                  <a:schemeClr val="bg1"/>
+                </a:solidFill>
+                <a:latin typeface="+mn-ea"/>
+              </a:rPr>
+              <a:t>함수</a:t>
+            </a:r>
+          </a:p>
+          <a:p>
+            <a:pPr marL="171450" lvl="0" indent="-171450">
+              <a:lnSpc>
+                <a:spcPct val="150000"/>
+              </a:lnSpc>
+              <a:buFont typeface="Arial" pitchFamily="34" charset="0"/>
+              <a:buChar char="•"/>
+            </a:pPr>
+            <a:r>
+              <a:rPr lang="ko-KR" altLang="en-US" sz="1200" dirty="0" smtClean="0">
+                <a:solidFill>
+                  <a:schemeClr val="bg1"/>
+                </a:solidFill>
+                <a:latin typeface="+mn-ea"/>
+              </a:rPr>
+              <a:t>각각의</a:t>
+            </a:r>
+            <a:r>
+              <a:rPr lang="en-US" altLang="ko-KR" sz="1200" dirty="0" smtClean="0">
+                <a:solidFill>
+                  <a:schemeClr val="bg1"/>
+                </a:solidFill>
+                <a:latin typeface="+mn-ea"/>
+              </a:rPr>
+              <a:t> Observable</a:t>
+            </a:r>
+            <a:r>
+              <a:rPr lang="ko-KR" altLang="en-US" sz="1200" dirty="0" smtClean="0">
+                <a:solidFill>
+                  <a:schemeClr val="bg1"/>
+                </a:solidFill>
+                <a:latin typeface="+mn-ea"/>
+              </a:rPr>
+              <a:t>을 모두 활용하여 </a:t>
+            </a:r>
+            <a:r>
+              <a:rPr lang="en-US" altLang="ko-KR" sz="1200" dirty="0" smtClean="0">
+                <a:solidFill>
+                  <a:schemeClr val="bg1"/>
+                </a:solidFill>
+                <a:latin typeface="+mn-ea"/>
+              </a:rPr>
+              <a:t>2</a:t>
+            </a:r>
+            <a:r>
+              <a:rPr lang="ko-KR" altLang="en-US" sz="1200" dirty="0" smtClean="0">
+                <a:solidFill>
+                  <a:schemeClr val="bg1"/>
+                </a:solidFill>
+                <a:latin typeface="+mn-ea"/>
+              </a:rPr>
+              <a:t>개 이상의 </a:t>
+            </a:r>
+            <a:r>
+              <a:rPr lang="en-US" altLang="ko-KR" sz="1200" dirty="0" smtClean="0">
+                <a:solidFill>
+                  <a:schemeClr val="bg1"/>
+                </a:solidFill>
+                <a:latin typeface="+mn-ea"/>
+              </a:rPr>
+              <a:t>Observable</a:t>
+            </a:r>
+            <a:r>
+              <a:rPr lang="ko-KR" altLang="en-US" sz="1200" dirty="0" smtClean="0">
+                <a:solidFill>
+                  <a:schemeClr val="bg1"/>
+                </a:solidFill>
+                <a:latin typeface="+mn-ea"/>
+              </a:rPr>
+              <a:t>을 결합</a:t>
+            </a:r>
+            <a:endParaRPr lang="en-US" altLang="ko-KR" sz="1200" dirty="0" smtClean="0">
+              <a:solidFill>
+                <a:schemeClr val="bg1"/>
+              </a:solidFill>
+              <a:latin typeface="+mn-ea"/>
+            </a:endParaRPr>
+          </a:p>
+          <a:p>
+            <a:pPr marL="171450" lvl="0" indent="-171450">
+              <a:lnSpc>
+                <a:spcPct val="150000"/>
+              </a:lnSpc>
+              <a:buFont typeface="Arial" pitchFamily="34" charset="0"/>
+              <a:buChar char="•"/>
+            </a:pPr>
+            <a:r>
+              <a:rPr lang="ko-KR" altLang="en-US" sz="1200" dirty="0" smtClean="0">
+                <a:solidFill>
+                  <a:schemeClr val="bg1"/>
+                </a:solidFill>
+                <a:latin typeface="+mn-ea"/>
+              </a:rPr>
+              <a:t>모든 </a:t>
+            </a:r>
+            <a:r>
+              <a:rPr lang="en-US" altLang="ko-KR" sz="1200" dirty="0" smtClean="0">
+                <a:solidFill>
+                  <a:schemeClr val="bg1"/>
+                </a:solidFill>
+                <a:latin typeface="+mn-ea"/>
+              </a:rPr>
+              <a:t>Observable</a:t>
+            </a:r>
+            <a:r>
+              <a:rPr lang="ko-KR" altLang="en-US" sz="1200" dirty="0" smtClean="0">
+                <a:solidFill>
+                  <a:schemeClr val="bg1"/>
+                </a:solidFill>
+                <a:latin typeface="+mn-ea"/>
+              </a:rPr>
+              <a:t>에서 데이터를 발행해야 결합 가능</a:t>
+            </a:r>
+            <a:r>
+              <a:rPr lang="en-US" altLang="ko-KR" sz="1200" dirty="0">
+                <a:solidFill>
+                  <a:schemeClr val="bg1"/>
+                </a:solidFill>
+                <a:latin typeface="+mn-ea"/>
+              </a:rPr>
+              <a:t> </a:t>
+            </a:r>
+            <a:endParaRPr lang="en-US" altLang="ko-KR" sz="1200" dirty="0" smtClean="0">
+              <a:solidFill>
+                <a:schemeClr val="bg1"/>
+              </a:solidFill>
+              <a:latin typeface="+mn-ea"/>
+            </a:endParaRPr>
+          </a:p>
+        </p:txBody>
+      </p:sp>
+      <p:pic>
+        <p:nvPicPr>
+          <p:cNvPr id="1028" name="Picture 4" descr="rxjava combinelatestì ëí ì´ë¯¸ì§ ê²ìê²°ê³¼"/>
+          <p:cNvPicPr>
+            <a:picLocks noChangeAspect="1" noChangeArrowheads="1"/>
+          </p:cNvPicPr>
+          <p:nvPr/>
+        </p:nvPicPr>
+        <p:blipFill>
+          <a:blip r:embed="rId2">
+            <a:extLst>
+              <a:ext uri="{28A0092B-C50C-407E-A947-70E740481C1C}">
+                <a14:useLocalDpi xmlns:a14="http://schemas.microsoft.com/office/drawing/2010/main" val="0"/>
+              </a:ext>
+            </a:extLst>
+          </a:blip>
+          <a:srcRect/>
+          <a:stretch>
+            <a:fillRect/>
+          </a:stretch>
+        </p:blipFill>
+        <p:spPr bwMode="auto">
+          <a:xfrm>
+            <a:off x="1664918" y="2484960"/>
+            <a:ext cx="5814164" cy="2600224"/>
+          </a:xfrm>
+          <a:prstGeom prst="rect">
+            <a:avLst/>
+          </a:prstGeom>
+          <a:noFill/>
+          <a:extLst>
+            <a:ext uri="{909E8E84-426E-40DD-AFC4-6F175D3DCCD1}">
+              <a14:hiddenFill xmlns:a14="http://schemas.microsoft.com/office/drawing/2010/main">
+                <a:solidFill>
+                  <a:srgbClr val="FFFFFF"/>
+                </a:solidFill>
+              </a14:hiddenFill>
+            </a:ext>
+          </a:extLst>
+        </p:spPr>
+      </p:pic>
+    </p:spTree>
+    <p:extLst>
+      <p:ext uri="{BB962C8B-B14F-4D97-AF65-F5344CB8AC3E}">
+        <p14:creationId xmlns:p14="http://schemas.microsoft.com/office/powerpoint/2010/main" val="3709296647"/>
+      </p:ext>
+    </p:extLst>
+  </p:cSld>
+  <p:clrMapOvr>
+    <a:masterClrMapping/>
+  </p:clrMapOvr>
+  <p:timing>
+    <p:tnLst>
+      <p:par>
+        <p:cTn id="1" dur="indefinite" restart="never" nodeType="tmRoot"/>
+      </p:par>
+    </p:tnLst>
+  </p:timing>
+</p:sld>
+</file>
+
+<file path=ppt/slides/slide23.xml><?xml version="1.0" encoding="utf-8"?>
+<p:sld xmlns:a="http://schemas.openxmlformats.org/drawingml/2006/main" xmlns:r="http://schemas.openxmlformats.org/officeDocument/2006/relationships" xmlns:p="http://schemas.openxmlformats.org/presentationml/2006/main">
+  <p:cSld>
+    <p:spTree>
+      <p:nvGrpSpPr>
+        <p:cNvPr id="1" name=""/>
+        <p:cNvGrpSpPr/>
+        <p:nvPr/>
+      </p:nvGrpSpPr>
+      <p:grpSpPr>
+        <a:xfrm>
+          <a:off x="0" y="0"/>
+          <a:ext cx="0" cy="0"/>
+          <a:chOff x="0" y="0"/>
+          <a:chExt cx="0" cy="0"/>
+        </a:xfrm>
+      </p:grpSpPr>
+      <p:sp>
+        <p:nvSpPr>
+          <p:cNvPr id="7" name="직사각형 6"/>
+          <p:cNvSpPr>
+            <a:spLocks noChangeArrowheads="1"/>
+          </p:cNvSpPr>
+          <p:nvPr/>
+        </p:nvSpPr>
+        <p:spPr bwMode="auto">
+          <a:xfrm>
+            <a:off x="287750" y="326668"/>
+            <a:ext cx="8359159" cy="307777"/>
+          </a:xfrm>
+          <a:prstGeom prst="rect">
+            <a:avLst/>
+          </a:prstGeom>
+        </p:spPr>
+        <p:txBody>
+          <a:bodyPr wrap="square" lIns="0" tIns="0" rIns="0" bIns="0" anchor="ctr">
+            <a:spAutoFit/>
+            <a:scene3d>
+              <a:camera prst="orthographicFront"/>
+              <a:lightRig rig="threePt" dir="t"/>
+            </a:scene3d>
+            <a:sp3d>
+              <a:bevelT w="0"/>
+            </a:sp3d>
+          </a:bodyPr>
+          <a:lstStyle/>
+          <a:p>
+            <a:pPr lvl="0"/>
+            <a:r>
+              <a:rPr lang="en-US" altLang="ko-KR" sz="2000" dirty="0">
+                <a:solidFill>
+                  <a:schemeClr val="bg1"/>
+                </a:solidFill>
+                <a:latin typeface="+mj-ea"/>
+                <a:cs typeface="산돌고딕 L" panose="02030504000101010101" pitchFamily="18" charset="-127"/>
+              </a:rPr>
+              <a:t>6</a:t>
+            </a:r>
+            <a:r>
+              <a:rPr lang="en-US" altLang="ko-KR" sz="2000" dirty="0" smtClean="0">
+                <a:solidFill>
+                  <a:schemeClr val="bg1"/>
+                </a:solidFill>
+                <a:latin typeface="+mj-ea"/>
+                <a:cs typeface="산돌고딕 L" panose="02030504000101010101" pitchFamily="18" charset="-127"/>
+              </a:rPr>
+              <a:t>. </a:t>
+            </a:r>
+            <a:r>
+              <a:rPr lang="en-US" altLang="ko-KR" dirty="0" smtClean="0">
+                <a:solidFill>
+                  <a:schemeClr val="bg1"/>
+                </a:solidFill>
+              </a:rPr>
+              <a:t>Combining Observables</a:t>
+            </a:r>
+            <a:endParaRPr lang="ko-KR" altLang="ko-KR" dirty="0">
+              <a:solidFill>
+                <a:schemeClr val="bg1"/>
+              </a:solidFill>
+            </a:endParaRPr>
+          </a:p>
+        </p:txBody>
+      </p:sp>
+      <p:grpSp>
+        <p:nvGrpSpPr>
+          <p:cNvPr id="4" name="그룹 3"/>
+          <p:cNvGrpSpPr/>
+          <p:nvPr/>
+        </p:nvGrpSpPr>
+        <p:grpSpPr>
+          <a:xfrm>
+            <a:off x="539552" y="966961"/>
+            <a:ext cx="7600453" cy="4982319"/>
+            <a:chOff x="539552" y="966961"/>
+            <a:chExt cx="7600453" cy="4982319"/>
+          </a:xfrm>
+        </p:grpSpPr>
+        <p:grpSp>
+          <p:nvGrpSpPr>
+            <p:cNvPr id="3" name="그룹 2"/>
+            <p:cNvGrpSpPr/>
+            <p:nvPr/>
+          </p:nvGrpSpPr>
+          <p:grpSpPr>
+            <a:xfrm>
+              <a:off x="539552" y="2263105"/>
+              <a:ext cx="7600453" cy="3686175"/>
+              <a:chOff x="539552" y="2263105"/>
+              <a:chExt cx="7600453" cy="3686175"/>
+            </a:xfrm>
+          </p:grpSpPr>
+          <p:pic>
+            <p:nvPicPr>
+              <p:cNvPr id="2050" name="Picture 2"/>
+              <p:cNvPicPr>
+                <a:picLocks noChangeAspect="1" noChangeArrowheads="1"/>
+              </p:cNvPicPr>
+              <p:nvPr/>
+            </p:nvPicPr>
+            <p:blipFill>
+              <a:blip r:embed="rId2">
+                <a:extLst>
+                  <a:ext uri="{28A0092B-C50C-407E-A947-70E740481C1C}">
+                    <a14:useLocalDpi xmlns:a14="http://schemas.microsoft.com/office/drawing/2010/main" val="0"/>
+                  </a:ext>
+                </a:extLst>
+              </a:blip>
+              <a:srcRect/>
+              <a:stretch>
+                <a:fillRect/>
+              </a:stretch>
+            </p:blipFill>
+            <p:spPr bwMode="auto">
+              <a:xfrm>
+                <a:off x="539552" y="2263105"/>
+                <a:ext cx="5276850" cy="3686175"/>
+              </a:xfrm>
+              <a:prstGeom prst="rect">
+                <a:avLst/>
+              </a:prstGeom>
+              <a:noFill/>
+              <a:ln>
+                <a:noFill/>
+              </a:ln>
+              <a:effectLst/>
+              <a:extLst>
+                <a:ext uri="{909E8E84-426E-40DD-AFC4-6F175D3DCCD1}">
+                  <a14:hiddenFill xmlns:a14="http://schemas.microsoft.com/office/drawing/2010/main">
+                    <a:solidFill>
+                      <a:schemeClr val="accent1"/>
+                    </a:solidFill>
+                  </a14:hiddenFill>
+                </a:ext>
+                <a:ext uri="{91240B29-F687-4F45-9708-019B960494DF}">
+                  <a14:hiddenLine xmlns:a14="http://schemas.microsoft.com/office/drawing/2010/main" w="9525">
+                    <a:solidFill>
+                      <a:schemeClr val="tx1"/>
+                    </a:solidFill>
+                    <a:miter lim="800000"/>
+                    <a:headEnd/>
+                    <a:tailEnd/>
+                  </a14:hiddenLine>
+                </a:ext>
+                <a:ext uri="{AF507438-7753-43E0-B8FC-AC1667EBCBE1}">
+                  <a14:hiddenEffects xmlns:a14="http://schemas.microsoft.com/office/drawing/2010/main">
+                    <a:effectLst>
+                      <a:outerShdw dist="35921" dir="2700000" algn="ctr" rotWithShape="0">
+                        <a:schemeClr val="bg2"/>
+                      </a:outerShdw>
+                    </a:effectLst>
+                  </a14:hiddenEffects>
+                </a:ext>
+              </a:extLst>
+            </p:spPr>
+          </p:pic>
+          <p:pic>
+            <p:nvPicPr>
+              <p:cNvPr id="2051" name="Picture 3"/>
+              <p:cNvPicPr>
+                <a:picLocks noChangeAspect="1" noChangeArrowheads="1"/>
+              </p:cNvPicPr>
+              <p:nvPr/>
+            </p:nvPicPr>
+            <p:blipFill rotWithShape="1">
+              <a:blip r:embed="rId3">
+                <a:extLst>
+                  <a:ext uri="{28A0092B-C50C-407E-A947-70E740481C1C}">
+                    <a14:useLocalDpi xmlns:a14="http://schemas.microsoft.com/office/drawing/2010/main" val="0"/>
+                  </a:ext>
+                </a:extLst>
+              </a:blip>
+              <a:srcRect/>
+              <a:stretch/>
+            </p:blipFill>
+            <p:spPr bwMode="auto">
+              <a:xfrm>
+                <a:off x="6187380" y="2263105"/>
+                <a:ext cx="1952625" cy="2228850"/>
+              </a:xfrm>
+              <a:prstGeom prst="rect">
+                <a:avLst/>
+              </a:prstGeom>
+              <a:noFill/>
+              <a:ln>
+                <a:noFill/>
+              </a:ln>
+              <a:effectLst/>
+              <a:extLst>
+                <a:ext uri="{909E8E84-426E-40DD-AFC4-6F175D3DCCD1}">
+                  <a14:hiddenFill xmlns:a14="http://schemas.microsoft.com/office/drawing/2010/main">
+                    <a:solidFill>
+                      <a:schemeClr val="accent1"/>
+                    </a:solidFill>
+                  </a14:hiddenFill>
+                </a:ext>
+                <a:ext uri="{91240B29-F687-4F45-9708-019B960494DF}">
+                  <a14:hiddenLine xmlns:a14="http://schemas.microsoft.com/office/drawing/2010/main" w="9525">
+                    <a:solidFill>
+                      <a:schemeClr val="tx1"/>
+                    </a:solidFill>
+                    <a:miter lim="800000"/>
+                    <a:headEnd/>
+                    <a:tailEnd/>
+                  </a14:hiddenLine>
+                </a:ext>
+                <a:ext uri="{AF507438-7753-43E0-B8FC-AC1667EBCBE1}">
+                  <a14:hiddenEffects xmlns:a14="http://schemas.microsoft.com/office/drawing/2010/main">
+                    <a:effectLst>
+                      <a:outerShdw dist="35921" dir="2700000" algn="ctr" rotWithShape="0">
+                        <a:schemeClr val="bg2"/>
+                      </a:outerShdw>
+                    </a:effectLst>
+                  </a14:hiddenEffects>
+                </a:ext>
+              </a:extLst>
+            </p:spPr>
+          </p:pic>
+        </p:grpSp>
+        <p:pic>
+          <p:nvPicPr>
+            <p:cNvPr id="2052" name="Picture 4"/>
+            <p:cNvPicPr>
+              <a:picLocks noChangeAspect="1" noChangeArrowheads="1"/>
+            </p:cNvPicPr>
+            <p:nvPr/>
+          </p:nvPicPr>
+          <p:blipFill>
+            <a:blip r:embed="rId4">
+              <a:extLst>
+                <a:ext uri="{28A0092B-C50C-407E-A947-70E740481C1C}">
+                  <a14:useLocalDpi xmlns:a14="http://schemas.microsoft.com/office/drawing/2010/main" val="0"/>
+                </a:ext>
+              </a:extLst>
+            </a:blip>
+            <a:srcRect/>
+            <a:stretch>
+              <a:fillRect/>
+            </a:stretch>
+          </p:blipFill>
+          <p:spPr bwMode="auto">
+            <a:xfrm>
+              <a:off x="539552" y="966961"/>
+              <a:ext cx="5505450" cy="1104900"/>
+            </a:xfrm>
+            <a:prstGeom prst="rect">
+              <a:avLst/>
+            </a:prstGeom>
+            <a:noFill/>
+            <a:ln>
+              <a:noFill/>
+            </a:ln>
+            <a:effectLst/>
+            <a:extLst>
+              <a:ext uri="{909E8E84-426E-40DD-AFC4-6F175D3DCCD1}">
+                <a14:hiddenFill xmlns:a14="http://schemas.microsoft.com/office/drawing/2010/main">
+                  <a:solidFill>
+                    <a:schemeClr val="accent1"/>
+                  </a:solidFill>
+                </a14:hiddenFill>
+              </a:ext>
+              <a:ext uri="{91240B29-F687-4F45-9708-019B960494DF}">
+                <a14:hiddenLine xmlns:a14="http://schemas.microsoft.com/office/drawing/2010/main" w="9525">
+                  <a:solidFill>
+                    <a:schemeClr val="tx1"/>
+                  </a:solidFill>
+                  <a:miter lim="800000"/>
+                  <a:headEnd/>
+                  <a:tailEnd/>
+                </a14:hiddenLine>
+              </a:ext>
+              <a:ext uri="{AF507438-7753-43E0-B8FC-AC1667EBCBE1}">
+                <a14:hiddenEffects xmlns:a14="http://schemas.microsoft.com/office/drawing/2010/main">
+                  <a:effectLst>
+                    <a:outerShdw dist="35921" dir="2700000" algn="ctr" rotWithShape="0">
+                      <a:schemeClr val="bg2"/>
+                    </a:outerShdw>
+                  </a:effectLst>
+                </a14:hiddenEffects>
+              </a:ext>
+            </a:extLst>
+          </p:spPr>
+        </p:pic>
+      </p:grpSp>
+    </p:spTree>
+    <p:extLst>
+      <p:ext uri="{BB962C8B-B14F-4D97-AF65-F5344CB8AC3E}">
+        <p14:creationId xmlns:p14="http://schemas.microsoft.com/office/powerpoint/2010/main" val="791187885"/>
+      </p:ext>
+    </p:extLst>
+  </p:cSld>
+  <p:clrMapOvr>
+    <a:masterClrMapping/>
+  </p:clrMapOvr>
+  <p:timing>
+    <p:tnLst>
+      <p:par>
+        <p:cTn id="1" dur="indefinite" restart="never" nodeType="tmRoot"/>
+      </p:par>
+    </p:tnLst>
+  </p:timing>
+</p:sld>
+</file>
+
+<file path=ppt/slides/slide24.xml><?xml version="1.0" encoding="utf-8"?>
+<p:sld xmlns:a="http://schemas.openxmlformats.org/drawingml/2006/main" xmlns:r="http://schemas.openxmlformats.org/officeDocument/2006/relationships" xmlns:p="http://schemas.openxmlformats.org/presentationml/2006/main">
+  <p:cSld>
+    <p:spTree>
+      <p:nvGrpSpPr>
+        <p:cNvPr id="1" name=""/>
+        <p:cNvGrpSpPr/>
+        <p:nvPr/>
+      </p:nvGrpSpPr>
+      <p:grpSpPr>
+        <a:xfrm>
+          <a:off x="0" y="0"/>
+          <a:ext cx="0" cy="0"/>
+          <a:chOff x="0" y="0"/>
+          <a:chExt cx="0" cy="0"/>
+        </a:xfrm>
+      </p:grpSpPr>
+      <p:sp>
+        <p:nvSpPr>
+          <p:cNvPr id="17" name="직사각형 16"/>
+          <p:cNvSpPr>
+            <a:spLocks noChangeArrowheads="1"/>
+          </p:cNvSpPr>
+          <p:nvPr/>
+        </p:nvSpPr>
+        <p:spPr bwMode="auto">
+          <a:xfrm>
+            <a:off x="287750" y="326668"/>
+            <a:ext cx="8359159" cy="307777"/>
+          </a:xfrm>
+          <a:prstGeom prst="rect">
+            <a:avLst/>
+          </a:prstGeom>
+        </p:spPr>
+        <p:txBody>
+          <a:bodyPr wrap="square" lIns="0" tIns="0" rIns="0" bIns="0" anchor="ctr">
+            <a:spAutoFit/>
+            <a:scene3d>
+              <a:camera prst="orthographicFront"/>
+              <a:lightRig rig="threePt" dir="t"/>
+            </a:scene3d>
+            <a:sp3d>
+              <a:bevelT w="0"/>
+            </a:sp3d>
+          </a:bodyPr>
+          <a:lstStyle/>
+          <a:p>
+            <a:pPr lvl="0"/>
+            <a:r>
+              <a:rPr lang="en-US" altLang="ko-KR" sz="2000" dirty="0">
+                <a:solidFill>
+                  <a:schemeClr val="bg1"/>
+                </a:solidFill>
+                <a:latin typeface="+mj-ea"/>
+                <a:cs typeface="산돌고딕 L" panose="02030504000101010101" pitchFamily="18" charset="-127"/>
+              </a:rPr>
+              <a:t>6</a:t>
+            </a:r>
+            <a:r>
+              <a:rPr lang="en-US" altLang="ko-KR" sz="2000" dirty="0" smtClean="0">
+                <a:solidFill>
+                  <a:schemeClr val="bg1"/>
+                </a:solidFill>
+                <a:latin typeface="+mj-ea"/>
+                <a:cs typeface="산돌고딕 L" panose="02030504000101010101" pitchFamily="18" charset="-127"/>
+              </a:rPr>
+              <a:t>. </a:t>
+            </a:r>
+            <a:r>
+              <a:rPr lang="en-US" altLang="ko-KR" dirty="0" smtClean="0">
+                <a:solidFill>
+                  <a:schemeClr val="bg1"/>
+                </a:solidFill>
+              </a:rPr>
+              <a:t>Combining Observables</a:t>
+            </a:r>
+            <a:endParaRPr lang="ko-KR" altLang="ko-KR" dirty="0">
+              <a:solidFill>
+                <a:schemeClr val="bg1"/>
+              </a:solidFill>
+            </a:endParaRPr>
+          </a:p>
+        </p:txBody>
+      </p:sp>
+      <p:sp>
+        <p:nvSpPr>
+          <p:cNvPr id="82" name="직사각형 81"/>
+          <p:cNvSpPr/>
+          <p:nvPr/>
+        </p:nvSpPr>
+        <p:spPr>
+          <a:xfrm>
+            <a:off x="723121" y="836712"/>
+            <a:ext cx="7488416" cy="646331"/>
+          </a:xfrm>
+          <a:prstGeom prst="rect">
+            <a:avLst/>
+          </a:prstGeom>
+        </p:spPr>
+        <p:txBody>
+          <a:bodyPr wrap="square">
+            <a:spAutoFit/>
+          </a:bodyPr>
+          <a:lstStyle/>
+          <a:p>
+            <a:pPr marL="0" lvl="1">
+              <a:lnSpc>
+                <a:spcPct val="150000"/>
+              </a:lnSpc>
+            </a:pPr>
+            <a:r>
+              <a:rPr lang="en-US" altLang="ko-KR" sz="1200" dirty="0" smtClean="0">
+                <a:solidFill>
+                  <a:schemeClr val="bg1"/>
+                </a:solidFill>
+                <a:latin typeface="+mn-ea"/>
+              </a:rPr>
+              <a:t>6</a:t>
+            </a:r>
+            <a:r>
+              <a:rPr lang="en-US" altLang="ko-KR" sz="1200" dirty="0" smtClean="0">
+                <a:solidFill>
+                  <a:schemeClr val="bg1"/>
+                </a:solidFill>
+                <a:latin typeface="+mn-ea"/>
+              </a:rPr>
+              <a:t>.1 </a:t>
+            </a:r>
+            <a:r>
+              <a:rPr lang="en-US" altLang="ko-KR" sz="1200" dirty="0" err="1" smtClean="0">
+                <a:solidFill>
+                  <a:schemeClr val="bg1"/>
+                </a:solidFill>
+                <a:latin typeface="+mn-ea"/>
+              </a:rPr>
+              <a:t>zipWith</a:t>
+            </a:r>
+            <a:r>
+              <a:rPr lang="en-US" altLang="ko-KR" sz="1200" dirty="0" smtClean="0">
+                <a:solidFill>
+                  <a:schemeClr val="bg1"/>
+                </a:solidFill>
+                <a:latin typeface="+mn-ea"/>
+              </a:rPr>
+              <a:t>() </a:t>
+            </a:r>
+            <a:r>
+              <a:rPr lang="ko-KR" altLang="en-US" sz="1200" dirty="0" smtClean="0">
+                <a:solidFill>
+                  <a:schemeClr val="bg1"/>
+                </a:solidFill>
+                <a:latin typeface="+mn-ea"/>
+              </a:rPr>
+              <a:t>함수</a:t>
+            </a:r>
+          </a:p>
+          <a:p>
+            <a:pPr marL="171450" lvl="0" indent="-171450">
+              <a:lnSpc>
+                <a:spcPct val="150000"/>
+              </a:lnSpc>
+              <a:buFont typeface="Arial" pitchFamily="34" charset="0"/>
+              <a:buChar char="•"/>
+            </a:pPr>
+            <a:r>
+              <a:rPr lang="en-US" altLang="ko-KR" sz="1200" dirty="0">
+                <a:solidFill>
+                  <a:schemeClr val="bg1"/>
+                </a:solidFill>
+                <a:latin typeface="+mn-ea"/>
+              </a:rPr>
+              <a:t>zip</a:t>
+            </a:r>
+            <a:r>
+              <a:rPr lang="en-US" altLang="ko-KR" sz="1200" dirty="0" smtClean="0">
+                <a:solidFill>
+                  <a:schemeClr val="bg1"/>
+                </a:solidFill>
+                <a:latin typeface="+mn-ea"/>
+              </a:rPr>
+              <a:t>()</a:t>
+            </a:r>
+            <a:r>
+              <a:rPr lang="ko-KR" altLang="en-US" sz="1200" dirty="0" smtClean="0">
+                <a:solidFill>
+                  <a:schemeClr val="bg1"/>
+                </a:solidFill>
+                <a:latin typeface="+mn-ea"/>
+              </a:rPr>
+              <a:t>의 변형으로 </a:t>
+            </a:r>
+            <a:r>
+              <a:rPr lang="ko-KR" altLang="en-US" sz="1200" dirty="0" err="1" smtClean="0">
+                <a:solidFill>
+                  <a:schemeClr val="bg1"/>
+                </a:solidFill>
+                <a:latin typeface="+mn-ea"/>
+              </a:rPr>
+              <a:t>틈틈히</a:t>
+            </a:r>
+            <a:r>
+              <a:rPr lang="ko-KR" altLang="en-US" sz="1200" dirty="0" smtClean="0">
+                <a:solidFill>
+                  <a:schemeClr val="bg1"/>
+                </a:solidFill>
+                <a:latin typeface="+mn-ea"/>
+              </a:rPr>
+              <a:t> 호출</a:t>
+            </a:r>
+            <a:r>
+              <a:rPr lang="en-US" altLang="ko-KR" sz="1200" dirty="0">
+                <a:solidFill>
+                  <a:schemeClr val="bg1"/>
+                </a:solidFill>
+                <a:latin typeface="+mn-ea"/>
+              </a:rPr>
+              <a:t> </a:t>
+            </a:r>
+            <a:r>
+              <a:rPr lang="ko-KR" altLang="en-US" sz="1200" dirty="0" smtClean="0">
+                <a:solidFill>
+                  <a:schemeClr val="bg1"/>
+                </a:solidFill>
+                <a:latin typeface="+mn-ea"/>
+              </a:rPr>
+              <a:t>가능</a:t>
+            </a:r>
+            <a:endParaRPr lang="en-US" altLang="ko-KR" sz="1200" dirty="0">
+              <a:solidFill>
+                <a:schemeClr val="bg1"/>
+              </a:solidFill>
+              <a:latin typeface="+mn-ea"/>
+            </a:endParaRPr>
+          </a:p>
+        </p:txBody>
+      </p:sp>
+      <p:pic>
+        <p:nvPicPr>
+          <p:cNvPr id="6146" name="Picture 2" descr="rxjava zipwithì ëí ì´ë¯¸ì§ ê²ìê²°ê³¼"/>
+          <p:cNvPicPr>
+            <a:picLocks noChangeAspect="1" noChangeArrowheads="1"/>
+          </p:cNvPicPr>
+          <p:nvPr/>
+        </p:nvPicPr>
+        <p:blipFill>
+          <a:blip r:embed="rId2" cstate="print">
+            <a:extLst>
+              <a:ext uri="{28A0092B-C50C-407E-A947-70E740481C1C}">
+                <a14:useLocalDpi xmlns:a14="http://schemas.microsoft.com/office/drawing/2010/main" val="0"/>
+              </a:ext>
+            </a:extLst>
+          </a:blip>
+          <a:srcRect/>
+          <a:stretch>
+            <a:fillRect/>
+          </a:stretch>
+        </p:blipFill>
+        <p:spPr bwMode="auto">
+          <a:xfrm>
+            <a:off x="2058402" y="2258902"/>
+            <a:ext cx="4817854" cy="2860602"/>
+          </a:xfrm>
+          <a:prstGeom prst="rect">
+            <a:avLst/>
+          </a:prstGeom>
+          <a:solidFill>
+            <a:schemeClr val="bg1"/>
+          </a:solidFill>
+        </p:spPr>
+      </p:pic>
+    </p:spTree>
+    <p:extLst>
+      <p:ext uri="{BB962C8B-B14F-4D97-AF65-F5344CB8AC3E}">
+        <p14:creationId xmlns:p14="http://schemas.microsoft.com/office/powerpoint/2010/main" val="2949185661"/>
+      </p:ext>
+    </p:extLst>
+  </p:cSld>
+  <p:clrMapOvr>
+    <a:masterClrMapping/>
+  </p:clrMapOvr>
+  <p:timing>
+    <p:tnLst>
+      <p:par>
+        <p:cTn id="1" dur="indefinite" restart="never" nodeType="tmRoot"/>
+      </p:par>
+    </p:tnLst>
+  </p:timing>
+</p:sld>
+</file>
+
+<file path=ppt/slides/slide25.xml><?xml version="1.0" encoding="utf-8"?>
+<p:sld xmlns:a="http://schemas.openxmlformats.org/drawingml/2006/main" xmlns:r="http://schemas.openxmlformats.org/officeDocument/2006/relationships" xmlns:p="http://schemas.openxmlformats.org/presentationml/2006/main">
+  <p:cSld>
+    <p:spTree>
+      <p:nvGrpSpPr>
+        <p:cNvPr id="1" name=""/>
+        <p:cNvGrpSpPr/>
+        <p:nvPr/>
+      </p:nvGrpSpPr>
+      <p:grpSpPr>
+        <a:xfrm>
+          <a:off x="0" y="0"/>
+          <a:ext cx="0" cy="0"/>
+          <a:chOff x="0" y="0"/>
+          <a:chExt cx="0" cy="0"/>
+        </a:xfrm>
+      </p:grpSpPr>
+      <p:sp>
+        <p:nvSpPr>
+          <p:cNvPr id="7" name="직사각형 6"/>
+          <p:cNvSpPr>
+            <a:spLocks noChangeArrowheads="1"/>
+          </p:cNvSpPr>
+          <p:nvPr/>
+        </p:nvSpPr>
+        <p:spPr bwMode="auto">
+          <a:xfrm>
+            <a:off x="287750" y="326668"/>
+            <a:ext cx="8359159" cy="307777"/>
+          </a:xfrm>
+          <a:prstGeom prst="rect">
+            <a:avLst/>
+          </a:prstGeom>
+        </p:spPr>
+        <p:txBody>
+          <a:bodyPr wrap="square" lIns="0" tIns="0" rIns="0" bIns="0" anchor="ctr">
+            <a:spAutoFit/>
+            <a:scene3d>
+              <a:camera prst="orthographicFront"/>
+              <a:lightRig rig="threePt" dir="t"/>
+            </a:scene3d>
+            <a:sp3d>
+              <a:bevelT w="0"/>
+            </a:sp3d>
+          </a:bodyPr>
+          <a:lstStyle/>
+          <a:p>
+            <a:pPr lvl="0"/>
+            <a:r>
+              <a:rPr lang="en-US" altLang="ko-KR" sz="2000" dirty="0">
+                <a:solidFill>
+                  <a:schemeClr val="bg1"/>
+                </a:solidFill>
+                <a:latin typeface="+mj-ea"/>
+                <a:cs typeface="산돌고딕 L" panose="02030504000101010101" pitchFamily="18" charset="-127"/>
+              </a:rPr>
+              <a:t>6</a:t>
+            </a:r>
+            <a:r>
+              <a:rPr lang="en-US" altLang="ko-KR" sz="2000" dirty="0" smtClean="0">
+                <a:solidFill>
+                  <a:schemeClr val="bg1"/>
+                </a:solidFill>
+                <a:latin typeface="+mj-ea"/>
+                <a:cs typeface="산돌고딕 L" panose="02030504000101010101" pitchFamily="18" charset="-127"/>
+              </a:rPr>
+              <a:t>. </a:t>
+            </a:r>
+            <a:r>
+              <a:rPr lang="en-US" altLang="ko-KR" dirty="0" smtClean="0">
+                <a:solidFill>
+                  <a:schemeClr val="bg1"/>
+                </a:solidFill>
+              </a:rPr>
+              <a:t>Combining Observables</a:t>
+            </a:r>
+            <a:endParaRPr lang="ko-KR" altLang="ko-KR" dirty="0">
+              <a:solidFill>
+                <a:schemeClr val="bg1"/>
+              </a:solidFill>
+            </a:endParaRPr>
+          </a:p>
+        </p:txBody>
+      </p:sp>
+      <p:grpSp>
+        <p:nvGrpSpPr>
+          <p:cNvPr id="2" name="그룹 1"/>
+          <p:cNvGrpSpPr/>
+          <p:nvPr/>
+        </p:nvGrpSpPr>
+        <p:grpSpPr>
+          <a:xfrm>
+            <a:off x="683568" y="2434605"/>
+            <a:ext cx="7123311" cy="2238375"/>
+            <a:chOff x="683568" y="2434605"/>
+            <a:chExt cx="7123311" cy="2238375"/>
+          </a:xfrm>
+        </p:grpSpPr>
+        <p:pic>
+          <p:nvPicPr>
+            <p:cNvPr id="5121" name="Picture 1"/>
+            <p:cNvPicPr>
+              <a:picLocks noChangeAspect="1" noChangeArrowheads="1"/>
+            </p:cNvPicPr>
+            <p:nvPr/>
+          </p:nvPicPr>
+          <p:blipFill>
+            <a:blip r:embed="rId2">
+              <a:extLst>
+                <a:ext uri="{28A0092B-C50C-407E-A947-70E740481C1C}">
+                  <a14:useLocalDpi xmlns:a14="http://schemas.microsoft.com/office/drawing/2010/main" val="0"/>
+                </a:ext>
+              </a:extLst>
+            </a:blip>
+            <a:srcRect/>
+            <a:stretch>
+              <a:fillRect/>
+            </a:stretch>
+          </p:blipFill>
+          <p:spPr bwMode="auto">
+            <a:xfrm>
+              <a:off x="683568" y="2434605"/>
+              <a:ext cx="4448175" cy="2238375"/>
+            </a:xfrm>
+            <a:prstGeom prst="rect">
+              <a:avLst/>
+            </a:prstGeom>
+            <a:noFill/>
+            <a:ln>
+              <a:noFill/>
+            </a:ln>
+            <a:effectLst/>
+            <a:extLst>
+              <a:ext uri="{909E8E84-426E-40DD-AFC4-6F175D3DCCD1}">
+                <a14:hiddenFill xmlns:a14="http://schemas.microsoft.com/office/drawing/2010/main">
+                  <a:solidFill>
+                    <a:schemeClr val="accent1"/>
+                  </a:solidFill>
+                </a14:hiddenFill>
+              </a:ext>
+              <a:ext uri="{91240B29-F687-4F45-9708-019B960494DF}">
+                <a14:hiddenLine xmlns:a14="http://schemas.microsoft.com/office/drawing/2010/main" w="9525">
+                  <a:solidFill>
+                    <a:schemeClr val="tx1"/>
+                  </a:solidFill>
+                  <a:miter lim="800000"/>
+                  <a:headEnd/>
+                  <a:tailEnd/>
+                </a14:hiddenLine>
+              </a:ext>
+              <a:ext uri="{AF507438-7753-43E0-B8FC-AC1667EBCBE1}">
+                <a14:hiddenEffects xmlns:a14="http://schemas.microsoft.com/office/drawing/2010/main">
+                  <a:effectLst>
+                    <a:outerShdw dist="35921" dir="2700000" algn="ctr" rotWithShape="0">
+                      <a:schemeClr val="bg2"/>
+                    </a:outerShdw>
+                  </a:effectLst>
+                </a14:hiddenEffects>
+              </a:ext>
+            </a:extLst>
+          </p:spPr>
+        </p:pic>
+        <p:pic>
+          <p:nvPicPr>
+            <p:cNvPr id="5122" name="Picture 2"/>
+            <p:cNvPicPr>
+              <a:picLocks noChangeAspect="1" noChangeArrowheads="1"/>
+            </p:cNvPicPr>
+            <p:nvPr/>
+          </p:nvPicPr>
+          <p:blipFill>
+            <a:blip r:embed="rId3">
+              <a:extLst>
+                <a:ext uri="{28A0092B-C50C-407E-A947-70E740481C1C}">
+                  <a14:useLocalDpi xmlns:a14="http://schemas.microsoft.com/office/drawing/2010/main" val="0"/>
+                </a:ext>
+              </a:extLst>
+            </a:blip>
+            <a:srcRect/>
+            <a:stretch>
+              <a:fillRect/>
+            </a:stretch>
+          </p:blipFill>
+          <p:spPr bwMode="auto">
+            <a:xfrm>
+              <a:off x="5644704" y="2434605"/>
+              <a:ext cx="2162175" cy="1162050"/>
+            </a:xfrm>
+            <a:prstGeom prst="rect">
+              <a:avLst/>
+            </a:prstGeom>
+            <a:noFill/>
+            <a:ln>
+              <a:noFill/>
+            </a:ln>
+            <a:effectLst/>
+            <a:extLst>
+              <a:ext uri="{909E8E84-426E-40DD-AFC4-6F175D3DCCD1}">
+                <a14:hiddenFill xmlns:a14="http://schemas.microsoft.com/office/drawing/2010/main">
+                  <a:solidFill>
+                    <a:schemeClr val="accent1"/>
+                  </a:solidFill>
+                </a14:hiddenFill>
+              </a:ext>
+              <a:ext uri="{91240B29-F687-4F45-9708-019B960494DF}">
+                <a14:hiddenLine xmlns:a14="http://schemas.microsoft.com/office/drawing/2010/main" w="9525">
+                  <a:solidFill>
+                    <a:schemeClr val="tx1"/>
+                  </a:solidFill>
+                  <a:miter lim="800000"/>
+                  <a:headEnd/>
+                  <a:tailEnd/>
+                </a14:hiddenLine>
+              </a:ext>
+              <a:ext uri="{AF507438-7753-43E0-B8FC-AC1667EBCBE1}">
+                <a14:hiddenEffects xmlns:a14="http://schemas.microsoft.com/office/drawing/2010/main">
+                  <a:effectLst>
+                    <a:outerShdw dist="35921" dir="2700000" algn="ctr" rotWithShape="0">
+                      <a:schemeClr val="bg2"/>
+                    </a:outerShdw>
+                  </a:effectLst>
+                </a14:hiddenEffects>
+              </a:ext>
+            </a:extLst>
+          </p:spPr>
+        </p:pic>
+      </p:grpSp>
+    </p:spTree>
+    <p:extLst>
+      <p:ext uri="{BB962C8B-B14F-4D97-AF65-F5344CB8AC3E}">
+        <p14:creationId xmlns:p14="http://schemas.microsoft.com/office/powerpoint/2010/main" val="3378198634"/>
+      </p:ext>
+    </p:extLst>
+  </p:cSld>
+  <p:clrMapOvr>
+    <a:masterClrMapping/>
+  </p:clrMapOvr>
+  <p:timing>
+    <p:tnLst>
+      <p:par>
+        <p:cTn id="1" dur="indefinite" restart="never" nodeType="tmRoot"/>
+      </p:par>
+    </p:tnLst>
+  </p:timing>
+</p:sld>
+</file>
+
+<file path=ppt/slides/slide26.xml><?xml version="1.0" encoding="utf-8"?>
+<p:sld xmlns:a="http://schemas.openxmlformats.org/drawingml/2006/main" xmlns:r="http://schemas.openxmlformats.org/officeDocument/2006/relationships" xmlns:p="http://schemas.openxmlformats.org/presentationml/2006/main">
+  <p:cSld>
+    <p:spTree>
+      <p:nvGrpSpPr>
+        <p:cNvPr id="1" name=""/>
+        <p:cNvGrpSpPr/>
+        <p:nvPr/>
+      </p:nvGrpSpPr>
+      <p:grpSpPr>
+        <a:xfrm>
+          <a:off x="0" y="0"/>
+          <a:ext cx="0" cy="0"/>
+          <a:chOff x="0" y="0"/>
+          <a:chExt cx="0" cy="0"/>
+        </a:xfrm>
+      </p:grpSpPr>
+      <p:sp>
+        <p:nvSpPr>
+          <p:cNvPr id="17" name="직사각형 16"/>
+          <p:cNvSpPr>
+            <a:spLocks noChangeArrowheads="1"/>
+          </p:cNvSpPr>
+          <p:nvPr/>
+        </p:nvSpPr>
+        <p:spPr bwMode="auto">
+          <a:xfrm>
+            <a:off x="287750" y="326668"/>
+            <a:ext cx="8359159" cy="307777"/>
+          </a:xfrm>
+          <a:prstGeom prst="rect">
+            <a:avLst/>
+          </a:prstGeom>
+        </p:spPr>
+        <p:txBody>
+          <a:bodyPr wrap="square" lIns="0" tIns="0" rIns="0" bIns="0" anchor="ctr">
+            <a:spAutoFit/>
+            <a:scene3d>
+              <a:camera prst="orthographicFront"/>
+              <a:lightRig rig="threePt" dir="t"/>
+            </a:scene3d>
+            <a:sp3d>
+              <a:bevelT w="0"/>
+            </a:sp3d>
+          </a:bodyPr>
+          <a:lstStyle/>
+          <a:p>
+            <a:pPr lvl="0"/>
+            <a:r>
+              <a:rPr lang="en-US" altLang="ko-KR" sz="2000" dirty="0">
+                <a:solidFill>
+                  <a:schemeClr val="bg1"/>
+                </a:solidFill>
+                <a:latin typeface="+mj-ea"/>
+                <a:cs typeface="산돌고딕 L" panose="02030504000101010101" pitchFamily="18" charset="-127"/>
+              </a:rPr>
+              <a:t>6</a:t>
+            </a:r>
+            <a:r>
+              <a:rPr lang="en-US" altLang="ko-KR" sz="2000" dirty="0" smtClean="0">
+                <a:solidFill>
+                  <a:schemeClr val="bg1"/>
+                </a:solidFill>
+                <a:latin typeface="+mj-ea"/>
+                <a:cs typeface="산돌고딕 L" panose="02030504000101010101" pitchFamily="18" charset="-127"/>
+              </a:rPr>
+              <a:t>. </a:t>
+            </a:r>
+            <a:r>
+              <a:rPr lang="en-US" altLang="ko-KR" dirty="0" smtClean="0">
+                <a:solidFill>
+                  <a:schemeClr val="bg1"/>
+                </a:solidFill>
+              </a:rPr>
+              <a:t>Combining Observables</a:t>
+            </a:r>
+            <a:endParaRPr lang="ko-KR" altLang="ko-KR" dirty="0">
+              <a:solidFill>
+                <a:schemeClr val="bg1"/>
+              </a:solidFill>
+            </a:endParaRPr>
+          </a:p>
+        </p:txBody>
+      </p:sp>
+      <p:sp>
+        <p:nvSpPr>
+          <p:cNvPr id="82" name="직사각형 81"/>
+          <p:cNvSpPr/>
+          <p:nvPr/>
+        </p:nvSpPr>
+        <p:spPr>
+          <a:xfrm>
+            <a:off x="723121" y="836712"/>
+            <a:ext cx="7488416" cy="923330"/>
+          </a:xfrm>
+          <a:prstGeom prst="rect">
+            <a:avLst/>
+          </a:prstGeom>
+        </p:spPr>
+        <p:txBody>
+          <a:bodyPr wrap="square">
+            <a:spAutoFit/>
+          </a:bodyPr>
+          <a:lstStyle/>
+          <a:p>
+            <a:pPr marL="0" lvl="1">
+              <a:lnSpc>
+                <a:spcPct val="150000"/>
+              </a:lnSpc>
+            </a:pPr>
+            <a:r>
+              <a:rPr lang="en-US" altLang="ko-KR" sz="1200" dirty="0" smtClean="0">
+                <a:solidFill>
+                  <a:schemeClr val="bg1"/>
+                </a:solidFill>
+                <a:latin typeface="+mn-ea"/>
+              </a:rPr>
+              <a:t>6</a:t>
+            </a:r>
+            <a:r>
+              <a:rPr lang="en-US" altLang="ko-KR" sz="1200" dirty="0" smtClean="0">
+                <a:solidFill>
+                  <a:schemeClr val="bg1"/>
+                </a:solidFill>
+                <a:latin typeface="+mn-ea"/>
+              </a:rPr>
+              <a:t>.3 </a:t>
+            </a:r>
+            <a:r>
+              <a:rPr lang="en-US" altLang="ko-KR" sz="1200" dirty="0" err="1" smtClean="0">
+                <a:solidFill>
+                  <a:schemeClr val="bg1"/>
+                </a:solidFill>
+                <a:latin typeface="+mn-ea"/>
+              </a:rPr>
+              <a:t>combineLatest</a:t>
+            </a:r>
+            <a:r>
+              <a:rPr lang="en-US" altLang="ko-KR" sz="1200" dirty="0" smtClean="0">
+                <a:solidFill>
+                  <a:schemeClr val="bg1"/>
+                </a:solidFill>
+                <a:latin typeface="+mn-ea"/>
+              </a:rPr>
+              <a:t>() </a:t>
+            </a:r>
+            <a:r>
+              <a:rPr lang="ko-KR" altLang="en-US" sz="1200" dirty="0" smtClean="0">
+                <a:solidFill>
+                  <a:schemeClr val="bg1"/>
+                </a:solidFill>
+                <a:latin typeface="+mn-ea"/>
+              </a:rPr>
+              <a:t>함수</a:t>
+            </a:r>
+          </a:p>
+          <a:p>
+            <a:pPr marL="171450" lvl="0" indent="-171450">
+              <a:lnSpc>
+                <a:spcPct val="150000"/>
+              </a:lnSpc>
+              <a:buFont typeface="Arial" pitchFamily="34" charset="0"/>
+              <a:buChar char="•"/>
+            </a:pPr>
+            <a:r>
+              <a:rPr lang="en-US" altLang="ko-KR" sz="1200" dirty="0" smtClean="0">
+                <a:solidFill>
+                  <a:schemeClr val="bg1"/>
+                </a:solidFill>
+                <a:latin typeface="+mn-ea"/>
+              </a:rPr>
+              <a:t>zip()</a:t>
+            </a:r>
+            <a:r>
+              <a:rPr lang="ko-KR" altLang="en-US" sz="1200" dirty="0" smtClean="0">
+                <a:solidFill>
+                  <a:schemeClr val="bg1"/>
+                </a:solidFill>
+                <a:latin typeface="+mn-ea"/>
+              </a:rPr>
+              <a:t>과 유사하지만 </a:t>
+            </a:r>
+            <a:r>
+              <a:rPr lang="en-US" altLang="ko-KR" sz="1200" dirty="0" smtClean="0">
+                <a:solidFill>
+                  <a:schemeClr val="bg1"/>
+                </a:solidFill>
+                <a:latin typeface="+mn-ea"/>
+              </a:rPr>
+              <a:t>Observable </a:t>
+            </a:r>
+            <a:r>
+              <a:rPr lang="ko-KR" altLang="en-US" sz="1200" dirty="0" smtClean="0">
+                <a:solidFill>
+                  <a:schemeClr val="bg1"/>
+                </a:solidFill>
+                <a:latin typeface="+mn-ea"/>
+              </a:rPr>
+              <a:t>각각의 값이 변경되었을 때 갱신</a:t>
+            </a:r>
+            <a:endParaRPr lang="en-US" altLang="ko-KR" sz="1200" dirty="0" smtClean="0">
+              <a:solidFill>
+                <a:schemeClr val="bg1"/>
+              </a:solidFill>
+              <a:latin typeface="+mn-ea"/>
+            </a:endParaRPr>
+          </a:p>
+          <a:p>
+            <a:pPr marL="171450" lvl="0" indent="-171450">
+              <a:lnSpc>
+                <a:spcPct val="150000"/>
+              </a:lnSpc>
+              <a:buFont typeface="Arial" pitchFamily="34" charset="0"/>
+              <a:buChar char="•"/>
+            </a:pPr>
+            <a:r>
+              <a:rPr lang="ko-KR" altLang="en-US" sz="1200" dirty="0" smtClean="0">
+                <a:solidFill>
+                  <a:schemeClr val="bg1"/>
+                </a:solidFill>
+                <a:latin typeface="+mn-ea"/>
+              </a:rPr>
+              <a:t>모든 </a:t>
+            </a:r>
+            <a:r>
+              <a:rPr lang="en-US" altLang="ko-KR" sz="1200" dirty="0" smtClean="0">
+                <a:solidFill>
+                  <a:schemeClr val="bg1"/>
+                </a:solidFill>
+                <a:latin typeface="+mn-ea"/>
+              </a:rPr>
+              <a:t>Observable</a:t>
+            </a:r>
+            <a:r>
+              <a:rPr lang="ko-KR" altLang="en-US" sz="1200" dirty="0" smtClean="0">
+                <a:solidFill>
+                  <a:schemeClr val="bg1"/>
+                </a:solidFill>
+                <a:latin typeface="+mn-ea"/>
+              </a:rPr>
+              <a:t>에서 모두 데이터를 발행하지 않아도 발행할 때마다 갱신</a:t>
+            </a:r>
+            <a:endParaRPr lang="en-US" altLang="ko-KR" sz="1200" dirty="0" smtClean="0">
+              <a:solidFill>
+                <a:schemeClr val="bg1"/>
+              </a:solidFill>
+              <a:latin typeface="+mn-ea"/>
+            </a:endParaRPr>
+          </a:p>
+        </p:txBody>
+      </p:sp>
+      <p:pic>
+        <p:nvPicPr>
+          <p:cNvPr id="4098" name="Picture 2" descr="rxjava combinelatestì ëí ì´ë¯¸ì§ ê²ìê²°ê³¼"/>
+          <p:cNvPicPr>
+            <a:picLocks noChangeAspect="1" noChangeArrowheads="1"/>
+          </p:cNvPicPr>
+          <p:nvPr/>
+        </p:nvPicPr>
+        <p:blipFill>
+          <a:blip r:embed="rId2">
+            <a:extLst>
+              <a:ext uri="{28A0092B-C50C-407E-A947-70E740481C1C}">
+                <a14:useLocalDpi xmlns:a14="http://schemas.microsoft.com/office/drawing/2010/main" val="0"/>
+              </a:ext>
+            </a:extLst>
+          </a:blip>
+          <a:srcRect/>
+          <a:stretch>
+            <a:fillRect/>
+          </a:stretch>
+        </p:blipFill>
+        <p:spPr bwMode="auto">
+          <a:xfrm>
+            <a:off x="2051720" y="2636912"/>
+            <a:ext cx="5257800" cy="2590800"/>
+          </a:xfrm>
+          <a:prstGeom prst="rect">
+            <a:avLst/>
+          </a:prstGeom>
+          <a:noFill/>
+          <a:extLst>
+            <a:ext uri="{909E8E84-426E-40DD-AFC4-6F175D3DCCD1}">
+              <a14:hiddenFill xmlns:a14="http://schemas.microsoft.com/office/drawing/2010/main">
+                <a:solidFill>
+                  <a:srgbClr val="FFFFFF"/>
+                </a:solidFill>
+              </a14:hiddenFill>
+            </a:ext>
+          </a:extLst>
+        </p:spPr>
+      </p:pic>
+    </p:spTree>
+    <p:extLst>
+      <p:ext uri="{BB962C8B-B14F-4D97-AF65-F5344CB8AC3E}">
+        <p14:creationId xmlns:p14="http://schemas.microsoft.com/office/powerpoint/2010/main" val="2324375720"/>
+      </p:ext>
+    </p:extLst>
+  </p:cSld>
+  <p:clrMapOvr>
+    <a:masterClrMapping/>
+  </p:clrMapOvr>
+  <p:timing>
+    <p:tnLst>
+      <p:par>
+        <p:cTn id="1" dur="indefinite" restart="never" nodeType="tmRoot"/>
+      </p:par>
+    </p:tnLst>
+  </p:timing>
+</p:sld>
+</file>
+
+<file path=ppt/slides/slide27.xml><?xml version="1.0" encoding="utf-8"?>
+<p:sld xmlns:a="http://schemas.openxmlformats.org/drawingml/2006/main" xmlns:r="http://schemas.openxmlformats.org/officeDocument/2006/relationships" xmlns:p="http://schemas.openxmlformats.org/presentationml/2006/main">
+  <p:cSld>
+    <p:spTree>
+      <p:nvGrpSpPr>
+        <p:cNvPr id="1" name=""/>
+        <p:cNvGrpSpPr/>
+        <p:nvPr/>
+      </p:nvGrpSpPr>
+      <p:grpSpPr>
+        <a:xfrm>
+          <a:off x="0" y="0"/>
+          <a:ext cx="0" cy="0"/>
+          <a:chOff x="0" y="0"/>
+          <a:chExt cx="0" cy="0"/>
+        </a:xfrm>
+      </p:grpSpPr>
+      <p:sp>
+        <p:nvSpPr>
+          <p:cNvPr id="7" name="직사각형 6"/>
+          <p:cNvSpPr>
+            <a:spLocks noChangeArrowheads="1"/>
+          </p:cNvSpPr>
+          <p:nvPr/>
+        </p:nvSpPr>
+        <p:spPr bwMode="auto">
+          <a:xfrm>
+            <a:off x="287750" y="326668"/>
+            <a:ext cx="8359159" cy="307777"/>
+          </a:xfrm>
+          <a:prstGeom prst="rect">
+            <a:avLst/>
+          </a:prstGeom>
+        </p:spPr>
+        <p:txBody>
+          <a:bodyPr wrap="square" lIns="0" tIns="0" rIns="0" bIns="0" anchor="ctr">
+            <a:spAutoFit/>
+            <a:scene3d>
+              <a:camera prst="orthographicFront"/>
+              <a:lightRig rig="threePt" dir="t"/>
+            </a:scene3d>
+            <a:sp3d>
+              <a:bevelT w="0"/>
+            </a:sp3d>
+          </a:bodyPr>
+          <a:lstStyle/>
+          <a:p>
+            <a:pPr lvl="0"/>
+            <a:r>
+              <a:rPr lang="en-US" altLang="ko-KR" sz="2000" dirty="0">
+                <a:solidFill>
+                  <a:schemeClr val="bg1"/>
+                </a:solidFill>
+                <a:latin typeface="+mj-ea"/>
+                <a:cs typeface="산돌고딕 L" panose="02030504000101010101" pitchFamily="18" charset="-127"/>
+              </a:rPr>
+              <a:t>6</a:t>
+            </a:r>
+            <a:r>
+              <a:rPr lang="en-US" altLang="ko-KR" sz="2000" dirty="0" smtClean="0">
+                <a:solidFill>
+                  <a:schemeClr val="bg1"/>
+                </a:solidFill>
+                <a:latin typeface="+mj-ea"/>
+                <a:cs typeface="산돌고딕 L" panose="02030504000101010101" pitchFamily="18" charset="-127"/>
+              </a:rPr>
+              <a:t>. </a:t>
+            </a:r>
+            <a:r>
+              <a:rPr lang="en-US" altLang="ko-KR" dirty="0" smtClean="0">
+                <a:solidFill>
+                  <a:schemeClr val="bg1"/>
+                </a:solidFill>
+              </a:rPr>
+              <a:t>Combining Observables</a:t>
+            </a:r>
+            <a:endParaRPr lang="ko-KR" altLang="ko-KR" dirty="0">
+              <a:solidFill>
+                <a:schemeClr val="bg1"/>
+              </a:solidFill>
+            </a:endParaRPr>
+          </a:p>
+        </p:txBody>
+      </p:sp>
+      <p:grpSp>
+        <p:nvGrpSpPr>
+          <p:cNvPr id="2" name="그룹 1"/>
+          <p:cNvGrpSpPr/>
+          <p:nvPr/>
+        </p:nvGrpSpPr>
+        <p:grpSpPr>
+          <a:xfrm>
+            <a:off x="477515" y="1509713"/>
+            <a:ext cx="8188970" cy="3838575"/>
+            <a:chOff x="683568" y="1509713"/>
+            <a:chExt cx="8188970" cy="3838575"/>
+          </a:xfrm>
+        </p:grpSpPr>
+        <p:pic>
+          <p:nvPicPr>
+            <p:cNvPr id="3073" name="Picture 1"/>
+            <p:cNvPicPr>
+              <a:picLocks noChangeAspect="1" noChangeArrowheads="1"/>
+            </p:cNvPicPr>
+            <p:nvPr/>
+          </p:nvPicPr>
+          <p:blipFill>
+            <a:blip r:embed="rId2">
+              <a:extLst>
+                <a:ext uri="{28A0092B-C50C-407E-A947-70E740481C1C}">
+                  <a14:useLocalDpi xmlns:a14="http://schemas.microsoft.com/office/drawing/2010/main" val="0"/>
+                </a:ext>
+              </a:extLst>
+            </a:blip>
+            <a:srcRect/>
+            <a:stretch>
+              <a:fillRect/>
+            </a:stretch>
+          </p:blipFill>
+          <p:spPr bwMode="auto">
+            <a:xfrm>
+              <a:off x="683568" y="1509713"/>
+              <a:ext cx="5305425" cy="3838575"/>
+            </a:xfrm>
+            <a:prstGeom prst="rect">
+              <a:avLst/>
+            </a:prstGeom>
+            <a:noFill/>
+            <a:ln>
+              <a:noFill/>
+            </a:ln>
+            <a:effectLst/>
+            <a:extLst>
+              <a:ext uri="{909E8E84-426E-40DD-AFC4-6F175D3DCCD1}">
+                <a14:hiddenFill xmlns:a14="http://schemas.microsoft.com/office/drawing/2010/main">
+                  <a:solidFill>
+                    <a:schemeClr val="accent1"/>
+                  </a:solidFill>
+                </a14:hiddenFill>
+              </a:ext>
+              <a:ext uri="{91240B29-F687-4F45-9708-019B960494DF}">
+                <a14:hiddenLine xmlns:a14="http://schemas.microsoft.com/office/drawing/2010/main" w="9525">
+                  <a:solidFill>
+                    <a:schemeClr val="tx1"/>
+                  </a:solidFill>
+                  <a:miter lim="800000"/>
+                  <a:headEnd/>
+                  <a:tailEnd/>
+                </a14:hiddenLine>
+              </a:ext>
+              <a:ext uri="{AF507438-7753-43E0-B8FC-AC1667EBCBE1}">
+                <a14:hiddenEffects xmlns:a14="http://schemas.microsoft.com/office/drawing/2010/main">
+                  <a:effectLst>
+                    <a:outerShdw dist="35921" dir="2700000" algn="ctr" rotWithShape="0">
+                      <a:schemeClr val="bg2"/>
+                    </a:outerShdw>
+                  </a:effectLst>
+                </a14:hiddenEffects>
+              </a:ext>
+            </a:extLst>
+          </p:spPr>
+        </p:pic>
+        <p:pic>
+          <p:nvPicPr>
+            <p:cNvPr id="3074" name="Picture 2"/>
+            <p:cNvPicPr>
+              <a:picLocks noChangeAspect="1" noChangeArrowheads="1"/>
+            </p:cNvPicPr>
+            <p:nvPr/>
+          </p:nvPicPr>
+          <p:blipFill>
+            <a:blip r:embed="rId3">
+              <a:extLst>
+                <a:ext uri="{28A0092B-C50C-407E-A947-70E740481C1C}">
+                  <a14:useLocalDpi xmlns:a14="http://schemas.microsoft.com/office/drawing/2010/main" val="0"/>
+                </a:ext>
+              </a:extLst>
+            </a:blip>
+            <a:srcRect/>
+            <a:stretch>
+              <a:fillRect/>
+            </a:stretch>
+          </p:blipFill>
+          <p:spPr bwMode="auto">
+            <a:xfrm>
+              <a:off x="6005513" y="1509713"/>
+              <a:ext cx="2867025" cy="2552700"/>
+            </a:xfrm>
+            <a:prstGeom prst="rect">
+              <a:avLst/>
+            </a:prstGeom>
+            <a:noFill/>
+            <a:ln>
+              <a:noFill/>
+            </a:ln>
+            <a:effectLst/>
+            <a:extLst>
+              <a:ext uri="{909E8E84-426E-40DD-AFC4-6F175D3DCCD1}">
+                <a14:hiddenFill xmlns:a14="http://schemas.microsoft.com/office/drawing/2010/main">
+                  <a:solidFill>
+                    <a:schemeClr val="accent1"/>
+                  </a:solidFill>
+                </a14:hiddenFill>
+              </a:ext>
+              <a:ext uri="{91240B29-F687-4F45-9708-019B960494DF}">
+                <a14:hiddenLine xmlns:a14="http://schemas.microsoft.com/office/drawing/2010/main" w="9525">
+                  <a:solidFill>
+                    <a:schemeClr val="tx1"/>
+                  </a:solidFill>
+                  <a:miter lim="800000"/>
+                  <a:headEnd/>
+                  <a:tailEnd/>
+                </a14:hiddenLine>
+              </a:ext>
+              <a:ext uri="{AF507438-7753-43E0-B8FC-AC1667EBCBE1}">
+                <a14:hiddenEffects xmlns:a14="http://schemas.microsoft.com/office/drawing/2010/main">
+                  <a:effectLst>
+                    <a:outerShdw dist="35921" dir="2700000" algn="ctr" rotWithShape="0">
+                      <a:schemeClr val="bg2"/>
+                    </a:outerShdw>
+                  </a:effectLst>
+                </a14:hiddenEffects>
+              </a:ext>
+            </a:extLst>
+          </p:spPr>
+        </p:pic>
+      </p:grpSp>
+    </p:spTree>
+    <p:extLst>
+      <p:ext uri="{BB962C8B-B14F-4D97-AF65-F5344CB8AC3E}">
+        <p14:creationId xmlns:p14="http://schemas.microsoft.com/office/powerpoint/2010/main" val="2395323613"/>
+      </p:ext>
+    </p:extLst>
+  </p:cSld>
+  <p:clrMapOvr>
+    <a:masterClrMapping/>
+  </p:clrMapOvr>
+  <p:timing>
+    <p:tnLst>
+      <p:par>
+        <p:cTn id="1" dur="indefinite" restart="never" nodeType="tmRoot"/>
+      </p:par>
+    </p:tnLst>
+  </p:timing>
+</p:sld>
+</file>
+
+<file path=ppt/slides/slide28.xml><?xml version="1.0" encoding="utf-8"?>
+<p:sld xmlns:a="http://schemas.openxmlformats.org/drawingml/2006/main" xmlns:r="http://schemas.openxmlformats.org/officeDocument/2006/relationships" xmlns:p="http://schemas.openxmlformats.org/presentationml/2006/main">
+  <p:cSld>
+    <p:spTree>
+      <p:nvGrpSpPr>
+        <p:cNvPr id="1" name=""/>
+        <p:cNvGrpSpPr/>
+        <p:nvPr/>
+      </p:nvGrpSpPr>
+      <p:grpSpPr>
+        <a:xfrm>
+          <a:off x="0" y="0"/>
+          <a:ext cx="0" cy="0"/>
+          <a:chOff x="0" y="0"/>
+          <a:chExt cx="0" cy="0"/>
+        </a:xfrm>
+      </p:grpSpPr>
+      <p:sp>
+        <p:nvSpPr>
+          <p:cNvPr id="17" name="직사각형 16"/>
+          <p:cNvSpPr>
+            <a:spLocks noChangeArrowheads="1"/>
+          </p:cNvSpPr>
+          <p:nvPr/>
+        </p:nvSpPr>
+        <p:spPr bwMode="auto">
+          <a:xfrm>
+            <a:off x="287750" y="326668"/>
+            <a:ext cx="8359159" cy="307777"/>
+          </a:xfrm>
+          <a:prstGeom prst="rect">
+            <a:avLst/>
+          </a:prstGeom>
+        </p:spPr>
+        <p:txBody>
+          <a:bodyPr wrap="square" lIns="0" tIns="0" rIns="0" bIns="0" anchor="ctr">
+            <a:spAutoFit/>
+            <a:scene3d>
+              <a:camera prst="orthographicFront"/>
+              <a:lightRig rig="threePt" dir="t"/>
+            </a:scene3d>
+            <a:sp3d>
+              <a:bevelT w="0"/>
+            </a:sp3d>
+          </a:bodyPr>
+          <a:lstStyle/>
+          <a:p>
+            <a:pPr lvl="0"/>
+            <a:r>
+              <a:rPr lang="en-US" altLang="ko-KR" sz="2000" dirty="0">
+                <a:solidFill>
+                  <a:schemeClr val="bg1"/>
+                </a:solidFill>
+                <a:latin typeface="+mj-ea"/>
+                <a:cs typeface="산돌고딕 L" panose="02030504000101010101" pitchFamily="18" charset="-127"/>
+              </a:rPr>
+              <a:t>6</a:t>
+            </a:r>
+            <a:r>
+              <a:rPr lang="en-US" altLang="ko-KR" sz="2000" dirty="0" smtClean="0">
+                <a:solidFill>
+                  <a:schemeClr val="bg1"/>
+                </a:solidFill>
+                <a:latin typeface="+mj-ea"/>
+                <a:cs typeface="산돌고딕 L" panose="02030504000101010101" pitchFamily="18" charset="-127"/>
+              </a:rPr>
+              <a:t>. </a:t>
+            </a:r>
+            <a:r>
+              <a:rPr lang="en-US" altLang="ko-KR" dirty="0" smtClean="0">
+                <a:solidFill>
+                  <a:schemeClr val="bg1"/>
+                </a:solidFill>
+              </a:rPr>
+              <a:t>Combining Observables</a:t>
+            </a:r>
+            <a:endParaRPr lang="ko-KR" altLang="ko-KR" dirty="0">
+              <a:solidFill>
+                <a:schemeClr val="bg1"/>
+              </a:solidFill>
+            </a:endParaRPr>
+          </a:p>
+        </p:txBody>
+      </p:sp>
+      <p:sp>
+        <p:nvSpPr>
+          <p:cNvPr id="82" name="직사각형 81"/>
+          <p:cNvSpPr/>
+          <p:nvPr/>
+        </p:nvSpPr>
+        <p:spPr>
+          <a:xfrm>
+            <a:off x="723121" y="836712"/>
+            <a:ext cx="7488416" cy="1200329"/>
+          </a:xfrm>
+          <a:prstGeom prst="rect">
+            <a:avLst/>
+          </a:prstGeom>
+        </p:spPr>
+        <p:txBody>
+          <a:bodyPr wrap="square">
+            <a:spAutoFit/>
+          </a:bodyPr>
+          <a:lstStyle/>
+          <a:p>
+            <a:pPr marL="0" lvl="1">
+              <a:lnSpc>
+                <a:spcPct val="150000"/>
+              </a:lnSpc>
+            </a:pPr>
+            <a:r>
+              <a:rPr lang="en-US" altLang="ko-KR" sz="1200" dirty="0" smtClean="0">
+                <a:solidFill>
+                  <a:schemeClr val="bg1"/>
+                </a:solidFill>
+                <a:latin typeface="+mn-ea"/>
+              </a:rPr>
+              <a:t>6</a:t>
+            </a:r>
+            <a:r>
+              <a:rPr lang="en-US" altLang="ko-KR" sz="1200" dirty="0" smtClean="0">
+                <a:solidFill>
+                  <a:schemeClr val="bg1"/>
+                </a:solidFill>
+                <a:latin typeface="+mn-ea"/>
+              </a:rPr>
+              <a:t>.4 merge() </a:t>
+            </a:r>
+            <a:r>
+              <a:rPr lang="ko-KR" altLang="en-US" sz="1200" dirty="0" smtClean="0">
+                <a:solidFill>
+                  <a:schemeClr val="bg1"/>
+                </a:solidFill>
+                <a:latin typeface="+mn-ea"/>
+              </a:rPr>
+              <a:t>함수</a:t>
+            </a:r>
+            <a:endParaRPr lang="en-US" altLang="ko-KR" sz="1200" dirty="0">
+              <a:solidFill>
+                <a:schemeClr val="bg1"/>
+              </a:solidFill>
+              <a:latin typeface="+mn-ea"/>
+            </a:endParaRPr>
+          </a:p>
+          <a:p>
+            <a:pPr marL="171450" lvl="0" indent="-171450">
+              <a:lnSpc>
+                <a:spcPct val="150000"/>
+              </a:lnSpc>
+              <a:buFont typeface="Arial" pitchFamily="34" charset="0"/>
+              <a:buChar char="•"/>
+            </a:pPr>
+            <a:r>
+              <a:rPr lang="ko-KR" altLang="en-US" sz="1200" dirty="0">
+                <a:solidFill>
+                  <a:schemeClr val="bg1"/>
+                </a:solidFill>
+                <a:latin typeface="+mn-ea"/>
+              </a:rPr>
+              <a:t>가장 단순한 결합 연산자</a:t>
+            </a:r>
+            <a:endParaRPr lang="en-US" altLang="ko-KR" sz="1200" dirty="0">
+              <a:solidFill>
+                <a:schemeClr val="bg1"/>
+              </a:solidFill>
+              <a:latin typeface="+mn-ea"/>
+            </a:endParaRPr>
+          </a:p>
+          <a:p>
+            <a:pPr marL="171450" lvl="0" indent="-171450">
+              <a:lnSpc>
+                <a:spcPct val="150000"/>
+              </a:lnSpc>
+              <a:buFont typeface="Arial" pitchFamily="34" charset="0"/>
+              <a:buChar char="•"/>
+            </a:pPr>
+            <a:r>
+              <a:rPr lang="ko-KR" altLang="en-US" sz="1200" dirty="0" smtClean="0">
+                <a:solidFill>
+                  <a:schemeClr val="bg1"/>
+                </a:solidFill>
+                <a:latin typeface="+mn-ea"/>
+              </a:rPr>
+              <a:t>입력하는 </a:t>
+            </a:r>
+            <a:r>
+              <a:rPr lang="en-US" altLang="ko-KR" sz="1200" dirty="0" smtClean="0">
+                <a:solidFill>
+                  <a:schemeClr val="bg1"/>
+                </a:solidFill>
+                <a:latin typeface="+mn-ea"/>
+              </a:rPr>
+              <a:t>Observable</a:t>
+            </a:r>
+            <a:r>
+              <a:rPr lang="ko-KR" altLang="en-US" sz="1200" dirty="0" smtClean="0">
+                <a:solidFill>
+                  <a:schemeClr val="bg1"/>
+                </a:solidFill>
+                <a:latin typeface="+mn-ea"/>
+              </a:rPr>
+              <a:t>의 순서나 모든 </a:t>
+            </a:r>
+            <a:r>
+              <a:rPr lang="en-US" altLang="ko-KR" sz="1200" dirty="0" smtClean="0">
+                <a:solidFill>
+                  <a:schemeClr val="bg1"/>
+                </a:solidFill>
+                <a:latin typeface="+mn-ea"/>
+              </a:rPr>
+              <a:t>Observable</a:t>
+            </a:r>
+            <a:r>
+              <a:rPr lang="ko-KR" altLang="en-US" sz="1200" dirty="0" smtClean="0">
+                <a:solidFill>
+                  <a:schemeClr val="bg1"/>
+                </a:solidFill>
+                <a:latin typeface="+mn-ea"/>
+              </a:rPr>
+              <a:t>의 발행 여부를 신경 쓰지 않고 먼저 입력되는 </a:t>
+            </a:r>
+            <a:r>
+              <a:rPr lang="en-US" altLang="ko-KR" sz="1200" dirty="0" smtClean="0">
+                <a:solidFill>
+                  <a:schemeClr val="bg1"/>
+                </a:solidFill>
+                <a:latin typeface="+mn-ea"/>
+              </a:rPr>
+              <a:t/>
+            </a:r>
+            <a:br>
+              <a:rPr lang="en-US" altLang="ko-KR" sz="1200" dirty="0" smtClean="0">
+                <a:solidFill>
+                  <a:schemeClr val="bg1"/>
+                </a:solidFill>
+                <a:latin typeface="+mn-ea"/>
+              </a:rPr>
+            </a:br>
+            <a:r>
+              <a:rPr lang="ko-KR" altLang="en-US" sz="1200" dirty="0" smtClean="0">
+                <a:solidFill>
+                  <a:schemeClr val="bg1"/>
+                </a:solidFill>
+                <a:latin typeface="+mn-ea"/>
+              </a:rPr>
+              <a:t>데이터부터 그대로 발행</a:t>
+            </a:r>
+            <a:endParaRPr lang="en-US" altLang="ko-KR" sz="1200" dirty="0" smtClean="0">
+              <a:solidFill>
+                <a:schemeClr val="bg1"/>
+              </a:solidFill>
+              <a:latin typeface="+mn-ea"/>
+            </a:endParaRPr>
+          </a:p>
+        </p:txBody>
+      </p:sp>
+      <p:sp>
+        <p:nvSpPr>
+          <p:cNvPr id="2" name="AutoShape 2" descr="rxjava mergeì ëí ì´ë¯¸ì§ ê²ìê²°ê³¼"/>
+          <p:cNvSpPr>
+            <a:spLocks noChangeAspect="1" noChangeArrowheads="1"/>
+          </p:cNvSpPr>
+          <p:nvPr/>
+        </p:nvSpPr>
+        <p:spPr bwMode="auto">
+          <a:xfrm>
+            <a:off x="168275" y="-144463"/>
+            <a:ext cx="304800" cy="304801"/>
+          </a:xfrm>
+          <a:prstGeom prst="rect">
+            <a:avLst/>
+          </a:prstGeom>
+          <a:noFill/>
+          <a:extLst>
+            <a:ext uri="{909E8E84-426E-40DD-AFC4-6F175D3DCCD1}">
+              <a14:hiddenFill xmlns:a14="http://schemas.microsoft.com/office/drawing/2010/main">
+                <a:solidFill>
+                  <a:srgbClr val="FFFFFF"/>
+                </a:solidFill>
+              </a14:hiddenFill>
+            </a:ext>
+          </a:extLst>
+        </p:spPr>
+        <p:txBody>
+          <a:bodyPr vert="horz" wrap="square" lIns="91440" tIns="45720" rIns="91440" bIns="45720" numCol="1" anchor="t" anchorCtr="0" compatLnSpc="1">
+            <a:prstTxWarp prst="textNoShape">
+              <a:avLst/>
+            </a:prstTxWarp>
+          </a:bodyPr>
+          <a:lstStyle/>
+          <a:p>
+            <a:endParaRPr lang="ko-KR" altLang="en-US"/>
+          </a:p>
+        </p:txBody>
+      </p:sp>
+      <p:pic>
+        <p:nvPicPr>
+          <p:cNvPr id="8196" name="Picture 4" descr="rxjava mergeì ëí ì´ë¯¸ì§ ê²ìê²°ê³¼"/>
+          <p:cNvPicPr>
+            <a:picLocks noChangeAspect="1" noChangeArrowheads="1"/>
+          </p:cNvPicPr>
+          <p:nvPr/>
+        </p:nvPicPr>
+        <p:blipFill>
+          <a:blip r:embed="rId2">
+            <a:extLst>
+              <a:ext uri="{28A0092B-C50C-407E-A947-70E740481C1C}">
+                <a14:useLocalDpi xmlns:a14="http://schemas.microsoft.com/office/drawing/2010/main" val="0"/>
+              </a:ext>
+            </a:extLst>
+          </a:blip>
+          <a:srcRect/>
+          <a:stretch>
+            <a:fillRect/>
+          </a:stretch>
+        </p:blipFill>
+        <p:spPr bwMode="auto">
+          <a:xfrm>
+            <a:off x="2190750" y="2420888"/>
+            <a:ext cx="4762500" cy="2476501"/>
+          </a:xfrm>
+          <a:prstGeom prst="rect">
+            <a:avLst/>
+          </a:prstGeom>
+          <a:noFill/>
+          <a:extLst>
+            <a:ext uri="{909E8E84-426E-40DD-AFC4-6F175D3DCCD1}">
+              <a14:hiddenFill xmlns:a14="http://schemas.microsoft.com/office/drawing/2010/main">
+                <a:solidFill>
+                  <a:srgbClr val="FFFFFF"/>
+                </a:solidFill>
+              </a14:hiddenFill>
+            </a:ext>
+          </a:extLst>
+        </p:spPr>
+      </p:pic>
+    </p:spTree>
+    <p:extLst>
+      <p:ext uri="{BB962C8B-B14F-4D97-AF65-F5344CB8AC3E}">
+        <p14:creationId xmlns:p14="http://schemas.microsoft.com/office/powerpoint/2010/main" val="4288385658"/>
+      </p:ext>
+    </p:extLst>
+  </p:cSld>
+  <p:clrMapOvr>
+    <a:masterClrMapping/>
+  </p:clrMapOvr>
+  <p:timing>
+    <p:tnLst>
+      <p:par>
+        <p:cTn id="1" dur="indefinite" restart="never" nodeType="tmRoot"/>
+      </p:par>
+    </p:tnLst>
+  </p:timing>
+</p:sld>
+</file>
+
+<file path=ppt/slides/slide29.xml><?xml version="1.0" encoding="utf-8"?>
+<p:sld xmlns:a="http://schemas.openxmlformats.org/drawingml/2006/main" xmlns:r="http://schemas.openxmlformats.org/officeDocument/2006/relationships" xmlns:p="http://schemas.openxmlformats.org/presentationml/2006/main">
+  <p:cSld>
+    <p:spTree>
+      <p:nvGrpSpPr>
+        <p:cNvPr id="1" name=""/>
+        <p:cNvGrpSpPr/>
+        <p:nvPr/>
+      </p:nvGrpSpPr>
+      <p:grpSpPr>
+        <a:xfrm>
+          <a:off x="0" y="0"/>
+          <a:ext cx="0" cy="0"/>
+          <a:chOff x="0" y="0"/>
+          <a:chExt cx="0" cy="0"/>
+        </a:xfrm>
+      </p:grpSpPr>
+      <p:sp>
+        <p:nvSpPr>
+          <p:cNvPr id="7" name="직사각형 6"/>
+          <p:cNvSpPr>
+            <a:spLocks noChangeArrowheads="1"/>
+          </p:cNvSpPr>
+          <p:nvPr/>
+        </p:nvSpPr>
+        <p:spPr bwMode="auto">
+          <a:xfrm>
+            <a:off x="287750" y="326668"/>
+            <a:ext cx="8359159" cy="307777"/>
+          </a:xfrm>
+          <a:prstGeom prst="rect">
+            <a:avLst/>
+          </a:prstGeom>
+        </p:spPr>
+        <p:txBody>
+          <a:bodyPr wrap="square" lIns="0" tIns="0" rIns="0" bIns="0" anchor="ctr">
+            <a:spAutoFit/>
+            <a:scene3d>
+              <a:camera prst="orthographicFront"/>
+              <a:lightRig rig="threePt" dir="t"/>
+            </a:scene3d>
+            <a:sp3d>
+              <a:bevelT w="0"/>
+            </a:sp3d>
+          </a:bodyPr>
+          <a:lstStyle/>
+          <a:p>
+            <a:pPr lvl="0"/>
+            <a:r>
+              <a:rPr lang="en-US" altLang="ko-KR" sz="2000" dirty="0">
+                <a:solidFill>
+                  <a:schemeClr val="bg1"/>
+                </a:solidFill>
+                <a:latin typeface="+mj-ea"/>
+                <a:cs typeface="산돌고딕 L" panose="02030504000101010101" pitchFamily="18" charset="-127"/>
+              </a:rPr>
+              <a:t>6</a:t>
+            </a:r>
+            <a:r>
+              <a:rPr lang="en-US" altLang="ko-KR" sz="2000" dirty="0" smtClean="0">
+                <a:solidFill>
+                  <a:schemeClr val="bg1"/>
+                </a:solidFill>
+                <a:latin typeface="+mj-ea"/>
+                <a:cs typeface="산돌고딕 L" panose="02030504000101010101" pitchFamily="18" charset="-127"/>
+              </a:rPr>
+              <a:t>. </a:t>
+            </a:r>
+            <a:r>
+              <a:rPr lang="en-US" altLang="ko-KR" dirty="0" smtClean="0">
+                <a:solidFill>
+                  <a:schemeClr val="bg1"/>
+                </a:solidFill>
+              </a:rPr>
+              <a:t>Combining Observables</a:t>
+            </a:r>
+            <a:endParaRPr lang="ko-KR" altLang="ko-KR" dirty="0">
+              <a:solidFill>
+                <a:schemeClr val="bg1"/>
+              </a:solidFill>
+            </a:endParaRPr>
+          </a:p>
+        </p:txBody>
+      </p:sp>
+      <p:grpSp>
+        <p:nvGrpSpPr>
+          <p:cNvPr id="3" name="그룹 2"/>
+          <p:cNvGrpSpPr/>
+          <p:nvPr/>
+        </p:nvGrpSpPr>
+        <p:grpSpPr>
+          <a:xfrm>
+            <a:off x="522437" y="1628800"/>
+            <a:ext cx="7212607" cy="1857375"/>
+            <a:chOff x="522437" y="1628800"/>
+            <a:chExt cx="7212607" cy="1857375"/>
+          </a:xfrm>
+        </p:grpSpPr>
+        <p:pic>
+          <p:nvPicPr>
+            <p:cNvPr id="7169" name="Picture 1"/>
+            <p:cNvPicPr>
+              <a:picLocks noChangeAspect="1" noChangeArrowheads="1"/>
+            </p:cNvPicPr>
+            <p:nvPr/>
+          </p:nvPicPr>
+          <p:blipFill>
+            <a:blip r:embed="rId2">
+              <a:extLst>
+                <a:ext uri="{28A0092B-C50C-407E-A947-70E740481C1C}">
+                  <a14:useLocalDpi xmlns:a14="http://schemas.microsoft.com/office/drawing/2010/main" val="0"/>
+                </a:ext>
+              </a:extLst>
+            </a:blip>
+            <a:srcRect/>
+            <a:stretch>
+              <a:fillRect/>
+            </a:stretch>
+          </p:blipFill>
+          <p:spPr bwMode="auto">
+            <a:xfrm>
+              <a:off x="522437" y="1628800"/>
+              <a:ext cx="4886325" cy="1857375"/>
+            </a:xfrm>
+            <a:prstGeom prst="rect">
+              <a:avLst/>
+            </a:prstGeom>
+            <a:noFill/>
+            <a:ln>
+              <a:noFill/>
+            </a:ln>
+            <a:effectLst/>
+            <a:extLst>
+              <a:ext uri="{909E8E84-426E-40DD-AFC4-6F175D3DCCD1}">
+                <a14:hiddenFill xmlns:a14="http://schemas.microsoft.com/office/drawing/2010/main">
+                  <a:solidFill>
+                    <a:schemeClr val="accent1"/>
+                  </a:solidFill>
+                </a14:hiddenFill>
+              </a:ext>
+              <a:ext uri="{91240B29-F687-4F45-9708-019B960494DF}">
+                <a14:hiddenLine xmlns:a14="http://schemas.microsoft.com/office/drawing/2010/main" w="9525">
+                  <a:solidFill>
+                    <a:schemeClr val="tx1"/>
+                  </a:solidFill>
+                  <a:miter lim="800000"/>
+                  <a:headEnd/>
+                  <a:tailEnd/>
+                </a14:hiddenLine>
+              </a:ext>
+              <a:ext uri="{AF507438-7753-43E0-B8FC-AC1667EBCBE1}">
+                <a14:hiddenEffects xmlns:a14="http://schemas.microsoft.com/office/drawing/2010/main">
+                  <a:effectLst>
+                    <a:outerShdw dist="35921" dir="2700000" algn="ctr" rotWithShape="0">
+                      <a:schemeClr val="bg2"/>
+                    </a:outerShdw>
+                  </a:effectLst>
+                </a14:hiddenEffects>
+              </a:ext>
+            </a:extLst>
+          </p:spPr>
+        </p:pic>
+        <p:pic>
+          <p:nvPicPr>
+            <p:cNvPr id="7170" name="Picture 2"/>
+            <p:cNvPicPr>
+              <a:picLocks noChangeAspect="1" noChangeArrowheads="1"/>
+            </p:cNvPicPr>
+            <p:nvPr/>
+          </p:nvPicPr>
+          <p:blipFill>
+            <a:blip r:embed="rId3">
+              <a:extLst>
+                <a:ext uri="{28A0092B-C50C-407E-A947-70E740481C1C}">
+                  <a14:useLocalDpi xmlns:a14="http://schemas.microsoft.com/office/drawing/2010/main" val="0"/>
+                </a:ext>
+              </a:extLst>
+            </a:blip>
+            <a:srcRect/>
+            <a:stretch>
+              <a:fillRect/>
+            </a:stretch>
+          </p:blipFill>
+          <p:spPr bwMode="auto">
+            <a:xfrm>
+              <a:off x="5868144" y="1628800"/>
+              <a:ext cx="1866900" cy="1647825"/>
+            </a:xfrm>
+            <a:prstGeom prst="rect">
+              <a:avLst/>
+            </a:prstGeom>
+            <a:noFill/>
+            <a:ln>
+              <a:noFill/>
+            </a:ln>
+            <a:effectLst/>
+            <a:extLst>
+              <a:ext uri="{909E8E84-426E-40DD-AFC4-6F175D3DCCD1}">
+                <a14:hiddenFill xmlns:a14="http://schemas.microsoft.com/office/drawing/2010/main">
+                  <a:solidFill>
+                    <a:schemeClr val="accent1"/>
+                  </a:solidFill>
+                </a14:hiddenFill>
+              </a:ext>
+              <a:ext uri="{91240B29-F687-4F45-9708-019B960494DF}">
+                <a14:hiddenLine xmlns:a14="http://schemas.microsoft.com/office/drawing/2010/main" w="9525">
+                  <a:solidFill>
+                    <a:schemeClr val="tx1"/>
+                  </a:solidFill>
+                  <a:miter lim="800000"/>
+                  <a:headEnd/>
+                  <a:tailEnd/>
+                </a14:hiddenLine>
+              </a:ext>
+              <a:ext uri="{AF507438-7753-43E0-B8FC-AC1667EBCBE1}">
+                <a14:hiddenEffects xmlns:a14="http://schemas.microsoft.com/office/drawing/2010/main">
+                  <a:effectLst>
+                    <a:outerShdw dist="35921" dir="2700000" algn="ctr" rotWithShape="0">
+                      <a:schemeClr val="bg2"/>
+                    </a:outerShdw>
+                  </a:effectLst>
+                </a14:hiddenEffects>
+              </a:ext>
+            </a:extLst>
+          </p:spPr>
+        </p:pic>
+      </p:grpSp>
+    </p:spTree>
+    <p:extLst>
+      <p:ext uri="{BB962C8B-B14F-4D97-AF65-F5344CB8AC3E}">
+        <p14:creationId xmlns:p14="http://schemas.microsoft.com/office/powerpoint/2010/main" val="2445797210"/>
+      </p:ext>
+    </p:extLst>
+  </p:cSld>
+  <p:clrMapOvr>
+    <a:masterClrMapping/>
+  </p:clrMapOvr>
+  <p:timing>
+    <p:tnLst>
+      <p:par>
+        <p:cTn id="1" dur="indefinite" restart="never" nodeType="tmRoot"/>
+      </p:par>
+    </p:tnLst>
+  </p:timing>
+</p:sld>
+</file>
+
 <file path=ppt/slides/slide3.xml><?xml version="1.0" encoding="utf-8"?>
 <p:sld xmlns:a="http://schemas.openxmlformats.org/drawingml/2006/main" xmlns:r="http://schemas.openxmlformats.org/officeDocument/2006/relationships" xmlns:p="http://schemas.openxmlformats.org/presentationml/2006/main">
   <p:cSld>
@@ -8547,6 +11037,9 @@
             <a:pPr lvl="0"/>
             <a:r>
               <a:rPr lang="en-US" altLang="ko-KR" sz="2000" dirty="0">
+                <a:solidFill>
+                  <a:schemeClr val="bg1"/>
+                </a:solidFill>
                 <a:latin typeface="+mj-ea"/>
                 <a:cs typeface="산돌고딕 L" panose="02030504000101010101" pitchFamily="18" charset="-127"/>
               </a:rPr>
@@ -8554,6 +11047,9 @@
             </a:r>
             <a:r>
               <a:rPr lang="en-US" altLang="ko-KR" sz="2000" dirty="0" smtClean="0">
+                <a:solidFill>
+                  <a:schemeClr val="bg1"/>
+                </a:solidFill>
                 <a:latin typeface="+mj-ea"/>
                 <a:cs typeface="산돌고딕 L" panose="02030504000101010101" pitchFamily="18" charset="-127"/>
               </a:rPr>
@@ -8561,12 +11057,19 @@
             </a:r>
             <a:r>
               <a:rPr lang="ko-KR" altLang="en-US" sz="2000" dirty="0" smtClean="0">
+                <a:solidFill>
+                  <a:schemeClr val="bg1"/>
+                </a:solidFill>
                 <a:latin typeface="+mj-ea"/>
                 <a:cs typeface="산돌고딕 L" panose="02030504000101010101" pitchFamily="18" charset="-127"/>
               </a:rPr>
               <a:t>클래스와 파생클래스</a:t>
             </a:r>
-            <a:endParaRPr lang="ko-KR" altLang="ko-KR" dirty="0"/>
+            <a:endParaRPr lang="ko-KR" altLang="ko-KR" dirty="0">
+              <a:solidFill>
+                <a:schemeClr val="bg1"/>
+              </a:solidFill>
+            </a:endParaRPr>
           </a:p>
         </p:txBody>
       </p:sp>
@@ -8598,17 +11101,26 @@
             </a:pPr>
             <a:r>
               <a:rPr lang="en-US" altLang="ko-KR" sz="1200" dirty="0" smtClean="0">
+                <a:solidFill>
+                  <a:schemeClr val="bg1"/>
+                </a:solidFill>
                 <a:latin typeface="+mn-ea"/>
               </a:rPr>
               <a:t>2.1 Observable </a:t>
             </a:r>
             <a:r>
               <a:rPr lang="ko-KR" altLang="en-US" sz="1200" dirty="0" smtClean="0">
+                <a:solidFill>
+                  <a:schemeClr val="bg1"/>
+                </a:solidFill>
                 <a:latin typeface="+mn-ea"/>
               </a:rPr>
               <a:t>클래스</a:t>
             </a:r>
             <a:endParaRPr lang="ko-KR" altLang="ko-KR" sz="1200" dirty="0">
+              <a:solidFill>
+                <a:schemeClr val="bg1"/>
+              </a:solidFill>
               <a:latin typeface="+mn-ea"/>
             </a:endParaRPr>
           </a:p>
@@ -8622,17 +11134,26 @@
             </a:pPr>
             <a:r>
               <a:rPr lang="ko-KR" altLang="ko-KR" sz="1200" dirty="0">
+                <a:solidFill>
+                  <a:schemeClr val="bg1"/>
+                </a:solidFill>
                 <a:latin typeface="+mn-ea"/>
               </a:rPr>
               <a:t>데이터의 변화가 발생하는 데이터 </a:t>
             </a:r>
             <a:r>
               <a:rPr lang="ko-KR" altLang="ko-KR" sz="1200" dirty="0" smtClean="0">
+                <a:solidFill>
+                  <a:schemeClr val="bg1"/>
+                </a:solidFill>
                 <a:latin typeface="+mn-ea"/>
               </a:rPr>
               <a:t>소스</a:t>
             </a:r>
             <a:endParaRPr lang="en-US" altLang="ko-KR" sz="1200" dirty="0" smtClean="0">
+              <a:solidFill>
+                <a:schemeClr val="bg1"/>
+              </a:solidFill>
               <a:latin typeface="+mn-ea"/>
             </a:endParaRPr>
           </a:p>
@@ -8646,18 +11167,27 @@
             </a:pPr>
             <a:r>
               <a:rPr lang="en-US" altLang="ko-KR" sz="1200" dirty="0" smtClean="0">
+                <a:solidFill>
+                  <a:schemeClr val="bg1"/>
+                </a:solidFill>
                 <a:latin typeface="+mn-ea"/>
               </a:rPr>
               <a:t>Subscribe</a:t>
             </a:r>
             <a:r>
               <a:rPr lang="en-US" altLang="ko-KR" sz="1200" dirty="0">
+                <a:solidFill>
+                  <a:schemeClr val="bg1"/>
+                </a:solidFill>
                 <a:latin typeface="+mn-ea"/>
               </a:rPr>
               <a:t>() </a:t>
             </a:r>
             <a:r>
               <a:rPr lang="ko-KR" altLang="ko-KR" sz="1200" dirty="0">
+                <a:solidFill>
+                  <a:schemeClr val="bg1"/>
+                </a:solidFill>
                 <a:latin typeface="+mn-ea"/>
               </a:rPr>
               <a:t>함수</a:t>
@@ -8671,12 +11201,18 @@
             </a:pPr>
             <a:r>
               <a:rPr lang="en-US" altLang="ko-KR" sz="1200" dirty="0" smtClean="0">
+                <a:solidFill>
+                  <a:schemeClr val="bg1"/>
+                </a:solidFill>
                 <a:latin typeface="+mn-ea"/>
               </a:rPr>
               <a:t>   - Observable</a:t>
             </a:r>
             <a:r>
               <a:rPr lang="ko-KR" altLang="ko-KR" sz="1200" dirty="0">
+                <a:solidFill>
+                  <a:schemeClr val="bg1"/>
+                </a:solidFill>
                 <a:latin typeface="+mn-ea"/>
               </a:rPr>
               <a:t>을 구독</a:t>
@@ -8690,35 +11226,53 @@
             </a:pPr>
             <a:r>
               <a:rPr lang="en-US" altLang="ko-KR" sz="1200" dirty="0" smtClean="0">
+                <a:solidFill>
+                  <a:schemeClr val="bg1"/>
+                </a:solidFill>
                 <a:latin typeface="+mn-ea"/>
               </a:rPr>
               <a:t>   - Observable</a:t>
             </a:r>
             <a:r>
               <a:rPr lang="ko-KR" altLang="ko-KR" sz="1200" dirty="0">
+                <a:solidFill>
+                  <a:schemeClr val="bg1"/>
+                </a:solidFill>
                 <a:latin typeface="+mn-ea"/>
               </a:rPr>
               <a:t>은</a:t>
             </a:r>
             <a:r>
               <a:rPr lang="en-US" altLang="ko-KR" sz="1200" dirty="0">
+                <a:solidFill>
+                  <a:schemeClr val="bg1"/>
+                </a:solidFill>
                 <a:latin typeface="+mn-ea"/>
               </a:rPr>
               <a:t> subscribe() </a:t>
             </a:r>
             <a:r>
               <a:rPr lang="ko-KR" altLang="ko-KR" sz="1200" dirty="0">
+                <a:solidFill>
+                  <a:schemeClr val="bg1"/>
+                </a:solidFill>
                 <a:latin typeface="+mn-ea"/>
               </a:rPr>
               <a:t>함수를 호출해야 비로소 변화한 데이터를 구독자에게 </a:t>
             </a:r>
             <a:r>
               <a:rPr lang="ko-KR" altLang="ko-KR" sz="1200" dirty="0" smtClean="0">
+                <a:solidFill>
+                  <a:schemeClr val="bg1"/>
+                </a:solidFill>
                 <a:latin typeface="+mn-ea"/>
               </a:rPr>
               <a:t>발행</a:t>
             </a:r>
             <a:endParaRPr lang="en-US" altLang="ko-KR" sz="1200" dirty="0" smtClean="0">
+              <a:solidFill>
+                <a:schemeClr val="bg1"/>
+              </a:solidFill>
               <a:latin typeface="+mn-ea"/>
             </a:endParaRPr>
           </a:p>
@@ -8729,6 +11283,9 @@
               </a:lnSpc>
             </a:pPr>
             <a:endParaRPr lang="ko-KR" altLang="ko-KR" sz="1200" dirty="0">
+              <a:solidFill>
+                <a:schemeClr val="bg1"/>
+              </a:solidFill>
               <a:latin typeface="+mn-ea"/>
             </a:endParaRPr>
           </a:p>
@@ -8740,12 +11297,18 @@
             </a:pPr>
             <a:r>
               <a:rPr lang="en-US" altLang="ko-KR" sz="1200" dirty="0" smtClean="0">
+                <a:solidFill>
+                  <a:schemeClr val="bg1"/>
+                </a:solidFill>
                 <a:latin typeface="+mn-ea"/>
               </a:rPr>
               <a:t>2.2 Single </a:t>
             </a:r>
             <a:r>
               <a:rPr lang="ko-KR" altLang="ko-KR" sz="1200" dirty="0">
+                <a:solidFill>
+                  <a:schemeClr val="bg1"/>
+                </a:solidFill>
                 <a:latin typeface="+mn-ea"/>
               </a:rPr>
               <a:t>클래스</a:t>
@@ -8761,30 +11324,45 @@
             </a:pPr>
             <a:r>
               <a:rPr lang="ko-KR" altLang="ko-KR" sz="1200" dirty="0">
+                <a:solidFill>
+                  <a:schemeClr val="bg1"/>
+                </a:solidFill>
                 <a:latin typeface="+mn-ea"/>
               </a:rPr>
               <a:t>무한하게 데이터를 발행할 수 있는</a:t>
             </a:r>
             <a:r>
               <a:rPr lang="en-US" altLang="ko-KR" sz="1200" dirty="0">
+                <a:solidFill>
+                  <a:schemeClr val="bg1"/>
+                </a:solidFill>
                 <a:latin typeface="+mn-ea"/>
               </a:rPr>
               <a:t> Observable</a:t>
             </a:r>
             <a:r>
               <a:rPr lang="ko-KR" altLang="ko-KR" sz="1200" dirty="0">
+                <a:solidFill>
+                  <a:schemeClr val="bg1"/>
+                </a:solidFill>
                 <a:latin typeface="+mn-ea"/>
               </a:rPr>
               <a:t>과 달리 오직</a:t>
             </a:r>
             <a:r>
               <a:rPr lang="en-US" altLang="ko-KR" sz="1200" dirty="0">
+                <a:solidFill>
+                  <a:schemeClr val="bg1"/>
+                </a:solidFill>
                 <a:latin typeface="+mn-ea"/>
               </a:rPr>
               <a:t> 1</a:t>
             </a:r>
             <a:r>
               <a:rPr lang="ko-KR" altLang="ko-KR" sz="1200" dirty="0">
+                <a:solidFill>
+                  <a:schemeClr val="bg1"/>
+                </a:solidFill>
                 <a:latin typeface="+mn-ea"/>
               </a:rPr>
               <a:t>개의 데이터만 발행</a:t>
@@ -8800,29 +11378,44 @@
             </a:pPr>
             <a:r>
               <a:rPr lang="ko-KR" altLang="ko-KR" sz="1200" dirty="0">
+                <a:solidFill>
+                  <a:schemeClr val="bg1"/>
+                </a:solidFill>
                 <a:latin typeface="+mn-ea"/>
               </a:rPr>
               <a:t>결과가 유일한 서버</a:t>
             </a:r>
             <a:r>
               <a:rPr lang="en-US" altLang="ko-KR" sz="1200" dirty="0">
+                <a:solidFill>
+                  <a:schemeClr val="bg1"/>
+                </a:solidFill>
                 <a:latin typeface="+mn-ea"/>
               </a:rPr>
               <a:t> API</a:t>
             </a:r>
             <a:r>
               <a:rPr lang="ko-KR" altLang="ko-KR" sz="1200" dirty="0">
+                <a:solidFill>
+                  <a:schemeClr val="bg1"/>
+                </a:solidFill>
                 <a:latin typeface="+mn-ea"/>
               </a:rPr>
               <a:t>를 호출할 때 </a:t>
             </a:r>
             <a:r>
               <a:rPr lang="ko-KR" altLang="ko-KR" sz="1200" dirty="0" smtClean="0">
+                <a:solidFill>
+                  <a:schemeClr val="bg1"/>
+                </a:solidFill>
                 <a:latin typeface="+mn-ea"/>
               </a:rPr>
               <a:t>유용</a:t>
             </a:r>
             <a:endParaRPr lang="en-US" altLang="ko-KR" sz="1200" dirty="0" smtClean="0">
+              <a:solidFill>
+                <a:schemeClr val="bg1"/>
+              </a:solidFill>
               <a:latin typeface="+mn-ea"/>
             </a:endParaRPr>
           </a:p>
@@ -8835,6 +11428,9 @@
               <a:buChar char="•"/>
             </a:pPr>
             <a:endParaRPr lang="ko-KR" altLang="ko-KR" sz="1200" dirty="0" smtClean="0">
+              <a:solidFill>
+                <a:schemeClr val="bg1"/>
+              </a:solidFill>
               <a:latin typeface="+mn-ea"/>
             </a:endParaRPr>
           </a:p>
@@ -8845,6 +11441,9 @@
               </a:lnSpc>
             </a:pPr>
             <a:endParaRPr lang="ko-KR" altLang="ko-KR" sz="1200" dirty="0">
+              <a:solidFill>
+                <a:schemeClr val="bg1"/>
+              </a:solidFill>
               <a:latin typeface="+mn-ea"/>
             </a:endParaRPr>
           </a:p>
@@ -8998,6 +11597,739 @@
 </p:sld>
 </file>
 
+<file path=ppt/slides/slide30.xml><?xml version="1.0" encoding="utf-8"?>
+<p:sld xmlns:a="http://schemas.openxmlformats.org/drawingml/2006/main" xmlns:r="http://schemas.openxmlformats.org/officeDocument/2006/relationships" xmlns:p="http://schemas.openxmlformats.org/presentationml/2006/main">
+  <p:cSld>
+    <p:spTree>
+      <p:nvGrpSpPr>
+        <p:cNvPr id="1" name=""/>
+        <p:cNvGrpSpPr/>
+        <p:nvPr/>
+      </p:nvGrpSpPr>
+      <p:grpSpPr>
+        <a:xfrm>
+          <a:off x="0" y="0"/>
+          <a:ext cx="0" cy="0"/>
+          <a:chOff x="0" y="0"/>
+          <a:chExt cx="0" cy="0"/>
+        </a:xfrm>
+      </p:grpSpPr>
+      <p:sp>
+        <p:nvSpPr>
+          <p:cNvPr id="17" name="직사각형 16"/>
+          <p:cNvSpPr>
+            <a:spLocks noChangeArrowheads="1"/>
+          </p:cNvSpPr>
+          <p:nvPr/>
+        </p:nvSpPr>
+        <p:spPr bwMode="auto">
+          <a:xfrm>
+            <a:off x="287750" y="326668"/>
+            <a:ext cx="8359159" cy="307777"/>
+          </a:xfrm>
+          <a:prstGeom prst="rect">
+            <a:avLst/>
+          </a:prstGeom>
+        </p:spPr>
+        <p:txBody>
+          <a:bodyPr wrap="square" lIns="0" tIns="0" rIns="0" bIns="0" anchor="ctr">
+            <a:spAutoFit/>
+            <a:scene3d>
+              <a:camera prst="orthographicFront"/>
+              <a:lightRig rig="threePt" dir="t"/>
+            </a:scene3d>
+            <a:sp3d>
+              <a:bevelT w="0"/>
+            </a:sp3d>
+          </a:bodyPr>
+          <a:lstStyle/>
+          <a:p>
+            <a:pPr lvl="0"/>
+            <a:r>
+              <a:rPr lang="en-US" altLang="ko-KR" sz="2000" dirty="0">
+                <a:solidFill>
+                  <a:schemeClr val="bg1"/>
+                </a:solidFill>
+                <a:latin typeface="+mj-ea"/>
+                <a:cs typeface="산돌고딕 L" panose="02030504000101010101" pitchFamily="18" charset="-127"/>
+              </a:rPr>
+              <a:t>6</a:t>
+            </a:r>
+            <a:r>
+              <a:rPr lang="en-US" altLang="ko-KR" sz="2000" dirty="0" smtClean="0">
+                <a:solidFill>
+                  <a:schemeClr val="bg1"/>
+                </a:solidFill>
+                <a:latin typeface="+mj-ea"/>
+                <a:cs typeface="산돌고딕 L" panose="02030504000101010101" pitchFamily="18" charset="-127"/>
+              </a:rPr>
+              <a:t>. </a:t>
+            </a:r>
+            <a:r>
+              <a:rPr lang="en-US" altLang="ko-KR" dirty="0" smtClean="0">
+                <a:solidFill>
+                  <a:schemeClr val="bg1"/>
+                </a:solidFill>
+              </a:rPr>
+              <a:t>Combining Observables</a:t>
+            </a:r>
+            <a:endParaRPr lang="ko-KR" altLang="ko-KR" dirty="0">
+              <a:solidFill>
+                <a:schemeClr val="bg1"/>
+              </a:solidFill>
+            </a:endParaRPr>
+          </a:p>
+        </p:txBody>
+      </p:sp>
+      <p:sp>
+        <p:nvSpPr>
+          <p:cNvPr id="82" name="직사각형 81"/>
+          <p:cNvSpPr/>
+          <p:nvPr/>
+        </p:nvSpPr>
+        <p:spPr>
+          <a:xfrm>
+            <a:off x="723121" y="836712"/>
+            <a:ext cx="7488416" cy="646331"/>
+          </a:xfrm>
+          <a:prstGeom prst="rect">
+            <a:avLst/>
+          </a:prstGeom>
+        </p:spPr>
+        <p:txBody>
+          <a:bodyPr wrap="square">
+            <a:spAutoFit/>
+          </a:bodyPr>
+          <a:lstStyle/>
+          <a:p>
+            <a:pPr marL="0" lvl="1">
+              <a:lnSpc>
+                <a:spcPct val="150000"/>
+              </a:lnSpc>
+            </a:pPr>
+            <a:r>
+              <a:rPr lang="en-US" altLang="ko-KR" sz="1200" dirty="0" smtClean="0">
+                <a:solidFill>
+                  <a:schemeClr val="bg1"/>
+                </a:solidFill>
+                <a:latin typeface="+mn-ea"/>
+              </a:rPr>
+              <a:t>6</a:t>
+            </a:r>
+            <a:r>
+              <a:rPr lang="en-US" altLang="ko-KR" sz="1200" dirty="0" smtClean="0">
+                <a:solidFill>
+                  <a:schemeClr val="bg1"/>
+                </a:solidFill>
+                <a:latin typeface="+mn-ea"/>
+              </a:rPr>
+              <a:t>.5 </a:t>
+            </a:r>
+            <a:r>
+              <a:rPr lang="en-US" altLang="ko-KR" sz="1200" dirty="0" err="1" smtClean="0">
+                <a:solidFill>
+                  <a:schemeClr val="bg1"/>
+                </a:solidFill>
+                <a:latin typeface="+mn-ea"/>
+              </a:rPr>
+              <a:t>concat</a:t>
+            </a:r>
+            <a:r>
+              <a:rPr lang="en-US" altLang="ko-KR" sz="1200" dirty="0" smtClean="0">
+                <a:solidFill>
+                  <a:schemeClr val="bg1"/>
+                </a:solidFill>
+                <a:latin typeface="+mn-ea"/>
+              </a:rPr>
+              <a:t>() </a:t>
+            </a:r>
+            <a:r>
+              <a:rPr lang="ko-KR" altLang="en-US" sz="1200" dirty="0" smtClean="0">
+                <a:solidFill>
+                  <a:schemeClr val="bg1"/>
+                </a:solidFill>
+                <a:latin typeface="+mn-ea"/>
+              </a:rPr>
+              <a:t>함수</a:t>
+            </a:r>
+            <a:endParaRPr lang="en-US" altLang="ko-KR" sz="1200" dirty="0">
+              <a:solidFill>
+                <a:schemeClr val="bg1"/>
+              </a:solidFill>
+              <a:latin typeface="+mn-ea"/>
+            </a:endParaRPr>
+          </a:p>
+          <a:p>
+            <a:pPr marL="171450" lvl="0" indent="-171450">
+              <a:lnSpc>
+                <a:spcPct val="150000"/>
+              </a:lnSpc>
+              <a:buFont typeface="Arial" pitchFamily="34" charset="0"/>
+              <a:buChar char="•"/>
+            </a:pPr>
+            <a:r>
+              <a:rPr lang="ko-KR" altLang="en-US" sz="1200" dirty="0" smtClean="0">
+                <a:solidFill>
+                  <a:schemeClr val="bg1"/>
+                </a:solidFill>
+                <a:latin typeface="+mn-ea"/>
+              </a:rPr>
+              <a:t>첫</a:t>
+            </a:r>
+            <a:r>
+              <a:rPr lang="en-US" altLang="ko-KR" sz="1200" dirty="0" smtClean="0">
+                <a:solidFill>
+                  <a:schemeClr val="bg1"/>
+                </a:solidFill>
+                <a:latin typeface="+mn-ea"/>
+              </a:rPr>
+              <a:t> </a:t>
+            </a:r>
+            <a:r>
+              <a:rPr lang="ko-KR" altLang="en-US" sz="1200" dirty="0" smtClean="0">
+                <a:solidFill>
+                  <a:schemeClr val="bg1"/>
+                </a:solidFill>
+                <a:latin typeface="+mn-ea"/>
+              </a:rPr>
+              <a:t>번째 </a:t>
+            </a:r>
+            <a:r>
+              <a:rPr lang="en-US" altLang="ko-KR" sz="1200" dirty="0" smtClean="0">
+                <a:solidFill>
+                  <a:schemeClr val="bg1"/>
+                </a:solidFill>
+                <a:latin typeface="+mn-ea"/>
+              </a:rPr>
+              <a:t>Observable</a:t>
+            </a:r>
+            <a:r>
+              <a:rPr lang="ko-KR" altLang="en-US" sz="1200" dirty="0" smtClean="0">
+                <a:solidFill>
+                  <a:schemeClr val="bg1"/>
+                </a:solidFill>
+                <a:latin typeface="+mn-ea"/>
+              </a:rPr>
+              <a:t>에서 </a:t>
+            </a:r>
+            <a:r>
+              <a:rPr lang="en-US" altLang="ko-KR" sz="1200" dirty="0" err="1" smtClean="0">
+                <a:solidFill>
+                  <a:schemeClr val="bg1"/>
+                </a:solidFill>
+                <a:latin typeface="+mn-ea"/>
+              </a:rPr>
+              <a:t>onComplete</a:t>
+            </a:r>
+            <a:r>
+              <a:rPr lang="en-US" altLang="ko-KR" sz="1200" dirty="0" smtClean="0">
+                <a:solidFill>
+                  <a:schemeClr val="bg1"/>
+                </a:solidFill>
+                <a:latin typeface="+mn-ea"/>
+              </a:rPr>
+              <a:t> </a:t>
+            </a:r>
+            <a:r>
+              <a:rPr lang="ko-KR" altLang="en-US" sz="1200" dirty="0" smtClean="0">
+                <a:solidFill>
+                  <a:schemeClr val="bg1"/>
+                </a:solidFill>
+                <a:latin typeface="+mn-ea"/>
+              </a:rPr>
+              <a:t>이벤</a:t>
+            </a:r>
+            <a:r>
+              <a:rPr lang="ko-KR" altLang="en-US" sz="1200" dirty="0">
+                <a:solidFill>
+                  <a:schemeClr val="bg1"/>
+                </a:solidFill>
+                <a:latin typeface="+mn-ea"/>
+              </a:rPr>
+              <a:t>트</a:t>
+            </a:r>
+            <a:r>
+              <a:rPr lang="ko-KR" altLang="en-US" sz="1200" dirty="0" smtClean="0">
+                <a:solidFill>
+                  <a:schemeClr val="bg1"/>
+                </a:solidFill>
+                <a:latin typeface="+mn-ea"/>
+              </a:rPr>
+              <a:t>가 발생해야 다음 </a:t>
+            </a:r>
+            <a:r>
+              <a:rPr lang="en-US" altLang="ko-KR" sz="1200" dirty="0" smtClean="0">
+                <a:solidFill>
+                  <a:schemeClr val="bg1"/>
+                </a:solidFill>
+                <a:latin typeface="+mn-ea"/>
+              </a:rPr>
+              <a:t>Observable</a:t>
+            </a:r>
+            <a:r>
+              <a:rPr lang="ko-KR" altLang="en-US" sz="1200" dirty="0" smtClean="0">
+                <a:solidFill>
+                  <a:schemeClr val="bg1"/>
+                </a:solidFill>
+                <a:latin typeface="+mn-ea"/>
+              </a:rPr>
+              <a:t>을 구독</a:t>
+            </a:r>
+            <a:endParaRPr lang="en-US" altLang="ko-KR" sz="1200" dirty="0">
+              <a:solidFill>
+                <a:schemeClr val="bg1"/>
+              </a:solidFill>
+              <a:latin typeface="+mn-ea"/>
+            </a:endParaRPr>
+          </a:p>
+        </p:txBody>
+      </p:sp>
+      <p:sp>
+        <p:nvSpPr>
+          <p:cNvPr id="2" name="AutoShape 2" descr="rxjava mergeì ëí ì´ë¯¸ì§ ê²ìê²°ê³¼"/>
+          <p:cNvSpPr>
+            <a:spLocks noChangeAspect="1" noChangeArrowheads="1"/>
+          </p:cNvSpPr>
+          <p:nvPr/>
+        </p:nvSpPr>
+        <p:spPr bwMode="auto">
+          <a:xfrm>
+            <a:off x="168275" y="-144463"/>
+            <a:ext cx="304800" cy="304801"/>
+          </a:xfrm>
+          <a:prstGeom prst="rect">
+            <a:avLst/>
+          </a:prstGeom>
+          <a:noFill/>
+          <a:extLst>
+            <a:ext uri="{909E8E84-426E-40DD-AFC4-6F175D3DCCD1}">
+              <a14:hiddenFill xmlns:a14="http://schemas.microsoft.com/office/drawing/2010/main">
+                <a:solidFill>
+                  <a:srgbClr val="FFFFFF"/>
+                </a:solidFill>
+              </a14:hiddenFill>
+            </a:ext>
+          </a:extLst>
+        </p:spPr>
+        <p:txBody>
+          <a:bodyPr vert="horz" wrap="square" lIns="91440" tIns="45720" rIns="91440" bIns="45720" numCol="1" anchor="t" anchorCtr="0" compatLnSpc="1">
+            <a:prstTxWarp prst="textNoShape">
+              <a:avLst/>
+            </a:prstTxWarp>
+          </a:bodyPr>
+          <a:lstStyle/>
+          <a:p>
+            <a:endParaRPr lang="ko-KR" altLang="en-US"/>
+          </a:p>
+        </p:txBody>
+      </p:sp>
+      <p:pic>
+        <p:nvPicPr>
+          <p:cNvPr id="10242" name="Picture 2" descr="https://i.stack.imgur.com/JAyKU.png"/>
+          <p:cNvPicPr>
+            <a:picLocks noChangeAspect="1" noChangeArrowheads="1"/>
+          </p:cNvPicPr>
+          <p:nvPr/>
+        </p:nvPicPr>
+        <p:blipFill>
+          <a:blip r:embed="rId2">
+            <a:extLst>
+              <a:ext uri="{28A0092B-C50C-407E-A947-70E740481C1C}">
+                <a14:useLocalDpi xmlns:a14="http://schemas.microsoft.com/office/drawing/2010/main" val="0"/>
+              </a:ext>
+            </a:extLst>
+          </a:blip>
+          <a:srcRect/>
+          <a:stretch>
+            <a:fillRect/>
+          </a:stretch>
+        </p:blipFill>
+        <p:spPr bwMode="auto">
+          <a:xfrm>
+            <a:off x="1403648" y="2276872"/>
+            <a:ext cx="5983346" cy="3007802"/>
+          </a:xfrm>
+          <a:prstGeom prst="rect">
+            <a:avLst/>
+          </a:prstGeom>
+          <a:noFill/>
+          <a:extLst>
+            <a:ext uri="{909E8E84-426E-40DD-AFC4-6F175D3DCCD1}">
+              <a14:hiddenFill xmlns:a14="http://schemas.microsoft.com/office/drawing/2010/main">
+                <a:solidFill>
+                  <a:srgbClr val="FFFFFF"/>
+                </a:solidFill>
+              </a14:hiddenFill>
+            </a:ext>
+          </a:extLst>
+        </p:spPr>
+      </p:pic>
+    </p:spTree>
+    <p:extLst>
+      <p:ext uri="{BB962C8B-B14F-4D97-AF65-F5344CB8AC3E}">
+        <p14:creationId xmlns:p14="http://schemas.microsoft.com/office/powerpoint/2010/main" val="2510042586"/>
+      </p:ext>
+    </p:extLst>
+  </p:cSld>
+  <p:clrMapOvr>
+    <a:masterClrMapping/>
+  </p:clrMapOvr>
+  <p:timing>
+    <p:tnLst>
+      <p:par>
+        <p:cTn id="1" dur="indefinite" restart="never" nodeType="tmRoot"/>
+      </p:par>
+    </p:tnLst>
+  </p:timing>
+</p:sld>
+</file>
+
+<file path=ppt/slides/slide31.xml><?xml version="1.0" encoding="utf-8"?>
+<p:sld xmlns:a="http://schemas.openxmlformats.org/drawingml/2006/main" xmlns:r="http://schemas.openxmlformats.org/officeDocument/2006/relationships" xmlns:p="http://schemas.openxmlformats.org/presentationml/2006/main">
+  <p:cSld>
+    <p:spTree>
+      <p:nvGrpSpPr>
+        <p:cNvPr id="1" name=""/>
+        <p:cNvGrpSpPr/>
+        <p:nvPr/>
+      </p:nvGrpSpPr>
+      <p:grpSpPr>
+        <a:xfrm>
+          <a:off x="0" y="0"/>
+          <a:ext cx="0" cy="0"/>
+          <a:chOff x="0" y="0"/>
+          <a:chExt cx="0" cy="0"/>
+        </a:xfrm>
+      </p:grpSpPr>
+      <p:sp>
+        <p:nvSpPr>
+          <p:cNvPr id="7" name="직사각형 6"/>
+          <p:cNvSpPr>
+            <a:spLocks noChangeArrowheads="1"/>
+          </p:cNvSpPr>
+          <p:nvPr/>
+        </p:nvSpPr>
+        <p:spPr bwMode="auto">
+          <a:xfrm>
+            <a:off x="287750" y="326668"/>
+            <a:ext cx="8359159" cy="307777"/>
+          </a:xfrm>
+          <a:prstGeom prst="rect">
+            <a:avLst/>
+          </a:prstGeom>
+        </p:spPr>
+        <p:txBody>
+          <a:bodyPr wrap="square" lIns="0" tIns="0" rIns="0" bIns="0" anchor="ctr">
+            <a:spAutoFit/>
+            <a:scene3d>
+              <a:camera prst="orthographicFront"/>
+              <a:lightRig rig="threePt" dir="t"/>
+            </a:scene3d>
+            <a:sp3d>
+              <a:bevelT w="0"/>
+            </a:sp3d>
+          </a:bodyPr>
+          <a:lstStyle/>
+          <a:p>
+            <a:pPr lvl="0"/>
+            <a:r>
+              <a:rPr lang="en-US" altLang="ko-KR" sz="2000" dirty="0">
+                <a:solidFill>
+                  <a:schemeClr val="bg1"/>
+                </a:solidFill>
+                <a:latin typeface="+mj-ea"/>
+                <a:cs typeface="산돌고딕 L" panose="02030504000101010101" pitchFamily="18" charset="-127"/>
+              </a:rPr>
+              <a:t>6</a:t>
+            </a:r>
+            <a:r>
+              <a:rPr lang="en-US" altLang="ko-KR" sz="2000" dirty="0" smtClean="0">
+                <a:solidFill>
+                  <a:schemeClr val="bg1"/>
+                </a:solidFill>
+                <a:latin typeface="+mj-ea"/>
+                <a:cs typeface="산돌고딕 L" panose="02030504000101010101" pitchFamily="18" charset="-127"/>
+              </a:rPr>
+              <a:t>. </a:t>
+            </a:r>
+            <a:r>
+              <a:rPr lang="en-US" altLang="ko-KR" dirty="0" smtClean="0">
+                <a:solidFill>
+                  <a:schemeClr val="bg1"/>
+                </a:solidFill>
+              </a:rPr>
+              <a:t>Combining Observables</a:t>
+            </a:r>
+            <a:endParaRPr lang="ko-KR" altLang="ko-KR" dirty="0">
+              <a:solidFill>
+                <a:schemeClr val="bg1"/>
+              </a:solidFill>
+            </a:endParaRPr>
+          </a:p>
+        </p:txBody>
+      </p:sp>
+      <p:grpSp>
+        <p:nvGrpSpPr>
+          <p:cNvPr id="2" name="그룹 1"/>
+          <p:cNvGrpSpPr/>
+          <p:nvPr/>
+        </p:nvGrpSpPr>
+        <p:grpSpPr>
+          <a:xfrm>
+            <a:off x="755576" y="1700808"/>
+            <a:ext cx="7021760" cy="1876425"/>
+            <a:chOff x="755576" y="2490788"/>
+            <a:chExt cx="7021760" cy="1876425"/>
+          </a:xfrm>
+        </p:grpSpPr>
+        <p:pic>
+          <p:nvPicPr>
+            <p:cNvPr id="9217" name="Picture 1"/>
+            <p:cNvPicPr>
+              <a:picLocks noChangeAspect="1" noChangeArrowheads="1"/>
+            </p:cNvPicPr>
+            <p:nvPr/>
+          </p:nvPicPr>
+          <p:blipFill>
+            <a:blip r:embed="rId2">
+              <a:extLst>
+                <a:ext uri="{28A0092B-C50C-407E-A947-70E740481C1C}">
+                  <a14:useLocalDpi xmlns:a14="http://schemas.microsoft.com/office/drawing/2010/main" val="0"/>
+                </a:ext>
+              </a:extLst>
+            </a:blip>
+            <a:srcRect/>
+            <a:stretch>
+              <a:fillRect/>
+            </a:stretch>
+          </p:blipFill>
+          <p:spPr bwMode="auto">
+            <a:xfrm>
+              <a:off x="755576" y="2490788"/>
+              <a:ext cx="4933950" cy="1876425"/>
+            </a:xfrm>
+            <a:prstGeom prst="rect">
+              <a:avLst/>
+            </a:prstGeom>
+            <a:noFill/>
+            <a:ln>
+              <a:noFill/>
+            </a:ln>
+            <a:effectLst/>
+            <a:extLst>
+              <a:ext uri="{909E8E84-426E-40DD-AFC4-6F175D3DCCD1}">
+                <a14:hiddenFill xmlns:a14="http://schemas.microsoft.com/office/drawing/2010/main">
+                  <a:solidFill>
+                    <a:schemeClr val="accent1"/>
+                  </a:solidFill>
+                </a14:hiddenFill>
+              </a:ext>
+              <a:ext uri="{91240B29-F687-4F45-9708-019B960494DF}">
+                <a14:hiddenLine xmlns:a14="http://schemas.microsoft.com/office/drawing/2010/main" w="9525">
+                  <a:solidFill>
+                    <a:schemeClr val="tx1"/>
+                  </a:solidFill>
+                  <a:miter lim="800000"/>
+                  <a:headEnd/>
+                  <a:tailEnd/>
+                </a14:hiddenLine>
+              </a:ext>
+              <a:ext uri="{AF507438-7753-43E0-B8FC-AC1667EBCBE1}">
+                <a14:hiddenEffects xmlns:a14="http://schemas.microsoft.com/office/drawing/2010/main">
+                  <a:effectLst>
+                    <a:outerShdw dist="35921" dir="2700000" algn="ctr" rotWithShape="0">
+                      <a:schemeClr val="bg2"/>
+                    </a:outerShdw>
+                  </a:effectLst>
+                </a14:hiddenEffects>
+              </a:ext>
+            </a:extLst>
+          </p:spPr>
+        </p:pic>
+        <p:pic>
+          <p:nvPicPr>
+            <p:cNvPr id="9218" name="Picture 2"/>
+            <p:cNvPicPr>
+              <a:picLocks noChangeAspect="1" noChangeArrowheads="1"/>
+            </p:cNvPicPr>
+            <p:nvPr/>
+          </p:nvPicPr>
+          <p:blipFill>
+            <a:blip r:embed="rId3">
+              <a:extLst>
+                <a:ext uri="{28A0092B-C50C-407E-A947-70E740481C1C}">
+                  <a14:useLocalDpi xmlns:a14="http://schemas.microsoft.com/office/drawing/2010/main" val="0"/>
+                </a:ext>
+              </a:extLst>
+            </a:blip>
+            <a:srcRect/>
+            <a:stretch>
+              <a:fillRect/>
+            </a:stretch>
+          </p:blipFill>
+          <p:spPr bwMode="auto">
+            <a:xfrm>
+              <a:off x="5796136" y="2490788"/>
+              <a:ext cx="1981200" cy="1695450"/>
+            </a:xfrm>
+            <a:prstGeom prst="rect">
+              <a:avLst/>
+            </a:prstGeom>
+            <a:noFill/>
+            <a:ln>
+              <a:noFill/>
+            </a:ln>
+            <a:effectLst/>
+            <a:extLst>
+              <a:ext uri="{909E8E84-426E-40DD-AFC4-6F175D3DCCD1}">
+                <a14:hiddenFill xmlns:a14="http://schemas.microsoft.com/office/drawing/2010/main">
+                  <a:solidFill>
+                    <a:schemeClr val="accent1"/>
+                  </a:solidFill>
+                </a14:hiddenFill>
+              </a:ext>
+              <a:ext uri="{91240B29-F687-4F45-9708-019B960494DF}">
+                <a14:hiddenLine xmlns:a14="http://schemas.microsoft.com/office/drawing/2010/main" w="9525">
+                  <a:solidFill>
+                    <a:schemeClr val="tx1"/>
+                  </a:solidFill>
+                  <a:miter lim="800000"/>
+                  <a:headEnd/>
+                  <a:tailEnd/>
+                </a14:hiddenLine>
+              </a:ext>
+              <a:ext uri="{AF507438-7753-43E0-B8FC-AC1667EBCBE1}">
+                <a14:hiddenEffects xmlns:a14="http://schemas.microsoft.com/office/drawing/2010/main">
+                  <a:effectLst>
+                    <a:outerShdw dist="35921" dir="2700000" algn="ctr" rotWithShape="0">
+                      <a:schemeClr val="bg2"/>
+                    </a:outerShdw>
+                  </a:effectLst>
+                </a14:hiddenEffects>
+              </a:ext>
+            </a:extLst>
+          </p:spPr>
+        </p:pic>
+      </p:grpSp>
+    </p:spTree>
+    <p:extLst>
+      <p:ext uri="{BB962C8B-B14F-4D97-AF65-F5344CB8AC3E}">
+        <p14:creationId xmlns:p14="http://schemas.microsoft.com/office/powerpoint/2010/main" val="4220120654"/>
+      </p:ext>
+    </p:extLst>
+  </p:cSld>
+  <p:clrMapOvr>
+    <a:masterClrMapping/>
+  </p:clrMapOvr>
+  <p:timing>
+    <p:tnLst>
+      <p:par>
+        <p:cTn id="1" dur="indefinite" restart="never" nodeType="tmRoot"/>
+      </p:par>
+    </p:tnLst>
+  </p:timing>
+</p:sld>
+</file>
+
+<file path=ppt/slides/slide32.xml><?xml version="1.0" encoding="utf-8"?>
+<p:sld xmlns:a="http://schemas.openxmlformats.org/drawingml/2006/main" xmlns:r="http://schemas.openxmlformats.org/officeDocument/2006/relationships" xmlns:p="http://schemas.openxmlformats.org/presentationml/2006/main">
+  <p:cSld>
+    <p:spTree>
+      <p:nvGrpSpPr>
+        <p:cNvPr id="1" name=""/>
+        <p:cNvGrpSpPr/>
+        <p:nvPr/>
+      </p:nvGrpSpPr>
+      <p:grpSpPr>
+        <a:xfrm>
+          <a:off x="0" y="0"/>
+          <a:ext cx="0" cy="0"/>
+          <a:chOff x="0" y="0"/>
+          <a:chExt cx="0" cy="0"/>
+        </a:xfrm>
+      </p:grpSpPr>
+      <p:sp>
+        <p:nvSpPr>
+          <p:cNvPr id="2" name="직사각형 1"/>
+          <p:cNvSpPr>
+            <a:spLocks noChangeArrowheads="1"/>
+          </p:cNvSpPr>
+          <p:nvPr/>
+        </p:nvSpPr>
+        <p:spPr bwMode="auto">
+          <a:xfrm>
+            <a:off x="287750" y="326668"/>
+            <a:ext cx="8359159" cy="307777"/>
+          </a:xfrm>
+          <a:prstGeom prst="rect">
+            <a:avLst/>
+          </a:prstGeom>
+        </p:spPr>
+        <p:txBody>
+          <a:bodyPr wrap="square" lIns="0" tIns="0" rIns="0" bIns="0" anchor="ctr">
+            <a:spAutoFit/>
+            <a:scene3d>
+              <a:camera prst="orthographicFront"/>
+              <a:lightRig rig="threePt" dir="t"/>
+            </a:scene3d>
+            <a:sp3d>
+              <a:bevelT w="0"/>
+            </a:sp3d>
+          </a:bodyPr>
+          <a:lstStyle/>
+          <a:p>
+            <a:pPr lvl="0"/>
+            <a:r>
+              <a:rPr lang="en-US" altLang="ko-KR" sz="2000" dirty="0">
+                <a:solidFill>
+                  <a:schemeClr val="bg1"/>
+                </a:solidFill>
+                <a:latin typeface="+mj-ea"/>
+                <a:cs typeface="산돌고딕 L" panose="02030504000101010101" pitchFamily="18" charset="-127"/>
+              </a:rPr>
+              <a:t>7</a:t>
+            </a:r>
+            <a:r>
+              <a:rPr lang="en-US" altLang="ko-KR" sz="2000" dirty="0" smtClean="0">
+                <a:solidFill>
+                  <a:schemeClr val="bg1"/>
+                </a:solidFill>
+                <a:latin typeface="+mj-ea"/>
+                <a:cs typeface="산돌고딕 L" panose="02030504000101010101" pitchFamily="18" charset="-127"/>
+              </a:rPr>
+              <a:t>. Sche</a:t>
+            </a:r>
+            <a:r>
+              <a:rPr lang="en-US" altLang="ko-KR" sz="2000" dirty="0" smtClean="0">
+                <a:solidFill>
+                  <a:schemeClr val="bg1"/>
+                </a:solidFill>
+                <a:latin typeface="+mj-ea"/>
+                <a:cs typeface="산돌고딕 L" panose="02030504000101010101" pitchFamily="18" charset="-127"/>
+              </a:rPr>
+              <a:t>duler</a:t>
+            </a:r>
+            <a:endParaRPr lang="ko-KR" altLang="ko-KR" dirty="0">
+              <a:solidFill>
+                <a:schemeClr val="bg1"/>
+              </a:solidFill>
+            </a:endParaRPr>
+          </a:p>
+        </p:txBody>
+      </p:sp>
+    </p:spTree>
+    <p:extLst>
+      <p:ext uri="{BB962C8B-B14F-4D97-AF65-F5344CB8AC3E}">
+        <p14:creationId xmlns:p14="http://schemas.microsoft.com/office/powerpoint/2010/main" val="2692508481"/>
+      </p:ext>
+    </p:extLst>
+  </p:cSld>
+  <p:clrMapOvr>
+    <a:masterClrMapping/>
+  </p:clrMapOvr>
+</p:sld>
+</file>
+
 <file path=ppt/slides/slide4.xml><?xml version="1.0" encoding="utf-8"?>
 <p:sld xmlns:a="http://schemas.openxmlformats.org/drawingml/2006/main" xmlns:r="http://schemas.openxmlformats.org/officeDocument/2006/relationships" xmlns:p="http://schemas.openxmlformats.org/presentationml/2006/main">
   <p:cSld>
@@ -9048,6 +12380,9 @@
             <a:pPr lvl="0"/>
             <a:r>
               <a:rPr lang="en-US" altLang="ko-KR" sz="2000" dirty="0">
+                <a:solidFill>
+                  <a:schemeClr val="bg1"/>
+                </a:solidFill>
                 <a:latin typeface="+mj-ea"/>
                 <a:cs typeface="산돌고딕 L" panose="02030504000101010101" pitchFamily="18" charset="-127"/>
               </a:rPr>
@@ -9055,6 +12390,9 @@
             </a:r>
             <a:r>
               <a:rPr lang="en-US" altLang="ko-KR" sz="2000" dirty="0" smtClean="0">
+                <a:solidFill>
+                  <a:schemeClr val="bg1"/>
+                </a:solidFill>
                 <a:latin typeface="+mj-ea"/>
                 <a:cs typeface="산돌고딕 L" panose="02030504000101010101" pitchFamily="18" charset="-127"/>
               </a:rPr>
@@ -9062,12 +12400,19 @@
             </a:r>
             <a:r>
               <a:rPr lang="ko-KR" altLang="en-US" sz="2000" dirty="0" smtClean="0">
+                <a:solidFill>
+                  <a:schemeClr val="bg1"/>
+                </a:solidFill>
                 <a:latin typeface="+mj-ea"/>
                 <a:cs typeface="산돌고딕 L" panose="02030504000101010101" pitchFamily="18" charset="-127"/>
               </a:rPr>
               <a:t>클래스와 파생클래스</a:t>
             </a:r>
-            <a:endParaRPr lang="ko-KR" altLang="ko-KR" dirty="0"/>
+            <a:endParaRPr lang="ko-KR" altLang="ko-KR" dirty="0">
+              <a:solidFill>
+                <a:schemeClr val="bg1"/>
+              </a:solidFill>
+            </a:endParaRPr>
           </a:p>
         </p:txBody>
       </p:sp>
@@ -9099,12 +12444,18 @@
             </a:pPr>
             <a:r>
               <a:rPr lang="en-US" altLang="ko-KR" sz="1200" dirty="0" smtClean="0">
+                <a:solidFill>
+                  <a:schemeClr val="bg1"/>
+                </a:solidFill>
                 <a:latin typeface="+mn-ea"/>
               </a:rPr>
               <a:t>2.3 Maybe </a:t>
             </a:r>
             <a:r>
               <a:rPr lang="ko-KR" altLang="ko-KR" sz="1200" dirty="0">
+                <a:solidFill>
+                  <a:schemeClr val="bg1"/>
+                </a:solidFill>
                 <a:latin typeface="+mn-ea"/>
               </a:rPr>
               <a:t>클래스</a:t>
@@ -9120,6 +12471,9 @@
             </a:pPr>
             <a:r>
               <a:rPr lang="ko-KR" altLang="ko-KR" sz="1200" dirty="0">
+                <a:solidFill>
+                  <a:schemeClr val="bg1"/>
+                </a:solidFill>
                 <a:latin typeface="+mn-ea"/>
               </a:rPr>
               <a:t>데이터가 발행될 수도 있고 발행되지 않고 완료되는 경우에 사용</a:t>
@@ -9135,47 +12489,71 @@
             </a:pPr>
             <a:r>
               <a:rPr lang="en-US" altLang="ko-KR" sz="1200" dirty="0">
+                <a:solidFill>
+                  <a:schemeClr val="bg1"/>
+                </a:solidFill>
                 <a:latin typeface="+mn-ea"/>
               </a:rPr>
               <a:t>Reduce() </a:t>
             </a:r>
             <a:r>
               <a:rPr lang="ko-KR" altLang="ko-KR" sz="1200" dirty="0">
+                <a:solidFill>
+                  <a:schemeClr val="bg1"/>
+                </a:solidFill>
                 <a:latin typeface="+mn-ea"/>
               </a:rPr>
               <a:t>함수</a:t>
             </a:r>
             <a:r>
               <a:rPr lang="en-US" altLang="ko-KR" sz="1200" dirty="0">
+                <a:solidFill>
+                  <a:schemeClr val="bg1"/>
+                </a:solidFill>
                 <a:latin typeface="+mn-ea"/>
               </a:rPr>
               <a:t>, </a:t>
             </a:r>
             <a:r>
               <a:rPr lang="en-US" altLang="ko-KR" sz="1200" dirty="0" err="1">
+                <a:solidFill>
+                  <a:schemeClr val="bg1"/>
+                </a:solidFill>
                 <a:latin typeface="+mn-ea"/>
               </a:rPr>
               <a:t>firstElement</a:t>
             </a:r>
             <a:r>
               <a:rPr lang="en-US" altLang="ko-KR" sz="1200" dirty="0">
+                <a:solidFill>
+                  <a:schemeClr val="bg1"/>
+                </a:solidFill>
                 <a:latin typeface="+mn-ea"/>
               </a:rPr>
               <a:t>() </a:t>
             </a:r>
             <a:r>
               <a:rPr lang="ko-KR" altLang="ko-KR" sz="1200" dirty="0">
+                <a:solidFill>
+                  <a:schemeClr val="bg1"/>
+                </a:solidFill>
                 <a:latin typeface="+mn-ea"/>
               </a:rPr>
               <a:t>함수 등에서 </a:t>
             </a:r>
             <a:r>
               <a:rPr lang="ko-KR" altLang="ko-KR" sz="1200" dirty="0" smtClean="0">
+                <a:solidFill>
+                  <a:schemeClr val="bg1"/>
+                </a:solidFill>
                 <a:latin typeface="+mn-ea"/>
               </a:rPr>
               <a:t>사용</a:t>
             </a:r>
             <a:endParaRPr lang="en-US" altLang="ko-KR" sz="1200" dirty="0" smtClean="0">
+              <a:solidFill>
+                <a:schemeClr val="bg1"/>
+              </a:solidFill>
               <a:latin typeface="+mn-ea"/>
             </a:endParaRPr>
           </a:p>
@@ -9188,6 +12566,9 @@
               <a:buChar char="•"/>
             </a:pPr>
             <a:endParaRPr lang="en-US" altLang="ko-KR" sz="1200" dirty="0" smtClean="0">
+              <a:solidFill>
+                <a:schemeClr val="bg1"/>
+              </a:solidFill>
               <a:latin typeface="+mn-ea"/>
             </a:endParaRPr>
           </a:p>
@@ -9200,6 +12581,9 @@
               <a:buChar char="•"/>
             </a:pPr>
             <a:endParaRPr lang="en-US" altLang="ko-KR" sz="1200" dirty="0">
+              <a:solidFill>
+                <a:schemeClr val="bg1"/>
+              </a:solidFill>
               <a:latin typeface="+mn-ea"/>
             </a:endParaRPr>
           </a:p>
@@ -9212,6 +12596,9 @@
               <a:buChar char="•"/>
             </a:pPr>
             <a:endParaRPr lang="en-US" altLang="ko-KR" sz="1200" dirty="0" smtClean="0">
+              <a:solidFill>
+                <a:schemeClr val="bg1"/>
+              </a:solidFill>
               <a:latin typeface="+mn-ea"/>
             </a:endParaRPr>
           </a:p>
@@ -9224,6 +12611,9 @@
               <a:buChar char="•"/>
             </a:pPr>
             <a:endParaRPr lang="en-US" altLang="ko-KR" sz="1200" dirty="0">
+              <a:solidFill>
+                <a:schemeClr val="bg1"/>
+              </a:solidFill>
               <a:latin typeface="+mn-ea"/>
             </a:endParaRPr>
           </a:p>
@@ -9236,6 +12626,9 @@
               <a:buChar char="•"/>
             </a:pPr>
             <a:endParaRPr lang="en-US" altLang="ko-KR" sz="1200" dirty="0" smtClean="0">
+              <a:solidFill>
+                <a:schemeClr val="bg1"/>
+              </a:solidFill>
               <a:latin typeface="+mn-ea"/>
             </a:endParaRPr>
           </a:p>
@@ -9248,6 +12641,9 @@
               <a:buChar char="•"/>
             </a:pPr>
             <a:endParaRPr lang="en-US" altLang="ko-KR" sz="1200" dirty="0">
+              <a:solidFill>
+                <a:schemeClr val="bg1"/>
+              </a:solidFill>
               <a:latin typeface="+mn-ea"/>
             </a:endParaRPr>
           </a:p>
@@ -9260,6 +12656,9 @@
               <a:buChar char="•"/>
             </a:pPr>
             <a:endParaRPr lang="en-US" altLang="ko-KR" sz="1200" dirty="0" smtClean="0">
+              <a:solidFill>
+                <a:schemeClr val="bg1"/>
+              </a:solidFill>
               <a:latin typeface="+mn-ea"/>
             </a:endParaRPr>
           </a:p>
@@ -9272,6 +12671,9 @@
               <a:buChar char="•"/>
             </a:pPr>
             <a:endParaRPr lang="en-US" altLang="ko-KR" sz="1200" dirty="0">
+              <a:solidFill>
+                <a:schemeClr val="bg1"/>
+              </a:solidFill>
               <a:latin typeface="+mn-ea"/>
             </a:endParaRPr>
           </a:p>
@@ -9284,6 +12686,9 @@
               <a:buChar char="•"/>
             </a:pPr>
             <a:endParaRPr lang="en-US" altLang="ko-KR" sz="1200" dirty="0" smtClean="0">
+              <a:solidFill>
+                <a:schemeClr val="bg1"/>
+              </a:solidFill>
               <a:latin typeface="+mn-ea"/>
             </a:endParaRPr>
           </a:p>
@@ -9296,6 +12701,9 @@
               <a:buChar char="•"/>
             </a:pPr>
             <a:endParaRPr lang="en-US" altLang="ko-KR" sz="1200" dirty="0">
+              <a:solidFill>
+                <a:schemeClr val="bg1"/>
+              </a:solidFill>
               <a:latin typeface="+mn-ea"/>
             </a:endParaRPr>
           </a:p>
@@ -9308,6 +12716,9 @@
               <a:buChar char="•"/>
             </a:pPr>
             <a:endParaRPr lang="en-US" altLang="ko-KR" sz="1200" dirty="0" smtClean="0">
+              <a:solidFill>
+                <a:schemeClr val="bg1"/>
+              </a:solidFill>
               <a:latin typeface="+mn-ea"/>
             </a:endParaRPr>
           </a:p>
@@ -9320,6 +12731,9 @@
               <a:buChar char="•"/>
             </a:pPr>
             <a:endParaRPr lang="en-US" altLang="ko-KR" sz="1200" dirty="0">
+              <a:solidFill>
+                <a:schemeClr val="bg1"/>
+              </a:solidFill>
               <a:latin typeface="+mn-ea"/>
             </a:endParaRPr>
           </a:p>
@@ -9331,24 +12745,36 @@
             </a:pPr>
             <a:r>
               <a:rPr lang="en-US" altLang="ko-KR" sz="1200" dirty="0" smtClean="0">
+                <a:solidFill>
+                  <a:schemeClr val="bg1"/>
+                </a:solidFill>
                 <a:latin typeface="+mn-ea"/>
               </a:rPr>
               <a:t>2.4 </a:t>
             </a:r>
             <a:r>
               <a:rPr lang="en-US" altLang="ko-KR" sz="1200" dirty="0" err="1" smtClean="0">
+                <a:solidFill>
+                  <a:schemeClr val="bg1"/>
+                </a:solidFill>
                 <a:latin typeface="+mn-ea"/>
               </a:rPr>
               <a:t>Flowable</a:t>
             </a:r>
             <a:r>
               <a:rPr lang="en-US" altLang="ko-KR" sz="1200" dirty="0" smtClean="0">
+                <a:solidFill>
+                  <a:schemeClr val="bg1"/>
+                </a:solidFill>
                 <a:latin typeface="+mn-ea"/>
               </a:rPr>
               <a:t> </a:t>
             </a:r>
             <a:r>
               <a:rPr lang="ko-KR" altLang="ko-KR" sz="1200" dirty="0">
+                <a:solidFill>
+                  <a:schemeClr val="bg1"/>
+                </a:solidFill>
                 <a:latin typeface="+mn-ea"/>
               </a:rPr>
               <a:t>클래스</a:t>
@@ -9364,6 +12790,9 @@
             </a:pPr>
             <a:r>
               <a:rPr lang="ko-KR" altLang="ko-KR" sz="1200" dirty="0">
+                <a:solidFill>
+                  <a:schemeClr val="bg1"/>
+                </a:solidFill>
                 <a:latin typeface="+mn-ea"/>
               </a:rPr>
               <a:t>데이터가 발행되는 속도가 구독자가 처리하는 속도보다 현저하게 빠른 경우 발생하는 배압 이슈에 대응하는 기능을 제공</a:t>
@@ -9378,6 +12807,9 @@
               <a:buChar char="•"/>
             </a:pPr>
             <a:endParaRPr lang="ko-KR" altLang="ko-KR" sz="1200" dirty="0">
+              <a:solidFill>
+                <a:schemeClr val="bg1"/>
+              </a:solidFill>
               <a:latin typeface="+mn-ea"/>
             </a:endParaRPr>
           </a:p>
@@ -9707,12 +13139,19 @@
             <a:pPr lvl="0"/>
             <a:r>
               <a:rPr lang="en-US" altLang="ko-KR" sz="2000" dirty="0" smtClean="0">
+                <a:solidFill>
+                  <a:schemeClr val="bg1"/>
+                </a:solidFill>
                 <a:latin typeface="+mj-ea"/>
                 <a:cs typeface="산돌고딕 L" panose="02030504000101010101" pitchFamily="18" charset="-127"/>
               </a:rPr>
               <a:t>3. Creating Observables</a:t>
             </a:r>
-            <a:endParaRPr lang="ko-KR" altLang="ko-KR" dirty="0"/>
+            <a:endParaRPr lang="ko-KR" altLang="ko-KR" dirty="0">
+              <a:solidFill>
+                <a:schemeClr val="bg1"/>
+              </a:solidFill>
+            </a:endParaRPr>
           </a:p>
         </p:txBody>
       </p:sp>
@@ -9744,17 +13183,26 @@
             </a:pPr>
             <a:r>
               <a:rPr lang="en-US" altLang="ko-KR" sz="1200" dirty="0" smtClean="0">
+                <a:solidFill>
+                  <a:schemeClr val="bg1"/>
+                </a:solidFill>
                 <a:latin typeface="+mn-ea"/>
               </a:rPr>
               <a:t>3.1 just() </a:t>
             </a:r>
             <a:r>
               <a:rPr lang="ko-KR" altLang="en-US" sz="1200" dirty="0" smtClean="0">
+                <a:solidFill>
+                  <a:schemeClr val="bg1"/>
+                </a:solidFill>
                 <a:latin typeface="+mn-ea"/>
               </a:rPr>
               <a:t>함수</a:t>
             </a:r>
             <a:endParaRPr lang="ko-KR" altLang="ko-KR" sz="1200" dirty="0" smtClean="0">
+              <a:solidFill>
+                <a:schemeClr val="bg1"/>
+              </a:solidFill>
               <a:latin typeface="+mn-ea"/>
             </a:endParaRPr>
           </a:p>
@@ -9768,23 +13216,35 @@
             </a:pPr>
             <a:r>
               <a:rPr lang="ko-KR" altLang="en-US" sz="1200" dirty="0" smtClean="0">
+                <a:solidFill>
+                  <a:schemeClr val="bg1"/>
+                </a:solidFill>
                 <a:latin typeface="+mn-ea"/>
               </a:rPr>
               <a:t>가장 단순한 </a:t>
             </a:r>
             <a:r>
               <a:rPr lang="en-US" altLang="ko-KR" sz="1200" dirty="0" smtClean="0">
+                <a:solidFill>
+                  <a:schemeClr val="bg1"/>
+                </a:solidFill>
                 <a:latin typeface="+mn-ea"/>
               </a:rPr>
               <a:t>Observable </a:t>
             </a:r>
             <a:r>
               <a:rPr lang="ko-KR" altLang="en-US" sz="1200" dirty="0" smtClean="0">
+                <a:solidFill>
+                  <a:schemeClr val="bg1"/>
+                </a:solidFill>
                 <a:latin typeface="+mn-ea"/>
               </a:rPr>
               <a:t>선언 방식</a:t>
             </a:r>
             <a:endParaRPr lang="en-US" altLang="ko-KR" sz="1200" dirty="0" smtClean="0">
+              <a:solidFill>
+                <a:schemeClr val="bg1"/>
+              </a:solidFill>
               <a:latin typeface="+mn-ea"/>
             </a:endParaRPr>
           </a:p>
@@ -9798,23 +13258,35 @@
             </a:pPr>
             <a:r>
               <a:rPr lang="ko-KR" altLang="en-US" sz="1200" dirty="0" smtClean="0">
+                <a:solidFill>
+                  <a:schemeClr val="bg1"/>
+                </a:solidFill>
                 <a:latin typeface="+mn-ea"/>
               </a:rPr>
               <a:t>인자로 넣은 데이터를 차례로 발행하며 최대 </a:t>
             </a:r>
             <a:r>
               <a:rPr lang="en-US" altLang="ko-KR" sz="1200" dirty="0" smtClean="0">
+                <a:solidFill>
+                  <a:schemeClr val="bg1"/>
+                </a:solidFill>
                 <a:latin typeface="+mn-ea"/>
               </a:rPr>
               <a:t>10</a:t>
             </a:r>
             <a:r>
               <a:rPr lang="ko-KR" altLang="en-US" sz="1200" dirty="0" smtClean="0">
+                <a:solidFill>
+                  <a:schemeClr val="bg1"/>
+                </a:solidFill>
                 <a:latin typeface="+mn-ea"/>
               </a:rPr>
               <a:t>개까지 가능</a:t>
             </a:r>
             <a:endParaRPr lang="en-US" altLang="ko-KR" sz="1200" dirty="0" smtClean="0">
+              <a:solidFill>
+                <a:schemeClr val="bg1"/>
+              </a:solidFill>
               <a:latin typeface="+mn-ea"/>
             </a:endParaRPr>
           </a:p>
@@ -10097,12 +13569,19 @@
             <a:pPr lvl="0"/>
             <a:r>
               <a:rPr lang="en-US" altLang="ko-KR" sz="2000" dirty="0" smtClean="0">
+                <a:solidFill>
+                  <a:schemeClr val="bg1"/>
+                </a:solidFill>
                 <a:latin typeface="+mj-ea"/>
                 <a:cs typeface="산돌고딕 L" panose="02030504000101010101" pitchFamily="18" charset="-127"/>
               </a:rPr>
               <a:t>3. Creating Observables</a:t>
             </a:r>
-            <a:endParaRPr lang="ko-KR" altLang="ko-KR" dirty="0"/>
+            <a:endParaRPr lang="ko-KR" altLang="ko-KR" dirty="0">
+              <a:solidFill>
+                <a:schemeClr val="bg1"/>
+              </a:solidFill>
+            </a:endParaRPr>
           </a:p>
         </p:txBody>
       </p:sp>
@@ -10134,17 +13613,26 @@
             </a:pPr>
             <a:r>
               <a:rPr lang="en-US" altLang="ko-KR" sz="1200" dirty="0" smtClean="0">
+                <a:solidFill>
+                  <a:schemeClr val="bg1"/>
+                </a:solidFill>
                 <a:latin typeface="+mn-ea"/>
               </a:rPr>
               <a:t>3.2 create() </a:t>
             </a:r>
             <a:r>
               <a:rPr lang="ko-KR" altLang="en-US" sz="1200" dirty="0" smtClean="0">
+                <a:solidFill>
+                  <a:schemeClr val="bg1"/>
+                </a:solidFill>
                 <a:latin typeface="+mn-ea"/>
               </a:rPr>
               <a:t>함수</a:t>
             </a:r>
             <a:endParaRPr lang="ko-KR" altLang="ko-KR" sz="1200" dirty="0" smtClean="0">
+              <a:solidFill>
+                <a:schemeClr val="bg1"/>
+              </a:solidFill>
               <a:latin typeface="+mn-ea"/>
             </a:endParaRPr>
           </a:p>
@@ -10158,53 +13646,80 @@
             </a:pPr>
             <a:r>
               <a:rPr lang="en-US" altLang="ko-KR" sz="1200" dirty="0" smtClean="0">
+                <a:solidFill>
+                  <a:schemeClr val="bg1"/>
+                </a:solidFill>
                 <a:latin typeface="+mn-ea"/>
               </a:rPr>
               <a:t>Just</a:t>
             </a:r>
             <a:r>
               <a:rPr lang="ko-KR" altLang="en-US" sz="1200" dirty="0" smtClean="0">
+                <a:solidFill>
+                  <a:schemeClr val="bg1"/>
+                </a:solidFill>
                 <a:latin typeface="+mn-ea"/>
               </a:rPr>
               <a:t>와 달리 </a:t>
             </a:r>
             <a:r>
               <a:rPr lang="en-US" altLang="ko-KR" sz="1200" dirty="0" err="1" smtClean="0">
+                <a:solidFill>
+                  <a:schemeClr val="bg1"/>
+                </a:solidFill>
                 <a:latin typeface="+mn-ea"/>
               </a:rPr>
               <a:t>onNext</a:t>
             </a:r>
             <a:r>
               <a:rPr lang="en-US" altLang="ko-KR" sz="1200" dirty="0" smtClean="0">
+                <a:solidFill>
+                  <a:schemeClr val="bg1"/>
+                </a:solidFill>
                 <a:latin typeface="+mn-ea"/>
               </a:rPr>
               <a:t>, </a:t>
             </a:r>
             <a:r>
               <a:rPr lang="en-US" altLang="ko-KR" sz="1200" dirty="0" err="1" smtClean="0">
+                <a:solidFill>
+                  <a:schemeClr val="bg1"/>
+                </a:solidFill>
                 <a:latin typeface="+mn-ea"/>
               </a:rPr>
               <a:t>onComplete</a:t>
             </a:r>
             <a:r>
               <a:rPr lang="en-US" altLang="ko-KR" sz="1200" dirty="0" smtClean="0">
+                <a:solidFill>
+                  <a:schemeClr val="bg1"/>
+                </a:solidFill>
                 <a:latin typeface="+mn-ea"/>
               </a:rPr>
               <a:t>, </a:t>
             </a:r>
             <a:r>
               <a:rPr lang="en-US" altLang="ko-KR" sz="1200" dirty="0" err="1" smtClean="0">
+                <a:solidFill>
+                  <a:schemeClr val="bg1"/>
+                </a:solidFill>
                 <a:latin typeface="+mn-ea"/>
               </a:rPr>
               <a:t>onError</a:t>
             </a:r>
             <a:r>
               <a:rPr lang="ko-KR" altLang="en-US" sz="1200" dirty="0" smtClean="0">
+                <a:solidFill>
+                  <a:schemeClr val="bg1"/>
+                </a:solidFill>
                 <a:latin typeface="+mn-ea"/>
               </a:rPr>
               <a:t>를 개발자가 직접 호출하는 방식</a:t>
             </a:r>
             <a:endParaRPr lang="en-US" altLang="ko-KR" sz="1200" dirty="0" smtClean="0">
+              <a:solidFill>
+                <a:schemeClr val="bg1"/>
+              </a:solidFill>
               <a:latin typeface="+mn-ea"/>
             </a:endParaRPr>
           </a:p>
@@ -10215,6 +13730,9 @@
               </a:lnSpc>
             </a:pPr>
             <a:endParaRPr lang="en-US" altLang="ko-KR" sz="1200" dirty="0" smtClean="0">
+              <a:solidFill>
+                <a:schemeClr val="bg1"/>
+              </a:solidFill>
               <a:latin typeface="+mn-ea"/>
             </a:endParaRPr>
           </a:p>
@@ -10497,12 +14015,19 @@
             <a:pPr lvl="0"/>
             <a:r>
               <a:rPr lang="en-US" altLang="ko-KR" sz="2000" dirty="0" smtClean="0">
+                <a:solidFill>
+                  <a:schemeClr val="bg1"/>
+                </a:solidFill>
                 <a:latin typeface="+mj-ea"/>
                 <a:cs typeface="산돌고딕 L" panose="02030504000101010101" pitchFamily="18" charset="-127"/>
               </a:rPr>
               <a:t>3. Creating Observables</a:t>
             </a:r>
-            <a:endParaRPr lang="ko-KR" altLang="ko-KR" dirty="0"/>
+            <a:endParaRPr lang="ko-KR" altLang="ko-KR" dirty="0">
+              <a:solidFill>
+                <a:schemeClr val="bg1"/>
+              </a:solidFill>
+            </a:endParaRPr>
           </a:p>
         </p:txBody>
       </p:sp>
@@ -10534,29 +14059,44 @@
             </a:pPr>
             <a:r>
               <a:rPr lang="en-US" altLang="ko-KR" sz="1200" dirty="0" smtClean="0">
+                <a:solidFill>
+                  <a:schemeClr val="bg1"/>
+                </a:solidFill>
                 <a:latin typeface="+mn-ea"/>
               </a:rPr>
               <a:t>3.3 </a:t>
             </a:r>
             <a:r>
               <a:rPr lang="en-US" altLang="ko-KR" sz="1200" dirty="0" err="1" smtClean="0">
+                <a:solidFill>
+                  <a:schemeClr val="bg1"/>
+                </a:solidFill>
                 <a:latin typeface="+mn-ea"/>
               </a:rPr>
               <a:t>fromXXX</a:t>
             </a:r>
             <a:r>
               <a:rPr lang="en-US" altLang="ko-KR" sz="1200" dirty="0" smtClean="0">
+                <a:solidFill>
+                  <a:schemeClr val="bg1"/>
+                </a:solidFill>
                 <a:latin typeface="+mn-ea"/>
               </a:rPr>
               <a:t>() </a:t>
             </a:r>
             <a:r>
               <a:rPr lang="ko-KR" altLang="en-US" sz="1200" dirty="0" smtClean="0">
+                <a:solidFill>
+                  <a:schemeClr val="bg1"/>
+                </a:solidFill>
                 <a:latin typeface="+mn-ea"/>
               </a:rPr>
               <a:t>함수</a:t>
             </a:r>
             <a:endParaRPr lang="ko-KR" altLang="ko-KR" sz="1200" dirty="0" smtClean="0">
+              <a:solidFill>
+                <a:schemeClr val="bg1"/>
+              </a:solidFill>
               <a:latin typeface="+mn-ea"/>
             </a:endParaRPr>
           </a:p>
@@ -10570,23 +14110,35 @@
             </a:pPr>
             <a:r>
               <a:rPr lang="ko-KR" altLang="en-US" sz="1200" dirty="0" smtClean="0">
+                <a:solidFill>
+                  <a:schemeClr val="bg1"/>
+                </a:solidFill>
                 <a:latin typeface="+mn-ea"/>
               </a:rPr>
               <a:t>단일 데이터가 아닌 경우에</a:t>
             </a:r>
             <a:r>
               <a:rPr lang="en-US" altLang="ko-KR" sz="1200" dirty="0" smtClean="0">
+                <a:solidFill>
+                  <a:schemeClr val="bg1"/>
+                </a:solidFill>
                 <a:latin typeface="+mn-ea"/>
               </a:rPr>
               <a:t> </a:t>
             </a:r>
             <a:r>
               <a:rPr lang="ko-KR" altLang="en-US" sz="1200" dirty="0" smtClean="0">
+                <a:solidFill>
+                  <a:schemeClr val="bg1"/>
+                </a:solidFill>
                 <a:latin typeface="+mn-ea"/>
               </a:rPr>
               <a:t>사용하는 방식</a:t>
             </a:r>
             <a:endParaRPr lang="en-US" altLang="ko-KR" sz="1200" dirty="0" smtClean="0">
+              <a:solidFill>
+                <a:schemeClr val="bg1"/>
+              </a:solidFill>
               <a:latin typeface="+mn-ea"/>
             </a:endParaRPr>
           </a:p>
@@ -10600,47 +14152,71 @@
             </a:pPr>
             <a:r>
               <a:rPr lang="en-US" altLang="ko-KR" sz="1200" dirty="0" err="1" smtClean="0">
+                <a:solidFill>
+                  <a:schemeClr val="bg1"/>
+                </a:solidFill>
                 <a:latin typeface="+mn-ea"/>
               </a:rPr>
               <a:t>fromArray</a:t>
             </a:r>
             <a:r>
               <a:rPr lang="en-US" altLang="ko-KR" sz="1200" dirty="0" smtClean="0">
+                <a:solidFill>
+                  <a:schemeClr val="bg1"/>
+                </a:solidFill>
                 <a:latin typeface="+mn-ea"/>
               </a:rPr>
               <a:t>(), </a:t>
             </a:r>
             <a:r>
               <a:rPr lang="en-US" altLang="ko-KR" sz="1200" dirty="0" err="1" smtClean="0">
+                <a:solidFill>
+                  <a:schemeClr val="bg1"/>
+                </a:solidFill>
                 <a:latin typeface="+mn-ea"/>
               </a:rPr>
               <a:t>fromIterable</a:t>
             </a:r>
             <a:r>
               <a:rPr lang="en-US" altLang="ko-KR" sz="1200" dirty="0" smtClean="0">
+                <a:solidFill>
+                  <a:schemeClr val="bg1"/>
+                </a:solidFill>
                 <a:latin typeface="+mn-ea"/>
               </a:rPr>
               <a:t>(), </a:t>
             </a:r>
             <a:r>
               <a:rPr lang="en-US" altLang="ko-KR" sz="1200" dirty="0" err="1" smtClean="0">
+                <a:solidFill>
+                  <a:schemeClr val="bg1"/>
+                </a:solidFill>
                 <a:latin typeface="+mn-ea"/>
               </a:rPr>
               <a:t>fromCallable</a:t>
             </a:r>
             <a:r>
               <a:rPr lang="en-US" altLang="ko-KR" sz="1200" dirty="0" smtClean="0">
+                <a:solidFill>
+                  <a:schemeClr val="bg1"/>
+                </a:solidFill>
                 <a:latin typeface="+mn-ea"/>
               </a:rPr>
               <a:t>() </a:t>
             </a:r>
             <a:r>
               <a:rPr lang="ko-KR" altLang="en-US" sz="1200" dirty="0" smtClean="0">
+                <a:solidFill>
+                  <a:schemeClr val="bg1"/>
+                </a:solidFill>
                 <a:latin typeface="+mn-ea"/>
               </a:rPr>
               <a:t>등의 형태가 존재</a:t>
             </a:r>
             <a:endParaRPr lang="en-US" altLang="ko-KR" sz="1200" dirty="0" smtClean="0">
+              <a:solidFill>
+                <a:schemeClr val="bg1"/>
+              </a:solidFill>
               <a:latin typeface="+mn-ea"/>
             </a:endParaRPr>
           </a:p>
@@ -10923,12 +14499,19 @@
             <a:pPr lvl="0"/>
             <a:r>
               <a:rPr lang="en-US" altLang="ko-KR" sz="2000" dirty="0" smtClean="0">
+                <a:solidFill>
+                  <a:schemeClr val="bg1"/>
+                </a:solidFill>
                 <a:latin typeface="+mj-ea"/>
                 <a:cs typeface="산돌고딕 L" panose="02030504000101010101" pitchFamily="18" charset="-127"/>
               </a:rPr>
               <a:t>3. Creating Observables</a:t>
             </a:r>
-            <a:endParaRPr lang="ko-KR" altLang="ko-KR" dirty="0"/>
+            <a:endParaRPr lang="ko-KR" altLang="ko-KR" dirty="0">
+              <a:solidFill>
+                <a:schemeClr val="bg1"/>
+              </a:solidFill>
+            </a:endParaRPr>
           </a:p>
         </p:txBody>
       </p:sp>
@@ -10960,17 +14543,26 @@
             </a:pPr>
             <a:r>
               <a:rPr lang="en-US" altLang="ko-KR" sz="1200" dirty="0" smtClean="0">
+                <a:solidFill>
+                  <a:schemeClr val="bg1"/>
+                </a:solidFill>
                 <a:latin typeface="+mn-ea"/>
               </a:rPr>
               <a:t>3.4 interval() </a:t>
             </a:r>
             <a:r>
               <a:rPr lang="ko-KR" altLang="en-US" sz="1200" dirty="0" smtClean="0">
+                <a:solidFill>
+                  <a:schemeClr val="bg1"/>
+                </a:solidFill>
                 <a:latin typeface="+mn-ea"/>
               </a:rPr>
               <a:t>함수</a:t>
             </a:r>
             <a:endParaRPr lang="ko-KR" altLang="ko-KR" sz="1200" dirty="0" smtClean="0">
+              <a:solidFill>
+                <a:schemeClr val="bg1"/>
+              </a:solidFill>
               <a:latin typeface="+mn-ea"/>
             </a:endParaRPr>
           </a:p>
@@ -10984,11 +14576,17 @@
             </a:pPr>
             <a:r>
               <a:rPr lang="ko-KR" altLang="en-US" sz="1200" dirty="0" smtClean="0">
+                <a:solidFill>
+                  <a:schemeClr val="bg1"/>
+                </a:solidFill>
                 <a:latin typeface="+mn-ea"/>
               </a:rPr>
               <a:t>일정 간격으로 데이터 흐름을 생성</a:t>
             </a:r>
             <a:endParaRPr lang="en-US" altLang="ko-KR" sz="1200" dirty="0" smtClean="0">
+              <a:solidFill>
+                <a:schemeClr val="bg1"/>
+              </a:solidFill>
               <a:latin typeface="+mn-ea"/>
             </a:endParaRPr>
           </a:p>
@@ -11002,47 +14600,71 @@
             </a:pPr>
             <a:r>
               <a:rPr lang="ko-KR" altLang="en-US" sz="1200" dirty="0" smtClean="0">
+                <a:solidFill>
+                  <a:schemeClr val="bg1"/>
+                </a:solidFill>
                 <a:latin typeface="+mn-ea"/>
               </a:rPr>
               <a:t>주어진 시간 간격으로 </a:t>
             </a:r>
             <a:r>
               <a:rPr lang="en-US" altLang="ko-KR" sz="1200" dirty="0" smtClean="0">
+                <a:solidFill>
+                  <a:schemeClr val="bg1"/>
+                </a:solidFill>
                 <a:latin typeface="+mn-ea"/>
               </a:rPr>
               <a:t>0</a:t>
             </a:r>
             <a:r>
               <a:rPr lang="ko-KR" altLang="en-US" sz="1200" dirty="0" smtClean="0">
+                <a:solidFill>
+                  <a:schemeClr val="bg1"/>
+                </a:solidFill>
                 <a:latin typeface="+mn-ea"/>
               </a:rPr>
               <a:t>부터 </a:t>
             </a:r>
             <a:r>
               <a:rPr lang="en-US" altLang="ko-KR" sz="1200" dirty="0" smtClean="0">
+                <a:solidFill>
+                  <a:schemeClr val="bg1"/>
+                </a:solidFill>
                 <a:latin typeface="+mn-ea"/>
               </a:rPr>
               <a:t>1</a:t>
             </a:r>
             <a:r>
               <a:rPr lang="ko-KR" altLang="en-US" sz="1200" dirty="0" smtClean="0">
+                <a:solidFill>
+                  <a:schemeClr val="bg1"/>
+                </a:solidFill>
                 <a:latin typeface="+mn-ea"/>
               </a:rPr>
               <a:t>씩 증가하는 </a:t>
             </a:r>
             <a:r>
               <a:rPr lang="en-US" altLang="ko-KR" sz="1200" dirty="0" smtClean="0">
+                <a:solidFill>
+                  <a:schemeClr val="bg1"/>
+                </a:solidFill>
                 <a:latin typeface="+mn-ea"/>
               </a:rPr>
               <a:t>Long</a:t>
             </a:r>
             <a:r>
               <a:rPr lang="ko-KR" altLang="en-US" sz="1200" dirty="0" smtClean="0">
+                <a:solidFill>
+                  <a:schemeClr val="bg1"/>
+                </a:solidFill>
                 <a:latin typeface="+mn-ea"/>
               </a:rPr>
               <a:t>객체를 발행</a:t>
             </a:r>
             <a:endParaRPr lang="en-US" altLang="ko-KR" sz="1200" dirty="0" smtClean="0">
+              <a:solidFill>
+                <a:schemeClr val="bg1"/>
+              </a:solidFill>
               <a:latin typeface="+mn-ea"/>
             </a:endParaRPr>
           </a:p>
@@ -11056,11 +14678,17 @@
             </a:pPr>
             <a:r>
               <a:rPr lang="ko-KR" altLang="en-US" sz="1200" dirty="0" smtClean="0">
+                <a:solidFill>
+                  <a:schemeClr val="bg1"/>
+                </a:solidFill>
                 <a:latin typeface="+mn-ea"/>
               </a:rPr>
               <a:t>기본적으로 영원히 지속 실행</a:t>
             </a:r>
             <a:endParaRPr lang="en-US" altLang="ko-KR" sz="1200" dirty="0" smtClean="0">
+              <a:solidFill>
+                <a:schemeClr val="bg1"/>
+              </a:solidFill>
               <a:latin typeface="+mn-ea"/>
             </a:endParaRPr>
           </a:p>
@@ -11241,12 +14869,19 @@
             <a:pPr lvl="0"/>
             <a:r>
               <a:rPr lang="en-US" altLang="ko-KR" sz="2000" dirty="0" smtClean="0">
+                <a:solidFill>
+                  <a:schemeClr val="bg1"/>
+                </a:solidFill>
                 <a:latin typeface="+mj-ea"/>
                 <a:cs typeface="산돌고딕 L" panose="02030504000101010101" pitchFamily="18" charset="-127"/>
               </a:rPr>
               <a:t>3. Creating Observables</a:t>
             </a:r>
-            <a:endParaRPr lang="ko-KR" altLang="ko-KR" dirty="0"/>
+            <a:endParaRPr lang="ko-KR" altLang="ko-KR" dirty="0">
+              <a:solidFill>
+                <a:schemeClr val="bg1"/>
+              </a:solidFill>
+            </a:endParaRPr>
           </a:p>
         </p:txBody>
       </p:sp>
@@ -11278,17 +14913,26 @@
             </a:pPr>
             <a:r>
               <a:rPr lang="en-US" altLang="ko-KR" sz="1200" dirty="0" smtClean="0">
+                <a:solidFill>
+                  <a:schemeClr val="bg1"/>
+                </a:solidFill>
                 <a:latin typeface="+mn-ea"/>
               </a:rPr>
               <a:t>3.5 timer() </a:t>
             </a:r>
             <a:r>
               <a:rPr lang="ko-KR" altLang="en-US" sz="1200" dirty="0" smtClean="0">
+                <a:solidFill>
+                  <a:schemeClr val="bg1"/>
+                </a:solidFill>
                 <a:latin typeface="+mn-ea"/>
               </a:rPr>
               <a:t>함수</a:t>
             </a:r>
             <a:endParaRPr lang="ko-KR" altLang="ko-KR" sz="1200" dirty="0" smtClean="0">
+              <a:solidFill>
+                <a:schemeClr val="bg1"/>
+              </a:solidFill>
               <a:latin typeface="+mn-ea"/>
             </a:endParaRPr>
           </a:p>
@@ -11302,17 +14946,26 @@
             </a:pPr>
             <a:r>
               <a:rPr lang="en-US" altLang="ko-KR" sz="1200" dirty="0" smtClean="0">
+                <a:solidFill>
+                  <a:schemeClr val="bg1"/>
+                </a:solidFill>
                 <a:latin typeface="+mn-ea"/>
               </a:rPr>
               <a:t>Interval() </a:t>
             </a:r>
             <a:r>
               <a:rPr lang="ko-KR" altLang="en-US" sz="1200" dirty="0" smtClean="0">
+                <a:solidFill>
+                  <a:schemeClr val="bg1"/>
+                </a:solidFill>
                 <a:latin typeface="+mn-ea"/>
               </a:rPr>
               <a:t>함수와 유사하지만 한 번만 실행하는 함수</a:t>
             </a:r>
             <a:endParaRPr lang="en-US" altLang="ko-KR" sz="1200" dirty="0" smtClean="0">
+              <a:solidFill>
+                <a:schemeClr val="bg1"/>
+              </a:solidFill>
               <a:latin typeface="+mn-ea"/>
             </a:endParaRPr>
           </a:p>
@@ -11326,11 +14979,17 @@
             </a:pPr>
             <a:r>
               <a:rPr lang="ko-KR" altLang="en-US" sz="1200" dirty="0" smtClean="0">
+                <a:solidFill>
+                  <a:schemeClr val="bg1"/>
+                </a:solidFill>
                 <a:latin typeface="+mn-ea"/>
               </a:rPr>
               <a:t>보통 일정 시간이 지난 후 어떤 동작을 실행할 때 활용</a:t>
             </a:r>
             <a:endParaRPr lang="en-US" altLang="ko-KR" sz="1200" dirty="0" smtClean="0">
+              <a:solidFill>
+                <a:schemeClr val="bg1"/>
+              </a:solidFill>
               <a:latin typeface="+mn-ea"/>
             </a:endParaRPr>
           </a:p>
